--- a/python.pptx
+++ b/python.pptx
@@ -35,6 +35,11 @@
     <p:sldId id="284" r:id="rId29"/>
     <p:sldId id="285" r:id="rId30"/>
     <p:sldId id="280" r:id="rId31"/>
+    <p:sldId id="286" r:id="rId32"/>
+    <p:sldId id="287" r:id="rId33"/>
+    <p:sldId id="288" r:id="rId34"/>
+    <p:sldId id="289" r:id="rId35"/>
+    <p:sldId id="290" r:id="rId36"/>
   </p:sldIdLst>
   <p:sldSz cx="12192000" cy="6858000"/>
   <p:notesSz cx="6858000" cy="9144000"/>
@@ -288,7 +293,7 @@
           <a:p>
             <a:fld id="{3EC078F2-AD2A-4A57-B2B6-F0D9AD2AD2DF}" type="datetimeFigureOut">
               <a:rPr lang="pt-BR" smtClean="0"/>
-              <a:t>17/09/2024</a:t>
+              <a:t>18/09/2024</a:t>
             </a:fld>
             <a:endParaRPr lang="pt-BR"/>
           </a:p>
@@ -486,7 +491,7 @@
           <a:p>
             <a:fld id="{3EC078F2-AD2A-4A57-B2B6-F0D9AD2AD2DF}" type="datetimeFigureOut">
               <a:rPr lang="pt-BR" smtClean="0"/>
-              <a:t>17/09/2024</a:t>
+              <a:t>18/09/2024</a:t>
             </a:fld>
             <a:endParaRPr lang="pt-BR"/>
           </a:p>
@@ -694,7 +699,7 @@
           <a:p>
             <a:fld id="{3EC078F2-AD2A-4A57-B2B6-F0D9AD2AD2DF}" type="datetimeFigureOut">
               <a:rPr lang="pt-BR" smtClean="0"/>
-              <a:t>17/09/2024</a:t>
+              <a:t>18/09/2024</a:t>
             </a:fld>
             <a:endParaRPr lang="pt-BR"/>
           </a:p>
@@ -892,7 +897,7 @@
           <a:p>
             <a:fld id="{3EC078F2-AD2A-4A57-B2B6-F0D9AD2AD2DF}" type="datetimeFigureOut">
               <a:rPr lang="pt-BR" smtClean="0"/>
-              <a:t>17/09/2024</a:t>
+              <a:t>18/09/2024</a:t>
             </a:fld>
             <a:endParaRPr lang="pt-BR"/>
           </a:p>
@@ -1167,7 +1172,7 @@
           <a:p>
             <a:fld id="{3EC078F2-AD2A-4A57-B2B6-F0D9AD2AD2DF}" type="datetimeFigureOut">
               <a:rPr lang="pt-BR" smtClean="0"/>
-              <a:t>17/09/2024</a:t>
+              <a:t>18/09/2024</a:t>
             </a:fld>
             <a:endParaRPr lang="pt-BR"/>
           </a:p>
@@ -1432,7 +1437,7 @@
           <a:p>
             <a:fld id="{3EC078F2-AD2A-4A57-B2B6-F0D9AD2AD2DF}" type="datetimeFigureOut">
               <a:rPr lang="pt-BR" smtClean="0"/>
-              <a:t>17/09/2024</a:t>
+              <a:t>18/09/2024</a:t>
             </a:fld>
             <a:endParaRPr lang="pt-BR"/>
           </a:p>
@@ -1844,7 +1849,7 @@
           <a:p>
             <a:fld id="{3EC078F2-AD2A-4A57-B2B6-F0D9AD2AD2DF}" type="datetimeFigureOut">
               <a:rPr lang="pt-BR" smtClean="0"/>
-              <a:t>17/09/2024</a:t>
+              <a:t>18/09/2024</a:t>
             </a:fld>
             <a:endParaRPr lang="pt-BR"/>
           </a:p>
@@ -1985,7 +1990,7 @@
           <a:p>
             <a:fld id="{3EC078F2-AD2A-4A57-B2B6-F0D9AD2AD2DF}" type="datetimeFigureOut">
               <a:rPr lang="pt-BR" smtClean="0"/>
-              <a:t>17/09/2024</a:t>
+              <a:t>18/09/2024</a:t>
             </a:fld>
             <a:endParaRPr lang="pt-BR"/>
           </a:p>
@@ -2098,7 +2103,7 @@
           <a:p>
             <a:fld id="{3EC078F2-AD2A-4A57-B2B6-F0D9AD2AD2DF}" type="datetimeFigureOut">
               <a:rPr lang="pt-BR" smtClean="0"/>
-              <a:t>17/09/2024</a:t>
+              <a:t>18/09/2024</a:t>
             </a:fld>
             <a:endParaRPr lang="pt-BR"/>
           </a:p>
@@ -2409,7 +2414,7 @@
           <a:p>
             <a:fld id="{3EC078F2-AD2A-4A57-B2B6-F0D9AD2AD2DF}" type="datetimeFigureOut">
               <a:rPr lang="pt-BR" smtClean="0"/>
-              <a:t>17/09/2024</a:t>
+              <a:t>18/09/2024</a:t>
             </a:fld>
             <a:endParaRPr lang="pt-BR"/>
           </a:p>
@@ -2697,7 +2702,7 @@
           <a:p>
             <a:fld id="{3EC078F2-AD2A-4A57-B2B6-F0D9AD2AD2DF}" type="datetimeFigureOut">
               <a:rPr lang="pt-BR" smtClean="0"/>
-              <a:t>17/09/2024</a:t>
+              <a:t>18/09/2024</a:t>
             </a:fld>
             <a:endParaRPr lang="pt-BR"/>
           </a:p>
@@ -2938,7 +2943,7 @@
           <a:p>
             <a:fld id="{3EC078F2-AD2A-4A57-B2B6-F0D9AD2AD2DF}" type="datetimeFigureOut">
               <a:rPr lang="pt-BR" smtClean="0"/>
-              <a:t>17/09/2024</a:t>
+              <a:t>18/09/2024</a:t>
             </a:fld>
             <a:endParaRPr lang="pt-BR"/>
           </a:p>
@@ -7392,6 +7397,666 @@
     <p:extLst>
       <p:ext uri="{BB962C8B-B14F-4D97-AF65-F5344CB8AC3E}">
         <p14:creationId xmlns:p14="http://schemas.microsoft.com/office/powerpoint/2010/main" val="921356274"/>
+      </p:ext>
+    </p:extLst>
+  </p:cSld>
+  <p:clrMapOvr>
+    <a:masterClrMapping/>
+  </p:clrMapOvr>
+</p:sld>
+</file>
+
+<file path=ppt/slides/slide31.xml><?xml version="1.0" encoding="utf-8"?>
+<p:sld xmlns:a="http://schemas.openxmlformats.org/drawingml/2006/main" xmlns:r="http://schemas.openxmlformats.org/officeDocument/2006/relationships" xmlns:p="http://schemas.openxmlformats.org/presentationml/2006/main">
+  <p:cSld>
+    <p:spTree>
+      <p:nvGrpSpPr>
+        <p:cNvPr id="1" name=""/>
+        <p:cNvGrpSpPr/>
+        <p:nvPr/>
+      </p:nvGrpSpPr>
+      <p:grpSpPr>
+        <a:xfrm>
+          <a:off x="0" y="0"/>
+          <a:ext cx="0" cy="0"/>
+          <a:chOff x="0" y="0"/>
+          <a:chExt cx="0" cy="0"/>
+        </a:xfrm>
+      </p:grpSpPr>
+      <p:sp>
+        <p:nvSpPr>
+          <p:cNvPr id="2" name="Título 1">
+            <a:extLst>
+              <a:ext uri="{FF2B5EF4-FFF2-40B4-BE49-F238E27FC236}">
+                <a16:creationId xmlns:a16="http://schemas.microsoft.com/office/drawing/2014/main" id="{524ABCAD-5694-3F94-7CAF-ACFEBA6981EB}"/>
+              </a:ext>
+            </a:extLst>
+          </p:cNvPr>
+          <p:cNvSpPr>
+            <a:spLocks noGrp="1"/>
+          </p:cNvSpPr>
+          <p:nvPr>
+            <p:ph type="title"/>
+          </p:nvPr>
+        </p:nvSpPr>
+        <p:spPr/>
+        <p:txBody>
+          <a:bodyPr/>
+          <a:lstStyle/>
+          <a:p>
+            <a:r>
+              <a:rPr lang="pt-BR" dirty="0"/>
+              <a:t>Adicionar coluna</a:t>
+            </a:r>
+          </a:p>
+        </p:txBody>
+      </p:sp>
+      <p:pic>
+        <p:nvPicPr>
+          <p:cNvPr id="4" name="Imagem 3">
+            <a:extLst>
+              <a:ext uri="{FF2B5EF4-FFF2-40B4-BE49-F238E27FC236}">
+                <a16:creationId xmlns:a16="http://schemas.microsoft.com/office/drawing/2014/main" id="{DF561EF7-1474-047B-EBE3-0895CF85E741}"/>
+              </a:ext>
+            </a:extLst>
+          </p:cNvPr>
+          <p:cNvPicPr>
+            <a:picLocks noChangeAspect="1"/>
+          </p:cNvPicPr>
+          <p:nvPr/>
+        </p:nvPicPr>
+        <p:blipFill>
+          <a:blip r:embed="rId2"/>
+          <a:stretch>
+            <a:fillRect/>
+          </a:stretch>
+        </p:blipFill>
+        <p:spPr>
+          <a:xfrm>
+            <a:off x="997601" y="2376145"/>
+            <a:ext cx="4201111" cy="1457528"/>
+          </a:xfrm>
+          <a:prstGeom prst="rect">
+            <a:avLst/>
+          </a:prstGeom>
+        </p:spPr>
+      </p:pic>
+      <p:pic>
+        <p:nvPicPr>
+          <p:cNvPr id="6" name="Imagem 5">
+            <a:extLst>
+              <a:ext uri="{FF2B5EF4-FFF2-40B4-BE49-F238E27FC236}">
+                <a16:creationId xmlns:a16="http://schemas.microsoft.com/office/drawing/2014/main" id="{3125355D-880E-9A12-3F91-A10E98559A29}"/>
+              </a:ext>
+            </a:extLst>
+          </p:cNvPr>
+          <p:cNvPicPr>
+            <a:picLocks noChangeAspect="1"/>
+          </p:cNvPicPr>
+          <p:nvPr/>
+        </p:nvPicPr>
+        <p:blipFill>
+          <a:blip r:embed="rId3"/>
+          <a:stretch>
+            <a:fillRect/>
+          </a:stretch>
+        </p:blipFill>
+        <p:spPr>
+          <a:xfrm>
+            <a:off x="5322432" y="1690688"/>
+            <a:ext cx="6801799" cy="4363059"/>
+          </a:xfrm>
+          <a:prstGeom prst="rect">
+            <a:avLst/>
+          </a:prstGeom>
+        </p:spPr>
+      </p:pic>
+    </p:spTree>
+    <p:extLst>
+      <p:ext uri="{BB962C8B-B14F-4D97-AF65-F5344CB8AC3E}">
+        <p14:creationId xmlns:p14="http://schemas.microsoft.com/office/powerpoint/2010/main" val="1344079680"/>
+      </p:ext>
+    </p:extLst>
+  </p:cSld>
+  <p:clrMapOvr>
+    <a:masterClrMapping/>
+  </p:clrMapOvr>
+</p:sld>
+</file>
+
+<file path=ppt/slides/slide32.xml><?xml version="1.0" encoding="utf-8"?>
+<p:sld xmlns:a="http://schemas.openxmlformats.org/drawingml/2006/main" xmlns:r="http://schemas.openxmlformats.org/officeDocument/2006/relationships" xmlns:p="http://schemas.openxmlformats.org/presentationml/2006/main">
+  <p:cSld>
+    <p:spTree>
+      <p:nvGrpSpPr>
+        <p:cNvPr id="1" name=""/>
+        <p:cNvGrpSpPr/>
+        <p:nvPr/>
+      </p:nvGrpSpPr>
+      <p:grpSpPr>
+        <a:xfrm>
+          <a:off x="0" y="0"/>
+          <a:ext cx="0" cy="0"/>
+          <a:chOff x="0" y="0"/>
+          <a:chExt cx="0" cy="0"/>
+        </a:xfrm>
+      </p:grpSpPr>
+      <p:sp>
+        <p:nvSpPr>
+          <p:cNvPr id="2" name="Título 1">
+            <a:extLst>
+              <a:ext uri="{FF2B5EF4-FFF2-40B4-BE49-F238E27FC236}">
+                <a16:creationId xmlns:a16="http://schemas.microsoft.com/office/drawing/2014/main" id="{649FA90D-0197-2D72-E5F9-E42AEA7BD790}"/>
+              </a:ext>
+            </a:extLst>
+          </p:cNvPr>
+          <p:cNvSpPr>
+            <a:spLocks noGrp="1"/>
+          </p:cNvSpPr>
+          <p:nvPr>
+            <p:ph type="title"/>
+          </p:nvPr>
+        </p:nvSpPr>
+        <p:spPr/>
+        <p:txBody>
+          <a:bodyPr/>
+          <a:lstStyle/>
+          <a:p>
+            <a:r>
+              <a:rPr lang="pt-BR" dirty="0"/>
+              <a:t>Deixar </a:t>
+            </a:r>
+            <a:r>
+              <a:rPr lang="pt-BR" dirty="0" err="1"/>
+              <a:t>maiscula</a:t>
+            </a:r>
+            <a:r>
+              <a:rPr lang="pt-BR" dirty="0"/>
+              <a:t> (tem que ser </a:t>
+            </a:r>
+            <a:r>
+              <a:rPr lang="pt-BR" dirty="0" err="1"/>
+              <a:t>str</a:t>
+            </a:r>
+            <a:r>
+              <a:rPr lang="pt-BR" dirty="0"/>
+              <a:t>)</a:t>
+            </a:r>
+          </a:p>
+        </p:txBody>
+      </p:sp>
+      <p:pic>
+        <p:nvPicPr>
+          <p:cNvPr id="4" name="Imagem 3">
+            <a:extLst>
+              <a:ext uri="{FF2B5EF4-FFF2-40B4-BE49-F238E27FC236}">
+                <a16:creationId xmlns:a16="http://schemas.microsoft.com/office/drawing/2014/main" id="{52B8052A-0E5E-7587-AB25-C165267D6CB0}"/>
+              </a:ext>
+            </a:extLst>
+          </p:cNvPr>
+          <p:cNvPicPr>
+            <a:picLocks noChangeAspect="1"/>
+          </p:cNvPicPr>
+          <p:nvPr/>
+        </p:nvPicPr>
+        <p:blipFill>
+          <a:blip r:embed="rId2"/>
+          <a:stretch>
+            <a:fillRect/>
+          </a:stretch>
+        </p:blipFill>
+        <p:spPr>
+          <a:xfrm>
+            <a:off x="3109495" y="1896319"/>
+            <a:ext cx="5973009" cy="4315427"/>
+          </a:xfrm>
+          <a:prstGeom prst="rect">
+            <a:avLst/>
+          </a:prstGeom>
+        </p:spPr>
+      </p:pic>
+    </p:spTree>
+    <p:extLst>
+      <p:ext uri="{BB962C8B-B14F-4D97-AF65-F5344CB8AC3E}">
+        <p14:creationId xmlns:p14="http://schemas.microsoft.com/office/powerpoint/2010/main" val="2322274520"/>
+      </p:ext>
+    </p:extLst>
+  </p:cSld>
+  <p:clrMapOvr>
+    <a:masterClrMapping/>
+  </p:clrMapOvr>
+</p:sld>
+</file>
+
+<file path=ppt/slides/slide33.xml><?xml version="1.0" encoding="utf-8"?>
+<p:sld xmlns:a="http://schemas.openxmlformats.org/drawingml/2006/main" xmlns:r="http://schemas.openxmlformats.org/officeDocument/2006/relationships" xmlns:p="http://schemas.openxmlformats.org/presentationml/2006/main">
+  <p:cSld>
+    <p:spTree>
+      <p:nvGrpSpPr>
+        <p:cNvPr id="1" name=""/>
+        <p:cNvGrpSpPr/>
+        <p:nvPr/>
+      </p:nvGrpSpPr>
+      <p:grpSpPr>
+        <a:xfrm>
+          <a:off x="0" y="0"/>
+          <a:ext cx="0" cy="0"/>
+          <a:chOff x="0" y="0"/>
+          <a:chExt cx="0" cy="0"/>
+        </a:xfrm>
+      </p:grpSpPr>
+      <p:sp>
+        <p:nvSpPr>
+          <p:cNvPr id="2" name="Título 1">
+            <a:extLst>
+              <a:ext uri="{FF2B5EF4-FFF2-40B4-BE49-F238E27FC236}">
+                <a16:creationId xmlns:a16="http://schemas.microsoft.com/office/drawing/2014/main" id="{6B6FF922-50E5-0C50-8D09-8735311B59F2}"/>
+              </a:ext>
+            </a:extLst>
+          </p:cNvPr>
+          <p:cNvSpPr>
+            <a:spLocks noGrp="1"/>
+          </p:cNvSpPr>
+          <p:nvPr>
+            <p:ph type="title"/>
+          </p:nvPr>
+        </p:nvSpPr>
+        <p:spPr/>
+        <p:txBody>
+          <a:bodyPr/>
+          <a:lstStyle/>
+          <a:p>
+            <a:r>
+              <a:rPr lang="pt-BR" dirty="0"/>
+              <a:t>Pegar texto antes de algo</a:t>
+            </a:r>
+          </a:p>
+        </p:txBody>
+      </p:sp>
+      <p:pic>
+        <p:nvPicPr>
+          <p:cNvPr id="6" name="Espaço Reservado para Conteúdo 5">
+            <a:extLst>
+              <a:ext uri="{FF2B5EF4-FFF2-40B4-BE49-F238E27FC236}">
+                <a16:creationId xmlns:a16="http://schemas.microsoft.com/office/drawing/2014/main" id="{FBC3B3F4-B4B6-5A41-09E9-08FA1F8D501B}"/>
+              </a:ext>
+            </a:extLst>
+          </p:cNvPr>
+          <p:cNvPicPr>
+            <a:picLocks noGrp="1" noChangeAspect="1"/>
+          </p:cNvPicPr>
+          <p:nvPr>
+            <p:ph idx="1"/>
+          </p:nvPr>
+        </p:nvPicPr>
+        <p:blipFill>
+          <a:blip r:embed="rId2"/>
+          <a:stretch>
+            <a:fillRect/>
+          </a:stretch>
+        </p:blipFill>
+        <p:spPr>
+          <a:xfrm>
+            <a:off x="5258968" y="1480866"/>
+            <a:ext cx="6020640" cy="3886742"/>
+          </a:xfrm>
+        </p:spPr>
+      </p:pic>
+      <p:sp>
+        <p:nvSpPr>
+          <p:cNvPr id="4" name="Espaço Reservado para Texto 3">
+            <a:extLst>
+              <a:ext uri="{FF2B5EF4-FFF2-40B4-BE49-F238E27FC236}">
+                <a16:creationId xmlns:a16="http://schemas.microsoft.com/office/drawing/2014/main" id="{EFC790EA-AC35-FDC3-BE78-7D984ACC3BDE}"/>
+              </a:ext>
+            </a:extLst>
+          </p:cNvPr>
+          <p:cNvSpPr>
+            <a:spLocks noGrp="1"/>
+          </p:cNvSpPr>
+          <p:nvPr>
+            <p:ph type="body" sz="half" idx="2"/>
+          </p:nvPr>
+        </p:nvSpPr>
+        <p:spPr/>
+        <p:txBody>
+          <a:bodyPr/>
+          <a:lstStyle/>
+          <a:p>
+            <a:r>
+              <a:rPr lang="pt-BR" dirty="0" err="1"/>
+              <a:t>Apply</a:t>
+            </a:r>
+            <a:r>
+              <a:rPr lang="pt-BR" dirty="0"/>
+              <a:t> ele aplica uma função em todas a </a:t>
+            </a:r>
+            <a:r>
+              <a:rPr lang="pt-BR" dirty="0" err="1"/>
+              <a:t>slinhas</a:t>
+            </a:r>
+            <a:r>
+              <a:rPr lang="pt-BR" dirty="0"/>
+              <a:t> da serie</a:t>
+            </a:r>
+          </a:p>
+          <a:p>
+            <a:endParaRPr lang="pt-BR" dirty="0"/>
+          </a:p>
+          <a:p>
+            <a:endParaRPr lang="pt-BR" dirty="0"/>
+          </a:p>
+          <a:p>
+            <a:endParaRPr lang="pt-BR" dirty="0"/>
+          </a:p>
+        </p:txBody>
+      </p:sp>
+    </p:spTree>
+    <p:extLst>
+      <p:ext uri="{BB962C8B-B14F-4D97-AF65-F5344CB8AC3E}">
+        <p14:creationId xmlns:p14="http://schemas.microsoft.com/office/powerpoint/2010/main" val="825580828"/>
+      </p:ext>
+    </p:extLst>
+  </p:cSld>
+  <p:clrMapOvr>
+    <a:masterClrMapping/>
+  </p:clrMapOvr>
+</p:sld>
+</file>
+
+<file path=ppt/slides/slide34.xml><?xml version="1.0" encoding="utf-8"?>
+<p:sld xmlns:a="http://schemas.openxmlformats.org/drawingml/2006/main" xmlns:r="http://schemas.openxmlformats.org/officeDocument/2006/relationships" xmlns:p="http://schemas.openxmlformats.org/presentationml/2006/main">
+  <p:cSld>
+    <p:spTree>
+      <p:nvGrpSpPr>
+        <p:cNvPr id="1" name=""/>
+        <p:cNvGrpSpPr/>
+        <p:nvPr/>
+      </p:nvGrpSpPr>
+      <p:grpSpPr>
+        <a:xfrm>
+          <a:off x="0" y="0"/>
+          <a:ext cx="0" cy="0"/>
+          <a:chOff x="0" y="0"/>
+          <a:chExt cx="0" cy="0"/>
+        </a:xfrm>
+      </p:grpSpPr>
+      <p:sp>
+        <p:nvSpPr>
+          <p:cNvPr id="2" name="Título 1">
+            <a:extLst>
+              <a:ext uri="{FF2B5EF4-FFF2-40B4-BE49-F238E27FC236}">
+                <a16:creationId xmlns:a16="http://schemas.microsoft.com/office/drawing/2014/main" id="{719CC449-9ABF-6617-2532-87120D56561F}"/>
+              </a:ext>
+            </a:extLst>
+          </p:cNvPr>
+          <p:cNvSpPr>
+            <a:spLocks noGrp="1"/>
+          </p:cNvSpPr>
+          <p:nvPr>
+            <p:ph type="title"/>
+          </p:nvPr>
+        </p:nvSpPr>
+        <p:spPr/>
+        <p:txBody>
+          <a:bodyPr/>
+          <a:lstStyle/>
+          <a:p>
+            <a:r>
+              <a:rPr lang="pt-BR" dirty="0"/>
+              <a:t>lambda</a:t>
+            </a:r>
+          </a:p>
+        </p:txBody>
+      </p:sp>
+      <p:sp>
+        <p:nvSpPr>
+          <p:cNvPr id="3" name="Espaço Reservado para Conteúdo 2">
+            <a:extLst>
+              <a:ext uri="{FF2B5EF4-FFF2-40B4-BE49-F238E27FC236}">
+                <a16:creationId xmlns:a16="http://schemas.microsoft.com/office/drawing/2014/main" id="{69409093-DB08-684A-AF2F-01E4FEF672DE}"/>
+              </a:ext>
+            </a:extLst>
+          </p:cNvPr>
+          <p:cNvSpPr>
+            <a:spLocks noGrp="1"/>
+          </p:cNvSpPr>
+          <p:nvPr>
+            <p:ph idx="1"/>
+          </p:nvPr>
+        </p:nvSpPr>
+        <p:spPr/>
+        <p:txBody>
+          <a:bodyPr/>
+          <a:lstStyle/>
+          <a:p>
+            <a:r>
+              <a:rPr lang="pt-BR" dirty="0"/>
+              <a:t>É como um </a:t>
+            </a:r>
+            <a:r>
+              <a:rPr lang="pt-BR" dirty="0" err="1"/>
+              <a:t>def</a:t>
+            </a:r>
+            <a:r>
+              <a:rPr lang="pt-BR" dirty="0"/>
+              <a:t>, mas usada em apenas uma linha</a:t>
+            </a:r>
+          </a:p>
+          <a:p>
+            <a:r>
+              <a:rPr lang="pt-BR" dirty="0"/>
+              <a:t>Exemplo:</a:t>
+            </a:r>
+          </a:p>
+          <a:p>
+            <a:r>
+              <a:rPr lang="pt-BR" dirty="0" err="1"/>
+              <a:t>Df</a:t>
+            </a:r>
+            <a:r>
+              <a:rPr lang="pt-BR" dirty="0"/>
+              <a:t> = lambda nome: </a:t>
+            </a:r>
+            <a:r>
+              <a:rPr lang="pt-BR" dirty="0" err="1"/>
+              <a:t>nome.split</a:t>
+            </a:r>
+            <a:r>
+              <a:rPr lang="pt-BR" dirty="0"/>
+              <a:t>(“_”)[0]</a:t>
+            </a:r>
+          </a:p>
+          <a:p>
+            <a:r>
+              <a:rPr lang="pt-BR" dirty="0" err="1"/>
+              <a:t>Df</a:t>
+            </a:r>
+            <a:endParaRPr lang="pt-BR" dirty="0"/>
+          </a:p>
+          <a:p>
+            <a:endParaRPr lang="pt-BR" dirty="0"/>
+          </a:p>
+        </p:txBody>
+      </p:sp>
+      <p:sp>
+        <p:nvSpPr>
+          <p:cNvPr id="4" name="Espaço Reservado para Texto 3">
+            <a:extLst>
+              <a:ext uri="{FF2B5EF4-FFF2-40B4-BE49-F238E27FC236}">
+                <a16:creationId xmlns:a16="http://schemas.microsoft.com/office/drawing/2014/main" id="{5A513FCF-9B90-AD95-7F40-9AA767887CF7}"/>
+              </a:ext>
+            </a:extLst>
+          </p:cNvPr>
+          <p:cNvSpPr>
+            <a:spLocks noGrp="1"/>
+          </p:cNvSpPr>
+          <p:nvPr>
+            <p:ph type="body" sz="half" idx="2"/>
+          </p:nvPr>
+        </p:nvSpPr>
+        <p:spPr/>
+        <p:txBody>
+          <a:bodyPr/>
+          <a:lstStyle/>
+          <a:p>
+            <a:r>
+              <a:rPr lang="pt-BR" dirty="0"/>
+              <a:t>É a função mais simples</a:t>
+            </a:r>
+          </a:p>
+          <a:p>
+            <a:r>
+              <a:rPr lang="pt-BR" dirty="0"/>
+              <a:t>Usar apenas uma linha e não há reincidência</a:t>
+            </a:r>
+          </a:p>
+          <a:p>
+            <a:r>
+              <a:rPr lang="pt-BR" dirty="0"/>
+              <a:t>Usada pra não poluir o projeto</a:t>
+            </a:r>
+          </a:p>
+          <a:p>
+            <a:r>
+              <a:rPr lang="pt-BR" dirty="0"/>
+              <a:t>“função </a:t>
+            </a:r>
+            <a:r>
+              <a:rPr lang="pt-BR" dirty="0" err="1"/>
+              <a:t>anonima</a:t>
+            </a:r>
+            <a:r>
+              <a:rPr lang="pt-BR" dirty="0"/>
+              <a:t>”</a:t>
+            </a:r>
+          </a:p>
+        </p:txBody>
+      </p:sp>
+    </p:spTree>
+    <p:extLst>
+      <p:ext uri="{BB962C8B-B14F-4D97-AF65-F5344CB8AC3E}">
+        <p14:creationId xmlns:p14="http://schemas.microsoft.com/office/powerpoint/2010/main" val="2926101122"/>
+      </p:ext>
+    </p:extLst>
+  </p:cSld>
+  <p:clrMapOvr>
+    <a:masterClrMapping/>
+  </p:clrMapOvr>
+</p:sld>
+</file>
+
+<file path=ppt/slides/slide35.xml><?xml version="1.0" encoding="utf-8"?>
+<p:sld xmlns:a="http://schemas.openxmlformats.org/drawingml/2006/main" xmlns:r="http://schemas.openxmlformats.org/officeDocument/2006/relationships" xmlns:p="http://schemas.openxmlformats.org/presentationml/2006/main">
+  <p:cSld>
+    <p:spTree>
+      <p:nvGrpSpPr>
+        <p:cNvPr id="1" name=""/>
+        <p:cNvGrpSpPr/>
+        <p:nvPr/>
+      </p:nvGrpSpPr>
+      <p:grpSpPr>
+        <a:xfrm>
+          <a:off x="0" y="0"/>
+          <a:ext cx="0" cy="0"/>
+          <a:chOff x="0" y="0"/>
+          <a:chExt cx="0" cy="0"/>
+        </a:xfrm>
+      </p:grpSpPr>
+      <p:sp>
+        <p:nvSpPr>
+          <p:cNvPr id="2" name="Título 1">
+            <a:extLst>
+              <a:ext uri="{FF2B5EF4-FFF2-40B4-BE49-F238E27FC236}">
+                <a16:creationId xmlns:a16="http://schemas.microsoft.com/office/drawing/2014/main" id="{49FCA779-0757-7E12-1EAF-786AADE532FF}"/>
+              </a:ext>
+            </a:extLst>
+          </p:cNvPr>
+          <p:cNvSpPr>
+            <a:spLocks noGrp="1"/>
+          </p:cNvSpPr>
+          <p:nvPr>
+            <p:ph type="title"/>
+          </p:nvPr>
+        </p:nvSpPr>
+        <p:spPr/>
+        <p:txBody>
+          <a:bodyPr/>
+          <a:lstStyle/>
+          <a:p>
+            <a:r>
+              <a:rPr lang="pt-BR" dirty="0"/>
+              <a:t>Estilo pegar últimos valores de algo</a:t>
+            </a:r>
+          </a:p>
+        </p:txBody>
+      </p:sp>
+      <p:pic>
+        <p:nvPicPr>
+          <p:cNvPr id="6" name="Espaço Reservado para Conteúdo 5">
+            <a:extLst>
+              <a:ext uri="{FF2B5EF4-FFF2-40B4-BE49-F238E27FC236}">
+                <a16:creationId xmlns:a16="http://schemas.microsoft.com/office/drawing/2014/main" id="{6FDEFBC9-793A-5A7B-ABC3-0E598CC74B3D}"/>
+              </a:ext>
+            </a:extLst>
+          </p:cNvPr>
+          <p:cNvPicPr>
+            <a:picLocks noGrp="1" noChangeAspect="1"/>
+          </p:cNvPicPr>
+          <p:nvPr>
+            <p:ph idx="1"/>
+          </p:nvPr>
+        </p:nvPicPr>
+        <p:blipFill>
+          <a:blip r:embed="rId2"/>
+          <a:stretch>
+            <a:fillRect/>
+          </a:stretch>
+        </p:blipFill>
+        <p:spPr>
+          <a:xfrm>
+            <a:off x="5183188" y="2452688"/>
+            <a:ext cx="6172200" cy="1943099"/>
+          </a:xfrm>
+        </p:spPr>
+      </p:pic>
+      <p:sp>
+        <p:nvSpPr>
+          <p:cNvPr id="4" name="Espaço Reservado para Texto 3">
+            <a:extLst>
+              <a:ext uri="{FF2B5EF4-FFF2-40B4-BE49-F238E27FC236}">
+                <a16:creationId xmlns:a16="http://schemas.microsoft.com/office/drawing/2014/main" id="{BB996151-6310-9264-4C8C-8FDCF972D490}"/>
+              </a:ext>
+            </a:extLst>
+          </p:cNvPr>
+          <p:cNvSpPr>
+            <a:spLocks noGrp="1"/>
+          </p:cNvSpPr>
+          <p:nvPr>
+            <p:ph type="body" sz="half" idx="2"/>
+          </p:nvPr>
+        </p:nvSpPr>
+        <p:spPr/>
+        <p:txBody>
+          <a:bodyPr/>
+          <a:lstStyle/>
+          <a:p>
+            <a:r>
+              <a:rPr lang="pt-BR" dirty="0"/>
+              <a:t>Igual quando mostra últimos valores do numero do </a:t>
+            </a:r>
+            <a:r>
+              <a:rPr lang="pt-BR"/>
+              <a:t>cartao</a:t>
+            </a:r>
+            <a:endParaRPr lang="pt-BR" dirty="0"/>
+          </a:p>
+        </p:txBody>
+      </p:sp>
+    </p:spTree>
+    <p:extLst>
+      <p:ext uri="{BB962C8B-B14F-4D97-AF65-F5344CB8AC3E}">
+        <p14:creationId xmlns:p14="http://schemas.microsoft.com/office/powerpoint/2010/main" val="1603404132"/>
       </p:ext>
     </p:extLst>
   </p:cSld>

--- a/python.pptx
+++ b/python.pptx
@@ -40,6 +40,13 @@
     <p:sldId id="288" r:id="rId34"/>
     <p:sldId id="289" r:id="rId35"/>
     <p:sldId id="290" r:id="rId36"/>
+    <p:sldId id="291" r:id="rId37"/>
+    <p:sldId id="292" r:id="rId38"/>
+    <p:sldId id="293" r:id="rId39"/>
+    <p:sldId id="294" r:id="rId40"/>
+    <p:sldId id="295" r:id="rId41"/>
+    <p:sldId id="296" r:id="rId42"/>
+    <p:sldId id="297" r:id="rId43"/>
   </p:sldIdLst>
   <p:sldSz cx="12192000" cy="6858000"/>
   <p:notesSz cx="6858000" cy="9144000"/>
@@ -293,7 +300,7 @@
           <a:p>
             <a:fld id="{3EC078F2-AD2A-4A57-B2B6-F0D9AD2AD2DF}" type="datetimeFigureOut">
               <a:rPr lang="pt-BR" smtClean="0"/>
-              <a:t>18/09/2024</a:t>
+              <a:t>20/09/2024</a:t>
             </a:fld>
             <a:endParaRPr lang="pt-BR"/>
           </a:p>
@@ -491,7 +498,7 @@
           <a:p>
             <a:fld id="{3EC078F2-AD2A-4A57-B2B6-F0D9AD2AD2DF}" type="datetimeFigureOut">
               <a:rPr lang="pt-BR" smtClean="0"/>
-              <a:t>18/09/2024</a:t>
+              <a:t>20/09/2024</a:t>
             </a:fld>
             <a:endParaRPr lang="pt-BR"/>
           </a:p>
@@ -699,7 +706,7 @@
           <a:p>
             <a:fld id="{3EC078F2-AD2A-4A57-B2B6-F0D9AD2AD2DF}" type="datetimeFigureOut">
               <a:rPr lang="pt-BR" smtClean="0"/>
-              <a:t>18/09/2024</a:t>
+              <a:t>20/09/2024</a:t>
             </a:fld>
             <a:endParaRPr lang="pt-BR"/>
           </a:p>
@@ -897,7 +904,7 @@
           <a:p>
             <a:fld id="{3EC078F2-AD2A-4A57-B2B6-F0D9AD2AD2DF}" type="datetimeFigureOut">
               <a:rPr lang="pt-BR" smtClean="0"/>
-              <a:t>18/09/2024</a:t>
+              <a:t>20/09/2024</a:t>
             </a:fld>
             <a:endParaRPr lang="pt-BR"/>
           </a:p>
@@ -1172,7 +1179,7 @@
           <a:p>
             <a:fld id="{3EC078F2-AD2A-4A57-B2B6-F0D9AD2AD2DF}" type="datetimeFigureOut">
               <a:rPr lang="pt-BR" smtClean="0"/>
-              <a:t>18/09/2024</a:t>
+              <a:t>20/09/2024</a:t>
             </a:fld>
             <a:endParaRPr lang="pt-BR"/>
           </a:p>
@@ -1437,7 +1444,7 @@
           <a:p>
             <a:fld id="{3EC078F2-AD2A-4A57-B2B6-F0D9AD2AD2DF}" type="datetimeFigureOut">
               <a:rPr lang="pt-BR" smtClean="0"/>
-              <a:t>18/09/2024</a:t>
+              <a:t>20/09/2024</a:t>
             </a:fld>
             <a:endParaRPr lang="pt-BR"/>
           </a:p>
@@ -1849,7 +1856,7 @@
           <a:p>
             <a:fld id="{3EC078F2-AD2A-4A57-B2B6-F0D9AD2AD2DF}" type="datetimeFigureOut">
               <a:rPr lang="pt-BR" smtClean="0"/>
-              <a:t>18/09/2024</a:t>
+              <a:t>20/09/2024</a:t>
             </a:fld>
             <a:endParaRPr lang="pt-BR"/>
           </a:p>
@@ -1990,7 +1997,7 @@
           <a:p>
             <a:fld id="{3EC078F2-AD2A-4A57-B2B6-F0D9AD2AD2DF}" type="datetimeFigureOut">
               <a:rPr lang="pt-BR" smtClean="0"/>
-              <a:t>18/09/2024</a:t>
+              <a:t>20/09/2024</a:t>
             </a:fld>
             <a:endParaRPr lang="pt-BR"/>
           </a:p>
@@ -2103,7 +2110,7 @@
           <a:p>
             <a:fld id="{3EC078F2-AD2A-4A57-B2B6-F0D9AD2AD2DF}" type="datetimeFigureOut">
               <a:rPr lang="pt-BR" smtClean="0"/>
-              <a:t>18/09/2024</a:t>
+              <a:t>20/09/2024</a:t>
             </a:fld>
             <a:endParaRPr lang="pt-BR"/>
           </a:p>
@@ -2414,7 +2421,7 @@
           <a:p>
             <a:fld id="{3EC078F2-AD2A-4A57-B2B6-F0D9AD2AD2DF}" type="datetimeFigureOut">
               <a:rPr lang="pt-BR" smtClean="0"/>
-              <a:t>18/09/2024</a:t>
+              <a:t>20/09/2024</a:t>
             </a:fld>
             <a:endParaRPr lang="pt-BR"/>
           </a:p>
@@ -2702,7 +2709,7 @@
           <a:p>
             <a:fld id="{3EC078F2-AD2A-4A57-B2B6-F0D9AD2AD2DF}" type="datetimeFigureOut">
               <a:rPr lang="pt-BR" smtClean="0"/>
-              <a:t>18/09/2024</a:t>
+              <a:t>20/09/2024</a:t>
             </a:fld>
             <a:endParaRPr lang="pt-BR"/>
           </a:p>
@@ -2943,7 +2950,7 @@
           <a:p>
             <a:fld id="{3EC078F2-AD2A-4A57-B2B6-F0D9AD2AD2DF}" type="datetimeFigureOut">
               <a:rPr lang="pt-BR" smtClean="0"/>
-              <a:t>18/09/2024</a:t>
+              <a:t>20/09/2024</a:t>
             </a:fld>
             <a:endParaRPr lang="pt-BR"/>
           </a:p>
@@ -6828,7 +6835,7 @@
             </a:r>
             <a:r>
               <a:rPr lang="pt-BR" dirty="0"/>
-              <a:t> (</a:t>
+              <a:t> e retiras as demais duplicadas (</a:t>
             </a:r>
             <a:r>
               <a:rPr lang="pt-BR" dirty="0" err="1"/>
@@ -8066,6 +8073,853 @@
 </p:sld>
 </file>
 
+<file path=ppt/slides/slide36.xml><?xml version="1.0" encoding="utf-8"?>
+<p:sld xmlns:a="http://schemas.openxmlformats.org/drawingml/2006/main" xmlns:r="http://schemas.openxmlformats.org/officeDocument/2006/relationships" xmlns:p="http://schemas.openxmlformats.org/presentationml/2006/main">
+  <p:cSld>
+    <p:spTree>
+      <p:nvGrpSpPr>
+        <p:cNvPr id="1" name=""/>
+        <p:cNvGrpSpPr/>
+        <p:nvPr/>
+      </p:nvGrpSpPr>
+      <p:grpSpPr>
+        <a:xfrm>
+          <a:off x="0" y="0"/>
+          <a:ext cx="0" cy="0"/>
+          <a:chOff x="0" y="0"/>
+          <a:chExt cx="0" cy="0"/>
+        </a:xfrm>
+      </p:grpSpPr>
+      <p:sp>
+        <p:nvSpPr>
+          <p:cNvPr id="2" name="Título 1">
+            <a:extLst>
+              <a:ext uri="{FF2B5EF4-FFF2-40B4-BE49-F238E27FC236}">
+                <a16:creationId xmlns:a16="http://schemas.microsoft.com/office/drawing/2014/main" id="{D7C6AA3A-08EA-14CB-1975-AFC80EDC40E7}"/>
+              </a:ext>
+            </a:extLst>
+          </p:cNvPr>
+          <p:cNvSpPr>
+            <a:spLocks noGrp="1"/>
+          </p:cNvSpPr>
+          <p:nvPr>
+            <p:ph type="title"/>
+          </p:nvPr>
+        </p:nvSpPr>
+        <p:spPr/>
+        <p:txBody>
+          <a:bodyPr/>
+          <a:lstStyle/>
+          <a:p>
+            <a:r>
+              <a:rPr lang="pt-BR" dirty="0"/>
+              <a:t>Sobre </a:t>
+            </a:r>
+            <a:r>
+              <a:rPr lang="pt-BR" dirty="0" err="1"/>
+              <a:t>NaN</a:t>
+            </a:r>
+            <a:r>
+              <a:rPr lang="pt-BR" dirty="0"/>
+              <a:t>(</a:t>
+            </a:r>
+            <a:r>
+              <a:rPr lang="pt-BR" dirty="0" err="1"/>
+              <a:t>not</a:t>
+            </a:r>
+            <a:r>
+              <a:rPr lang="pt-BR" dirty="0"/>
+              <a:t> a </a:t>
+            </a:r>
+            <a:r>
+              <a:rPr lang="pt-BR" dirty="0" err="1"/>
+              <a:t>number</a:t>
+            </a:r>
+            <a:r>
+              <a:rPr lang="pt-BR" dirty="0"/>
+              <a:t>)</a:t>
+            </a:r>
+          </a:p>
+        </p:txBody>
+      </p:sp>
+      <p:sp>
+        <p:nvSpPr>
+          <p:cNvPr id="3" name="Espaço Reservado para Texto 2">
+            <a:extLst>
+              <a:ext uri="{FF2B5EF4-FFF2-40B4-BE49-F238E27FC236}">
+                <a16:creationId xmlns:a16="http://schemas.microsoft.com/office/drawing/2014/main" id="{A69D8EB1-FD5C-E4B6-F2F5-03C7C22F7EDB}"/>
+              </a:ext>
+            </a:extLst>
+          </p:cNvPr>
+          <p:cNvSpPr>
+            <a:spLocks noGrp="1"/>
+          </p:cNvSpPr>
+          <p:nvPr>
+            <p:ph type="body" idx="1"/>
+          </p:nvPr>
+        </p:nvSpPr>
+        <p:spPr/>
+        <p:txBody>
+          <a:bodyPr/>
+          <a:lstStyle/>
+          <a:p>
+            <a:endParaRPr lang="pt-BR"/>
+          </a:p>
+        </p:txBody>
+      </p:sp>
+      <p:sp>
+        <p:nvSpPr>
+          <p:cNvPr id="4" name="Espaço Reservado para Conteúdo 3">
+            <a:extLst>
+              <a:ext uri="{FF2B5EF4-FFF2-40B4-BE49-F238E27FC236}">
+                <a16:creationId xmlns:a16="http://schemas.microsoft.com/office/drawing/2014/main" id="{222CD9AC-384C-3E40-1259-D158AD845D93}"/>
+              </a:ext>
+            </a:extLst>
+          </p:cNvPr>
+          <p:cNvSpPr>
+            <a:spLocks noGrp="1"/>
+          </p:cNvSpPr>
+          <p:nvPr>
+            <p:ph sz="half" idx="2"/>
+          </p:nvPr>
+        </p:nvSpPr>
+        <p:spPr/>
+        <p:txBody>
+          <a:bodyPr/>
+          <a:lstStyle/>
+          <a:p>
+            <a:endParaRPr lang="pt-BR"/>
+          </a:p>
+        </p:txBody>
+      </p:sp>
+      <p:sp>
+        <p:nvSpPr>
+          <p:cNvPr id="5" name="Espaço Reservado para Texto 4">
+            <a:extLst>
+              <a:ext uri="{FF2B5EF4-FFF2-40B4-BE49-F238E27FC236}">
+                <a16:creationId xmlns:a16="http://schemas.microsoft.com/office/drawing/2014/main" id="{FCE8EDE3-B545-65A6-A433-A332913F9610}"/>
+              </a:ext>
+            </a:extLst>
+          </p:cNvPr>
+          <p:cNvSpPr>
+            <a:spLocks noGrp="1"/>
+          </p:cNvSpPr>
+          <p:nvPr>
+            <p:ph type="body" sz="quarter" idx="3"/>
+          </p:nvPr>
+        </p:nvSpPr>
+        <p:spPr/>
+        <p:txBody>
+          <a:bodyPr/>
+          <a:lstStyle/>
+          <a:p>
+            <a:endParaRPr lang="pt-BR"/>
+          </a:p>
+        </p:txBody>
+      </p:sp>
+      <p:sp>
+        <p:nvSpPr>
+          <p:cNvPr id="6" name="Espaço Reservado para Conteúdo 5">
+            <a:extLst>
+              <a:ext uri="{FF2B5EF4-FFF2-40B4-BE49-F238E27FC236}">
+                <a16:creationId xmlns:a16="http://schemas.microsoft.com/office/drawing/2014/main" id="{0104A74F-8280-7DDC-8EFF-DA5112E21F95}"/>
+              </a:ext>
+            </a:extLst>
+          </p:cNvPr>
+          <p:cNvSpPr>
+            <a:spLocks noGrp="1"/>
+          </p:cNvSpPr>
+          <p:nvPr>
+            <p:ph sz="quarter" idx="4"/>
+          </p:nvPr>
+        </p:nvSpPr>
+        <p:spPr/>
+        <p:txBody>
+          <a:bodyPr/>
+          <a:lstStyle/>
+          <a:p>
+            <a:endParaRPr lang="pt-BR"/>
+          </a:p>
+        </p:txBody>
+      </p:sp>
+      <p:pic>
+        <p:nvPicPr>
+          <p:cNvPr id="8" name="Imagem 7">
+            <a:extLst>
+              <a:ext uri="{FF2B5EF4-FFF2-40B4-BE49-F238E27FC236}">
+                <a16:creationId xmlns:a16="http://schemas.microsoft.com/office/drawing/2014/main" id="{585C0927-3AB5-EF44-4D41-2219782FD3D4}"/>
+              </a:ext>
+            </a:extLst>
+          </p:cNvPr>
+          <p:cNvPicPr>
+            <a:picLocks noChangeAspect="1"/>
+          </p:cNvPicPr>
+          <p:nvPr/>
+        </p:nvPicPr>
+        <p:blipFill>
+          <a:blip r:embed="rId2"/>
+          <a:stretch>
+            <a:fillRect/>
+          </a:stretch>
+        </p:blipFill>
+        <p:spPr>
+          <a:xfrm>
+            <a:off x="-181852" y="1887954"/>
+            <a:ext cx="4448796" cy="2591162"/>
+          </a:xfrm>
+          <a:prstGeom prst="rect">
+            <a:avLst/>
+          </a:prstGeom>
+        </p:spPr>
+      </p:pic>
+      <p:pic>
+        <p:nvPicPr>
+          <p:cNvPr id="10" name="Imagem 9">
+            <a:extLst>
+              <a:ext uri="{FF2B5EF4-FFF2-40B4-BE49-F238E27FC236}">
+                <a16:creationId xmlns:a16="http://schemas.microsoft.com/office/drawing/2014/main" id="{7891D12C-285A-794C-523D-C3BB4775BE75}"/>
+              </a:ext>
+            </a:extLst>
+          </p:cNvPr>
+          <p:cNvPicPr>
+            <a:picLocks noChangeAspect="1"/>
+          </p:cNvPicPr>
+          <p:nvPr/>
+        </p:nvPicPr>
+        <p:blipFill>
+          <a:blip r:embed="rId3"/>
+          <a:stretch>
+            <a:fillRect/>
+          </a:stretch>
+        </p:blipFill>
+        <p:spPr>
+          <a:xfrm>
+            <a:off x="7973438" y="741643"/>
+            <a:ext cx="4056287" cy="5968658"/>
+          </a:xfrm>
+          <a:prstGeom prst="rect">
+            <a:avLst/>
+          </a:prstGeom>
+        </p:spPr>
+      </p:pic>
+      <p:pic>
+        <p:nvPicPr>
+          <p:cNvPr id="12" name="Imagem 11">
+            <a:extLst>
+              <a:ext uri="{FF2B5EF4-FFF2-40B4-BE49-F238E27FC236}">
+                <a16:creationId xmlns:a16="http://schemas.microsoft.com/office/drawing/2014/main" id="{B3B04568-0FBC-6515-2DFF-3F8CD7584AC0}"/>
+              </a:ext>
+            </a:extLst>
+          </p:cNvPr>
+          <p:cNvPicPr>
+            <a:picLocks noChangeAspect="1"/>
+          </p:cNvPicPr>
+          <p:nvPr/>
+        </p:nvPicPr>
+        <p:blipFill>
+          <a:blip r:embed="rId4"/>
+          <a:stretch>
+            <a:fillRect/>
+          </a:stretch>
+        </p:blipFill>
+        <p:spPr>
+          <a:xfrm>
+            <a:off x="1142859" y="4886309"/>
+            <a:ext cx="5544324" cy="1771897"/>
+          </a:xfrm>
+          <a:prstGeom prst="rect">
+            <a:avLst/>
+          </a:prstGeom>
+        </p:spPr>
+      </p:pic>
+      <p:pic>
+        <p:nvPicPr>
+          <p:cNvPr id="14" name="Imagem 13">
+            <a:extLst>
+              <a:ext uri="{FF2B5EF4-FFF2-40B4-BE49-F238E27FC236}">
+                <a16:creationId xmlns:a16="http://schemas.microsoft.com/office/drawing/2014/main" id="{3FBE869F-B93C-516B-2E49-1DD6BEF46A88}"/>
+              </a:ext>
+            </a:extLst>
+          </p:cNvPr>
+          <p:cNvPicPr>
+            <a:picLocks noChangeAspect="1"/>
+          </p:cNvPicPr>
+          <p:nvPr/>
+        </p:nvPicPr>
+        <p:blipFill>
+          <a:blip r:embed="rId5"/>
+          <a:stretch>
+            <a:fillRect/>
+          </a:stretch>
+        </p:blipFill>
+        <p:spPr>
+          <a:xfrm>
+            <a:off x="4383539" y="1320137"/>
+            <a:ext cx="3228072" cy="3362575"/>
+          </a:xfrm>
+          <a:prstGeom prst="rect">
+            <a:avLst/>
+          </a:prstGeom>
+        </p:spPr>
+      </p:pic>
+    </p:spTree>
+    <p:extLst>
+      <p:ext uri="{BB962C8B-B14F-4D97-AF65-F5344CB8AC3E}">
+        <p14:creationId xmlns:p14="http://schemas.microsoft.com/office/powerpoint/2010/main" val="3820561750"/>
+      </p:ext>
+    </p:extLst>
+  </p:cSld>
+  <p:clrMapOvr>
+    <a:masterClrMapping/>
+  </p:clrMapOvr>
+</p:sld>
+</file>
+
+<file path=ppt/slides/slide37.xml><?xml version="1.0" encoding="utf-8"?>
+<p:sld xmlns:a="http://schemas.openxmlformats.org/drawingml/2006/main" xmlns:r="http://schemas.openxmlformats.org/officeDocument/2006/relationships" xmlns:p="http://schemas.openxmlformats.org/presentationml/2006/main">
+  <p:cSld>
+    <p:spTree>
+      <p:nvGrpSpPr>
+        <p:cNvPr id="1" name=""/>
+        <p:cNvGrpSpPr/>
+        <p:nvPr/>
+      </p:nvGrpSpPr>
+      <p:grpSpPr>
+        <a:xfrm>
+          <a:off x="0" y="0"/>
+          <a:ext cx="0" cy="0"/>
+          <a:chOff x="0" y="0"/>
+          <a:chExt cx="0" cy="0"/>
+        </a:xfrm>
+      </p:grpSpPr>
+      <p:sp>
+        <p:nvSpPr>
+          <p:cNvPr id="2" name="Título 1">
+            <a:extLst>
+              <a:ext uri="{FF2B5EF4-FFF2-40B4-BE49-F238E27FC236}">
+                <a16:creationId xmlns:a16="http://schemas.microsoft.com/office/drawing/2014/main" id="{652AD52B-D903-8B38-542C-7F37FA7A8E8E}"/>
+              </a:ext>
+            </a:extLst>
+          </p:cNvPr>
+          <p:cNvSpPr>
+            <a:spLocks noGrp="1"/>
+          </p:cNvSpPr>
+          <p:nvPr>
+            <p:ph type="title"/>
+          </p:nvPr>
+        </p:nvSpPr>
+        <p:spPr/>
+        <p:txBody>
+          <a:bodyPr/>
+          <a:lstStyle/>
+          <a:p>
+            <a:r>
+              <a:rPr lang="pt-BR" dirty="0" err="1"/>
+              <a:t>NaN</a:t>
+            </a:r>
+            <a:endParaRPr lang="pt-BR" dirty="0"/>
+          </a:p>
+        </p:txBody>
+      </p:sp>
+      <p:sp>
+        <p:nvSpPr>
+          <p:cNvPr id="3" name="Espaço Reservado para Conteúdo 2">
+            <a:extLst>
+              <a:ext uri="{FF2B5EF4-FFF2-40B4-BE49-F238E27FC236}">
+                <a16:creationId xmlns:a16="http://schemas.microsoft.com/office/drawing/2014/main" id="{F81F0AA8-6332-9EF3-E025-E5BE1D869A44}"/>
+              </a:ext>
+            </a:extLst>
+          </p:cNvPr>
+          <p:cNvSpPr>
+            <a:spLocks noGrp="1"/>
+          </p:cNvSpPr>
+          <p:nvPr>
+            <p:ph idx="1"/>
+          </p:nvPr>
+        </p:nvSpPr>
+        <p:spPr/>
+        <p:txBody>
+          <a:bodyPr/>
+          <a:lstStyle/>
+          <a:p>
+            <a:r>
+              <a:rPr lang="pt-BR" dirty="0" err="1"/>
+              <a:t>Mean</a:t>
+            </a:r>
+            <a:r>
+              <a:rPr lang="pt-BR" dirty="0"/>
+              <a:t> consegue a taxa neste caso</a:t>
+            </a:r>
+          </a:p>
+        </p:txBody>
+      </p:sp>
+      <p:sp>
+        <p:nvSpPr>
+          <p:cNvPr id="4" name="Espaço Reservado para Texto 3">
+            <a:extLst>
+              <a:ext uri="{FF2B5EF4-FFF2-40B4-BE49-F238E27FC236}">
+                <a16:creationId xmlns:a16="http://schemas.microsoft.com/office/drawing/2014/main" id="{41DBAD2D-AE95-CC29-ED65-4813D837C659}"/>
+              </a:ext>
+            </a:extLst>
+          </p:cNvPr>
+          <p:cNvSpPr>
+            <a:spLocks noGrp="1"/>
+          </p:cNvSpPr>
+          <p:nvPr>
+            <p:ph type="body" sz="half" idx="2"/>
+          </p:nvPr>
+        </p:nvSpPr>
+        <p:spPr/>
+        <p:txBody>
+          <a:bodyPr/>
+          <a:lstStyle/>
+          <a:p>
+            <a:endParaRPr lang="pt-BR"/>
+          </a:p>
+        </p:txBody>
+      </p:sp>
+      <p:pic>
+        <p:nvPicPr>
+          <p:cNvPr id="6" name="Imagem 5">
+            <a:extLst>
+              <a:ext uri="{FF2B5EF4-FFF2-40B4-BE49-F238E27FC236}">
+                <a16:creationId xmlns:a16="http://schemas.microsoft.com/office/drawing/2014/main" id="{2F3AC89B-110A-5B1C-98BE-61A62C6B72EE}"/>
+              </a:ext>
+            </a:extLst>
+          </p:cNvPr>
+          <p:cNvPicPr>
+            <a:picLocks noChangeAspect="1"/>
+          </p:cNvPicPr>
+          <p:nvPr/>
+        </p:nvPicPr>
+        <p:blipFill>
+          <a:blip r:embed="rId2"/>
+          <a:stretch>
+            <a:fillRect/>
+          </a:stretch>
+        </p:blipFill>
+        <p:spPr>
+          <a:xfrm>
+            <a:off x="520941" y="2635619"/>
+            <a:ext cx="4020111" cy="3924848"/>
+          </a:xfrm>
+          <a:prstGeom prst="rect">
+            <a:avLst/>
+          </a:prstGeom>
+        </p:spPr>
+      </p:pic>
+      <p:pic>
+        <p:nvPicPr>
+          <p:cNvPr id="8" name="Imagem 7">
+            <a:extLst>
+              <a:ext uri="{FF2B5EF4-FFF2-40B4-BE49-F238E27FC236}">
+                <a16:creationId xmlns:a16="http://schemas.microsoft.com/office/drawing/2014/main" id="{F7747638-7B42-D905-5DD4-79F31526AB8A}"/>
+              </a:ext>
+            </a:extLst>
+          </p:cNvPr>
+          <p:cNvPicPr>
+            <a:picLocks noChangeAspect="1"/>
+          </p:cNvPicPr>
+          <p:nvPr/>
+        </p:nvPicPr>
+        <p:blipFill>
+          <a:blip r:embed="rId3"/>
+          <a:stretch>
+            <a:fillRect/>
+          </a:stretch>
+        </p:blipFill>
+        <p:spPr>
+          <a:xfrm>
+            <a:off x="4772025" y="3685816"/>
+            <a:ext cx="3553321" cy="2676899"/>
+          </a:xfrm>
+          <a:prstGeom prst="rect">
+            <a:avLst/>
+          </a:prstGeom>
+        </p:spPr>
+      </p:pic>
+      <p:pic>
+        <p:nvPicPr>
+          <p:cNvPr id="10" name="Imagem 9">
+            <a:extLst>
+              <a:ext uri="{FF2B5EF4-FFF2-40B4-BE49-F238E27FC236}">
+                <a16:creationId xmlns:a16="http://schemas.microsoft.com/office/drawing/2014/main" id="{635BAF90-B122-68BC-1A2E-85E287C45FDB}"/>
+              </a:ext>
+            </a:extLst>
+          </p:cNvPr>
+          <p:cNvPicPr>
+            <a:picLocks noChangeAspect="1"/>
+          </p:cNvPicPr>
+          <p:nvPr/>
+        </p:nvPicPr>
+        <p:blipFill>
+          <a:blip r:embed="rId4"/>
+          <a:stretch>
+            <a:fillRect/>
+          </a:stretch>
+        </p:blipFill>
+        <p:spPr>
+          <a:xfrm>
+            <a:off x="8325346" y="1506749"/>
+            <a:ext cx="3801005" cy="2257740"/>
+          </a:xfrm>
+          <a:prstGeom prst="rect">
+            <a:avLst/>
+          </a:prstGeom>
+        </p:spPr>
+      </p:pic>
+    </p:spTree>
+    <p:extLst>
+      <p:ext uri="{BB962C8B-B14F-4D97-AF65-F5344CB8AC3E}">
+        <p14:creationId xmlns:p14="http://schemas.microsoft.com/office/powerpoint/2010/main" val="3039715833"/>
+      </p:ext>
+    </p:extLst>
+  </p:cSld>
+  <p:clrMapOvr>
+    <a:masterClrMapping/>
+  </p:clrMapOvr>
+</p:sld>
+</file>
+
+<file path=ppt/slides/slide38.xml><?xml version="1.0" encoding="utf-8"?>
+<p:sld xmlns:a="http://schemas.openxmlformats.org/drawingml/2006/main" xmlns:r="http://schemas.openxmlformats.org/officeDocument/2006/relationships" xmlns:p="http://schemas.openxmlformats.org/presentationml/2006/main">
+  <p:cSld>
+    <p:spTree>
+      <p:nvGrpSpPr>
+        <p:cNvPr id="1" name=""/>
+        <p:cNvGrpSpPr/>
+        <p:nvPr/>
+      </p:nvGrpSpPr>
+      <p:grpSpPr>
+        <a:xfrm>
+          <a:off x="0" y="0"/>
+          <a:ext cx="0" cy="0"/>
+          <a:chOff x="0" y="0"/>
+          <a:chExt cx="0" cy="0"/>
+        </a:xfrm>
+      </p:grpSpPr>
+      <p:sp>
+        <p:nvSpPr>
+          <p:cNvPr id="2" name="Título 1">
+            <a:extLst>
+              <a:ext uri="{FF2B5EF4-FFF2-40B4-BE49-F238E27FC236}">
+                <a16:creationId xmlns:a16="http://schemas.microsoft.com/office/drawing/2014/main" id="{00846238-89F4-6ABA-16C2-98CD34D7FBC2}"/>
+              </a:ext>
+            </a:extLst>
+          </p:cNvPr>
+          <p:cNvSpPr>
+            <a:spLocks noGrp="1"/>
+          </p:cNvSpPr>
+          <p:nvPr>
+            <p:ph type="title"/>
+          </p:nvPr>
+        </p:nvSpPr>
+        <p:spPr/>
+        <p:txBody>
+          <a:bodyPr/>
+          <a:lstStyle/>
+          <a:p>
+            <a:r>
+              <a:rPr lang="pt-BR" dirty="0"/>
+              <a:t>Completar um </a:t>
+            </a:r>
+            <a:r>
+              <a:rPr lang="pt-BR" dirty="0" err="1"/>
+              <a:t>NaN</a:t>
+            </a:r>
+            <a:r>
+              <a:rPr lang="pt-BR" dirty="0"/>
+              <a:t> ou substituir</a:t>
+            </a:r>
+          </a:p>
+        </p:txBody>
+      </p:sp>
+      <p:sp>
+        <p:nvSpPr>
+          <p:cNvPr id="3" name="Espaço Reservado para Conteúdo 2">
+            <a:extLst>
+              <a:ext uri="{FF2B5EF4-FFF2-40B4-BE49-F238E27FC236}">
+                <a16:creationId xmlns:a16="http://schemas.microsoft.com/office/drawing/2014/main" id="{5929F654-E5B5-EC99-AF82-EB7E50566628}"/>
+              </a:ext>
+            </a:extLst>
+          </p:cNvPr>
+          <p:cNvSpPr>
+            <a:spLocks noGrp="1"/>
+          </p:cNvSpPr>
+          <p:nvPr>
+            <p:ph idx="1"/>
+          </p:nvPr>
+        </p:nvSpPr>
+        <p:spPr/>
+        <p:txBody>
+          <a:bodyPr/>
+          <a:lstStyle/>
+          <a:p>
+            <a:endParaRPr lang="pt-BR"/>
+          </a:p>
+        </p:txBody>
+      </p:sp>
+      <p:sp>
+        <p:nvSpPr>
+          <p:cNvPr id="4" name="Espaço Reservado para Texto 3">
+            <a:extLst>
+              <a:ext uri="{FF2B5EF4-FFF2-40B4-BE49-F238E27FC236}">
+                <a16:creationId xmlns:a16="http://schemas.microsoft.com/office/drawing/2014/main" id="{B394294B-29F1-D0C4-6861-7CD483848560}"/>
+              </a:ext>
+            </a:extLst>
+          </p:cNvPr>
+          <p:cNvSpPr>
+            <a:spLocks noGrp="1"/>
+          </p:cNvSpPr>
+          <p:nvPr>
+            <p:ph type="body" sz="half" idx="2"/>
+          </p:nvPr>
+        </p:nvSpPr>
+        <p:spPr/>
+        <p:txBody>
+          <a:bodyPr/>
+          <a:lstStyle/>
+          <a:p>
+            <a:r>
+              <a:rPr lang="pt-BR" dirty="0"/>
+              <a:t>Coloquei a média</a:t>
+            </a:r>
+          </a:p>
+        </p:txBody>
+      </p:sp>
+      <p:pic>
+        <p:nvPicPr>
+          <p:cNvPr id="6" name="Imagem 5">
+            <a:extLst>
+              <a:ext uri="{FF2B5EF4-FFF2-40B4-BE49-F238E27FC236}">
+                <a16:creationId xmlns:a16="http://schemas.microsoft.com/office/drawing/2014/main" id="{A8617505-2E3D-3DE3-4487-88EC68768D98}"/>
+              </a:ext>
+            </a:extLst>
+          </p:cNvPr>
+          <p:cNvPicPr>
+            <a:picLocks noChangeAspect="1"/>
+          </p:cNvPicPr>
+          <p:nvPr/>
+        </p:nvPicPr>
+        <p:blipFill>
+          <a:blip r:embed="rId2"/>
+          <a:stretch>
+            <a:fillRect/>
+          </a:stretch>
+        </p:blipFill>
+        <p:spPr>
+          <a:xfrm>
+            <a:off x="836612" y="3736679"/>
+            <a:ext cx="5696745" cy="2124371"/>
+          </a:xfrm>
+          <a:prstGeom prst="rect">
+            <a:avLst/>
+          </a:prstGeom>
+        </p:spPr>
+      </p:pic>
+      <p:pic>
+        <p:nvPicPr>
+          <p:cNvPr id="8" name="Imagem 7">
+            <a:extLst>
+              <a:ext uri="{FF2B5EF4-FFF2-40B4-BE49-F238E27FC236}">
+                <a16:creationId xmlns:a16="http://schemas.microsoft.com/office/drawing/2014/main" id="{53701643-CC6A-9599-11FE-C9C87E1EF8DB}"/>
+              </a:ext>
+            </a:extLst>
+          </p:cNvPr>
+          <p:cNvPicPr>
+            <a:picLocks noChangeAspect="1"/>
+          </p:cNvPicPr>
+          <p:nvPr/>
+        </p:nvPicPr>
+        <p:blipFill>
+          <a:blip r:embed="rId3"/>
+          <a:stretch>
+            <a:fillRect/>
+          </a:stretch>
+        </p:blipFill>
+        <p:spPr>
+          <a:xfrm>
+            <a:off x="6552293" y="1257300"/>
+            <a:ext cx="4163006" cy="3915321"/>
+          </a:xfrm>
+          <a:prstGeom prst="rect">
+            <a:avLst/>
+          </a:prstGeom>
+        </p:spPr>
+      </p:pic>
+    </p:spTree>
+    <p:extLst>
+      <p:ext uri="{BB962C8B-B14F-4D97-AF65-F5344CB8AC3E}">
+        <p14:creationId xmlns:p14="http://schemas.microsoft.com/office/powerpoint/2010/main" val="513743161"/>
+      </p:ext>
+    </p:extLst>
+  </p:cSld>
+  <p:clrMapOvr>
+    <a:masterClrMapping/>
+  </p:clrMapOvr>
+</p:sld>
+</file>
+
+<file path=ppt/slides/slide39.xml><?xml version="1.0" encoding="utf-8"?>
+<p:sld xmlns:a="http://schemas.openxmlformats.org/drawingml/2006/main" xmlns:r="http://schemas.openxmlformats.org/officeDocument/2006/relationships" xmlns:p="http://schemas.openxmlformats.org/presentationml/2006/main">
+  <p:cSld>
+    <p:spTree>
+      <p:nvGrpSpPr>
+        <p:cNvPr id="1" name=""/>
+        <p:cNvGrpSpPr/>
+        <p:nvPr/>
+      </p:nvGrpSpPr>
+      <p:grpSpPr>
+        <a:xfrm>
+          <a:off x="0" y="0"/>
+          <a:ext cx="0" cy="0"/>
+          <a:chOff x="0" y="0"/>
+          <a:chExt cx="0" cy="0"/>
+        </a:xfrm>
+      </p:grpSpPr>
+      <p:sp>
+        <p:nvSpPr>
+          <p:cNvPr id="2" name="Título 1">
+            <a:extLst>
+              <a:ext uri="{FF2B5EF4-FFF2-40B4-BE49-F238E27FC236}">
+                <a16:creationId xmlns:a16="http://schemas.microsoft.com/office/drawing/2014/main" id="{8958DF67-3E52-534F-5889-8FB3E6A53B1A}"/>
+              </a:ext>
+            </a:extLst>
+          </p:cNvPr>
+          <p:cNvSpPr>
+            <a:spLocks noGrp="1"/>
+          </p:cNvSpPr>
+          <p:nvPr>
+            <p:ph type="title"/>
+          </p:nvPr>
+        </p:nvSpPr>
+        <p:spPr/>
+        <p:txBody>
+          <a:bodyPr/>
+          <a:lstStyle/>
+          <a:p>
+            <a:r>
+              <a:rPr lang="pt-BR" dirty="0" err="1"/>
+              <a:t>dropna</a:t>
+            </a:r>
+            <a:endParaRPr lang="pt-BR" dirty="0"/>
+          </a:p>
+        </p:txBody>
+      </p:sp>
+      <p:pic>
+        <p:nvPicPr>
+          <p:cNvPr id="6" name="Espaço Reservado para Conteúdo 5">
+            <a:extLst>
+              <a:ext uri="{FF2B5EF4-FFF2-40B4-BE49-F238E27FC236}">
+                <a16:creationId xmlns:a16="http://schemas.microsoft.com/office/drawing/2014/main" id="{EEDFD245-BE42-0C11-D42C-5FDE2E0BD790}"/>
+              </a:ext>
+            </a:extLst>
+          </p:cNvPr>
+          <p:cNvPicPr>
+            <a:picLocks noGrp="1" noChangeAspect="1"/>
+          </p:cNvPicPr>
+          <p:nvPr>
+            <p:ph idx="1"/>
+          </p:nvPr>
+        </p:nvPicPr>
+        <p:blipFill>
+          <a:blip r:embed="rId2"/>
+          <a:stretch>
+            <a:fillRect/>
+          </a:stretch>
+        </p:blipFill>
+        <p:spPr>
+          <a:xfrm>
+            <a:off x="6750940" y="987425"/>
+            <a:ext cx="3036695" cy="4873625"/>
+          </a:xfrm>
+        </p:spPr>
+      </p:pic>
+      <p:sp>
+        <p:nvSpPr>
+          <p:cNvPr id="4" name="Espaço Reservado para Texto 3">
+            <a:extLst>
+              <a:ext uri="{FF2B5EF4-FFF2-40B4-BE49-F238E27FC236}">
+                <a16:creationId xmlns:a16="http://schemas.microsoft.com/office/drawing/2014/main" id="{667435A3-587E-5269-5F45-ED22BBD98AFC}"/>
+              </a:ext>
+            </a:extLst>
+          </p:cNvPr>
+          <p:cNvSpPr>
+            <a:spLocks noGrp="1"/>
+          </p:cNvSpPr>
+          <p:nvPr>
+            <p:ph type="body" sz="half" idx="2"/>
+          </p:nvPr>
+        </p:nvSpPr>
+        <p:spPr/>
+        <p:txBody>
+          <a:bodyPr/>
+          <a:lstStyle/>
+          <a:p>
+            <a:r>
+              <a:rPr lang="pt-BR" dirty="0"/>
+              <a:t>Tira as linhas vazias, ou seja, tira toda a linha</a:t>
+            </a:r>
+          </a:p>
+          <a:p>
+            <a:r>
+              <a:rPr lang="pt-BR" dirty="0"/>
+              <a:t>Da pra aplicar </a:t>
+            </a:r>
+            <a:r>
+              <a:rPr lang="pt-BR" dirty="0" err="1"/>
+              <a:t>how</a:t>
+            </a:r>
+            <a:r>
+              <a:rPr lang="pt-BR" dirty="0"/>
+              <a:t> pra caso seja todas vazias</a:t>
+            </a:r>
+          </a:p>
+        </p:txBody>
+      </p:sp>
+      <p:pic>
+        <p:nvPicPr>
+          <p:cNvPr id="8" name="Imagem 7">
+            <a:extLst>
+              <a:ext uri="{FF2B5EF4-FFF2-40B4-BE49-F238E27FC236}">
+                <a16:creationId xmlns:a16="http://schemas.microsoft.com/office/drawing/2014/main" id="{F956D8E2-D901-3834-6A39-CD1E7970C9D4}"/>
+              </a:ext>
+            </a:extLst>
+          </p:cNvPr>
+          <p:cNvPicPr>
+            <a:picLocks noChangeAspect="1"/>
+          </p:cNvPicPr>
+          <p:nvPr/>
+        </p:nvPicPr>
+        <p:blipFill>
+          <a:blip r:embed="rId3"/>
+          <a:stretch>
+            <a:fillRect/>
+          </a:stretch>
+        </p:blipFill>
+        <p:spPr>
+          <a:xfrm>
+            <a:off x="2163762" y="3171462"/>
+            <a:ext cx="3752527" cy="3582365"/>
+          </a:xfrm>
+          <a:prstGeom prst="rect">
+            <a:avLst/>
+          </a:prstGeom>
+        </p:spPr>
+      </p:pic>
+    </p:spTree>
+    <p:extLst>
+      <p:ext uri="{BB962C8B-B14F-4D97-AF65-F5344CB8AC3E}">
+        <p14:creationId xmlns:p14="http://schemas.microsoft.com/office/powerpoint/2010/main" val="1692796054"/>
+      </p:ext>
+    </p:extLst>
+  </p:cSld>
+  <p:clrMapOvr>
+    <a:masterClrMapping/>
+  </p:clrMapOvr>
+</p:sld>
+</file>
+
 <file path=ppt/slides/slide4.xml><?xml version="1.0" encoding="utf-8"?>
 <p:sld xmlns:a="http://schemas.openxmlformats.org/drawingml/2006/main" xmlns:r="http://schemas.openxmlformats.org/officeDocument/2006/relationships" xmlns:p="http://schemas.openxmlformats.org/presentationml/2006/main">
   <p:cSld>
@@ -8179,6 +9033,520 @@
     <p:extLst>
       <p:ext uri="{BB962C8B-B14F-4D97-AF65-F5344CB8AC3E}">
         <p14:creationId xmlns:p14="http://schemas.microsoft.com/office/powerpoint/2010/main" val="3804898669"/>
+      </p:ext>
+    </p:extLst>
+  </p:cSld>
+  <p:clrMapOvr>
+    <a:masterClrMapping/>
+  </p:clrMapOvr>
+</p:sld>
+</file>
+
+<file path=ppt/slides/slide40.xml><?xml version="1.0" encoding="utf-8"?>
+<p:sld xmlns:a="http://schemas.openxmlformats.org/drawingml/2006/main" xmlns:r="http://schemas.openxmlformats.org/officeDocument/2006/relationships" xmlns:p="http://schemas.openxmlformats.org/presentationml/2006/main">
+  <p:cSld>
+    <p:spTree>
+      <p:nvGrpSpPr>
+        <p:cNvPr id="1" name=""/>
+        <p:cNvGrpSpPr/>
+        <p:nvPr/>
+      </p:nvGrpSpPr>
+      <p:grpSpPr>
+        <a:xfrm>
+          <a:off x="0" y="0"/>
+          <a:ext cx="0" cy="0"/>
+          <a:chOff x="0" y="0"/>
+          <a:chExt cx="0" cy="0"/>
+        </a:xfrm>
+      </p:grpSpPr>
+      <p:sp>
+        <p:nvSpPr>
+          <p:cNvPr id="2" name="Título 1">
+            <a:extLst>
+              <a:ext uri="{FF2B5EF4-FFF2-40B4-BE49-F238E27FC236}">
+                <a16:creationId xmlns:a16="http://schemas.microsoft.com/office/drawing/2014/main" id="{42FFCAFA-90DF-F937-CDCA-E2C7C7D68B81}"/>
+              </a:ext>
+            </a:extLst>
+          </p:cNvPr>
+          <p:cNvSpPr>
+            <a:spLocks noGrp="1"/>
+          </p:cNvSpPr>
+          <p:nvPr>
+            <p:ph type="title"/>
+          </p:nvPr>
+        </p:nvSpPr>
+        <p:spPr/>
+        <p:txBody>
+          <a:bodyPr/>
+          <a:lstStyle/>
+          <a:p>
+            <a:r>
+              <a:rPr lang="pt-BR" dirty="0" err="1"/>
+              <a:t>Dropna</a:t>
+            </a:r>
+            <a:r>
+              <a:rPr lang="pt-BR" dirty="0"/>
+              <a:t> com </a:t>
+            </a:r>
+            <a:r>
+              <a:rPr lang="pt-BR" dirty="0" err="1"/>
+              <a:t>subset</a:t>
+            </a:r>
+            <a:endParaRPr lang="pt-BR" dirty="0"/>
+          </a:p>
+        </p:txBody>
+      </p:sp>
+      <p:sp>
+        <p:nvSpPr>
+          <p:cNvPr id="3" name="Espaço Reservado para Conteúdo 2">
+            <a:extLst>
+              <a:ext uri="{FF2B5EF4-FFF2-40B4-BE49-F238E27FC236}">
+                <a16:creationId xmlns:a16="http://schemas.microsoft.com/office/drawing/2014/main" id="{FC614CB5-805B-5420-B90E-DF616DB4F2E0}"/>
+              </a:ext>
+            </a:extLst>
+          </p:cNvPr>
+          <p:cNvSpPr>
+            <a:spLocks noGrp="1"/>
+          </p:cNvSpPr>
+          <p:nvPr>
+            <p:ph idx="1"/>
+          </p:nvPr>
+        </p:nvSpPr>
+        <p:spPr/>
+        <p:txBody>
+          <a:bodyPr/>
+          <a:lstStyle/>
+          <a:p>
+            <a:endParaRPr lang="pt-BR"/>
+          </a:p>
+        </p:txBody>
+      </p:sp>
+      <p:sp>
+        <p:nvSpPr>
+          <p:cNvPr id="4" name="Espaço Reservado para Texto 3">
+            <a:extLst>
+              <a:ext uri="{FF2B5EF4-FFF2-40B4-BE49-F238E27FC236}">
+                <a16:creationId xmlns:a16="http://schemas.microsoft.com/office/drawing/2014/main" id="{9AF7B12D-2609-5123-3F55-78FCC018090D}"/>
+              </a:ext>
+            </a:extLst>
+          </p:cNvPr>
+          <p:cNvSpPr>
+            <a:spLocks noGrp="1"/>
+          </p:cNvSpPr>
+          <p:nvPr>
+            <p:ph type="body" sz="half" idx="2"/>
+          </p:nvPr>
+        </p:nvSpPr>
+        <p:spPr/>
+        <p:txBody>
+          <a:bodyPr/>
+          <a:lstStyle/>
+          <a:p>
+            <a:r>
+              <a:rPr lang="pt-BR" dirty="0"/>
+              <a:t>Da pra usar </a:t>
+            </a:r>
+            <a:r>
+              <a:rPr lang="pt-BR" dirty="0" err="1"/>
+              <a:t>all</a:t>
+            </a:r>
+            <a:r>
+              <a:rPr lang="pt-BR" dirty="0"/>
+              <a:t> ou </a:t>
+            </a:r>
+            <a:r>
+              <a:rPr lang="pt-BR" dirty="0" err="1"/>
+              <a:t>any</a:t>
+            </a:r>
+            <a:endParaRPr lang="pt-BR" dirty="0"/>
+          </a:p>
+          <a:p>
+            <a:r>
+              <a:rPr lang="pt-BR" dirty="0"/>
+              <a:t>Primeira pra ambas</a:t>
+            </a:r>
+          </a:p>
+          <a:p>
+            <a:r>
+              <a:rPr lang="pt-BR" dirty="0"/>
+              <a:t>Segunda pra alguma</a:t>
+            </a:r>
+          </a:p>
+        </p:txBody>
+      </p:sp>
+      <p:pic>
+        <p:nvPicPr>
+          <p:cNvPr id="6" name="Imagem 5">
+            <a:extLst>
+              <a:ext uri="{FF2B5EF4-FFF2-40B4-BE49-F238E27FC236}">
+                <a16:creationId xmlns:a16="http://schemas.microsoft.com/office/drawing/2014/main" id="{1139E98D-8B0F-60C3-FA5C-E7AE3AE877A4}"/>
+              </a:ext>
+            </a:extLst>
+          </p:cNvPr>
+          <p:cNvPicPr>
+            <a:picLocks noChangeAspect="1"/>
+          </p:cNvPicPr>
+          <p:nvPr/>
+        </p:nvPicPr>
+        <p:blipFill>
+          <a:blip r:embed="rId2"/>
+          <a:stretch>
+            <a:fillRect/>
+          </a:stretch>
+        </p:blipFill>
+        <p:spPr>
+          <a:xfrm>
+            <a:off x="3912243" y="2114880"/>
+            <a:ext cx="7881948" cy="4743119"/>
+          </a:xfrm>
+          <a:prstGeom prst="rect">
+            <a:avLst/>
+          </a:prstGeom>
+        </p:spPr>
+      </p:pic>
+    </p:spTree>
+    <p:extLst>
+      <p:ext uri="{BB962C8B-B14F-4D97-AF65-F5344CB8AC3E}">
+        <p14:creationId xmlns:p14="http://schemas.microsoft.com/office/powerpoint/2010/main" val="3797206122"/>
+      </p:ext>
+    </p:extLst>
+  </p:cSld>
+  <p:clrMapOvr>
+    <a:masterClrMapping/>
+  </p:clrMapOvr>
+</p:sld>
+</file>
+
+<file path=ppt/slides/slide41.xml><?xml version="1.0" encoding="utf-8"?>
+<p:sld xmlns:a="http://schemas.openxmlformats.org/drawingml/2006/main" xmlns:r="http://schemas.openxmlformats.org/officeDocument/2006/relationships" xmlns:p="http://schemas.openxmlformats.org/presentationml/2006/main">
+  <p:cSld>
+    <p:spTree>
+      <p:nvGrpSpPr>
+        <p:cNvPr id="1" name=""/>
+        <p:cNvGrpSpPr/>
+        <p:nvPr/>
+      </p:nvGrpSpPr>
+      <p:grpSpPr>
+        <a:xfrm>
+          <a:off x="0" y="0"/>
+          <a:ext cx="0" cy="0"/>
+          <a:chOff x="0" y="0"/>
+          <a:chExt cx="0" cy="0"/>
+        </a:xfrm>
+      </p:grpSpPr>
+      <p:sp>
+        <p:nvSpPr>
+          <p:cNvPr id="2" name="Título 1">
+            <a:extLst>
+              <a:ext uri="{FF2B5EF4-FFF2-40B4-BE49-F238E27FC236}">
+                <a16:creationId xmlns:a16="http://schemas.microsoft.com/office/drawing/2014/main" id="{30A658AA-E3A5-855F-B497-9C0705DE4FFA}"/>
+              </a:ext>
+            </a:extLst>
+          </p:cNvPr>
+          <p:cNvSpPr>
+            <a:spLocks noGrp="1"/>
+          </p:cNvSpPr>
+          <p:nvPr>
+            <p:ph type="title"/>
+          </p:nvPr>
+        </p:nvSpPr>
+        <p:spPr/>
+        <p:txBody>
+          <a:bodyPr/>
+          <a:lstStyle/>
+          <a:p>
+            <a:r>
+              <a:rPr lang="pt-BR" dirty="0"/>
+              <a:t>Pra tirar colunas vazias</a:t>
+            </a:r>
+          </a:p>
+        </p:txBody>
+      </p:sp>
+      <p:pic>
+        <p:nvPicPr>
+          <p:cNvPr id="6" name="Espaço Reservado para Conteúdo 5">
+            <a:extLst>
+              <a:ext uri="{FF2B5EF4-FFF2-40B4-BE49-F238E27FC236}">
+                <a16:creationId xmlns:a16="http://schemas.microsoft.com/office/drawing/2014/main" id="{2C4E05AA-E487-8CB0-C012-EC43F92434A9}"/>
+              </a:ext>
+            </a:extLst>
+          </p:cNvPr>
+          <p:cNvPicPr>
+            <a:picLocks noGrp="1" noChangeAspect="1"/>
+          </p:cNvPicPr>
+          <p:nvPr>
+            <p:ph idx="1"/>
+          </p:nvPr>
+        </p:nvPicPr>
+        <p:blipFill>
+          <a:blip r:embed="rId2"/>
+          <a:stretch>
+            <a:fillRect/>
+          </a:stretch>
+        </p:blipFill>
+        <p:spPr>
+          <a:xfrm>
+            <a:off x="5183188" y="2390140"/>
+            <a:ext cx="6172200" cy="2068195"/>
+          </a:xfrm>
+        </p:spPr>
+      </p:pic>
+      <p:sp>
+        <p:nvSpPr>
+          <p:cNvPr id="4" name="Espaço Reservado para Texto 3">
+            <a:extLst>
+              <a:ext uri="{FF2B5EF4-FFF2-40B4-BE49-F238E27FC236}">
+                <a16:creationId xmlns:a16="http://schemas.microsoft.com/office/drawing/2014/main" id="{E33056D4-591F-7283-953B-935653361989}"/>
+              </a:ext>
+            </a:extLst>
+          </p:cNvPr>
+          <p:cNvSpPr>
+            <a:spLocks noGrp="1"/>
+          </p:cNvSpPr>
+          <p:nvPr>
+            <p:ph type="body" sz="half" idx="2"/>
+          </p:nvPr>
+        </p:nvSpPr>
+        <p:spPr/>
+        <p:txBody>
+          <a:bodyPr/>
+          <a:lstStyle/>
+          <a:p>
+            <a:r>
+              <a:rPr lang="pt-BR" dirty="0"/>
+              <a:t>Usar </a:t>
+            </a:r>
+            <a:r>
+              <a:rPr lang="pt-BR" dirty="0" err="1"/>
+              <a:t>axis</a:t>
+            </a:r>
+            <a:r>
+              <a:rPr lang="pt-BR" dirty="0"/>
+              <a:t> no </a:t>
+            </a:r>
+            <a:r>
+              <a:rPr lang="pt-BR" dirty="0" err="1"/>
+              <a:t>dropna</a:t>
+            </a:r>
+            <a:endParaRPr lang="pt-BR" dirty="0"/>
+          </a:p>
+        </p:txBody>
+      </p:sp>
+    </p:spTree>
+    <p:extLst>
+      <p:ext uri="{BB962C8B-B14F-4D97-AF65-F5344CB8AC3E}">
+        <p14:creationId xmlns:p14="http://schemas.microsoft.com/office/powerpoint/2010/main" val="3419703134"/>
+      </p:ext>
+    </p:extLst>
+  </p:cSld>
+  <p:clrMapOvr>
+    <a:masterClrMapping/>
+  </p:clrMapOvr>
+</p:sld>
+</file>
+
+<file path=ppt/slides/slide42.xml><?xml version="1.0" encoding="utf-8"?>
+<p:sld xmlns:a="http://schemas.openxmlformats.org/drawingml/2006/main" xmlns:r="http://schemas.openxmlformats.org/officeDocument/2006/relationships" xmlns:p="http://schemas.openxmlformats.org/presentationml/2006/main">
+  <p:cSld>
+    <p:spTree>
+      <p:nvGrpSpPr>
+        <p:cNvPr id="1" name=""/>
+        <p:cNvGrpSpPr/>
+        <p:nvPr/>
+      </p:nvGrpSpPr>
+      <p:grpSpPr>
+        <a:xfrm>
+          <a:off x="0" y="0"/>
+          <a:ext cx="0" cy="0"/>
+          <a:chOff x="0" y="0"/>
+          <a:chExt cx="0" cy="0"/>
+        </a:xfrm>
+      </p:grpSpPr>
+      <p:sp>
+        <p:nvSpPr>
+          <p:cNvPr id="2" name="Título 1">
+            <a:extLst>
+              <a:ext uri="{FF2B5EF4-FFF2-40B4-BE49-F238E27FC236}">
+                <a16:creationId xmlns:a16="http://schemas.microsoft.com/office/drawing/2014/main" id="{EBAE82AD-635A-6FA2-A256-81EFF42ADED0}"/>
+              </a:ext>
+            </a:extLst>
+          </p:cNvPr>
+          <p:cNvSpPr>
+            <a:spLocks noGrp="1"/>
+          </p:cNvSpPr>
+          <p:nvPr>
+            <p:ph type="title"/>
+          </p:nvPr>
+        </p:nvSpPr>
+        <p:spPr/>
+        <p:txBody>
+          <a:bodyPr>
+            <a:normAutofit fontScale="90000"/>
+          </a:bodyPr>
+          <a:lstStyle/>
+          <a:p>
+            <a:r>
+              <a:rPr lang="pt-BR" dirty="0"/>
+              <a:t>Remove a coluna com base da quantidade de não nulos que eu tenho</a:t>
+            </a:r>
+          </a:p>
+        </p:txBody>
+      </p:sp>
+      <p:pic>
+        <p:nvPicPr>
+          <p:cNvPr id="6" name="Espaço Reservado para Conteúdo 5">
+            <a:extLst>
+              <a:ext uri="{FF2B5EF4-FFF2-40B4-BE49-F238E27FC236}">
+                <a16:creationId xmlns:a16="http://schemas.microsoft.com/office/drawing/2014/main" id="{AA307D73-EBE3-3497-0977-65CA2699F962}"/>
+              </a:ext>
+            </a:extLst>
+          </p:cNvPr>
+          <p:cNvPicPr>
+            <a:picLocks noGrp="1" noChangeAspect="1"/>
+          </p:cNvPicPr>
+          <p:nvPr>
+            <p:ph idx="1"/>
+          </p:nvPr>
+        </p:nvPicPr>
+        <p:blipFill>
+          <a:blip r:embed="rId2"/>
+          <a:stretch>
+            <a:fillRect/>
+          </a:stretch>
+        </p:blipFill>
+        <p:spPr>
+          <a:xfrm>
+            <a:off x="5282783" y="2290604"/>
+            <a:ext cx="5973009" cy="2267266"/>
+          </a:xfrm>
+        </p:spPr>
+      </p:pic>
+      <p:sp>
+        <p:nvSpPr>
+          <p:cNvPr id="4" name="Espaço Reservado para Texto 3">
+            <a:extLst>
+              <a:ext uri="{FF2B5EF4-FFF2-40B4-BE49-F238E27FC236}">
+                <a16:creationId xmlns:a16="http://schemas.microsoft.com/office/drawing/2014/main" id="{DF78FCB2-00C5-1CD8-33F2-047DFD7D982D}"/>
+              </a:ext>
+            </a:extLst>
+          </p:cNvPr>
+          <p:cNvSpPr>
+            <a:spLocks noGrp="1"/>
+          </p:cNvSpPr>
+          <p:nvPr>
+            <p:ph type="body" sz="half" idx="2"/>
+          </p:nvPr>
+        </p:nvSpPr>
+        <p:spPr/>
+        <p:txBody>
+          <a:bodyPr/>
+          <a:lstStyle/>
+          <a:p>
+            <a:r>
+              <a:rPr lang="pt-BR" dirty="0" err="1"/>
+              <a:t>Thresh</a:t>
+            </a:r>
+            <a:r>
+              <a:rPr lang="pt-BR" dirty="0"/>
+              <a:t> é a quantidade solicitada</a:t>
+            </a:r>
+          </a:p>
+        </p:txBody>
+      </p:sp>
+      <p:pic>
+        <p:nvPicPr>
+          <p:cNvPr id="8" name="Imagem 7">
+            <a:extLst>
+              <a:ext uri="{FF2B5EF4-FFF2-40B4-BE49-F238E27FC236}">
+                <a16:creationId xmlns:a16="http://schemas.microsoft.com/office/drawing/2014/main" id="{7F7761E8-44A7-1BFD-5148-140A4D8B8A18}"/>
+              </a:ext>
+            </a:extLst>
+          </p:cNvPr>
+          <p:cNvPicPr>
+            <a:picLocks noChangeAspect="1"/>
+          </p:cNvPicPr>
+          <p:nvPr/>
+        </p:nvPicPr>
+        <p:blipFill>
+          <a:blip r:embed="rId3"/>
+          <a:stretch>
+            <a:fillRect/>
+          </a:stretch>
+        </p:blipFill>
+        <p:spPr>
+          <a:xfrm>
+            <a:off x="329030" y="3530278"/>
+            <a:ext cx="3612432" cy="2787120"/>
+          </a:xfrm>
+          <a:prstGeom prst="rect">
+            <a:avLst/>
+          </a:prstGeom>
+        </p:spPr>
+      </p:pic>
+      <p:pic>
+        <p:nvPicPr>
+          <p:cNvPr id="10" name="Imagem 9">
+            <a:extLst>
+              <a:ext uri="{FF2B5EF4-FFF2-40B4-BE49-F238E27FC236}">
+                <a16:creationId xmlns:a16="http://schemas.microsoft.com/office/drawing/2014/main" id="{3BBA27CD-7A84-D393-9E2C-C3EA5D7F7EA3}"/>
+              </a:ext>
+            </a:extLst>
+          </p:cNvPr>
+          <p:cNvPicPr>
+            <a:picLocks noChangeAspect="1"/>
+          </p:cNvPicPr>
+          <p:nvPr/>
+        </p:nvPicPr>
+        <p:blipFill>
+          <a:blip r:embed="rId4"/>
+          <a:stretch>
+            <a:fillRect/>
+          </a:stretch>
+        </p:blipFill>
+        <p:spPr>
+          <a:xfrm>
+            <a:off x="4356962" y="3865944"/>
+            <a:ext cx="3478076" cy="2851756"/>
+          </a:xfrm>
+          <a:prstGeom prst="rect">
+            <a:avLst/>
+          </a:prstGeom>
+        </p:spPr>
+      </p:pic>
+      <p:pic>
+        <p:nvPicPr>
+          <p:cNvPr id="12" name="Imagem 11">
+            <a:extLst>
+              <a:ext uri="{FF2B5EF4-FFF2-40B4-BE49-F238E27FC236}">
+                <a16:creationId xmlns:a16="http://schemas.microsoft.com/office/drawing/2014/main" id="{2148856A-1DF9-F636-B77A-221657414C91}"/>
+              </a:ext>
+            </a:extLst>
+          </p:cNvPr>
+          <p:cNvPicPr>
+            <a:picLocks noChangeAspect="1"/>
+          </p:cNvPicPr>
+          <p:nvPr/>
+        </p:nvPicPr>
+        <p:blipFill>
+          <a:blip r:embed="rId5"/>
+          <a:stretch>
+            <a:fillRect/>
+          </a:stretch>
+        </p:blipFill>
+        <p:spPr>
+          <a:xfrm>
+            <a:off x="8044646" y="4166886"/>
+            <a:ext cx="3211146" cy="2435831"/>
+          </a:xfrm>
+          <a:prstGeom prst="rect">
+            <a:avLst/>
+          </a:prstGeom>
+        </p:spPr>
+      </p:pic>
+    </p:spTree>
+    <p:extLst>
+      <p:ext uri="{BB962C8B-B14F-4D97-AF65-F5344CB8AC3E}">
+        <p14:creationId xmlns:p14="http://schemas.microsoft.com/office/powerpoint/2010/main" val="753415532"/>
       </p:ext>
     </p:extLst>
   </p:cSld>

--- a/python.pptx
+++ b/python.pptx
@@ -6,47 +6,58 @@
   </p:sldMasterIdLst>
   <p:sldIdLst>
     <p:sldId id="256" r:id="rId2"/>
-    <p:sldId id="257" r:id="rId3"/>
-    <p:sldId id="258" r:id="rId4"/>
-    <p:sldId id="259" r:id="rId5"/>
-    <p:sldId id="260" r:id="rId6"/>
-    <p:sldId id="261" r:id="rId7"/>
-    <p:sldId id="262" r:id="rId8"/>
-    <p:sldId id="263" r:id="rId9"/>
-    <p:sldId id="264" r:id="rId10"/>
-    <p:sldId id="265" r:id="rId11"/>
-    <p:sldId id="266" r:id="rId12"/>
-    <p:sldId id="267" r:id="rId13"/>
-    <p:sldId id="268" r:id="rId14"/>
-    <p:sldId id="269" r:id="rId15"/>
-    <p:sldId id="270" r:id="rId16"/>
-    <p:sldId id="271" r:id="rId17"/>
-    <p:sldId id="272" r:id="rId18"/>
-    <p:sldId id="273" r:id="rId19"/>
-    <p:sldId id="274" r:id="rId20"/>
-    <p:sldId id="275" r:id="rId21"/>
-    <p:sldId id="277" r:id="rId22"/>
-    <p:sldId id="276" r:id="rId23"/>
-    <p:sldId id="278" r:id="rId24"/>
-    <p:sldId id="279" r:id="rId25"/>
-    <p:sldId id="281" r:id="rId26"/>
-    <p:sldId id="282" r:id="rId27"/>
-    <p:sldId id="283" r:id="rId28"/>
-    <p:sldId id="284" r:id="rId29"/>
-    <p:sldId id="285" r:id="rId30"/>
-    <p:sldId id="280" r:id="rId31"/>
-    <p:sldId id="286" r:id="rId32"/>
-    <p:sldId id="287" r:id="rId33"/>
-    <p:sldId id="288" r:id="rId34"/>
-    <p:sldId id="289" r:id="rId35"/>
-    <p:sldId id="290" r:id="rId36"/>
-    <p:sldId id="291" r:id="rId37"/>
-    <p:sldId id="292" r:id="rId38"/>
-    <p:sldId id="293" r:id="rId39"/>
-    <p:sldId id="294" r:id="rId40"/>
-    <p:sldId id="295" r:id="rId41"/>
-    <p:sldId id="296" r:id="rId42"/>
-    <p:sldId id="297" r:id="rId43"/>
+    <p:sldId id="301" r:id="rId3"/>
+    <p:sldId id="257" r:id="rId4"/>
+    <p:sldId id="258" r:id="rId5"/>
+    <p:sldId id="259" r:id="rId6"/>
+    <p:sldId id="260" r:id="rId7"/>
+    <p:sldId id="261" r:id="rId8"/>
+    <p:sldId id="262" r:id="rId9"/>
+    <p:sldId id="263" r:id="rId10"/>
+    <p:sldId id="264" r:id="rId11"/>
+    <p:sldId id="265" r:id="rId12"/>
+    <p:sldId id="266" r:id="rId13"/>
+    <p:sldId id="267" r:id="rId14"/>
+    <p:sldId id="268" r:id="rId15"/>
+    <p:sldId id="269" r:id="rId16"/>
+    <p:sldId id="270" r:id="rId17"/>
+    <p:sldId id="271" r:id="rId18"/>
+    <p:sldId id="272" r:id="rId19"/>
+    <p:sldId id="273" r:id="rId20"/>
+    <p:sldId id="274" r:id="rId21"/>
+    <p:sldId id="275" r:id="rId22"/>
+    <p:sldId id="277" r:id="rId23"/>
+    <p:sldId id="276" r:id="rId24"/>
+    <p:sldId id="278" r:id="rId25"/>
+    <p:sldId id="279" r:id="rId26"/>
+    <p:sldId id="281" r:id="rId27"/>
+    <p:sldId id="282" r:id="rId28"/>
+    <p:sldId id="283" r:id="rId29"/>
+    <p:sldId id="284" r:id="rId30"/>
+    <p:sldId id="285" r:id="rId31"/>
+    <p:sldId id="280" r:id="rId32"/>
+    <p:sldId id="286" r:id="rId33"/>
+    <p:sldId id="287" r:id="rId34"/>
+    <p:sldId id="288" r:id="rId35"/>
+    <p:sldId id="289" r:id="rId36"/>
+    <p:sldId id="290" r:id="rId37"/>
+    <p:sldId id="291" r:id="rId38"/>
+    <p:sldId id="292" r:id="rId39"/>
+    <p:sldId id="293" r:id="rId40"/>
+    <p:sldId id="294" r:id="rId41"/>
+    <p:sldId id="295" r:id="rId42"/>
+    <p:sldId id="296" r:id="rId43"/>
+    <p:sldId id="297" r:id="rId44"/>
+    <p:sldId id="298" r:id="rId45"/>
+    <p:sldId id="299" r:id="rId46"/>
+    <p:sldId id="300" r:id="rId47"/>
+    <p:sldId id="302" r:id="rId48"/>
+    <p:sldId id="303" r:id="rId49"/>
+    <p:sldId id="304" r:id="rId50"/>
+    <p:sldId id="305" r:id="rId51"/>
+    <p:sldId id="306" r:id="rId52"/>
+    <p:sldId id="307" r:id="rId53"/>
+    <p:sldId id="308" r:id="rId54"/>
   </p:sldIdLst>
   <p:sldSz cx="12192000" cy="6858000"/>
   <p:notesSz cx="6858000" cy="9144000"/>
@@ -300,7 +311,7 @@
           <a:p>
             <a:fld id="{3EC078F2-AD2A-4A57-B2B6-F0D9AD2AD2DF}" type="datetimeFigureOut">
               <a:rPr lang="pt-BR" smtClean="0"/>
-              <a:t>20/09/2024</a:t>
+              <a:t>24/09/2024</a:t>
             </a:fld>
             <a:endParaRPr lang="pt-BR"/>
           </a:p>
@@ -498,7 +509,7 @@
           <a:p>
             <a:fld id="{3EC078F2-AD2A-4A57-B2B6-F0D9AD2AD2DF}" type="datetimeFigureOut">
               <a:rPr lang="pt-BR" smtClean="0"/>
-              <a:t>20/09/2024</a:t>
+              <a:t>24/09/2024</a:t>
             </a:fld>
             <a:endParaRPr lang="pt-BR"/>
           </a:p>
@@ -706,7 +717,7 @@
           <a:p>
             <a:fld id="{3EC078F2-AD2A-4A57-B2B6-F0D9AD2AD2DF}" type="datetimeFigureOut">
               <a:rPr lang="pt-BR" smtClean="0"/>
-              <a:t>20/09/2024</a:t>
+              <a:t>24/09/2024</a:t>
             </a:fld>
             <a:endParaRPr lang="pt-BR"/>
           </a:p>
@@ -904,7 +915,7 @@
           <a:p>
             <a:fld id="{3EC078F2-AD2A-4A57-B2B6-F0D9AD2AD2DF}" type="datetimeFigureOut">
               <a:rPr lang="pt-BR" smtClean="0"/>
-              <a:t>20/09/2024</a:t>
+              <a:t>24/09/2024</a:t>
             </a:fld>
             <a:endParaRPr lang="pt-BR"/>
           </a:p>
@@ -1179,7 +1190,7 @@
           <a:p>
             <a:fld id="{3EC078F2-AD2A-4A57-B2B6-F0D9AD2AD2DF}" type="datetimeFigureOut">
               <a:rPr lang="pt-BR" smtClean="0"/>
-              <a:t>20/09/2024</a:t>
+              <a:t>24/09/2024</a:t>
             </a:fld>
             <a:endParaRPr lang="pt-BR"/>
           </a:p>
@@ -1444,7 +1455,7 @@
           <a:p>
             <a:fld id="{3EC078F2-AD2A-4A57-B2B6-F0D9AD2AD2DF}" type="datetimeFigureOut">
               <a:rPr lang="pt-BR" smtClean="0"/>
-              <a:t>20/09/2024</a:t>
+              <a:t>24/09/2024</a:t>
             </a:fld>
             <a:endParaRPr lang="pt-BR"/>
           </a:p>
@@ -1856,7 +1867,7 @@
           <a:p>
             <a:fld id="{3EC078F2-AD2A-4A57-B2B6-F0D9AD2AD2DF}" type="datetimeFigureOut">
               <a:rPr lang="pt-BR" smtClean="0"/>
-              <a:t>20/09/2024</a:t>
+              <a:t>24/09/2024</a:t>
             </a:fld>
             <a:endParaRPr lang="pt-BR"/>
           </a:p>
@@ -1997,7 +2008,7 @@
           <a:p>
             <a:fld id="{3EC078F2-AD2A-4A57-B2B6-F0D9AD2AD2DF}" type="datetimeFigureOut">
               <a:rPr lang="pt-BR" smtClean="0"/>
-              <a:t>20/09/2024</a:t>
+              <a:t>24/09/2024</a:t>
             </a:fld>
             <a:endParaRPr lang="pt-BR"/>
           </a:p>
@@ -2110,7 +2121,7 @@
           <a:p>
             <a:fld id="{3EC078F2-AD2A-4A57-B2B6-F0D9AD2AD2DF}" type="datetimeFigureOut">
               <a:rPr lang="pt-BR" smtClean="0"/>
-              <a:t>20/09/2024</a:t>
+              <a:t>24/09/2024</a:t>
             </a:fld>
             <a:endParaRPr lang="pt-BR"/>
           </a:p>
@@ -2421,7 +2432,7 @@
           <a:p>
             <a:fld id="{3EC078F2-AD2A-4A57-B2B6-F0D9AD2AD2DF}" type="datetimeFigureOut">
               <a:rPr lang="pt-BR" smtClean="0"/>
-              <a:t>20/09/2024</a:t>
+              <a:t>24/09/2024</a:t>
             </a:fld>
             <a:endParaRPr lang="pt-BR"/>
           </a:p>
@@ -2709,7 +2720,7 @@
           <a:p>
             <a:fld id="{3EC078F2-AD2A-4A57-B2B6-F0D9AD2AD2DF}" type="datetimeFigureOut">
               <a:rPr lang="pt-BR" smtClean="0"/>
-              <a:t>20/09/2024</a:t>
+              <a:t>24/09/2024</a:t>
             </a:fld>
             <a:endParaRPr lang="pt-BR"/>
           </a:p>
@@ -2950,7 +2961,7 @@
           <a:p>
             <a:fld id="{3EC078F2-AD2A-4A57-B2B6-F0D9AD2AD2DF}" type="datetimeFigureOut">
               <a:rPr lang="pt-BR" smtClean="0"/>
-              <a:t>20/09/2024</a:t>
+              <a:t>24/09/2024</a:t>
             </a:fld>
             <a:endParaRPr lang="pt-BR"/>
           </a:p>
@@ -3470,6 +3481,174 @@
           <a:p>
             <a:r>
               <a:rPr lang="pt-BR" dirty="0"/>
+              <a:t>Sobre posição</a:t>
+            </a:r>
+          </a:p>
+        </p:txBody>
+      </p:sp>
+      <p:sp>
+        <p:nvSpPr>
+          <p:cNvPr id="3" name="Espaço Reservado para Conteúdo 2">
+            <a:extLst>
+              <a:ext uri="{FF2B5EF4-FFF2-40B4-BE49-F238E27FC236}">
+                <a16:creationId xmlns:a16="http://schemas.microsoft.com/office/drawing/2014/main" id="{8BC2FCDB-CE2C-01FA-E8F0-212698FF5005}"/>
+              </a:ext>
+            </a:extLst>
+          </p:cNvPr>
+          <p:cNvSpPr>
+            <a:spLocks noGrp="1"/>
+          </p:cNvSpPr>
+          <p:nvPr>
+            <p:ph idx="1"/>
+          </p:nvPr>
+        </p:nvSpPr>
+        <p:spPr/>
+        <p:txBody>
+          <a:bodyPr/>
+          <a:lstStyle/>
+          <a:p>
+            <a:r>
+              <a:rPr lang="pt-BR" dirty="0"/>
+              <a:t>O </a:t>
+            </a:r>
+            <a:r>
+              <a:rPr lang="pt-BR" dirty="0" err="1"/>
+              <a:t>iloc</a:t>
+            </a:r>
+            <a:r>
+              <a:rPr lang="pt-BR" dirty="0"/>
+              <a:t> serve para pegar a posição, abaixo fiz uma inversão da ordem dos números para mostrar, a posição zero ainda pega o primeiro</a:t>
+            </a:r>
+          </a:p>
+          <a:p>
+            <a:r>
+              <a:rPr lang="pt-BR" dirty="0"/>
+              <a:t>O </a:t>
+            </a:r>
+            <a:r>
+              <a:rPr lang="pt-BR" dirty="0" err="1"/>
+              <a:t>loc</a:t>
+            </a:r>
+            <a:r>
+              <a:rPr lang="pt-BR" dirty="0"/>
+              <a:t> traz o índice</a:t>
+            </a:r>
+          </a:p>
+        </p:txBody>
+      </p:sp>
+      <p:pic>
+        <p:nvPicPr>
+          <p:cNvPr id="5" name="Imagem 4">
+            <a:extLst>
+              <a:ext uri="{FF2B5EF4-FFF2-40B4-BE49-F238E27FC236}">
+                <a16:creationId xmlns:a16="http://schemas.microsoft.com/office/drawing/2014/main" id="{A1E03FF3-E80E-E64B-67A4-B5502A47EE90}"/>
+              </a:ext>
+            </a:extLst>
+          </p:cNvPr>
+          <p:cNvPicPr>
+            <a:picLocks noChangeAspect="1"/>
+          </p:cNvPicPr>
+          <p:nvPr/>
+        </p:nvPicPr>
+        <p:blipFill>
+          <a:blip r:embed="rId2"/>
+          <a:stretch>
+            <a:fillRect/>
+          </a:stretch>
+        </p:blipFill>
+        <p:spPr>
+          <a:xfrm>
+            <a:off x="3946232" y="3575825"/>
+            <a:ext cx="8175172" cy="1803253"/>
+          </a:xfrm>
+          <a:prstGeom prst="rect">
+            <a:avLst/>
+          </a:prstGeom>
+        </p:spPr>
+      </p:pic>
+      <p:pic>
+        <p:nvPicPr>
+          <p:cNvPr id="7" name="Imagem 6">
+            <a:extLst>
+              <a:ext uri="{FF2B5EF4-FFF2-40B4-BE49-F238E27FC236}">
+                <a16:creationId xmlns:a16="http://schemas.microsoft.com/office/drawing/2014/main" id="{2A005CC4-D260-C1E7-4B29-DB31C9833F16}"/>
+              </a:ext>
+            </a:extLst>
+          </p:cNvPr>
+          <p:cNvPicPr>
+            <a:picLocks noChangeAspect="1"/>
+          </p:cNvPicPr>
+          <p:nvPr/>
+        </p:nvPicPr>
+        <p:blipFill>
+          <a:blip r:embed="rId3"/>
+          <a:stretch>
+            <a:fillRect/>
+          </a:stretch>
+        </p:blipFill>
+        <p:spPr>
+          <a:xfrm>
+            <a:off x="70596" y="4351161"/>
+            <a:ext cx="3637245" cy="2055834"/>
+          </a:xfrm>
+          <a:prstGeom prst="rect">
+            <a:avLst/>
+          </a:prstGeom>
+        </p:spPr>
+      </p:pic>
+    </p:spTree>
+    <p:extLst>
+      <p:ext uri="{BB962C8B-B14F-4D97-AF65-F5344CB8AC3E}">
+        <p14:creationId xmlns:p14="http://schemas.microsoft.com/office/powerpoint/2010/main" val="2342781615"/>
+      </p:ext>
+    </p:extLst>
+  </p:cSld>
+  <p:clrMapOvr>
+    <a:masterClrMapping/>
+  </p:clrMapOvr>
+</p:sld>
+</file>
+
+<file path=ppt/slides/slide11.xml><?xml version="1.0" encoding="utf-8"?>
+<p:sld xmlns:a="http://schemas.openxmlformats.org/drawingml/2006/main" xmlns:r="http://schemas.openxmlformats.org/officeDocument/2006/relationships" xmlns:p="http://schemas.openxmlformats.org/presentationml/2006/main">
+  <p:cSld>
+    <p:spTree>
+      <p:nvGrpSpPr>
+        <p:cNvPr id="1" name=""/>
+        <p:cNvGrpSpPr/>
+        <p:nvPr/>
+      </p:nvGrpSpPr>
+      <p:grpSpPr>
+        <a:xfrm>
+          <a:off x="0" y="0"/>
+          <a:ext cx="0" cy="0"/>
+          <a:chOff x="0" y="0"/>
+          <a:chExt cx="0" cy="0"/>
+        </a:xfrm>
+      </p:grpSpPr>
+      <p:sp>
+        <p:nvSpPr>
+          <p:cNvPr id="2" name="Título 1">
+            <a:extLst>
+              <a:ext uri="{FF2B5EF4-FFF2-40B4-BE49-F238E27FC236}">
+                <a16:creationId xmlns:a16="http://schemas.microsoft.com/office/drawing/2014/main" id="{7315AA8B-0426-3C0C-DEEB-BAE90623813F}"/>
+              </a:ext>
+            </a:extLst>
+          </p:cNvPr>
+          <p:cNvSpPr>
+            <a:spLocks noGrp="1"/>
+          </p:cNvSpPr>
+          <p:nvPr>
+            <p:ph type="title"/>
+          </p:nvPr>
+        </p:nvSpPr>
+        <p:spPr/>
+        <p:txBody>
+          <a:bodyPr/>
+          <a:lstStyle/>
+          <a:p>
+            <a:r>
+              <a:rPr lang="pt-BR" dirty="0"/>
               <a:t>outros</a:t>
             </a:r>
           </a:p>
@@ -3601,7 +3780,7 @@
 </p:sld>
 </file>
 
-<file path=ppt/slides/slide11.xml><?xml version="1.0" encoding="utf-8"?>
+<file path=ppt/slides/slide12.xml><?xml version="1.0" encoding="utf-8"?>
 <p:sld xmlns:a="http://schemas.openxmlformats.org/drawingml/2006/main" xmlns:r="http://schemas.openxmlformats.org/officeDocument/2006/relationships" xmlns:p="http://schemas.openxmlformats.org/presentationml/2006/main">
   <p:cSld>
     <p:spTree>
@@ -3824,7 +4003,7 @@
 </p:sld>
 </file>
 
-<file path=ppt/slides/slide12.xml><?xml version="1.0" encoding="utf-8"?>
+<file path=ppt/slides/slide13.xml><?xml version="1.0" encoding="utf-8"?>
 <p:sld xmlns:a="http://schemas.openxmlformats.org/drawingml/2006/main" xmlns:r="http://schemas.openxmlformats.org/officeDocument/2006/relationships" xmlns:p="http://schemas.openxmlformats.org/presentationml/2006/main">
   <p:cSld>
     <p:spTree>
@@ -3986,7 +4165,7 @@
 </p:sld>
 </file>
 
-<file path=ppt/slides/slide13.xml><?xml version="1.0" encoding="utf-8"?>
+<file path=ppt/slides/slide14.xml><?xml version="1.0" encoding="utf-8"?>
 <p:sld xmlns:a="http://schemas.openxmlformats.org/drawingml/2006/main" xmlns:r="http://schemas.openxmlformats.org/officeDocument/2006/relationships" xmlns:p="http://schemas.openxmlformats.org/presentationml/2006/main">
   <p:cSld>
     <p:spTree>
@@ -4115,7 +4294,7 @@
 </p:sld>
 </file>
 
-<file path=ppt/slides/slide14.xml><?xml version="1.0" encoding="utf-8"?>
+<file path=ppt/slides/slide15.xml><?xml version="1.0" encoding="utf-8"?>
 <p:sld xmlns:a="http://schemas.openxmlformats.org/drawingml/2006/main" xmlns:r="http://schemas.openxmlformats.org/officeDocument/2006/relationships" xmlns:p="http://schemas.openxmlformats.org/presentationml/2006/main">
   <p:cSld>
     <p:spTree>
@@ -4279,7 +4458,7 @@
 </p:sld>
 </file>
 
-<file path=ppt/slides/slide15.xml><?xml version="1.0" encoding="utf-8"?>
+<file path=ppt/slides/slide16.xml><?xml version="1.0" encoding="utf-8"?>
 <p:sld xmlns:a="http://schemas.openxmlformats.org/drawingml/2006/main" xmlns:r="http://schemas.openxmlformats.org/officeDocument/2006/relationships" xmlns:p="http://schemas.openxmlformats.org/presentationml/2006/main">
   <p:cSld>
     <p:spTree>
@@ -4401,7 +4580,7 @@
 </p:sld>
 </file>
 
-<file path=ppt/slides/slide16.xml><?xml version="1.0" encoding="utf-8"?>
+<file path=ppt/slides/slide17.xml><?xml version="1.0" encoding="utf-8"?>
 <p:sld xmlns:a="http://schemas.openxmlformats.org/drawingml/2006/main" xmlns:r="http://schemas.openxmlformats.org/officeDocument/2006/relationships" xmlns:p="http://schemas.openxmlformats.org/presentationml/2006/main">
   <p:cSld>
     <p:spTree>
@@ -4553,7 +4732,7 @@
 </p:sld>
 </file>
 
-<file path=ppt/slides/slide17.xml><?xml version="1.0" encoding="utf-8"?>
+<file path=ppt/slides/slide18.xml><?xml version="1.0" encoding="utf-8"?>
 <p:sld xmlns:a="http://schemas.openxmlformats.org/drawingml/2006/main" xmlns:r="http://schemas.openxmlformats.org/officeDocument/2006/relationships" xmlns:p="http://schemas.openxmlformats.org/presentationml/2006/main">
   <p:cSld>
     <p:spTree>
@@ -4713,7 +4892,7 @@
 </p:sld>
 </file>
 
-<file path=ppt/slides/slide18.xml><?xml version="1.0" encoding="utf-8"?>
+<file path=ppt/slides/slide19.xml><?xml version="1.0" encoding="utf-8"?>
 <p:sld xmlns:a="http://schemas.openxmlformats.org/drawingml/2006/main" xmlns:r="http://schemas.openxmlformats.org/officeDocument/2006/relationships" xmlns:p="http://schemas.openxmlformats.org/presentationml/2006/main">
   <p:cSld>
     <p:spTree>
@@ -4834,7 +5013,87 @@
 </p:sld>
 </file>
 
-<file path=ppt/slides/slide19.xml><?xml version="1.0" encoding="utf-8"?>
+<file path=ppt/slides/slide2.xml><?xml version="1.0" encoding="utf-8"?>
+<p:sld xmlns:a="http://schemas.openxmlformats.org/drawingml/2006/main" xmlns:r="http://schemas.openxmlformats.org/officeDocument/2006/relationships" xmlns:p="http://schemas.openxmlformats.org/presentationml/2006/main">
+  <p:cSld>
+    <p:spTree>
+      <p:nvGrpSpPr>
+        <p:cNvPr id="1" name=""/>
+        <p:cNvGrpSpPr/>
+        <p:nvPr/>
+      </p:nvGrpSpPr>
+      <p:grpSpPr>
+        <a:xfrm>
+          <a:off x="0" y="0"/>
+          <a:ext cx="0" cy="0"/>
+          <a:chOff x="0" y="0"/>
+          <a:chExt cx="0" cy="0"/>
+        </a:xfrm>
+      </p:grpSpPr>
+      <p:sp>
+        <p:nvSpPr>
+          <p:cNvPr id="2" name="Título 1">
+            <a:extLst>
+              <a:ext uri="{FF2B5EF4-FFF2-40B4-BE49-F238E27FC236}">
+                <a16:creationId xmlns:a16="http://schemas.microsoft.com/office/drawing/2014/main" id="{9DC3C7BA-B775-452F-5AF2-3724089ED38F}"/>
+              </a:ext>
+            </a:extLst>
+          </p:cNvPr>
+          <p:cNvSpPr>
+            <a:spLocks noGrp="1"/>
+          </p:cNvSpPr>
+          <p:nvPr>
+            <p:ph type="title"/>
+          </p:nvPr>
+        </p:nvSpPr>
+        <p:spPr/>
+        <p:txBody>
+          <a:bodyPr/>
+          <a:lstStyle/>
+          <a:p>
+            <a:endParaRPr lang="pt-BR"/>
+          </a:p>
+        </p:txBody>
+      </p:sp>
+      <p:sp>
+        <p:nvSpPr>
+          <p:cNvPr id="3" name="Espaço Reservado para Conteúdo 2">
+            <a:extLst>
+              <a:ext uri="{FF2B5EF4-FFF2-40B4-BE49-F238E27FC236}">
+                <a16:creationId xmlns:a16="http://schemas.microsoft.com/office/drawing/2014/main" id="{A59D227B-4886-5182-D9DA-8495B7FE1EE8}"/>
+              </a:ext>
+            </a:extLst>
+          </p:cNvPr>
+          <p:cNvSpPr>
+            <a:spLocks noGrp="1"/>
+          </p:cNvSpPr>
+          <p:nvPr>
+            <p:ph idx="1"/>
+          </p:nvPr>
+        </p:nvSpPr>
+        <p:spPr/>
+        <p:txBody>
+          <a:bodyPr/>
+          <a:lstStyle/>
+          <a:p>
+            <a:endParaRPr lang="pt-BR"/>
+          </a:p>
+        </p:txBody>
+      </p:sp>
+    </p:spTree>
+    <p:extLst>
+      <p:ext uri="{BB962C8B-B14F-4D97-AF65-F5344CB8AC3E}">
+        <p14:creationId xmlns:p14="http://schemas.microsoft.com/office/powerpoint/2010/main" val="2804712894"/>
+      </p:ext>
+    </p:extLst>
+  </p:cSld>
+  <p:clrMapOvr>
+    <a:masterClrMapping/>
+  </p:clrMapOvr>
+</p:sld>
+</file>
+
+<file path=ppt/slides/slide20.xml><?xml version="1.0" encoding="utf-8"?>
 <p:sld xmlns:a="http://schemas.openxmlformats.org/drawingml/2006/main" xmlns:r="http://schemas.openxmlformats.org/officeDocument/2006/relationships" xmlns:p="http://schemas.openxmlformats.org/presentationml/2006/main">
   <p:cSld>
     <p:spTree>
@@ -4947,7 +5206,1806 @@
 </p:sld>
 </file>
 
-<file path=ppt/slides/slide2.xml><?xml version="1.0" encoding="utf-8"?>
+<file path=ppt/slides/slide21.xml><?xml version="1.0" encoding="utf-8"?>
+<p:sld xmlns:a="http://schemas.openxmlformats.org/drawingml/2006/main" xmlns:r="http://schemas.openxmlformats.org/officeDocument/2006/relationships" xmlns:p="http://schemas.openxmlformats.org/presentationml/2006/main">
+  <p:cSld>
+    <p:spTree>
+      <p:nvGrpSpPr>
+        <p:cNvPr id="1" name=""/>
+        <p:cNvGrpSpPr/>
+        <p:nvPr/>
+      </p:nvGrpSpPr>
+      <p:grpSpPr>
+        <a:xfrm>
+          <a:off x="0" y="0"/>
+          <a:ext cx="0" cy="0"/>
+          <a:chOff x="0" y="0"/>
+          <a:chExt cx="0" cy="0"/>
+        </a:xfrm>
+      </p:grpSpPr>
+      <p:sp>
+        <p:nvSpPr>
+          <p:cNvPr id="2" name="Título 1">
+            <a:extLst>
+              <a:ext uri="{FF2B5EF4-FFF2-40B4-BE49-F238E27FC236}">
+                <a16:creationId xmlns:a16="http://schemas.microsoft.com/office/drawing/2014/main" id="{7315AA8B-0426-3C0C-DEEB-BAE90623813F}"/>
+              </a:ext>
+            </a:extLst>
+          </p:cNvPr>
+          <p:cNvSpPr>
+            <a:spLocks noGrp="1"/>
+          </p:cNvSpPr>
+          <p:nvPr>
+            <p:ph type="title"/>
+          </p:nvPr>
+        </p:nvSpPr>
+        <p:spPr/>
+        <p:txBody>
+          <a:bodyPr/>
+          <a:lstStyle/>
+          <a:p>
+            <a:r>
+              <a:rPr lang="pt-BR" dirty="0"/>
+              <a:t>Listar colunas e deixar em ordem</a:t>
+            </a:r>
+          </a:p>
+        </p:txBody>
+      </p:sp>
+      <p:sp>
+        <p:nvSpPr>
+          <p:cNvPr id="3" name="Espaço Reservado para Conteúdo 2">
+            <a:extLst>
+              <a:ext uri="{FF2B5EF4-FFF2-40B4-BE49-F238E27FC236}">
+                <a16:creationId xmlns:a16="http://schemas.microsoft.com/office/drawing/2014/main" id="{8BC2FCDB-CE2C-01FA-E8F0-212698FF5005}"/>
+              </a:ext>
+            </a:extLst>
+          </p:cNvPr>
+          <p:cNvSpPr>
+            <a:spLocks noGrp="1"/>
+          </p:cNvSpPr>
+          <p:nvPr>
+            <p:ph idx="1"/>
+          </p:nvPr>
+        </p:nvSpPr>
+        <p:spPr/>
+        <p:txBody>
+          <a:bodyPr/>
+          <a:lstStyle/>
+          <a:p>
+            <a:r>
+              <a:rPr lang="pt-BR" dirty="0"/>
+              <a:t>Primeiro será necessário listas as colunas e colocar numa medida/variável</a:t>
+            </a:r>
+          </a:p>
+          <a:p>
+            <a:r>
+              <a:rPr lang="pt-BR" dirty="0"/>
+              <a:t>Após listadas, colocar em ordem e na sequência usar no fato</a:t>
+            </a:r>
+          </a:p>
+          <a:p>
+            <a:r>
+              <a:rPr lang="pt-BR" dirty="0"/>
+              <a:t>Pode usar no fato sem precisar criar cópia, pois não iria alterar a estrutura original, apenas mudar a sequencia das colunas</a:t>
+            </a:r>
+          </a:p>
+        </p:txBody>
+      </p:sp>
+      <p:pic>
+        <p:nvPicPr>
+          <p:cNvPr id="5" name="Imagem 4">
+            <a:extLst>
+              <a:ext uri="{FF2B5EF4-FFF2-40B4-BE49-F238E27FC236}">
+                <a16:creationId xmlns:a16="http://schemas.microsoft.com/office/drawing/2014/main" id="{908361F7-2E9C-267E-D48B-9903D56ADA35}"/>
+              </a:ext>
+            </a:extLst>
+          </p:cNvPr>
+          <p:cNvPicPr>
+            <a:picLocks noChangeAspect="1"/>
+          </p:cNvPicPr>
+          <p:nvPr/>
+        </p:nvPicPr>
+        <p:blipFill>
+          <a:blip r:embed="rId2"/>
+          <a:stretch>
+            <a:fillRect/>
+          </a:stretch>
+        </p:blipFill>
+        <p:spPr>
+          <a:xfrm>
+            <a:off x="5503681" y="4909961"/>
+            <a:ext cx="4610743" cy="1267002"/>
+          </a:xfrm>
+          <a:prstGeom prst="rect">
+            <a:avLst/>
+          </a:prstGeom>
+        </p:spPr>
+      </p:pic>
+    </p:spTree>
+    <p:extLst>
+      <p:ext uri="{BB962C8B-B14F-4D97-AF65-F5344CB8AC3E}">
+        <p14:creationId xmlns:p14="http://schemas.microsoft.com/office/powerpoint/2010/main" val="2012181676"/>
+      </p:ext>
+    </p:extLst>
+  </p:cSld>
+  <p:clrMapOvr>
+    <a:masterClrMapping/>
+  </p:clrMapOvr>
+</p:sld>
+</file>
+
+<file path=ppt/slides/slide22.xml><?xml version="1.0" encoding="utf-8"?>
+<p:sld xmlns:a="http://schemas.openxmlformats.org/drawingml/2006/main" xmlns:r="http://schemas.openxmlformats.org/officeDocument/2006/relationships" xmlns:p="http://schemas.openxmlformats.org/presentationml/2006/main">
+  <p:cSld>
+    <p:spTree>
+      <p:nvGrpSpPr>
+        <p:cNvPr id="1" name=""/>
+        <p:cNvGrpSpPr/>
+        <p:nvPr/>
+      </p:nvGrpSpPr>
+      <p:grpSpPr>
+        <a:xfrm>
+          <a:off x="0" y="0"/>
+          <a:ext cx="0" cy="0"/>
+          <a:chOff x="0" y="0"/>
+          <a:chExt cx="0" cy="0"/>
+        </a:xfrm>
+      </p:grpSpPr>
+      <p:sp>
+        <p:nvSpPr>
+          <p:cNvPr id="2" name="Título 1">
+            <a:extLst>
+              <a:ext uri="{FF2B5EF4-FFF2-40B4-BE49-F238E27FC236}">
+                <a16:creationId xmlns:a16="http://schemas.microsoft.com/office/drawing/2014/main" id="{7315AA8B-0426-3C0C-DEEB-BAE90623813F}"/>
+              </a:ext>
+            </a:extLst>
+          </p:cNvPr>
+          <p:cNvSpPr>
+            <a:spLocks noGrp="1"/>
+          </p:cNvSpPr>
+          <p:nvPr>
+            <p:ph type="title"/>
+          </p:nvPr>
+        </p:nvSpPr>
+        <p:spPr/>
+        <p:txBody>
+          <a:bodyPr/>
+          <a:lstStyle/>
+          <a:p>
+            <a:r>
+              <a:rPr lang="pt-BR" dirty="0"/>
+              <a:t>Renomear nomes das colunas</a:t>
+            </a:r>
+          </a:p>
+        </p:txBody>
+      </p:sp>
+      <p:sp>
+        <p:nvSpPr>
+          <p:cNvPr id="3" name="Espaço Reservado para Conteúdo 2">
+            <a:extLst>
+              <a:ext uri="{FF2B5EF4-FFF2-40B4-BE49-F238E27FC236}">
+                <a16:creationId xmlns:a16="http://schemas.microsoft.com/office/drawing/2014/main" id="{8BC2FCDB-CE2C-01FA-E8F0-212698FF5005}"/>
+              </a:ext>
+            </a:extLst>
+          </p:cNvPr>
+          <p:cNvSpPr>
+            <a:spLocks noGrp="1"/>
+          </p:cNvSpPr>
+          <p:nvPr>
+            <p:ph idx="1"/>
+          </p:nvPr>
+        </p:nvSpPr>
+        <p:spPr/>
+        <p:txBody>
+          <a:bodyPr/>
+          <a:lstStyle/>
+          <a:p>
+            <a:r>
+              <a:rPr lang="pt-BR" dirty="0"/>
+              <a:t>Tem que reatribuir a ele mesmo</a:t>
+            </a:r>
+          </a:p>
+          <a:p>
+            <a:r>
+              <a:rPr lang="pt-BR" dirty="0"/>
+              <a:t>Usar o </a:t>
+            </a:r>
+            <a:r>
+              <a:rPr lang="pt-BR" dirty="0" err="1"/>
+              <a:t>rename</a:t>
+            </a:r>
+            <a:r>
+              <a:rPr lang="pt-BR" dirty="0"/>
+              <a:t> e </a:t>
+            </a:r>
+            <a:r>
+              <a:rPr lang="pt-BR" dirty="0" err="1"/>
+              <a:t>columns</a:t>
+            </a:r>
+            <a:r>
+              <a:rPr lang="pt-BR" dirty="0"/>
+              <a:t>, mais dicionário</a:t>
+            </a:r>
+          </a:p>
+          <a:p>
+            <a:r>
+              <a:rPr lang="pt-BR" dirty="0"/>
+              <a:t>E tem outra opção no próximo slide</a:t>
+            </a:r>
+          </a:p>
+          <a:p>
+            <a:r>
+              <a:rPr lang="pt-BR" dirty="0"/>
+              <a:t>Se alterar aqui, altera tudo antes também</a:t>
+            </a:r>
+          </a:p>
+        </p:txBody>
+      </p:sp>
+      <p:pic>
+        <p:nvPicPr>
+          <p:cNvPr id="5" name="Imagem 4">
+            <a:extLst>
+              <a:ext uri="{FF2B5EF4-FFF2-40B4-BE49-F238E27FC236}">
+                <a16:creationId xmlns:a16="http://schemas.microsoft.com/office/drawing/2014/main" id="{EADDB40F-1FC9-FF31-FA43-F44EFAF8C54C}"/>
+              </a:ext>
+            </a:extLst>
+          </p:cNvPr>
+          <p:cNvPicPr>
+            <a:picLocks noChangeAspect="1"/>
+          </p:cNvPicPr>
+          <p:nvPr/>
+        </p:nvPicPr>
+        <p:blipFill>
+          <a:blip r:embed="rId2"/>
+          <a:stretch>
+            <a:fillRect/>
+          </a:stretch>
+        </p:blipFill>
+        <p:spPr>
+          <a:xfrm>
+            <a:off x="2747446" y="3896426"/>
+            <a:ext cx="6535062" cy="1171739"/>
+          </a:xfrm>
+          <a:prstGeom prst="rect">
+            <a:avLst/>
+          </a:prstGeom>
+        </p:spPr>
+      </p:pic>
+    </p:spTree>
+    <p:extLst>
+      <p:ext uri="{BB962C8B-B14F-4D97-AF65-F5344CB8AC3E}">
+        <p14:creationId xmlns:p14="http://schemas.microsoft.com/office/powerpoint/2010/main" val="2971756271"/>
+      </p:ext>
+    </p:extLst>
+  </p:cSld>
+  <p:clrMapOvr>
+    <a:masterClrMapping/>
+  </p:clrMapOvr>
+</p:sld>
+</file>
+
+<file path=ppt/slides/slide23.xml><?xml version="1.0" encoding="utf-8"?>
+<p:sld xmlns:a="http://schemas.openxmlformats.org/drawingml/2006/main" xmlns:r="http://schemas.openxmlformats.org/officeDocument/2006/relationships" xmlns:p="http://schemas.openxmlformats.org/presentationml/2006/main">
+  <p:cSld>
+    <p:spTree>
+      <p:nvGrpSpPr>
+        <p:cNvPr id="1" name=""/>
+        <p:cNvGrpSpPr/>
+        <p:nvPr/>
+      </p:nvGrpSpPr>
+      <p:grpSpPr>
+        <a:xfrm>
+          <a:off x="0" y="0"/>
+          <a:ext cx="0" cy="0"/>
+          <a:chOff x="0" y="0"/>
+          <a:chExt cx="0" cy="0"/>
+        </a:xfrm>
+      </p:grpSpPr>
+      <p:sp>
+        <p:nvSpPr>
+          <p:cNvPr id="2" name="Título 1">
+            <a:extLst>
+              <a:ext uri="{FF2B5EF4-FFF2-40B4-BE49-F238E27FC236}">
+                <a16:creationId xmlns:a16="http://schemas.microsoft.com/office/drawing/2014/main" id="{7315AA8B-0426-3C0C-DEEB-BAE90623813F}"/>
+              </a:ext>
+            </a:extLst>
+          </p:cNvPr>
+          <p:cNvSpPr>
+            <a:spLocks noGrp="1"/>
+          </p:cNvSpPr>
+          <p:nvPr>
+            <p:ph type="title"/>
+          </p:nvPr>
+        </p:nvSpPr>
+        <p:spPr/>
+        <p:txBody>
+          <a:bodyPr/>
+          <a:lstStyle/>
+          <a:p>
+            <a:r>
+              <a:rPr lang="pt-BR" dirty="0"/>
+              <a:t>Mudar nome de coluna</a:t>
+            </a:r>
+          </a:p>
+        </p:txBody>
+      </p:sp>
+      <p:sp>
+        <p:nvSpPr>
+          <p:cNvPr id="3" name="Espaço Reservado para Conteúdo 2">
+            <a:extLst>
+              <a:ext uri="{FF2B5EF4-FFF2-40B4-BE49-F238E27FC236}">
+                <a16:creationId xmlns:a16="http://schemas.microsoft.com/office/drawing/2014/main" id="{8BC2FCDB-CE2C-01FA-E8F0-212698FF5005}"/>
+              </a:ext>
+            </a:extLst>
+          </p:cNvPr>
+          <p:cNvSpPr>
+            <a:spLocks noGrp="1"/>
+          </p:cNvSpPr>
+          <p:nvPr>
+            <p:ph idx="1"/>
+          </p:nvPr>
+        </p:nvSpPr>
+        <p:spPr/>
+        <p:txBody>
+          <a:bodyPr/>
+          <a:lstStyle/>
+          <a:p>
+            <a:r>
+              <a:rPr lang="pt-BR" dirty="0"/>
+              <a:t>Usar no próprio atributo o </a:t>
+            </a:r>
+            <a:r>
+              <a:rPr lang="pt-BR" dirty="0" err="1"/>
+              <a:t>rename</a:t>
+            </a:r>
+            <a:r>
+              <a:rPr lang="pt-BR" dirty="0"/>
+              <a:t>, e no final usar o </a:t>
+            </a:r>
+            <a:r>
+              <a:rPr lang="pt-BR" dirty="0" err="1"/>
+              <a:t>inplace</a:t>
+            </a:r>
+            <a:endParaRPr lang="pt-BR" dirty="0"/>
+          </a:p>
+        </p:txBody>
+      </p:sp>
+      <p:pic>
+        <p:nvPicPr>
+          <p:cNvPr id="5" name="Imagem 4">
+            <a:extLst>
+              <a:ext uri="{FF2B5EF4-FFF2-40B4-BE49-F238E27FC236}">
+                <a16:creationId xmlns:a16="http://schemas.microsoft.com/office/drawing/2014/main" id="{8F0F6425-B05C-C417-B2F2-A949D69AD35C}"/>
+              </a:ext>
+            </a:extLst>
+          </p:cNvPr>
+          <p:cNvPicPr>
+            <a:picLocks noChangeAspect="1"/>
+          </p:cNvPicPr>
+          <p:nvPr/>
+        </p:nvPicPr>
+        <p:blipFill>
+          <a:blip r:embed="rId2"/>
+          <a:stretch>
+            <a:fillRect/>
+          </a:stretch>
+        </p:blipFill>
+        <p:spPr>
+          <a:xfrm>
+            <a:off x="3342891" y="2847894"/>
+            <a:ext cx="5506218" cy="1162212"/>
+          </a:xfrm>
+          <a:prstGeom prst="rect">
+            <a:avLst/>
+          </a:prstGeom>
+        </p:spPr>
+      </p:pic>
+    </p:spTree>
+    <p:extLst>
+      <p:ext uri="{BB962C8B-B14F-4D97-AF65-F5344CB8AC3E}">
+        <p14:creationId xmlns:p14="http://schemas.microsoft.com/office/powerpoint/2010/main" val="4235133253"/>
+      </p:ext>
+    </p:extLst>
+  </p:cSld>
+  <p:clrMapOvr>
+    <a:masterClrMapping/>
+  </p:clrMapOvr>
+</p:sld>
+</file>
+
+<file path=ppt/slides/slide24.xml><?xml version="1.0" encoding="utf-8"?>
+<p:sld xmlns:a="http://schemas.openxmlformats.org/drawingml/2006/main" xmlns:r="http://schemas.openxmlformats.org/officeDocument/2006/relationships" xmlns:p="http://schemas.openxmlformats.org/presentationml/2006/main">
+  <p:cSld>
+    <p:spTree>
+      <p:nvGrpSpPr>
+        <p:cNvPr id="1" name=""/>
+        <p:cNvGrpSpPr/>
+        <p:nvPr/>
+      </p:nvGrpSpPr>
+      <p:grpSpPr>
+        <a:xfrm>
+          <a:off x="0" y="0"/>
+          <a:ext cx="0" cy="0"/>
+          <a:chOff x="0" y="0"/>
+          <a:chExt cx="0" cy="0"/>
+        </a:xfrm>
+      </p:grpSpPr>
+      <p:sp>
+        <p:nvSpPr>
+          <p:cNvPr id="2" name="Título 1">
+            <a:extLst>
+              <a:ext uri="{FF2B5EF4-FFF2-40B4-BE49-F238E27FC236}">
+                <a16:creationId xmlns:a16="http://schemas.microsoft.com/office/drawing/2014/main" id="{7315AA8B-0426-3C0C-DEEB-BAE90623813F}"/>
+              </a:ext>
+            </a:extLst>
+          </p:cNvPr>
+          <p:cNvSpPr>
+            <a:spLocks noGrp="1"/>
+          </p:cNvSpPr>
+          <p:nvPr>
+            <p:ph type="title"/>
+          </p:nvPr>
+        </p:nvSpPr>
+        <p:spPr/>
+        <p:txBody>
+          <a:bodyPr/>
+          <a:lstStyle/>
+          <a:p>
+            <a:r>
+              <a:rPr lang="pt-BR" dirty="0"/>
+              <a:t>Para parquet</a:t>
+            </a:r>
+          </a:p>
+        </p:txBody>
+      </p:sp>
+      <p:sp>
+        <p:nvSpPr>
+          <p:cNvPr id="3" name="Espaço Reservado para Conteúdo 2">
+            <a:extLst>
+              <a:ext uri="{FF2B5EF4-FFF2-40B4-BE49-F238E27FC236}">
+                <a16:creationId xmlns:a16="http://schemas.microsoft.com/office/drawing/2014/main" id="{8BC2FCDB-CE2C-01FA-E8F0-212698FF5005}"/>
+              </a:ext>
+            </a:extLst>
+          </p:cNvPr>
+          <p:cNvSpPr>
+            <a:spLocks noGrp="1"/>
+          </p:cNvSpPr>
+          <p:nvPr>
+            <p:ph idx="1"/>
+          </p:nvPr>
+        </p:nvSpPr>
+        <p:spPr/>
+        <p:txBody>
+          <a:bodyPr/>
+          <a:lstStyle/>
+          <a:p>
+            <a:r>
+              <a:rPr lang="pt-BR" dirty="0" err="1"/>
+              <a:t>pip</a:t>
+            </a:r>
+            <a:r>
+              <a:rPr lang="pt-BR" dirty="0"/>
+              <a:t> </a:t>
+            </a:r>
+            <a:r>
+              <a:rPr lang="pt-BR" dirty="0" err="1"/>
+              <a:t>install</a:t>
+            </a:r>
+            <a:r>
+              <a:rPr lang="pt-BR" dirty="0"/>
+              <a:t> </a:t>
+            </a:r>
+            <a:r>
+              <a:rPr lang="pt-BR" dirty="0" err="1"/>
+              <a:t>pyarrow</a:t>
+            </a:r>
+            <a:endParaRPr lang="pt-BR" dirty="0"/>
+          </a:p>
+          <a:p>
+            <a:r>
+              <a:rPr lang="pt-BR" dirty="0" err="1"/>
+              <a:t>pip</a:t>
+            </a:r>
+            <a:r>
+              <a:rPr lang="pt-BR" dirty="0"/>
+              <a:t> </a:t>
+            </a:r>
+            <a:r>
+              <a:rPr lang="pt-BR" dirty="0" err="1"/>
+              <a:t>install</a:t>
+            </a:r>
+            <a:r>
+              <a:rPr lang="pt-BR" dirty="0"/>
+              <a:t> </a:t>
+            </a:r>
+            <a:r>
+              <a:rPr lang="pt-BR"/>
+              <a:t>fastparquet</a:t>
+            </a:r>
+            <a:endParaRPr lang="pt-BR" dirty="0"/>
+          </a:p>
+        </p:txBody>
+      </p:sp>
+    </p:spTree>
+    <p:extLst>
+      <p:ext uri="{BB962C8B-B14F-4D97-AF65-F5344CB8AC3E}">
+        <p14:creationId xmlns:p14="http://schemas.microsoft.com/office/powerpoint/2010/main" val="3888336613"/>
+      </p:ext>
+    </p:extLst>
+  </p:cSld>
+  <p:clrMapOvr>
+    <a:masterClrMapping/>
+  </p:clrMapOvr>
+</p:sld>
+</file>
+
+<file path=ppt/slides/slide25.xml><?xml version="1.0" encoding="utf-8"?>
+<p:sld xmlns:a="http://schemas.openxmlformats.org/drawingml/2006/main" xmlns:r="http://schemas.openxmlformats.org/officeDocument/2006/relationships" xmlns:p="http://schemas.openxmlformats.org/presentationml/2006/main">
+  <p:cSld>
+    <p:spTree>
+      <p:nvGrpSpPr>
+        <p:cNvPr id="1" name=""/>
+        <p:cNvGrpSpPr/>
+        <p:nvPr/>
+      </p:nvGrpSpPr>
+      <p:grpSpPr>
+        <a:xfrm>
+          <a:off x="0" y="0"/>
+          <a:ext cx="0" cy="0"/>
+          <a:chOff x="0" y="0"/>
+          <a:chExt cx="0" cy="0"/>
+        </a:xfrm>
+      </p:grpSpPr>
+      <p:sp>
+        <p:nvSpPr>
+          <p:cNvPr id="2" name="Título 1">
+            <a:extLst>
+              <a:ext uri="{FF2B5EF4-FFF2-40B4-BE49-F238E27FC236}">
+                <a16:creationId xmlns:a16="http://schemas.microsoft.com/office/drawing/2014/main" id="{7315AA8B-0426-3C0C-DEEB-BAE90623813F}"/>
+              </a:ext>
+            </a:extLst>
+          </p:cNvPr>
+          <p:cNvSpPr>
+            <a:spLocks noGrp="1"/>
+          </p:cNvSpPr>
+          <p:nvPr>
+            <p:ph type="title"/>
+          </p:nvPr>
+        </p:nvSpPr>
+        <p:spPr/>
+        <p:txBody>
+          <a:bodyPr/>
+          <a:lstStyle/>
+          <a:p>
+            <a:endParaRPr lang="pt-BR" dirty="0"/>
+          </a:p>
+        </p:txBody>
+      </p:sp>
+      <p:sp>
+        <p:nvSpPr>
+          <p:cNvPr id="3" name="Espaço Reservado para Conteúdo 2">
+            <a:extLst>
+              <a:ext uri="{FF2B5EF4-FFF2-40B4-BE49-F238E27FC236}">
+                <a16:creationId xmlns:a16="http://schemas.microsoft.com/office/drawing/2014/main" id="{8BC2FCDB-CE2C-01FA-E8F0-212698FF5005}"/>
+              </a:ext>
+            </a:extLst>
+          </p:cNvPr>
+          <p:cNvSpPr>
+            <a:spLocks noGrp="1"/>
+          </p:cNvSpPr>
+          <p:nvPr>
+            <p:ph idx="1"/>
+          </p:nvPr>
+        </p:nvSpPr>
+        <p:spPr/>
+        <p:txBody>
+          <a:bodyPr>
+            <a:normAutofit fontScale="77500" lnSpcReduction="20000"/>
+          </a:bodyPr>
+          <a:lstStyle/>
+          <a:p>
+            <a:r>
+              <a:rPr lang="en-US" dirty="0"/>
+              <a:t>pip install pandas </a:t>
+            </a:r>
+            <a:r>
+              <a:rPr lang="en-US" dirty="0" err="1"/>
+              <a:t>pyarrow</a:t>
+            </a:r>
+            <a:r>
+              <a:rPr lang="en-US" dirty="0"/>
+              <a:t> </a:t>
+            </a:r>
+            <a:r>
+              <a:rPr lang="en-US" dirty="0" err="1"/>
+              <a:t>openpyxl</a:t>
+            </a:r>
+            <a:endParaRPr lang="en-US" dirty="0"/>
+          </a:p>
+          <a:p>
+            <a:r>
+              <a:rPr lang="pt-BR" dirty="0" err="1"/>
+              <a:t>import</a:t>
+            </a:r>
+            <a:r>
+              <a:rPr lang="pt-BR" dirty="0"/>
+              <a:t> pandas as </a:t>
+            </a:r>
+            <a:r>
+              <a:rPr lang="pt-BR" dirty="0" err="1"/>
+              <a:t>pdimport</a:t>
+            </a:r>
+            <a:r>
+              <a:rPr lang="pt-BR" dirty="0"/>
+              <a:t> os# </a:t>
+            </a:r>
+            <a:r>
+              <a:rPr lang="pt-BR" dirty="0" err="1"/>
+              <a:t>Diretóriosexcel_folder</a:t>
+            </a:r>
+            <a:r>
+              <a:rPr lang="pt-BR" dirty="0"/>
+              <a:t> = 'caminho/para/</a:t>
+            </a:r>
+            <a:r>
+              <a:rPr lang="pt-BR" dirty="0" err="1"/>
+              <a:t>pasta_de_excel</a:t>
+            </a:r>
+            <a:r>
+              <a:rPr lang="pt-BR" dirty="0"/>
+              <a:t>'  # Pasta contendo arquivos </a:t>
+            </a:r>
+            <a:r>
+              <a:rPr lang="pt-BR" dirty="0" err="1"/>
+              <a:t>Excelparquet_folder</a:t>
+            </a:r>
+            <a:r>
+              <a:rPr lang="pt-BR" dirty="0"/>
+              <a:t> = 'caminho/para/</a:t>
+            </a:r>
+            <a:r>
+              <a:rPr lang="pt-BR" dirty="0" err="1"/>
+              <a:t>pasta_de_parquet</a:t>
+            </a:r>
+            <a:r>
+              <a:rPr lang="pt-BR" dirty="0"/>
+              <a:t>'  # Pasta para salvar arquivos Parquet# Cria a pasta de saída se não </a:t>
+            </a:r>
+            <a:r>
+              <a:rPr lang="pt-BR" dirty="0" err="1"/>
+              <a:t>existirif</a:t>
+            </a:r>
+            <a:r>
+              <a:rPr lang="pt-BR" dirty="0"/>
+              <a:t> </a:t>
+            </a:r>
+            <a:r>
+              <a:rPr lang="pt-BR" dirty="0" err="1"/>
+              <a:t>not</a:t>
+            </a:r>
+            <a:r>
+              <a:rPr lang="pt-BR" dirty="0"/>
+              <a:t> </a:t>
+            </a:r>
+            <a:r>
+              <a:rPr lang="pt-BR" dirty="0" err="1"/>
+              <a:t>os.path.exists</a:t>
+            </a:r>
+            <a:r>
+              <a:rPr lang="pt-BR" dirty="0"/>
+              <a:t>(</a:t>
+            </a:r>
+            <a:r>
+              <a:rPr lang="pt-BR" dirty="0" err="1"/>
+              <a:t>parquet_folder</a:t>
+            </a:r>
+            <a:r>
+              <a:rPr lang="pt-BR" dirty="0"/>
+              <a:t>):    </a:t>
+            </a:r>
+            <a:r>
+              <a:rPr lang="pt-BR" dirty="0" err="1"/>
+              <a:t>os.makedirs</a:t>
+            </a:r>
+            <a:r>
+              <a:rPr lang="pt-BR" dirty="0"/>
+              <a:t>(</a:t>
+            </a:r>
+            <a:r>
+              <a:rPr lang="pt-BR" dirty="0" err="1"/>
+              <a:t>parquet_folder</a:t>
+            </a:r>
+            <a:r>
+              <a:rPr lang="pt-BR" dirty="0"/>
+              <a:t>)# Itera sobre todos os arquivos na </a:t>
+            </a:r>
+            <a:r>
+              <a:rPr lang="pt-BR" dirty="0" err="1"/>
+              <a:t>pastafor</a:t>
+            </a:r>
+            <a:r>
+              <a:rPr lang="pt-BR" dirty="0"/>
+              <a:t> </a:t>
+            </a:r>
+            <a:r>
+              <a:rPr lang="pt-BR" dirty="0" err="1"/>
+              <a:t>file_name</a:t>
+            </a:r>
+            <a:r>
+              <a:rPr lang="pt-BR" dirty="0"/>
+              <a:t> in </a:t>
+            </a:r>
+            <a:r>
+              <a:rPr lang="pt-BR" dirty="0" err="1"/>
+              <a:t>os.listdir</a:t>
+            </a:r>
+            <a:r>
+              <a:rPr lang="pt-BR" dirty="0"/>
+              <a:t>(</a:t>
+            </a:r>
+            <a:r>
+              <a:rPr lang="pt-BR" dirty="0" err="1"/>
+              <a:t>excel_folder</a:t>
+            </a:r>
+            <a:r>
+              <a:rPr lang="pt-BR" dirty="0"/>
+              <a:t>):    </a:t>
+            </a:r>
+            <a:r>
+              <a:rPr lang="pt-BR" dirty="0" err="1"/>
+              <a:t>if</a:t>
+            </a:r>
+            <a:r>
+              <a:rPr lang="pt-BR" dirty="0"/>
+              <a:t> </a:t>
+            </a:r>
+            <a:r>
+              <a:rPr lang="pt-BR" dirty="0" err="1"/>
+              <a:t>file_name.endswith</a:t>
+            </a:r>
+            <a:r>
+              <a:rPr lang="pt-BR" dirty="0"/>
+              <a:t>('.</a:t>
+            </a:r>
+            <a:r>
+              <a:rPr lang="pt-BR" dirty="0" err="1"/>
+              <a:t>xlsx</a:t>
+            </a:r>
+            <a:r>
+              <a:rPr lang="pt-BR" dirty="0"/>
+              <a:t>') </a:t>
+            </a:r>
+            <a:r>
+              <a:rPr lang="pt-BR" dirty="0" err="1"/>
+              <a:t>or</a:t>
+            </a:r>
+            <a:r>
+              <a:rPr lang="pt-BR" dirty="0"/>
+              <a:t> </a:t>
+            </a:r>
+            <a:r>
+              <a:rPr lang="pt-BR" dirty="0" err="1"/>
+              <a:t>file_name.endswith</a:t>
+            </a:r>
+            <a:r>
+              <a:rPr lang="pt-BR" dirty="0"/>
+              <a:t>('.</a:t>
+            </a:r>
+            <a:r>
+              <a:rPr lang="pt-BR" dirty="0" err="1"/>
+              <a:t>xls</a:t>
+            </a:r>
+            <a:r>
+              <a:rPr lang="pt-BR" dirty="0"/>
+              <a:t>'):        # Caminho completo do arquivo Excel        </a:t>
+            </a:r>
+            <a:r>
+              <a:rPr lang="pt-BR" dirty="0" err="1"/>
+              <a:t>excel_file_path</a:t>
+            </a:r>
+            <a:r>
+              <a:rPr lang="pt-BR" dirty="0"/>
+              <a:t> = </a:t>
+            </a:r>
+            <a:r>
+              <a:rPr lang="pt-BR" dirty="0" err="1"/>
+              <a:t>os.path.join</a:t>
+            </a:r>
+            <a:r>
+              <a:rPr lang="pt-BR" dirty="0"/>
+              <a:t>(</a:t>
+            </a:r>
+            <a:r>
+              <a:rPr lang="pt-BR" dirty="0" err="1"/>
+              <a:t>excel_folder</a:t>
+            </a:r>
+            <a:r>
+              <a:rPr lang="pt-BR" dirty="0"/>
+              <a:t>, </a:t>
+            </a:r>
+            <a:r>
+              <a:rPr lang="pt-BR" dirty="0" err="1"/>
+              <a:t>file_name</a:t>
+            </a:r>
+            <a:r>
+              <a:rPr lang="pt-BR" dirty="0"/>
+              <a:t>)                # Nome do arquivo Parquet        </a:t>
+            </a:r>
+            <a:r>
+              <a:rPr lang="pt-BR" dirty="0" err="1"/>
+              <a:t>parquet_file_name</a:t>
+            </a:r>
+            <a:r>
+              <a:rPr lang="pt-BR" dirty="0"/>
+              <a:t> = </a:t>
+            </a:r>
+            <a:r>
+              <a:rPr lang="pt-BR" dirty="0" err="1"/>
+              <a:t>os.path.splitext</a:t>
+            </a:r>
+            <a:r>
+              <a:rPr lang="pt-BR" dirty="0"/>
+              <a:t>(</a:t>
+            </a:r>
+            <a:r>
+              <a:rPr lang="pt-BR" dirty="0" err="1"/>
+              <a:t>file_name</a:t>
+            </a:r>
+            <a:r>
+              <a:rPr lang="pt-BR" dirty="0"/>
+              <a:t>)[0] + '.parquet'        </a:t>
+            </a:r>
+            <a:r>
+              <a:rPr lang="pt-BR" dirty="0" err="1"/>
+              <a:t>parquet_file_path</a:t>
+            </a:r>
+            <a:r>
+              <a:rPr lang="pt-BR" dirty="0"/>
+              <a:t> = </a:t>
+            </a:r>
+            <a:r>
+              <a:rPr lang="pt-BR" dirty="0" err="1"/>
+              <a:t>os.path.join</a:t>
+            </a:r>
+            <a:r>
+              <a:rPr lang="pt-BR" dirty="0"/>
+              <a:t>(</a:t>
+            </a:r>
+            <a:r>
+              <a:rPr lang="pt-BR" dirty="0" err="1"/>
+              <a:t>parquet_folder</a:t>
+            </a:r>
+            <a:r>
+              <a:rPr lang="pt-BR" dirty="0"/>
+              <a:t>, </a:t>
+            </a:r>
+            <a:r>
+              <a:rPr lang="pt-BR" dirty="0" err="1"/>
+              <a:t>parquet_file_name</a:t>
+            </a:r>
+            <a:r>
+              <a:rPr lang="pt-BR" dirty="0"/>
+              <a:t>)        # Leitura do arquivo Excel        </a:t>
+            </a:r>
+            <a:r>
+              <a:rPr lang="pt-BR" dirty="0" err="1"/>
+              <a:t>try</a:t>
+            </a:r>
+            <a:r>
+              <a:rPr lang="pt-BR" dirty="0"/>
+              <a:t>:            </a:t>
+            </a:r>
+            <a:r>
+              <a:rPr lang="pt-BR" dirty="0" err="1"/>
+              <a:t>df</a:t>
+            </a:r>
+            <a:r>
+              <a:rPr lang="pt-BR" dirty="0"/>
+              <a:t> = </a:t>
+            </a:r>
+            <a:r>
+              <a:rPr lang="pt-BR" dirty="0" err="1"/>
+              <a:t>pd.read_excel</a:t>
+            </a:r>
+            <a:r>
+              <a:rPr lang="pt-BR" dirty="0"/>
+              <a:t>(</a:t>
+            </a:r>
+            <a:r>
+              <a:rPr lang="pt-BR" dirty="0" err="1"/>
+              <a:t>excel_file_path</a:t>
+            </a:r>
+            <a:r>
+              <a:rPr lang="pt-BR" dirty="0"/>
+              <a:t>, </a:t>
+            </a:r>
+            <a:r>
+              <a:rPr lang="pt-BR" dirty="0" err="1"/>
+              <a:t>engine</a:t>
+            </a:r>
+            <a:r>
+              <a:rPr lang="pt-BR" dirty="0"/>
+              <a:t>='</a:t>
+            </a:r>
+            <a:r>
+              <a:rPr lang="pt-BR" dirty="0" err="1"/>
+              <a:t>openpyxl</a:t>
+            </a:r>
+            <a:r>
+              <a:rPr lang="pt-BR" dirty="0"/>
+              <a:t>')            # Salvamento como Parquet            </a:t>
+            </a:r>
+            <a:r>
+              <a:rPr lang="pt-BR" dirty="0" err="1"/>
+              <a:t>df.to_parquet</a:t>
+            </a:r>
+            <a:r>
+              <a:rPr lang="pt-BR" dirty="0"/>
+              <a:t>(</a:t>
+            </a:r>
+            <a:r>
+              <a:rPr lang="pt-BR" dirty="0" err="1"/>
+              <a:t>parquet_file_path</a:t>
+            </a:r>
+            <a:r>
+              <a:rPr lang="pt-BR" dirty="0"/>
+              <a:t>, </a:t>
+            </a:r>
+            <a:r>
+              <a:rPr lang="pt-BR" dirty="0" err="1"/>
+              <a:t>engine</a:t>
+            </a:r>
+            <a:r>
+              <a:rPr lang="pt-BR" dirty="0"/>
+              <a:t>='</a:t>
+            </a:r>
+            <a:r>
+              <a:rPr lang="pt-BR" dirty="0" err="1"/>
+              <a:t>pyarrow</a:t>
+            </a:r>
+            <a:r>
+              <a:rPr lang="pt-BR" dirty="0"/>
+              <a:t>')            print(</a:t>
+            </a:r>
+            <a:r>
+              <a:rPr lang="pt-BR" dirty="0" err="1"/>
+              <a:t>f'Convertido</a:t>
+            </a:r>
+            <a:r>
+              <a:rPr lang="pt-BR" dirty="0"/>
+              <a:t>: {</a:t>
+            </a:r>
+            <a:r>
+              <a:rPr lang="pt-BR" dirty="0" err="1"/>
+              <a:t>file_name</a:t>
+            </a:r>
+            <a:r>
+              <a:rPr lang="pt-BR" dirty="0"/>
+              <a:t>} para {</a:t>
+            </a:r>
+            <a:r>
+              <a:rPr lang="pt-BR" dirty="0" err="1"/>
+              <a:t>parquet_file_name</a:t>
+            </a:r>
+            <a:r>
+              <a:rPr lang="pt-BR" dirty="0"/>
+              <a:t>}')        </a:t>
+            </a:r>
+            <a:r>
+              <a:rPr lang="pt-BR" dirty="0" err="1"/>
+              <a:t>except</a:t>
+            </a:r>
+            <a:r>
+              <a:rPr lang="pt-BR" dirty="0"/>
+              <a:t> </a:t>
+            </a:r>
+            <a:r>
+              <a:rPr lang="pt-BR" dirty="0" err="1"/>
+              <a:t>Exception</a:t>
+            </a:r>
+            <a:r>
+              <a:rPr lang="pt-BR" dirty="0"/>
+              <a:t> as e:            print(</a:t>
+            </a:r>
+            <a:r>
+              <a:rPr lang="pt-BR" dirty="0" err="1"/>
+              <a:t>f'Erro</a:t>
+            </a:r>
+            <a:r>
+              <a:rPr lang="pt-BR" dirty="0"/>
+              <a:t> ao converter {</a:t>
+            </a:r>
+            <a:r>
+              <a:rPr lang="pt-BR" dirty="0" err="1"/>
+              <a:t>file_name</a:t>
+            </a:r>
+            <a:r>
+              <a:rPr lang="pt-BR" dirty="0"/>
+              <a:t>}: {e}')</a:t>
+            </a:r>
+          </a:p>
+        </p:txBody>
+      </p:sp>
+    </p:spTree>
+    <p:extLst>
+      <p:ext uri="{BB962C8B-B14F-4D97-AF65-F5344CB8AC3E}">
+        <p14:creationId xmlns:p14="http://schemas.microsoft.com/office/powerpoint/2010/main" val="2947011473"/>
+      </p:ext>
+    </p:extLst>
+  </p:cSld>
+  <p:clrMapOvr>
+    <a:masterClrMapping/>
+  </p:clrMapOvr>
+</p:sld>
+</file>
+
+<file path=ppt/slides/slide26.xml><?xml version="1.0" encoding="utf-8"?>
+<p:sld xmlns:a="http://schemas.openxmlformats.org/drawingml/2006/main" xmlns:r="http://schemas.openxmlformats.org/officeDocument/2006/relationships" xmlns:p="http://schemas.openxmlformats.org/presentationml/2006/main">
+  <p:cSld>
+    <p:spTree>
+      <p:nvGrpSpPr>
+        <p:cNvPr id="1" name=""/>
+        <p:cNvGrpSpPr/>
+        <p:nvPr/>
+      </p:nvGrpSpPr>
+      <p:grpSpPr>
+        <a:xfrm>
+          <a:off x="0" y="0"/>
+          <a:ext cx="0" cy="0"/>
+          <a:chOff x="0" y="0"/>
+          <a:chExt cx="0" cy="0"/>
+        </a:xfrm>
+      </p:grpSpPr>
+      <p:sp>
+        <p:nvSpPr>
+          <p:cNvPr id="2" name="Título 1">
+            <a:extLst>
+              <a:ext uri="{FF2B5EF4-FFF2-40B4-BE49-F238E27FC236}">
+                <a16:creationId xmlns:a16="http://schemas.microsoft.com/office/drawing/2014/main" id="{D372A3CD-987D-6C82-BA77-F5A0C604E3B0}"/>
+              </a:ext>
+            </a:extLst>
+          </p:cNvPr>
+          <p:cNvSpPr>
+            <a:spLocks noGrp="1"/>
+          </p:cNvSpPr>
+          <p:nvPr>
+            <p:ph type="title"/>
+          </p:nvPr>
+        </p:nvSpPr>
+        <p:spPr/>
+        <p:txBody>
+          <a:bodyPr/>
+          <a:lstStyle/>
+          <a:p>
+            <a:r>
+              <a:rPr lang="pt-BR" dirty="0"/>
+              <a:t>Ordenação de valores</a:t>
+            </a:r>
+          </a:p>
+        </p:txBody>
+      </p:sp>
+      <p:pic>
+        <p:nvPicPr>
+          <p:cNvPr id="6" name="Espaço Reservado para Conteúdo 5">
+            <a:extLst>
+              <a:ext uri="{FF2B5EF4-FFF2-40B4-BE49-F238E27FC236}">
+                <a16:creationId xmlns:a16="http://schemas.microsoft.com/office/drawing/2014/main" id="{8E27CD66-698E-FB81-B50E-7BBCBE132C33}"/>
+              </a:ext>
+            </a:extLst>
+          </p:cNvPr>
+          <p:cNvPicPr>
+            <a:picLocks noGrp="1" noChangeAspect="1"/>
+          </p:cNvPicPr>
+          <p:nvPr>
+            <p:ph idx="1"/>
+          </p:nvPr>
+        </p:nvPicPr>
+        <p:blipFill>
+          <a:blip r:embed="rId2"/>
+          <a:stretch>
+            <a:fillRect/>
+          </a:stretch>
+        </p:blipFill>
+        <p:spPr>
+          <a:xfrm>
+            <a:off x="5180012" y="662205"/>
+            <a:ext cx="6172200" cy="2329452"/>
+          </a:xfrm>
+        </p:spPr>
+      </p:pic>
+      <p:sp>
+        <p:nvSpPr>
+          <p:cNvPr id="4" name="Espaço Reservado para Texto 3">
+            <a:extLst>
+              <a:ext uri="{FF2B5EF4-FFF2-40B4-BE49-F238E27FC236}">
+                <a16:creationId xmlns:a16="http://schemas.microsoft.com/office/drawing/2014/main" id="{0EDC2CFC-0BC8-727C-6202-D4CA43364705}"/>
+              </a:ext>
+            </a:extLst>
+          </p:cNvPr>
+          <p:cNvSpPr>
+            <a:spLocks noGrp="1"/>
+          </p:cNvSpPr>
+          <p:nvPr>
+            <p:ph type="body" sz="half" idx="2"/>
+          </p:nvPr>
+        </p:nvSpPr>
+        <p:spPr/>
+        <p:txBody>
+          <a:bodyPr/>
+          <a:lstStyle/>
+          <a:p>
+            <a:r>
+              <a:rPr lang="pt-BR" dirty="0"/>
+              <a:t>Vai pegar do maior para o menor</a:t>
+            </a:r>
+          </a:p>
+          <a:p>
+            <a:r>
+              <a:rPr lang="pt-BR" dirty="0"/>
+              <a:t>Se precisar decrescente, usar um booleano de False em </a:t>
+            </a:r>
+            <a:r>
+              <a:rPr lang="pt-BR" dirty="0" err="1"/>
+              <a:t>ascending</a:t>
+            </a:r>
+            <a:endParaRPr lang="pt-BR" dirty="0"/>
+          </a:p>
+          <a:p>
+            <a:endParaRPr lang="pt-BR" dirty="0"/>
+          </a:p>
+          <a:p>
+            <a:endParaRPr lang="pt-BR" dirty="0"/>
+          </a:p>
+        </p:txBody>
+      </p:sp>
+      <p:pic>
+        <p:nvPicPr>
+          <p:cNvPr id="8" name="Imagem 7">
+            <a:extLst>
+              <a:ext uri="{FF2B5EF4-FFF2-40B4-BE49-F238E27FC236}">
+                <a16:creationId xmlns:a16="http://schemas.microsoft.com/office/drawing/2014/main" id="{EC572CE0-1D9C-B0B6-C4AE-0C27A25A6675}"/>
+              </a:ext>
+            </a:extLst>
+          </p:cNvPr>
+          <p:cNvPicPr>
+            <a:picLocks noChangeAspect="1"/>
+          </p:cNvPicPr>
+          <p:nvPr/>
+        </p:nvPicPr>
+        <p:blipFill>
+          <a:blip r:embed="rId3"/>
+          <a:stretch>
+            <a:fillRect/>
+          </a:stretch>
+        </p:blipFill>
+        <p:spPr>
+          <a:xfrm>
+            <a:off x="5180012" y="3524998"/>
+            <a:ext cx="6106377" cy="2238687"/>
+          </a:xfrm>
+          <a:prstGeom prst="rect">
+            <a:avLst/>
+          </a:prstGeom>
+        </p:spPr>
+      </p:pic>
+    </p:spTree>
+    <p:extLst>
+      <p:ext uri="{BB962C8B-B14F-4D97-AF65-F5344CB8AC3E}">
+        <p14:creationId xmlns:p14="http://schemas.microsoft.com/office/powerpoint/2010/main" val="622567271"/>
+      </p:ext>
+    </p:extLst>
+  </p:cSld>
+  <p:clrMapOvr>
+    <a:masterClrMapping/>
+  </p:clrMapOvr>
+</p:sld>
+</file>
+
+<file path=ppt/slides/slide27.xml><?xml version="1.0" encoding="utf-8"?>
+<p:sld xmlns:a="http://schemas.openxmlformats.org/drawingml/2006/main" xmlns:r="http://schemas.openxmlformats.org/officeDocument/2006/relationships" xmlns:p="http://schemas.openxmlformats.org/presentationml/2006/main">
+  <p:cSld>
+    <p:spTree>
+      <p:nvGrpSpPr>
+        <p:cNvPr id="1" name=""/>
+        <p:cNvGrpSpPr/>
+        <p:nvPr/>
+      </p:nvGrpSpPr>
+      <p:grpSpPr>
+        <a:xfrm>
+          <a:off x="0" y="0"/>
+          <a:ext cx="0" cy="0"/>
+          <a:chOff x="0" y="0"/>
+          <a:chExt cx="0" cy="0"/>
+        </a:xfrm>
+      </p:grpSpPr>
+      <p:sp>
+        <p:nvSpPr>
+          <p:cNvPr id="2" name="Título 1">
+            <a:extLst>
+              <a:ext uri="{FF2B5EF4-FFF2-40B4-BE49-F238E27FC236}">
+                <a16:creationId xmlns:a16="http://schemas.microsoft.com/office/drawing/2014/main" id="{DD27A945-7F76-399C-440D-D164C7D19BF4}"/>
+              </a:ext>
+            </a:extLst>
+          </p:cNvPr>
+          <p:cNvSpPr>
+            <a:spLocks noGrp="1"/>
+          </p:cNvSpPr>
+          <p:nvPr>
+            <p:ph type="title"/>
+          </p:nvPr>
+        </p:nvSpPr>
+        <p:spPr/>
+        <p:txBody>
+          <a:bodyPr/>
+          <a:lstStyle/>
+          <a:p>
+            <a:r>
+              <a:rPr lang="pt-BR" dirty="0" err="1"/>
+              <a:t>inplace</a:t>
+            </a:r>
+            <a:endParaRPr lang="pt-BR" dirty="0"/>
+          </a:p>
+        </p:txBody>
+      </p:sp>
+      <p:sp>
+        <p:nvSpPr>
+          <p:cNvPr id="4" name="Espaço Reservado para Texto 3">
+            <a:extLst>
+              <a:ext uri="{FF2B5EF4-FFF2-40B4-BE49-F238E27FC236}">
+                <a16:creationId xmlns:a16="http://schemas.microsoft.com/office/drawing/2014/main" id="{4B64D13F-B189-9321-C329-F5DC3D2C6EB5}"/>
+              </a:ext>
+            </a:extLst>
+          </p:cNvPr>
+          <p:cNvSpPr>
+            <a:spLocks noGrp="1"/>
+          </p:cNvSpPr>
+          <p:nvPr>
+            <p:ph type="body" sz="half" idx="2"/>
+          </p:nvPr>
+        </p:nvSpPr>
+        <p:spPr/>
+        <p:txBody>
+          <a:bodyPr/>
+          <a:lstStyle/>
+          <a:p>
+            <a:r>
+              <a:rPr lang="pt-BR" dirty="0"/>
+              <a:t>Quando usado </a:t>
+            </a:r>
+            <a:r>
+              <a:rPr lang="pt-BR" dirty="0" err="1"/>
+              <a:t>inplace</a:t>
+            </a:r>
+            <a:r>
+              <a:rPr lang="pt-BR" dirty="0"/>
+              <a:t>=</a:t>
+            </a:r>
+            <a:r>
+              <a:rPr lang="pt-BR" dirty="0" err="1"/>
+              <a:t>True</a:t>
+            </a:r>
+            <a:r>
+              <a:rPr lang="pt-BR" dirty="0"/>
+              <a:t>, ele substitui o material original</a:t>
+            </a:r>
+          </a:p>
+          <a:p>
+            <a:endParaRPr lang="pt-BR" dirty="0"/>
+          </a:p>
+          <a:p>
+            <a:r>
+              <a:rPr lang="pt-BR" dirty="0"/>
+              <a:t>O os códigos ao lado são a mesma coisa (no ‘</a:t>
+            </a:r>
+            <a:r>
+              <a:rPr lang="pt-BR" dirty="0" err="1"/>
+              <a:t>sort_values</a:t>
+            </a:r>
+            <a:r>
+              <a:rPr lang="pt-BR" dirty="0"/>
+              <a:t>’)</a:t>
+            </a:r>
+          </a:p>
+          <a:p>
+            <a:r>
+              <a:rPr lang="pt-BR" dirty="0"/>
+              <a:t>*</a:t>
+            </a:r>
+            <a:r>
+              <a:rPr lang="pt-BR" dirty="0" err="1"/>
+              <a:t>inplace</a:t>
+            </a:r>
+            <a:r>
+              <a:rPr lang="pt-BR" dirty="0"/>
+              <a:t> não retorna um </a:t>
+            </a:r>
+            <a:r>
+              <a:rPr lang="pt-BR" dirty="0" err="1"/>
+              <a:t>dataframe</a:t>
+            </a:r>
+            <a:r>
+              <a:rPr lang="pt-BR" dirty="0"/>
+              <a:t> novo</a:t>
+            </a:r>
+          </a:p>
+          <a:p>
+            <a:r>
+              <a:rPr lang="pt-BR" dirty="0" err="1"/>
+              <a:t>Entao</a:t>
+            </a:r>
+            <a:r>
+              <a:rPr lang="pt-BR" dirty="0"/>
+              <a:t> no ultimo quadro tem que fazer substituindo devido o motivo citado acima</a:t>
+            </a:r>
+          </a:p>
+          <a:p>
+            <a:endParaRPr lang="pt-BR" dirty="0"/>
+          </a:p>
+          <a:p>
+            <a:endParaRPr lang="pt-BR" dirty="0"/>
+          </a:p>
+          <a:p>
+            <a:endParaRPr lang="pt-BR" dirty="0"/>
+          </a:p>
+          <a:p>
+            <a:endParaRPr lang="pt-BR" dirty="0"/>
+          </a:p>
+        </p:txBody>
+      </p:sp>
+      <p:pic>
+        <p:nvPicPr>
+          <p:cNvPr id="12" name="Imagem 11">
+            <a:extLst>
+              <a:ext uri="{FF2B5EF4-FFF2-40B4-BE49-F238E27FC236}">
+                <a16:creationId xmlns:a16="http://schemas.microsoft.com/office/drawing/2014/main" id="{C278E781-07AA-BBA8-E79A-AAAADC14C531}"/>
+              </a:ext>
+            </a:extLst>
+          </p:cNvPr>
+          <p:cNvPicPr>
+            <a:picLocks noChangeAspect="1"/>
+          </p:cNvPicPr>
+          <p:nvPr/>
+        </p:nvPicPr>
+        <p:blipFill>
+          <a:blip r:embed="rId2"/>
+          <a:stretch>
+            <a:fillRect/>
+          </a:stretch>
+        </p:blipFill>
+        <p:spPr>
+          <a:xfrm>
+            <a:off x="5279176" y="637785"/>
+            <a:ext cx="5868219" cy="2791215"/>
+          </a:xfrm>
+          <a:prstGeom prst="rect">
+            <a:avLst/>
+          </a:prstGeom>
+        </p:spPr>
+      </p:pic>
+      <p:pic>
+        <p:nvPicPr>
+          <p:cNvPr id="14" name="Imagem 13">
+            <a:extLst>
+              <a:ext uri="{FF2B5EF4-FFF2-40B4-BE49-F238E27FC236}">
+                <a16:creationId xmlns:a16="http://schemas.microsoft.com/office/drawing/2014/main" id="{8BA833C9-1DC1-1C96-4F4E-56F18BA9D649}"/>
+              </a:ext>
+            </a:extLst>
+          </p:cNvPr>
+          <p:cNvPicPr>
+            <a:picLocks noChangeAspect="1"/>
+          </p:cNvPicPr>
+          <p:nvPr/>
+        </p:nvPicPr>
+        <p:blipFill>
+          <a:blip r:embed="rId3"/>
+          <a:stretch>
+            <a:fillRect/>
+          </a:stretch>
+        </p:blipFill>
+        <p:spPr>
+          <a:xfrm>
+            <a:off x="5483993" y="3653870"/>
+            <a:ext cx="5458587" cy="1086002"/>
+          </a:xfrm>
+          <a:prstGeom prst="rect">
+            <a:avLst/>
+          </a:prstGeom>
+        </p:spPr>
+      </p:pic>
+      <p:pic>
+        <p:nvPicPr>
+          <p:cNvPr id="16" name="Imagem 15">
+            <a:extLst>
+              <a:ext uri="{FF2B5EF4-FFF2-40B4-BE49-F238E27FC236}">
+                <a16:creationId xmlns:a16="http://schemas.microsoft.com/office/drawing/2014/main" id="{64190FE9-6C97-BD68-0F27-A3D665D1059E}"/>
+              </a:ext>
+            </a:extLst>
+          </p:cNvPr>
+          <p:cNvPicPr>
+            <a:picLocks noChangeAspect="1"/>
+          </p:cNvPicPr>
+          <p:nvPr/>
+        </p:nvPicPr>
+        <p:blipFill>
+          <a:blip r:embed="rId4"/>
+          <a:stretch>
+            <a:fillRect/>
+          </a:stretch>
+        </p:blipFill>
+        <p:spPr>
+          <a:xfrm>
+            <a:off x="5483993" y="5072345"/>
+            <a:ext cx="5734850" cy="2067213"/>
+          </a:xfrm>
+          <a:prstGeom prst="rect">
+            <a:avLst/>
+          </a:prstGeom>
+        </p:spPr>
+      </p:pic>
+    </p:spTree>
+    <p:extLst>
+      <p:ext uri="{BB962C8B-B14F-4D97-AF65-F5344CB8AC3E}">
+        <p14:creationId xmlns:p14="http://schemas.microsoft.com/office/powerpoint/2010/main" val="1884821809"/>
+      </p:ext>
+    </p:extLst>
+  </p:cSld>
+  <p:clrMapOvr>
+    <a:masterClrMapping/>
+  </p:clrMapOvr>
+</p:sld>
+</file>
+
+<file path=ppt/slides/slide28.xml><?xml version="1.0" encoding="utf-8"?>
+<p:sld xmlns:a="http://schemas.openxmlformats.org/drawingml/2006/main" xmlns:r="http://schemas.openxmlformats.org/officeDocument/2006/relationships" xmlns:p="http://schemas.openxmlformats.org/presentationml/2006/main">
+  <p:cSld>
+    <p:spTree>
+      <p:nvGrpSpPr>
+        <p:cNvPr id="1" name=""/>
+        <p:cNvGrpSpPr/>
+        <p:nvPr/>
+      </p:nvGrpSpPr>
+      <p:grpSpPr>
+        <a:xfrm>
+          <a:off x="0" y="0"/>
+          <a:ext cx="0" cy="0"/>
+          <a:chOff x="0" y="0"/>
+          <a:chExt cx="0" cy="0"/>
+        </a:xfrm>
+      </p:grpSpPr>
+      <p:sp>
+        <p:nvSpPr>
+          <p:cNvPr id="2" name="Título 1">
+            <a:extLst>
+              <a:ext uri="{FF2B5EF4-FFF2-40B4-BE49-F238E27FC236}">
+                <a16:creationId xmlns:a16="http://schemas.microsoft.com/office/drawing/2014/main" id="{410D8CC5-AC86-3008-0B3C-A9D40B232886}"/>
+              </a:ext>
+            </a:extLst>
+          </p:cNvPr>
+          <p:cNvSpPr>
+            <a:spLocks noGrp="1"/>
+          </p:cNvSpPr>
+          <p:nvPr>
+            <p:ph type="title"/>
+          </p:nvPr>
+        </p:nvSpPr>
+        <p:spPr/>
+        <p:txBody>
+          <a:bodyPr/>
+          <a:lstStyle/>
+          <a:p>
+            <a:r>
+              <a:rPr lang="pt-BR" dirty="0"/>
+              <a:t>Ordenação por valor e ordem </a:t>
+            </a:r>
+            <a:r>
+              <a:rPr lang="pt-BR" dirty="0" err="1"/>
+              <a:t>alfabetica</a:t>
+            </a:r>
+            <a:endParaRPr lang="pt-BR" dirty="0"/>
+          </a:p>
+        </p:txBody>
+      </p:sp>
+      <p:sp>
+        <p:nvSpPr>
+          <p:cNvPr id="4" name="Espaço Reservado para Texto 3">
+            <a:extLst>
+              <a:ext uri="{FF2B5EF4-FFF2-40B4-BE49-F238E27FC236}">
+                <a16:creationId xmlns:a16="http://schemas.microsoft.com/office/drawing/2014/main" id="{2A996E0C-C844-B3E9-58A4-940C01586CEA}"/>
+              </a:ext>
+            </a:extLst>
+          </p:cNvPr>
+          <p:cNvSpPr>
+            <a:spLocks noGrp="1"/>
+          </p:cNvSpPr>
+          <p:nvPr>
+            <p:ph type="body" sz="half" idx="2"/>
+          </p:nvPr>
+        </p:nvSpPr>
+        <p:spPr/>
+        <p:txBody>
+          <a:bodyPr/>
+          <a:lstStyle/>
+          <a:p>
+            <a:r>
+              <a:rPr lang="pt-BR" dirty="0"/>
+              <a:t>Abre uma lista e passa o valor desejado e coluna para alterar</a:t>
+            </a:r>
+          </a:p>
+          <a:p>
+            <a:endParaRPr lang="pt-BR" dirty="0"/>
+          </a:p>
+        </p:txBody>
+      </p:sp>
+      <p:pic>
+        <p:nvPicPr>
+          <p:cNvPr id="6" name="Imagem 5">
+            <a:extLst>
+              <a:ext uri="{FF2B5EF4-FFF2-40B4-BE49-F238E27FC236}">
+                <a16:creationId xmlns:a16="http://schemas.microsoft.com/office/drawing/2014/main" id="{13F56108-8680-1FB9-8FBC-8C09210C70D7}"/>
+              </a:ext>
+            </a:extLst>
+          </p:cNvPr>
+          <p:cNvPicPr>
+            <a:picLocks noChangeAspect="1"/>
+          </p:cNvPicPr>
+          <p:nvPr/>
+        </p:nvPicPr>
+        <p:blipFill>
+          <a:blip r:embed="rId2"/>
+          <a:stretch>
+            <a:fillRect/>
+          </a:stretch>
+        </p:blipFill>
+        <p:spPr>
+          <a:xfrm>
+            <a:off x="5897563" y="720298"/>
+            <a:ext cx="5744377" cy="1505160"/>
+          </a:xfrm>
+          <a:prstGeom prst="rect">
+            <a:avLst/>
+          </a:prstGeom>
+        </p:spPr>
+      </p:pic>
+    </p:spTree>
+    <p:extLst>
+      <p:ext uri="{BB962C8B-B14F-4D97-AF65-F5344CB8AC3E}">
+        <p14:creationId xmlns:p14="http://schemas.microsoft.com/office/powerpoint/2010/main" val="2709555901"/>
+      </p:ext>
+    </p:extLst>
+  </p:cSld>
+  <p:clrMapOvr>
+    <a:masterClrMapping/>
+  </p:clrMapOvr>
+</p:sld>
+</file>
+
+<file path=ppt/slides/slide29.xml><?xml version="1.0" encoding="utf-8"?>
+<p:sld xmlns:a="http://schemas.openxmlformats.org/drawingml/2006/main" xmlns:r="http://schemas.openxmlformats.org/officeDocument/2006/relationships" xmlns:p="http://schemas.openxmlformats.org/presentationml/2006/main">
+  <p:cSld>
+    <p:spTree>
+      <p:nvGrpSpPr>
+        <p:cNvPr id="1" name=""/>
+        <p:cNvGrpSpPr/>
+        <p:nvPr/>
+      </p:nvGrpSpPr>
+      <p:grpSpPr>
+        <a:xfrm>
+          <a:off x="0" y="0"/>
+          <a:ext cx="0" cy="0"/>
+          <a:chOff x="0" y="0"/>
+          <a:chExt cx="0" cy="0"/>
+        </a:xfrm>
+      </p:grpSpPr>
+      <p:sp>
+        <p:nvSpPr>
+          <p:cNvPr id="2" name="Título 1">
+            <a:extLst>
+              <a:ext uri="{FF2B5EF4-FFF2-40B4-BE49-F238E27FC236}">
+                <a16:creationId xmlns:a16="http://schemas.microsoft.com/office/drawing/2014/main" id="{C0BD7DC2-505C-9BF5-08FD-E2ACBB0D46A7}"/>
+              </a:ext>
+            </a:extLst>
+          </p:cNvPr>
+          <p:cNvSpPr>
+            <a:spLocks noGrp="1"/>
+          </p:cNvSpPr>
+          <p:nvPr>
+            <p:ph type="title"/>
+          </p:nvPr>
+        </p:nvSpPr>
+        <p:spPr/>
+        <p:txBody>
+          <a:bodyPr/>
+          <a:lstStyle/>
+          <a:p>
+            <a:r>
+              <a:rPr lang="pt-BR" dirty="0"/>
+              <a:t>Como remover duplicatas</a:t>
+            </a:r>
+          </a:p>
+        </p:txBody>
+      </p:sp>
+      <p:sp>
+        <p:nvSpPr>
+          <p:cNvPr id="4" name="Espaço Reservado para Texto 3">
+            <a:extLst>
+              <a:ext uri="{FF2B5EF4-FFF2-40B4-BE49-F238E27FC236}">
+                <a16:creationId xmlns:a16="http://schemas.microsoft.com/office/drawing/2014/main" id="{76D0A663-2975-38B1-B053-6FF2F60E33BD}"/>
+              </a:ext>
+            </a:extLst>
+          </p:cNvPr>
+          <p:cNvSpPr>
+            <a:spLocks noGrp="1"/>
+          </p:cNvSpPr>
+          <p:nvPr>
+            <p:ph type="body" sz="half" idx="2"/>
+          </p:nvPr>
+        </p:nvSpPr>
+        <p:spPr/>
+        <p:txBody>
+          <a:bodyPr/>
+          <a:lstStyle/>
+          <a:p>
+            <a:r>
+              <a:rPr lang="pt-BR" dirty="0" err="1"/>
+              <a:t>Drop_duplicates</a:t>
+            </a:r>
+            <a:endParaRPr lang="pt-BR" dirty="0"/>
+          </a:p>
+          <a:p>
+            <a:r>
+              <a:rPr lang="pt-BR" dirty="0"/>
+              <a:t>O </a:t>
+            </a:r>
+            <a:r>
+              <a:rPr lang="pt-BR" dirty="0" err="1"/>
+              <a:t>keep</a:t>
+            </a:r>
+            <a:r>
+              <a:rPr lang="pt-BR" dirty="0"/>
+              <a:t> é para manter sempre o primeiro com o </a:t>
+            </a:r>
+            <a:r>
+              <a:rPr lang="pt-BR" dirty="0" err="1"/>
+              <a:t>first</a:t>
+            </a:r>
+            <a:r>
+              <a:rPr lang="pt-BR" dirty="0"/>
+              <a:t> e retiras as demais duplicadas (</a:t>
+            </a:r>
+            <a:r>
+              <a:rPr lang="pt-BR" dirty="0" err="1"/>
+              <a:t>last</a:t>
+            </a:r>
+            <a:r>
+              <a:rPr lang="pt-BR" dirty="0"/>
+              <a:t>.. Ultimo)</a:t>
+            </a:r>
+          </a:p>
+          <a:p>
+            <a:r>
+              <a:rPr lang="pt-BR" dirty="0"/>
+              <a:t>E para fazer sentido com a atualização, fazer uma </a:t>
+            </a:r>
+            <a:r>
+              <a:rPr lang="pt-BR" dirty="0" err="1"/>
+              <a:t>ascending</a:t>
+            </a:r>
+            <a:r>
+              <a:rPr lang="pt-BR" dirty="0"/>
+              <a:t> com o </a:t>
+            </a:r>
+            <a:r>
+              <a:rPr lang="pt-BR" dirty="0" err="1"/>
+              <a:t>sort</a:t>
+            </a:r>
+            <a:endParaRPr lang="pt-BR" dirty="0"/>
+          </a:p>
+        </p:txBody>
+      </p:sp>
+      <p:pic>
+        <p:nvPicPr>
+          <p:cNvPr id="6" name="Imagem 5">
+            <a:extLst>
+              <a:ext uri="{FF2B5EF4-FFF2-40B4-BE49-F238E27FC236}">
+                <a16:creationId xmlns:a16="http://schemas.microsoft.com/office/drawing/2014/main" id="{2E9C72D3-2D16-C476-31A6-D46B0B9BA723}"/>
+              </a:ext>
+            </a:extLst>
+          </p:cNvPr>
+          <p:cNvPicPr>
+            <a:picLocks noChangeAspect="1"/>
+          </p:cNvPicPr>
+          <p:nvPr/>
+        </p:nvPicPr>
+        <p:blipFill>
+          <a:blip r:embed="rId2"/>
+          <a:stretch>
+            <a:fillRect/>
+          </a:stretch>
+        </p:blipFill>
+        <p:spPr>
+          <a:xfrm>
+            <a:off x="6419885" y="1257300"/>
+            <a:ext cx="3820058" cy="1086002"/>
+          </a:xfrm>
+          <a:prstGeom prst="rect">
+            <a:avLst/>
+          </a:prstGeom>
+        </p:spPr>
+      </p:pic>
+      <p:pic>
+        <p:nvPicPr>
+          <p:cNvPr id="8" name="Imagem 7">
+            <a:extLst>
+              <a:ext uri="{FF2B5EF4-FFF2-40B4-BE49-F238E27FC236}">
+                <a16:creationId xmlns:a16="http://schemas.microsoft.com/office/drawing/2014/main" id="{F21473BF-3884-36EB-B1D7-EA6693C05ED2}"/>
+              </a:ext>
+            </a:extLst>
+          </p:cNvPr>
+          <p:cNvPicPr>
+            <a:picLocks noChangeAspect="1"/>
+          </p:cNvPicPr>
+          <p:nvPr/>
+        </p:nvPicPr>
+        <p:blipFill>
+          <a:blip r:embed="rId3"/>
+          <a:stretch>
+            <a:fillRect/>
+          </a:stretch>
+        </p:blipFill>
+        <p:spPr>
+          <a:xfrm>
+            <a:off x="6169173" y="2744329"/>
+            <a:ext cx="4321482" cy="3884478"/>
+          </a:xfrm>
+          <a:prstGeom prst="rect">
+            <a:avLst/>
+          </a:prstGeom>
+        </p:spPr>
+      </p:pic>
+      <p:pic>
+        <p:nvPicPr>
+          <p:cNvPr id="10" name="Imagem 9">
+            <a:extLst>
+              <a:ext uri="{FF2B5EF4-FFF2-40B4-BE49-F238E27FC236}">
+                <a16:creationId xmlns:a16="http://schemas.microsoft.com/office/drawing/2014/main" id="{49C3FF13-34AE-130D-D209-45768E51237F}"/>
+              </a:ext>
+            </a:extLst>
+          </p:cNvPr>
+          <p:cNvPicPr>
+            <a:picLocks noChangeAspect="1"/>
+          </p:cNvPicPr>
+          <p:nvPr/>
+        </p:nvPicPr>
+        <p:blipFill>
+          <a:blip r:embed="rId4"/>
+          <a:stretch>
+            <a:fillRect/>
+          </a:stretch>
+        </p:blipFill>
+        <p:spPr>
+          <a:xfrm>
+            <a:off x="715098" y="4143736"/>
+            <a:ext cx="5307730" cy="2686131"/>
+          </a:xfrm>
+          <a:prstGeom prst="rect">
+            <a:avLst/>
+          </a:prstGeom>
+        </p:spPr>
+      </p:pic>
+    </p:spTree>
+    <p:extLst>
+      <p:ext uri="{BB962C8B-B14F-4D97-AF65-F5344CB8AC3E}">
+        <p14:creationId xmlns:p14="http://schemas.microsoft.com/office/powerpoint/2010/main" val="3516084549"/>
+      </p:ext>
+    </p:extLst>
+  </p:cSld>
+  <p:clrMapOvr>
+    <a:masterClrMapping/>
+  </p:clrMapOvr>
+</p:sld>
+</file>
+
+<file path=ppt/slides/slide3.xml><?xml version="1.0" encoding="utf-8"?>
 <p:sld xmlns:a="http://schemas.openxmlformats.org/drawingml/2006/main" xmlns:r="http://schemas.openxmlformats.org/officeDocument/2006/relationships" xmlns:p="http://schemas.openxmlformats.org/presentationml/2006/main">
   <p:cSld>
     <p:spTree>
@@ -5171,1806 +7229,7 @@
 </p:sld>
 </file>
 
-<file path=ppt/slides/slide20.xml><?xml version="1.0" encoding="utf-8"?>
-<p:sld xmlns:a="http://schemas.openxmlformats.org/drawingml/2006/main" xmlns:r="http://schemas.openxmlformats.org/officeDocument/2006/relationships" xmlns:p="http://schemas.openxmlformats.org/presentationml/2006/main">
-  <p:cSld>
-    <p:spTree>
-      <p:nvGrpSpPr>
-        <p:cNvPr id="1" name=""/>
-        <p:cNvGrpSpPr/>
-        <p:nvPr/>
-      </p:nvGrpSpPr>
-      <p:grpSpPr>
-        <a:xfrm>
-          <a:off x="0" y="0"/>
-          <a:ext cx="0" cy="0"/>
-          <a:chOff x="0" y="0"/>
-          <a:chExt cx="0" cy="0"/>
-        </a:xfrm>
-      </p:grpSpPr>
-      <p:sp>
-        <p:nvSpPr>
-          <p:cNvPr id="2" name="Título 1">
-            <a:extLst>
-              <a:ext uri="{FF2B5EF4-FFF2-40B4-BE49-F238E27FC236}">
-                <a16:creationId xmlns:a16="http://schemas.microsoft.com/office/drawing/2014/main" id="{7315AA8B-0426-3C0C-DEEB-BAE90623813F}"/>
-              </a:ext>
-            </a:extLst>
-          </p:cNvPr>
-          <p:cNvSpPr>
-            <a:spLocks noGrp="1"/>
-          </p:cNvSpPr>
-          <p:nvPr>
-            <p:ph type="title"/>
-          </p:nvPr>
-        </p:nvSpPr>
-        <p:spPr/>
-        <p:txBody>
-          <a:bodyPr/>
-          <a:lstStyle/>
-          <a:p>
-            <a:r>
-              <a:rPr lang="pt-BR" dirty="0"/>
-              <a:t>Listar colunas e deixar em ordem</a:t>
-            </a:r>
-          </a:p>
-        </p:txBody>
-      </p:sp>
-      <p:sp>
-        <p:nvSpPr>
-          <p:cNvPr id="3" name="Espaço Reservado para Conteúdo 2">
-            <a:extLst>
-              <a:ext uri="{FF2B5EF4-FFF2-40B4-BE49-F238E27FC236}">
-                <a16:creationId xmlns:a16="http://schemas.microsoft.com/office/drawing/2014/main" id="{8BC2FCDB-CE2C-01FA-E8F0-212698FF5005}"/>
-              </a:ext>
-            </a:extLst>
-          </p:cNvPr>
-          <p:cNvSpPr>
-            <a:spLocks noGrp="1"/>
-          </p:cNvSpPr>
-          <p:nvPr>
-            <p:ph idx="1"/>
-          </p:nvPr>
-        </p:nvSpPr>
-        <p:spPr/>
-        <p:txBody>
-          <a:bodyPr/>
-          <a:lstStyle/>
-          <a:p>
-            <a:r>
-              <a:rPr lang="pt-BR" dirty="0"/>
-              <a:t>Primeiro será necessário listas as colunas e colocar numa medida/variável</a:t>
-            </a:r>
-          </a:p>
-          <a:p>
-            <a:r>
-              <a:rPr lang="pt-BR" dirty="0"/>
-              <a:t>Após listadas, colocar em ordem e na sequência usar no fato</a:t>
-            </a:r>
-          </a:p>
-          <a:p>
-            <a:r>
-              <a:rPr lang="pt-BR" dirty="0"/>
-              <a:t>Pode usar no fato sem precisar criar cópia, pois não iria alterar a estrutura original, apenas mudar a sequencia das colunas</a:t>
-            </a:r>
-          </a:p>
-        </p:txBody>
-      </p:sp>
-      <p:pic>
-        <p:nvPicPr>
-          <p:cNvPr id="5" name="Imagem 4">
-            <a:extLst>
-              <a:ext uri="{FF2B5EF4-FFF2-40B4-BE49-F238E27FC236}">
-                <a16:creationId xmlns:a16="http://schemas.microsoft.com/office/drawing/2014/main" id="{908361F7-2E9C-267E-D48B-9903D56ADA35}"/>
-              </a:ext>
-            </a:extLst>
-          </p:cNvPr>
-          <p:cNvPicPr>
-            <a:picLocks noChangeAspect="1"/>
-          </p:cNvPicPr>
-          <p:nvPr/>
-        </p:nvPicPr>
-        <p:blipFill>
-          <a:blip r:embed="rId2"/>
-          <a:stretch>
-            <a:fillRect/>
-          </a:stretch>
-        </p:blipFill>
-        <p:spPr>
-          <a:xfrm>
-            <a:off x="5503681" y="4909961"/>
-            <a:ext cx="4610743" cy="1267002"/>
-          </a:xfrm>
-          <a:prstGeom prst="rect">
-            <a:avLst/>
-          </a:prstGeom>
-        </p:spPr>
-      </p:pic>
-    </p:spTree>
-    <p:extLst>
-      <p:ext uri="{BB962C8B-B14F-4D97-AF65-F5344CB8AC3E}">
-        <p14:creationId xmlns:p14="http://schemas.microsoft.com/office/powerpoint/2010/main" val="2012181676"/>
-      </p:ext>
-    </p:extLst>
-  </p:cSld>
-  <p:clrMapOvr>
-    <a:masterClrMapping/>
-  </p:clrMapOvr>
-</p:sld>
-</file>
-
-<file path=ppt/slides/slide21.xml><?xml version="1.0" encoding="utf-8"?>
-<p:sld xmlns:a="http://schemas.openxmlformats.org/drawingml/2006/main" xmlns:r="http://schemas.openxmlformats.org/officeDocument/2006/relationships" xmlns:p="http://schemas.openxmlformats.org/presentationml/2006/main">
-  <p:cSld>
-    <p:spTree>
-      <p:nvGrpSpPr>
-        <p:cNvPr id="1" name=""/>
-        <p:cNvGrpSpPr/>
-        <p:nvPr/>
-      </p:nvGrpSpPr>
-      <p:grpSpPr>
-        <a:xfrm>
-          <a:off x="0" y="0"/>
-          <a:ext cx="0" cy="0"/>
-          <a:chOff x="0" y="0"/>
-          <a:chExt cx="0" cy="0"/>
-        </a:xfrm>
-      </p:grpSpPr>
-      <p:sp>
-        <p:nvSpPr>
-          <p:cNvPr id="2" name="Título 1">
-            <a:extLst>
-              <a:ext uri="{FF2B5EF4-FFF2-40B4-BE49-F238E27FC236}">
-                <a16:creationId xmlns:a16="http://schemas.microsoft.com/office/drawing/2014/main" id="{7315AA8B-0426-3C0C-DEEB-BAE90623813F}"/>
-              </a:ext>
-            </a:extLst>
-          </p:cNvPr>
-          <p:cNvSpPr>
-            <a:spLocks noGrp="1"/>
-          </p:cNvSpPr>
-          <p:nvPr>
-            <p:ph type="title"/>
-          </p:nvPr>
-        </p:nvSpPr>
-        <p:spPr/>
-        <p:txBody>
-          <a:bodyPr/>
-          <a:lstStyle/>
-          <a:p>
-            <a:r>
-              <a:rPr lang="pt-BR" dirty="0"/>
-              <a:t>Renomear nomes das colunas</a:t>
-            </a:r>
-          </a:p>
-        </p:txBody>
-      </p:sp>
-      <p:sp>
-        <p:nvSpPr>
-          <p:cNvPr id="3" name="Espaço Reservado para Conteúdo 2">
-            <a:extLst>
-              <a:ext uri="{FF2B5EF4-FFF2-40B4-BE49-F238E27FC236}">
-                <a16:creationId xmlns:a16="http://schemas.microsoft.com/office/drawing/2014/main" id="{8BC2FCDB-CE2C-01FA-E8F0-212698FF5005}"/>
-              </a:ext>
-            </a:extLst>
-          </p:cNvPr>
-          <p:cNvSpPr>
-            <a:spLocks noGrp="1"/>
-          </p:cNvSpPr>
-          <p:nvPr>
-            <p:ph idx="1"/>
-          </p:nvPr>
-        </p:nvSpPr>
-        <p:spPr/>
-        <p:txBody>
-          <a:bodyPr/>
-          <a:lstStyle/>
-          <a:p>
-            <a:r>
-              <a:rPr lang="pt-BR" dirty="0"/>
-              <a:t>Tem que reatribuir a ele mesmo</a:t>
-            </a:r>
-          </a:p>
-          <a:p>
-            <a:r>
-              <a:rPr lang="pt-BR" dirty="0"/>
-              <a:t>Usar o </a:t>
-            </a:r>
-            <a:r>
-              <a:rPr lang="pt-BR" dirty="0" err="1"/>
-              <a:t>rename</a:t>
-            </a:r>
-            <a:r>
-              <a:rPr lang="pt-BR" dirty="0"/>
-              <a:t> e </a:t>
-            </a:r>
-            <a:r>
-              <a:rPr lang="pt-BR" dirty="0" err="1"/>
-              <a:t>columns</a:t>
-            </a:r>
-            <a:r>
-              <a:rPr lang="pt-BR" dirty="0"/>
-              <a:t>, mais dicionário</a:t>
-            </a:r>
-          </a:p>
-          <a:p>
-            <a:r>
-              <a:rPr lang="pt-BR" dirty="0"/>
-              <a:t>E tem outra opção no próximo slide</a:t>
-            </a:r>
-          </a:p>
-          <a:p>
-            <a:r>
-              <a:rPr lang="pt-BR" dirty="0"/>
-              <a:t>Se alterar aqui, altera tudo antes também</a:t>
-            </a:r>
-          </a:p>
-        </p:txBody>
-      </p:sp>
-      <p:pic>
-        <p:nvPicPr>
-          <p:cNvPr id="5" name="Imagem 4">
-            <a:extLst>
-              <a:ext uri="{FF2B5EF4-FFF2-40B4-BE49-F238E27FC236}">
-                <a16:creationId xmlns:a16="http://schemas.microsoft.com/office/drawing/2014/main" id="{EADDB40F-1FC9-FF31-FA43-F44EFAF8C54C}"/>
-              </a:ext>
-            </a:extLst>
-          </p:cNvPr>
-          <p:cNvPicPr>
-            <a:picLocks noChangeAspect="1"/>
-          </p:cNvPicPr>
-          <p:nvPr/>
-        </p:nvPicPr>
-        <p:blipFill>
-          <a:blip r:embed="rId2"/>
-          <a:stretch>
-            <a:fillRect/>
-          </a:stretch>
-        </p:blipFill>
-        <p:spPr>
-          <a:xfrm>
-            <a:off x="2747446" y="3896426"/>
-            <a:ext cx="6535062" cy="1171739"/>
-          </a:xfrm>
-          <a:prstGeom prst="rect">
-            <a:avLst/>
-          </a:prstGeom>
-        </p:spPr>
-      </p:pic>
-    </p:spTree>
-    <p:extLst>
-      <p:ext uri="{BB962C8B-B14F-4D97-AF65-F5344CB8AC3E}">
-        <p14:creationId xmlns:p14="http://schemas.microsoft.com/office/powerpoint/2010/main" val="2971756271"/>
-      </p:ext>
-    </p:extLst>
-  </p:cSld>
-  <p:clrMapOvr>
-    <a:masterClrMapping/>
-  </p:clrMapOvr>
-</p:sld>
-</file>
-
-<file path=ppt/slides/slide22.xml><?xml version="1.0" encoding="utf-8"?>
-<p:sld xmlns:a="http://schemas.openxmlformats.org/drawingml/2006/main" xmlns:r="http://schemas.openxmlformats.org/officeDocument/2006/relationships" xmlns:p="http://schemas.openxmlformats.org/presentationml/2006/main">
-  <p:cSld>
-    <p:spTree>
-      <p:nvGrpSpPr>
-        <p:cNvPr id="1" name=""/>
-        <p:cNvGrpSpPr/>
-        <p:nvPr/>
-      </p:nvGrpSpPr>
-      <p:grpSpPr>
-        <a:xfrm>
-          <a:off x="0" y="0"/>
-          <a:ext cx="0" cy="0"/>
-          <a:chOff x="0" y="0"/>
-          <a:chExt cx="0" cy="0"/>
-        </a:xfrm>
-      </p:grpSpPr>
-      <p:sp>
-        <p:nvSpPr>
-          <p:cNvPr id="2" name="Título 1">
-            <a:extLst>
-              <a:ext uri="{FF2B5EF4-FFF2-40B4-BE49-F238E27FC236}">
-                <a16:creationId xmlns:a16="http://schemas.microsoft.com/office/drawing/2014/main" id="{7315AA8B-0426-3C0C-DEEB-BAE90623813F}"/>
-              </a:ext>
-            </a:extLst>
-          </p:cNvPr>
-          <p:cNvSpPr>
-            <a:spLocks noGrp="1"/>
-          </p:cNvSpPr>
-          <p:nvPr>
-            <p:ph type="title"/>
-          </p:nvPr>
-        </p:nvSpPr>
-        <p:spPr/>
-        <p:txBody>
-          <a:bodyPr/>
-          <a:lstStyle/>
-          <a:p>
-            <a:r>
-              <a:rPr lang="pt-BR" dirty="0"/>
-              <a:t>Mudar nome de coluna</a:t>
-            </a:r>
-          </a:p>
-        </p:txBody>
-      </p:sp>
-      <p:sp>
-        <p:nvSpPr>
-          <p:cNvPr id="3" name="Espaço Reservado para Conteúdo 2">
-            <a:extLst>
-              <a:ext uri="{FF2B5EF4-FFF2-40B4-BE49-F238E27FC236}">
-                <a16:creationId xmlns:a16="http://schemas.microsoft.com/office/drawing/2014/main" id="{8BC2FCDB-CE2C-01FA-E8F0-212698FF5005}"/>
-              </a:ext>
-            </a:extLst>
-          </p:cNvPr>
-          <p:cNvSpPr>
-            <a:spLocks noGrp="1"/>
-          </p:cNvSpPr>
-          <p:nvPr>
-            <p:ph idx="1"/>
-          </p:nvPr>
-        </p:nvSpPr>
-        <p:spPr/>
-        <p:txBody>
-          <a:bodyPr/>
-          <a:lstStyle/>
-          <a:p>
-            <a:r>
-              <a:rPr lang="pt-BR" dirty="0"/>
-              <a:t>Usar no próprio atributo o </a:t>
-            </a:r>
-            <a:r>
-              <a:rPr lang="pt-BR" dirty="0" err="1"/>
-              <a:t>rename</a:t>
-            </a:r>
-            <a:r>
-              <a:rPr lang="pt-BR" dirty="0"/>
-              <a:t>, e no final usar o </a:t>
-            </a:r>
-            <a:r>
-              <a:rPr lang="pt-BR" dirty="0" err="1"/>
-              <a:t>inplace</a:t>
-            </a:r>
-            <a:endParaRPr lang="pt-BR" dirty="0"/>
-          </a:p>
-        </p:txBody>
-      </p:sp>
-      <p:pic>
-        <p:nvPicPr>
-          <p:cNvPr id="5" name="Imagem 4">
-            <a:extLst>
-              <a:ext uri="{FF2B5EF4-FFF2-40B4-BE49-F238E27FC236}">
-                <a16:creationId xmlns:a16="http://schemas.microsoft.com/office/drawing/2014/main" id="{8F0F6425-B05C-C417-B2F2-A949D69AD35C}"/>
-              </a:ext>
-            </a:extLst>
-          </p:cNvPr>
-          <p:cNvPicPr>
-            <a:picLocks noChangeAspect="1"/>
-          </p:cNvPicPr>
-          <p:nvPr/>
-        </p:nvPicPr>
-        <p:blipFill>
-          <a:blip r:embed="rId2"/>
-          <a:stretch>
-            <a:fillRect/>
-          </a:stretch>
-        </p:blipFill>
-        <p:spPr>
-          <a:xfrm>
-            <a:off x="3342891" y="2847894"/>
-            <a:ext cx="5506218" cy="1162212"/>
-          </a:xfrm>
-          <a:prstGeom prst="rect">
-            <a:avLst/>
-          </a:prstGeom>
-        </p:spPr>
-      </p:pic>
-    </p:spTree>
-    <p:extLst>
-      <p:ext uri="{BB962C8B-B14F-4D97-AF65-F5344CB8AC3E}">
-        <p14:creationId xmlns:p14="http://schemas.microsoft.com/office/powerpoint/2010/main" val="4235133253"/>
-      </p:ext>
-    </p:extLst>
-  </p:cSld>
-  <p:clrMapOvr>
-    <a:masterClrMapping/>
-  </p:clrMapOvr>
-</p:sld>
-</file>
-
-<file path=ppt/slides/slide23.xml><?xml version="1.0" encoding="utf-8"?>
-<p:sld xmlns:a="http://schemas.openxmlformats.org/drawingml/2006/main" xmlns:r="http://schemas.openxmlformats.org/officeDocument/2006/relationships" xmlns:p="http://schemas.openxmlformats.org/presentationml/2006/main">
-  <p:cSld>
-    <p:spTree>
-      <p:nvGrpSpPr>
-        <p:cNvPr id="1" name=""/>
-        <p:cNvGrpSpPr/>
-        <p:nvPr/>
-      </p:nvGrpSpPr>
-      <p:grpSpPr>
-        <a:xfrm>
-          <a:off x="0" y="0"/>
-          <a:ext cx="0" cy="0"/>
-          <a:chOff x="0" y="0"/>
-          <a:chExt cx="0" cy="0"/>
-        </a:xfrm>
-      </p:grpSpPr>
-      <p:sp>
-        <p:nvSpPr>
-          <p:cNvPr id="2" name="Título 1">
-            <a:extLst>
-              <a:ext uri="{FF2B5EF4-FFF2-40B4-BE49-F238E27FC236}">
-                <a16:creationId xmlns:a16="http://schemas.microsoft.com/office/drawing/2014/main" id="{7315AA8B-0426-3C0C-DEEB-BAE90623813F}"/>
-              </a:ext>
-            </a:extLst>
-          </p:cNvPr>
-          <p:cNvSpPr>
-            <a:spLocks noGrp="1"/>
-          </p:cNvSpPr>
-          <p:nvPr>
-            <p:ph type="title"/>
-          </p:nvPr>
-        </p:nvSpPr>
-        <p:spPr/>
-        <p:txBody>
-          <a:bodyPr/>
-          <a:lstStyle/>
-          <a:p>
-            <a:r>
-              <a:rPr lang="pt-BR" dirty="0"/>
-              <a:t>Para parquet</a:t>
-            </a:r>
-          </a:p>
-        </p:txBody>
-      </p:sp>
-      <p:sp>
-        <p:nvSpPr>
-          <p:cNvPr id="3" name="Espaço Reservado para Conteúdo 2">
-            <a:extLst>
-              <a:ext uri="{FF2B5EF4-FFF2-40B4-BE49-F238E27FC236}">
-                <a16:creationId xmlns:a16="http://schemas.microsoft.com/office/drawing/2014/main" id="{8BC2FCDB-CE2C-01FA-E8F0-212698FF5005}"/>
-              </a:ext>
-            </a:extLst>
-          </p:cNvPr>
-          <p:cNvSpPr>
-            <a:spLocks noGrp="1"/>
-          </p:cNvSpPr>
-          <p:nvPr>
-            <p:ph idx="1"/>
-          </p:nvPr>
-        </p:nvSpPr>
-        <p:spPr/>
-        <p:txBody>
-          <a:bodyPr/>
-          <a:lstStyle/>
-          <a:p>
-            <a:r>
-              <a:rPr lang="pt-BR" dirty="0" err="1"/>
-              <a:t>pip</a:t>
-            </a:r>
-            <a:r>
-              <a:rPr lang="pt-BR" dirty="0"/>
-              <a:t> </a:t>
-            </a:r>
-            <a:r>
-              <a:rPr lang="pt-BR" dirty="0" err="1"/>
-              <a:t>install</a:t>
-            </a:r>
-            <a:r>
-              <a:rPr lang="pt-BR" dirty="0"/>
-              <a:t> </a:t>
-            </a:r>
-            <a:r>
-              <a:rPr lang="pt-BR" dirty="0" err="1"/>
-              <a:t>pyarrow</a:t>
-            </a:r>
-            <a:endParaRPr lang="pt-BR" dirty="0"/>
-          </a:p>
-          <a:p>
-            <a:r>
-              <a:rPr lang="pt-BR" dirty="0" err="1"/>
-              <a:t>pip</a:t>
-            </a:r>
-            <a:r>
-              <a:rPr lang="pt-BR" dirty="0"/>
-              <a:t> </a:t>
-            </a:r>
-            <a:r>
-              <a:rPr lang="pt-BR" dirty="0" err="1"/>
-              <a:t>install</a:t>
-            </a:r>
-            <a:r>
-              <a:rPr lang="pt-BR" dirty="0"/>
-              <a:t> </a:t>
-            </a:r>
-            <a:r>
-              <a:rPr lang="pt-BR"/>
-              <a:t>fastparquet</a:t>
-            </a:r>
-            <a:endParaRPr lang="pt-BR" dirty="0"/>
-          </a:p>
-        </p:txBody>
-      </p:sp>
-    </p:spTree>
-    <p:extLst>
-      <p:ext uri="{BB962C8B-B14F-4D97-AF65-F5344CB8AC3E}">
-        <p14:creationId xmlns:p14="http://schemas.microsoft.com/office/powerpoint/2010/main" val="3888336613"/>
-      </p:ext>
-    </p:extLst>
-  </p:cSld>
-  <p:clrMapOvr>
-    <a:masterClrMapping/>
-  </p:clrMapOvr>
-</p:sld>
-</file>
-
-<file path=ppt/slides/slide24.xml><?xml version="1.0" encoding="utf-8"?>
-<p:sld xmlns:a="http://schemas.openxmlformats.org/drawingml/2006/main" xmlns:r="http://schemas.openxmlformats.org/officeDocument/2006/relationships" xmlns:p="http://schemas.openxmlformats.org/presentationml/2006/main">
-  <p:cSld>
-    <p:spTree>
-      <p:nvGrpSpPr>
-        <p:cNvPr id="1" name=""/>
-        <p:cNvGrpSpPr/>
-        <p:nvPr/>
-      </p:nvGrpSpPr>
-      <p:grpSpPr>
-        <a:xfrm>
-          <a:off x="0" y="0"/>
-          <a:ext cx="0" cy="0"/>
-          <a:chOff x="0" y="0"/>
-          <a:chExt cx="0" cy="0"/>
-        </a:xfrm>
-      </p:grpSpPr>
-      <p:sp>
-        <p:nvSpPr>
-          <p:cNvPr id="2" name="Título 1">
-            <a:extLst>
-              <a:ext uri="{FF2B5EF4-FFF2-40B4-BE49-F238E27FC236}">
-                <a16:creationId xmlns:a16="http://schemas.microsoft.com/office/drawing/2014/main" id="{7315AA8B-0426-3C0C-DEEB-BAE90623813F}"/>
-              </a:ext>
-            </a:extLst>
-          </p:cNvPr>
-          <p:cNvSpPr>
-            <a:spLocks noGrp="1"/>
-          </p:cNvSpPr>
-          <p:nvPr>
-            <p:ph type="title"/>
-          </p:nvPr>
-        </p:nvSpPr>
-        <p:spPr/>
-        <p:txBody>
-          <a:bodyPr/>
-          <a:lstStyle/>
-          <a:p>
-            <a:endParaRPr lang="pt-BR" dirty="0"/>
-          </a:p>
-        </p:txBody>
-      </p:sp>
-      <p:sp>
-        <p:nvSpPr>
-          <p:cNvPr id="3" name="Espaço Reservado para Conteúdo 2">
-            <a:extLst>
-              <a:ext uri="{FF2B5EF4-FFF2-40B4-BE49-F238E27FC236}">
-                <a16:creationId xmlns:a16="http://schemas.microsoft.com/office/drawing/2014/main" id="{8BC2FCDB-CE2C-01FA-E8F0-212698FF5005}"/>
-              </a:ext>
-            </a:extLst>
-          </p:cNvPr>
-          <p:cNvSpPr>
-            <a:spLocks noGrp="1"/>
-          </p:cNvSpPr>
-          <p:nvPr>
-            <p:ph idx="1"/>
-          </p:nvPr>
-        </p:nvSpPr>
-        <p:spPr/>
-        <p:txBody>
-          <a:bodyPr>
-            <a:normAutofit fontScale="77500" lnSpcReduction="20000"/>
-          </a:bodyPr>
-          <a:lstStyle/>
-          <a:p>
-            <a:r>
-              <a:rPr lang="en-US" dirty="0"/>
-              <a:t>pip install pandas </a:t>
-            </a:r>
-            <a:r>
-              <a:rPr lang="en-US" dirty="0" err="1"/>
-              <a:t>pyarrow</a:t>
-            </a:r>
-            <a:r>
-              <a:rPr lang="en-US" dirty="0"/>
-              <a:t> </a:t>
-            </a:r>
-            <a:r>
-              <a:rPr lang="en-US" dirty="0" err="1"/>
-              <a:t>openpyxl</a:t>
-            </a:r>
-            <a:endParaRPr lang="en-US" dirty="0"/>
-          </a:p>
-          <a:p>
-            <a:r>
-              <a:rPr lang="pt-BR" dirty="0" err="1"/>
-              <a:t>import</a:t>
-            </a:r>
-            <a:r>
-              <a:rPr lang="pt-BR" dirty="0"/>
-              <a:t> pandas as </a:t>
-            </a:r>
-            <a:r>
-              <a:rPr lang="pt-BR" dirty="0" err="1"/>
-              <a:t>pdimport</a:t>
-            </a:r>
-            <a:r>
-              <a:rPr lang="pt-BR" dirty="0"/>
-              <a:t> os# </a:t>
-            </a:r>
-            <a:r>
-              <a:rPr lang="pt-BR" dirty="0" err="1"/>
-              <a:t>Diretóriosexcel_folder</a:t>
-            </a:r>
-            <a:r>
-              <a:rPr lang="pt-BR" dirty="0"/>
-              <a:t> = 'caminho/para/</a:t>
-            </a:r>
-            <a:r>
-              <a:rPr lang="pt-BR" dirty="0" err="1"/>
-              <a:t>pasta_de_excel</a:t>
-            </a:r>
-            <a:r>
-              <a:rPr lang="pt-BR" dirty="0"/>
-              <a:t>'  # Pasta contendo arquivos </a:t>
-            </a:r>
-            <a:r>
-              <a:rPr lang="pt-BR" dirty="0" err="1"/>
-              <a:t>Excelparquet_folder</a:t>
-            </a:r>
-            <a:r>
-              <a:rPr lang="pt-BR" dirty="0"/>
-              <a:t> = 'caminho/para/</a:t>
-            </a:r>
-            <a:r>
-              <a:rPr lang="pt-BR" dirty="0" err="1"/>
-              <a:t>pasta_de_parquet</a:t>
-            </a:r>
-            <a:r>
-              <a:rPr lang="pt-BR" dirty="0"/>
-              <a:t>'  # Pasta para salvar arquivos Parquet# Cria a pasta de saída se não </a:t>
-            </a:r>
-            <a:r>
-              <a:rPr lang="pt-BR" dirty="0" err="1"/>
-              <a:t>existirif</a:t>
-            </a:r>
-            <a:r>
-              <a:rPr lang="pt-BR" dirty="0"/>
-              <a:t> </a:t>
-            </a:r>
-            <a:r>
-              <a:rPr lang="pt-BR" dirty="0" err="1"/>
-              <a:t>not</a:t>
-            </a:r>
-            <a:r>
-              <a:rPr lang="pt-BR" dirty="0"/>
-              <a:t> </a:t>
-            </a:r>
-            <a:r>
-              <a:rPr lang="pt-BR" dirty="0" err="1"/>
-              <a:t>os.path.exists</a:t>
-            </a:r>
-            <a:r>
-              <a:rPr lang="pt-BR" dirty="0"/>
-              <a:t>(</a:t>
-            </a:r>
-            <a:r>
-              <a:rPr lang="pt-BR" dirty="0" err="1"/>
-              <a:t>parquet_folder</a:t>
-            </a:r>
-            <a:r>
-              <a:rPr lang="pt-BR" dirty="0"/>
-              <a:t>):    </a:t>
-            </a:r>
-            <a:r>
-              <a:rPr lang="pt-BR" dirty="0" err="1"/>
-              <a:t>os.makedirs</a:t>
-            </a:r>
-            <a:r>
-              <a:rPr lang="pt-BR" dirty="0"/>
-              <a:t>(</a:t>
-            </a:r>
-            <a:r>
-              <a:rPr lang="pt-BR" dirty="0" err="1"/>
-              <a:t>parquet_folder</a:t>
-            </a:r>
-            <a:r>
-              <a:rPr lang="pt-BR" dirty="0"/>
-              <a:t>)# Itera sobre todos os arquivos na </a:t>
-            </a:r>
-            <a:r>
-              <a:rPr lang="pt-BR" dirty="0" err="1"/>
-              <a:t>pastafor</a:t>
-            </a:r>
-            <a:r>
-              <a:rPr lang="pt-BR" dirty="0"/>
-              <a:t> </a:t>
-            </a:r>
-            <a:r>
-              <a:rPr lang="pt-BR" dirty="0" err="1"/>
-              <a:t>file_name</a:t>
-            </a:r>
-            <a:r>
-              <a:rPr lang="pt-BR" dirty="0"/>
-              <a:t> in </a:t>
-            </a:r>
-            <a:r>
-              <a:rPr lang="pt-BR" dirty="0" err="1"/>
-              <a:t>os.listdir</a:t>
-            </a:r>
-            <a:r>
-              <a:rPr lang="pt-BR" dirty="0"/>
-              <a:t>(</a:t>
-            </a:r>
-            <a:r>
-              <a:rPr lang="pt-BR" dirty="0" err="1"/>
-              <a:t>excel_folder</a:t>
-            </a:r>
-            <a:r>
-              <a:rPr lang="pt-BR" dirty="0"/>
-              <a:t>):    </a:t>
-            </a:r>
-            <a:r>
-              <a:rPr lang="pt-BR" dirty="0" err="1"/>
-              <a:t>if</a:t>
-            </a:r>
-            <a:r>
-              <a:rPr lang="pt-BR" dirty="0"/>
-              <a:t> </a:t>
-            </a:r>
-            <a:r>
-              <a:rPr lang="pt-BR" dirty="0" err="1"/>
-              <a:t>file_name.endswith</a:t>
-            </a:r>
-            <a:r>
-              <a:rPr lang="pt-BR" dirty="0"/>
-              <a:t>('.</a:t>
-            </a:r>
-            <a:r>
-              <a:rPr lang="pt-BR" dirty="0" err="1"/>
-              <a:t>xlsx</a:t>
-            </a:r>
-            <a:r>
-              <a:rPr lang="pt-BR" dirty="0"/>
-              <a:t>') </a:t>
-            </a:r>
-            <a:r>
-              <a:rPr lang="pt-BR" dirty="0" err="1"/>
-              <a:t>or</a:t>
-            </a:r>
-            <a:r>
-              <a:rPr lang="pt-BR" dirty="0"/>
-              <a:t> </a:t>
-            </a:r>
-            <a:r>
-              <a:rPr lang="pt-BR" dirty="0" err="1"/>
-              <a:t>file_name.endswith</a:t>
-            </a:r>
-            <a:r>
-              <a:rPr lang="pt-BR" dirty="0"/>
-              <a:t>('.</a:t>
-            </a:r>
-            <a:r>
-              <a:rPr lang="pt-BR" dirty="0" err="1"/>
-              <a:t>xls</a:t>
-            </a:r>
-            <a:r>
-              <a:rPr lang="pt-BR" dirty="0"/>
-              <a:t>'):        # Caminho completo do arquivo Excel        </a:t>
-            </a:r>
-            <a:r>
-              <a:rPr lang="pt-BR" dirty="0" err="1"/>
-              <a:t>excel_file_path</a:t>
-            </a:r>
-            <a:r>
-              <a:rPr lang="pt-BR" dirty="0"/>
-              <a:t> = </a:t>
-            </a:r>
-            <a:r>
-              <a:rPr lang="pt-BR" dirty="0" err="1"/>
-              <a:t>os.path.join</a:t>
-            </a:r>
-            <a:r>
-              <a:rPr lang="pt-BR" dirty="0"/>
-              <a:t>(</a:t>
-            </a:r>
-            <a:r>
-              <a:rPr lang="pt-BR" dirty="0" err="1"/>
-              <a:t>excel_folder</a:t>
-            </a:r>
-            <a:r>
-              <a:rPr lang="pt-BR" dirty="0"/>
-              <a:t>, </a:t>
-            </a:r>
-            <a:r>
-              <a:rPr lang="pt-BR" dirty="0" err="1"/>
-              <a:t>file_name</a:t>
-            </a:r>
-            <a:r>
-              <a:rPr lang="pt-BR" dirty="0"/>
-              <a:t>)                # Nome do arquivo Parquet        </a:t>
-            </a:r>
-            <a:r>
-              <a:rPr lang="pt-BR" dirty="0" err="1"/>
-              <a:t>parquet_file_name</a:t>
-            </a:r>
-            <a:r>
-              <a:rPr lang="pt-BR" dirty="0"/>
-              <a:t> = </a:t>
-            </a:r>
-            <a:r>
-              <a:rPr lang="pt-BR" dirty="0" err="1"/>
-              <a:t>os.path.splitext</a:t>
-            </a:r>
-            <a:r>
-              <a:rPr lang="pt-BR" dirty="0"/>
-              <a:t>(</a:t>
-            </a:r>
-            <a:r>
-              <a:rPr lang="pt-BR" dirty="0" err="1"/>
-              <a:t>file_name</a:t>
-            </a:r>
-            <a:r>
-              <a:rPr lang="pt-BR" dirty="0"/>
-              <a:t>)[0] + '.parquet'        </a:t>
-            </a:r>
-            <a:r>
-              <a:rPr lang="pt-BR" dirty="0" err="1"/>
-              <a:t>parquet_file_path</a:t>
-            </a:r>
-            <a:r>
-              <a:rPr lang="pt-BR" dirty="0"/>
-              <a:t> = </a:t>
-            </a:r>
-            <a:r>
-              <a:rPr lang="pt-BR" dirty="0" err="1"/>
-              <a:t>os.path.join</a:t>
-            </a:r>
-            <a:r>
-              <a:rPr lang="pt-BR" dirty="0"/>
-              <a:t>(</a:t>
-            </a:r>
-            <a:r>
-              <a:rPr lang="pt-BR" dirty="0" err="1"/>
-              <a:t>parquet_folder</a:t>
-            </a:r>
-            <a:r>
-              <a:rPr lang="pt-BR" dirty="0"/>
-              <a:t>, </a:t>
-            </a:r>
-            <a:r>
-              <a:rPr lang="pt-BR" dirty="0" err="1"/>
-              <a:t>parquet_file_name</a:t>
-            </a:r>
-            <a:r>
-              <a:rPr lang="pt-BR" dirty="0"/>
-              <a:t>)        # Leitura do arquivo Excel        </a:t>
-            </a:r>
-            <a:r>
-              <a:rPr lang="pt-BR" dirty="0" err="1"/>
-              <a:t>try</a:t>
-            </a:r>
-            <a:r>
-              <a:rPr lang="pt-BR" dirty="0"/>
-              <a:t>:            </a:t>
-            </a:r>
-            <a:r>
-              <a:rPr lang="pt-BR" dirty="0" err="1"/>
-              <a:t>df</a:t>
-            </a:r>
-            <a:r>
-              <a:rPr lang="pt-BR" dirty="0"/>
-              <a:t> = </a:t>
-            </a:r>
-            <a:r>
-              <a:rPr lang="pt-BR" dirty="0" err="1"/>
-              <a:t>pd.read_excel</a:t>
-            </a:r>
-            <a:r>
-              <a:rPr lang="pt-BR" dirty="0"/>
-              <a:t>(</a:t>
-            </a:r>
-            <a:r>
-              <a:rPr lang="pt-BR" dirty="0" err="1"/>
-              <a:t>excel_file_path</a:t>
-            </a:r>
-            <a:r>
-              <a:rPr lang="pt-BR" dirty="0"/>
-              <a:t>, </a:t>
-            </a:r>
-            <a:r>
-              <a:rPr lang="pt-BR" dirty="0" err="1"/>
-              <a:t>engine</a:t>
-            </a:r>
-            <a:r>
-              <a:rPr lang="pt-BR" dirty="0"/>
-              <a:t>='</a:t>
-            </a:r>
-            <a:r>
-              <a:rPr lang="pt-BR" dirty="0" err="1"/>
-              <a:t>openpyxl</a:t>
-            </a:r>
-            <a:r>
-              <a:rPr lang="pt-BR" dirty="0"/>
-              <a:t>')            # Salvamento como Parquet            </a:t>
-            </a:r>
-            <a:r>
-              <a:rPr lang="pt-BR" dirty="0" err="1"/>
-              <a:t>df.to_parquet</a:t>
-            </a:r>
-            <a:r>
-              <a:rPr lang="pt-BR" dirty="0"/>
-              <a:t>(</a:t>
-            </a:r>
-            <a:r>
-              <a:rPr lang="pt-BR" dirty="0" err="1"/>
-              <a:t>parquet_file_path</a:t>
-            </a:r>
-            <a:r>
-              <a:rPr lang="pt-BR" dirty="0"/>
-              <a:t>, </a:t>
-            </a:r>
-            <a:r>
-              <a:rPr lang="pt-BR" dirty="0" err="1"/>
-              <a:t>engine</a:t>
-            </a:r>
-            <a:r>
-              <a:rPr lang="pt-BR" dirty="0"/>
-              <a:t>='</a:t>
-            </a:r>
-            <a:r>
-              <a:rPr lang="pt-BR" dirty="0" err="1"/>
-              <a:t>pyarrow</a:t>
-            </a:r>
-            <a:r>
-              <a:rPr lang="pt-BR" dirty="0"/>
-              <a:t>')            print(</a:t>
-            </a:r>
-            <a:r>
-              <a:rPr lang="pt-BR" dirty="0" err="1"/>
-              <a:t>f'Convertido</a:t>
-            </a:r>
-            <a:r>
-              <a:rPr lang="pt-BR" dirty="0"/>
-              <a:t>: {</a:t>
-            </a:r>
-            <a:r>
-              <a:rPr lang="pt-BR" dirty="0" err="1"/>
-              <a:t>file_name</a:t>
-            </a:r>
-            <a:r>
-              <a:rPr lang="pt-BR" dirty="0"/>
-              <a:t>} para {</a:t>
-            </a:r>
-            <a:r>
-              <a:rPr lang="pt-BR" dirty="0" err="1"/>
-              <a:t>parquet_file_name</a:t>
-            </a:r>
-            <a:r>
-              <a:rPr lang="pt-BR" dirty="0"/>
-              <a:t>}')        </a:t>
-            </a:r>
-            <a:r>
-              <a:rPr lang="pt-BR" dirty="0" err="1"/>
-              <a:t>except</a:t>
-            </a:r>
-            <a:r>
-              <a:rPr lang="pt-BR" dirty="0"/>
-              <a:t> </a:t>
-            </a:r>
-            <a:r>
-              <a:rPr lang="pt-BR" dirty="0" err="1"/>
-              <a:t>Exception</a:t>
-            </a:r>
-            <a:r>
-              <a:rPr lang="pt-BR" dirty="0"/>
-              <a:t> as e:            print(</a:t>
-            </a:r>
-            <a:r>
-              <a:rPr lang="pt-BR" dirty="0" err="1"/>
-              <a:t>f'Erro</a:t>
-            </a:r>
-            <a:r>
-              <a:rPr lang="pt-BR" dirty="0"/>
-              <a:t> ao converter {</a:t>
-            </a:r>
-            <a:r>
-              <a:rPr lang="pt-BR" dirty="0" err="1"/>
-              <a:t>file_name</a:t>
-            </a:r>
-            <a:r>
-              <a:rPr lang="pt-BR" dirty="0"/>
-              <a:t>}: {e}')</a:t>
-            </a:r>
-          </a:p>
-        </p:txBody>
-      </p:sp>
-    </p:spTree>
-    <p:extLst>
-      <p:ext uri="{BB962C8B-B14F-4D97-AF65-F5344CB8AC3E}">
-        <p14:creationId xmlns:p14="http://schemas.microsoft.com/office/powerpoint/2010/main" val="2947011473"/>
-      </p:ext>
-    </p:extLst>
-  </p:cSld>
-  <p:clrMapOvr>
-    <a:masterClrMapping/>
-  </p:clrMapOvr>
-</p:sld>
-</file>
-
-<file path=ppt/slides/slide25.xml><?xml version="1.0" encoding="utf-8"?>
-<p:sld xmlns:a="http://schemas.openxmlformats.org/drawingml/2006/main" xmlns:r="http://schemas.openxmlformats.org/officeDocument/2006/relationships" xmlns:p="http://schemas.openxmlformats.org/presentationml/2006/main">
-  <p:cSld>
-    <p:spTree>
-      <p:nvGrpSpPr>
-        <p:cNvPr id="1" name=""/>
-        <p:cNvGrpSpPr/>
-        <p:nvPr/>
-      </p:nvGrpSpPr>
-      <p:grpSpPr>
-        <a:xfrm>
-          <a:off x="0" y="0"/>
-          <a:ext cx="0" cy="0"/>
-          <a:chOff x="0" y="0"/>
-          <a:chExt cx="0" cy="0"/>
-        </a:xfrm>
-      </p:grpSpPr>
-      <p:sp>
-        <p:nvSpPr>
-          <p:cNvPr id="2" name="Título 1">
-            <a:extLst>
-              <a:ext uri="{FF2B5EF4-FFF2-40B4-BE49-F238E27FC236}">
-                <a16:creationId xmlns:a16="http://schemas.microsoft.com/office/drawing/2014/main" id="{D372A3CD-987D-6C82-BA77-F5A0C604E3B0}"/>
-              </a:ext>
-            </a:extLst>
-          </p:cNvPr>
-          <p:cNvSpPr>
-            <a:spLocks noGrp="1"/>
-          </p:cNvSpPr>
-          <p:nvPr>
-            <p:ph type="title"/>
-          </p:nvPr>
-        </p:nvSpPr>
-        <p:spPr/>
-        <p:txBody>
-          <a:bodyPr/>
-          <a:lstStyle/>
-          <a:p>
-            <a:r>
-              <a:rPr lang="pt-BR" dirty="0"/>
-              <a:t>Ordenação de valores</a:t>
-            </a:r>
-          </a:p>
-        </p:txBody>
-      </p:sp>
-      <p:pic>
-        <p:nvPicPr>
-          <p:cNvPr id="6" name="Espaço Reservado para Conteúdo 5">
-            <a:extLst>
-              <a:ext uri="{FF2B5EF4-FFF2-40B4-BE49-F238E27FC236}">
-                <a16:creationId xmlns:a16="http://schemas.microsoft.com/office/drawing/2014/main" id="{8E27CD66-698E-FB81-B50E-7BBCBE132C33}"/>
-              </a:ext>
-            </a:extLst>
-          </p:cNvPr>
-          <p:cNvPicPr>
-            <a:picLocks noGrp="1" noChangeAspect="1"/>
-          </p:cNvPicPr>
-          <p:nvPr>
-            <p:ph idx="1"/>
-          </p:nvPr>
-        </p:nvPicPr>
-        <p:blipFill>
-          <a:blip r:embed="rId2"/>
-          <a:stretch>
-            <a:fillRect/>
-          </a:stretch>
-        </p:blipFill>
-        <p:spPr>
-          <a:xfrm>
-            <a:off x="5180012" y="662205"/>
-            <a:ext cx="6172200" cy="2329452"/>
-          </a:xfrm>
-        </p:spPr>
-      </p:pic>
-      <p:sp>
-        <p:nvSpPr>
-          <p:cNvPr id="4" name="Espaço Reservado para Texto 3">
-            <a:extLst>
-              <a:ext uri="{FF2B5EF4-FFF2-40B4-BE49-F238E27FC236}">
-                <a16:creationId xmlns:a16="http://schemas.microsoft.com/office/drawing/2014/main" id="{0EDC2CFC-0BC8-727C-6202-D4CA43364705}"/>
-              </a:ext>
-            </a:extLst>
-          </p:cNvPr>
-          <p:cNvSpPr>
-            <a:spLocks noGrp="1"/>
-          </p:cNvSpPr>
-          <p:nvPr>
-            <p:ph type="body" sz="half" idx="2"/>
-          </p:nvPr>
-        </p:nvSpPr>
-        <p:spPr/>
-        <p:txBody>
-          <a:bodyPr/>
-          <a:lstStyle/>
-          <a:p>
-            <a:r>
-              <a:rPr lang="pt-BR" dirty="0"/>
-              <a:t>Vai pegar do maior para o menor</a:t>
-            </a:r>
-          </a:p>
-          <a:p>
-            <a:r>
-              <a:rPr lang="pt-BR" dirty="0"/>
-              <a:t>Se precisar decrescente, usar um booleano de False em </a:t>
-            </a:r>
-            <a:r>
-              <a:rPr lang="pt-BR" dirty="0" err="1"/>
-              <a:t>ascending</a:t>
-            </a:r>
-            <a:endParaRPr lang="pt-BR" dirty="0"/>
-          </a:p>
-          <a:p>
-            <a:endParaRPr lang="pt-BR" dirty="0"/>
-          </a:p>
-          <a:p>
-            <a:endParaRPr lang="pt-BR" dirty="0"/>
-          </a:p>
-        </p:txBody>
-      </p:sp>
-      <p:pic>
-        <p:nvPicPr>
-          <p:cNvPr id="8" name="Imagem 7">
-            <a:extLst>
-              <a:ext uri="{FF2B5EF4-FFF2-40B4-BE49-F238E27FC236}">
-                <a16:creationId xmlns:a16="http://schemas.microsoft.com/office/drawing/2014/main" id="{EC572CE0-1D9C-B0B6-C4AE-0C27A25A6675}"/>
-              </a:ext>
-            </a:extLst>
-          </p:cNvPr>
-          <p:cNvPicPr>
-            <a:picLocks noChangeAspect="1"/>
-          </p:cNvPicPr>
-          <p:nvPr/>
-        </p:nvPicPr>
-        <p:blipFill>
-          <a:blip r:embed="rId3"/>
-          <a:stretch>
-            <a:fillRect/>
-          </a:stretch>
-        </p:blipFill>
-        <p:spPr>
-          <a:xfrm>
-            <a:off x="5180012" y="3524998"/>
-            <a:ext cx="6106377" cy="2238687"/>
-          </a:xfrm>
-          <a:prstGeom prst="rect">
-            <a:avLst/>
-          </a:prstGeom>
-        </p:spPr>
-      </p:pic>
-    </p:spTree>
-    <p:extLst>
-      <p:ext uri="{BB962C8B-B14F-4D97-AF65-F5344CB8AC3E}">
-        <p14:creationId xmlns:p14="http://schemas.microsoft.com/office/powerpoint/2010/main" val="622567271"/>
-      </p:ext>
-    </p:extLst>
-  </p:cSld>
-  <p:clrMapOvr>
-    <a:masterClrMapping/>
-  </p:clrMapOvr>
-</p:sld>
-</file>
-
-<file path=ppt/slides/slide26.xml><?xml version="1.0" encoding="utf-8"?>
-<p:sld xmlns:a="http://schemas.openxmlformats.org/drawingml/2006/main" xmlns:r="http://schemas.openxmlformats.org/officeDocument/2006/relationships" xmlns:p="http://schemas.openxmlformats.org/presentationml/2006/main">
-  <p:cSld>
-    <p:spTree>
-      <p:nvGrpSpPr>
-        <p:cNvPr id="1" name=""/>
-        <p:cNvGrpSpPr/>
-        <p:nvPr/>
-      </p:nvGrpSpPr>
-      <p:grpSpPr>
-        <a:xfrm>
-          <a:off x="0" y="0"/>
-          <a:ext cx="0" cy="0"/>
-          <a:chOff x="0" y="0"/>
-          <a:chExt cx="0" cy="0"/>
-        </a:xfrm>
-      </p:grpSpPr>
-      <p:sp>
-        <p:nvSpPr>
-          <p:cNvPr id="2" name="Título 1">
-            <a:extLst>
-              <a:ext uri="{FF2B5EF4-FFF2-40B4-BE49-F238E27FC236}">
-                <a16:creationId xmlns:a16="http://schemas.microsoft.com/office/drawing/2014/main" id="{DD27A945-7F76-399C-440D-D164C7D19BF4}"/>
-              </a:ext>
-            </a:extLst>
-          </p:cNvPr>
-          <p:cNvSpPr>
-            <a:spLocks noGrp="1"/>
-          </p:cNvSpPr>
-          <p:nvPr>
-            <p:ph type="title"/>
-          </p:nvPr>
-        </p:nvSpPr>
-        <p:spPr/>
-        <p:txBody>
-          <a:bodyPr/>
-          <a:lstStyle/>
-          <a:p>
-            <a:r>
-              <a:rPr lang="pt-BR" dirty="0" err="1"/>
-              <a:t>inplace</a:t>
-            </a:r>
-            <a:endParaRPr lang="pt-BR" dirty="0"/>
-          </a:p>
-        </p:txBody>
-      </p:sp>
-      <p:sp>
-        <p:nvSpPr>
-          <p:cNvPr id="4" name="Espaço Reservado para Texto 3">
-            <a:extLst>
-              <a:ext uri="{FF2B5EF4-FFF2-40B4-BE49-F238E27FC236}">
-                <a16:creationId xmlns:a16="http://schemas.microsoft.com/office/drawing/2014/main" id="{4B64D13F-B189-9321-C329-F5DC3D2C6EB5}"/>
-              </a:ext>
-            </a:extLst>
-          </p:cNvPr>
-          <p:cNvSpPr>
-            <a:spLocks noGrp="1"/>
-          </p:cNvSpPr>
-          <p:nvPr>
-            <p:ph type="body" sz="half" idx="2"/>
-          </p:nvPr>
-        </p:nvSpPr>
-        <p:spPr/>
-        <p:txBody>
-          <a:bodyPr/>
-          <a:lstStyle/>
-          <a:p>
-            <a:r>
-              <a:rPr lang="pt-BR" dirty="0"/>
-              <a:t>Quando usado </a:t>
-            </a:r>
-            <a:r>
-              <a:rPr lang="pt-BR" dirty="0" err="1"/>
-              <a:t>inplace</a:t>
-            </a:r>
-            <a:r>
-              <a:rPr lang="pt-BR" dirty="0"/>
-              <a:t>=</a:t>
-            </a:r>
-            <a:r>
-              <a:rPr lang="pt-BR" dirty="0" err="1"/>
-              <a:t>True</a:t>
-            </a:r>
-            <a:r>
-              <a:rPr lang="pt-BR" dirty="0"/>
-              <a:t>, ele substitui o material original</a:t>
-            </a:r>
-          </a:p>
-          <a:p>
-            <a:endParaRPr lang="pt-BR" dirty="0"/>
-          </a:p>
-          <a:p>
-            <a:r>
-              <a:rPr lang="pt-BR" dirty="0"/>
-              <a:t>O os códigos ao lado são a mesma coisa (no ‘</a:t>
-            </a:r>
-            <a:r>
-              <a:rPr lang="pt-BR" dirty="0" err="1"/>
-              <a:t>sort_values</a:t>
-            </a:r>
-            <a:r>
-              <a:rPr lang="pt-BR" dirty="0"/>
-              <a:t>’)</a:t>
-            </a:r>
-          </a:p>
-          <a:p>
-            <a:r>
-              <a:rPr lang="pt-BR" dirty="0"/>
-              <a:t>*</a:t>
-            </a:r>
-            <a:r>
-              <a:rPr lang="pt-BR" dirty="0" err="1"/>
-              <a:t>inplace</a:t>
-            </a:r>
-            <a:r>
-              <a:rPr lang="pt-BR" dirty="0"/>
-              <a:t> não retorna um </a:t>
-            </a:r>
-            <a:r>
-              <a:rPr lang="pt-BR" dirty="0" err="1"/>
-              <a:t>dataframe</a:t>
-            </a:r>
-            <a:r>
-              <a:rPr lang="pt-BR" dirty="0"/>
-              <a:t> novo</a:t>
-            </a:r>
-          </a:p>
-          <a:p>
-            <a:r>
-              <a:rPr lang="pt-BR" dirty="0" err="1"/>
-              <a:t>Entao</a:t>
-            </a:r>
-            <a:r>
-              <a:rPr lang="pt-BR" dirty="0"/>
-              <a:t> no ultimo quadro tem que fazer substituindo devido o motivo citado acima</a:t>
-            </a:r>
-          </a:p>
-          <a:p>
-            <a:endParaRPr lang="pt-BR" dirty="0"/>
-          </a:p>
-          <a:p>
-            <a:endParaRPr lang="pt-BR" dirty="0"/>
-          </a:p>
-          <a:p>
-            <a:endParaRPr lang="pt-BR" dirty="0"/>
-          </a:p>
-          <a:p>
-            <a:endParaRPr lang="pt-BR" dirty="0"/>
-          </a:p>
-        </p:txBody>
-      </p:sp>
-      <p:pic>
-        <p:nvPicPr>
-          <p:cNvPr id="12" name="Imagem 11">
-            <a:extLst>
-              <a:ext uri="{FF2B5EF4-FFF2-40B4-BE49-F238E27FC236}">
-                <a16:creationId xmlns:a16="http://schemas.microsoft.com/office/drawing/2014/main" id="{C278E781-07AA-BBA8-E79A-AAAADC14C531}"/>
-              </a:ext>
-            </a:extLst>
-          </p:cNvPr>
-          <p:cNvPicPr>
-            <a:picLocks noChangeAspect="1"/>
-          </p:cNvPicPr>
-          <p:nvPr/>
-        </p:nvPicPr>
-        <p:blipFill>
-          <a:blip r:embed="rId2"/>
-          <a:stretch>
-            <a:fillRect/>
-          </a:stretch>
-        </p:blipFill>
-        <p:spPr>
-          <a:xfrm>
-            <a:off x="5279176" y="637785"/>
-            <a:ext cx="5868219" cy="2791215"/>
-          </a:xfrm>
-          <a:prstGeom prst="rect">
-            <a:avLst/>
-          </a:prstGeom>
-        </p:spPr>
-      </p:pic>
-      <p:pic>
-        <p:nvPicPr>
-          <p:cNvPr id="14" name="Imagem 13">
-            <a:extLst>
-              <a:ext uri="{FF2B5EF4-FFF2-40B4-BE49-F238E27FC236}">
-                <a16:creationId xmlns:a16="http://schemas.microsoft.com/office/drawing/2014/main" id="{8BA833C9-1DC1-1C96-4F4E-56F18BA9D649}"/>
-              </a:ext>
-            </a:extLst>
-          </p:cNvPr>
-          <p:cNvPicPr>
-            <a:picLocks noChangeAspect="1"/>
-          </p:cNvPicPr>
-          <p:nvPr/>
-        </p:nvPicPr>
-        <p:blipFill>
-          <a:blip r:embed="rId3"/>
-          <a:stretch>
-            <a:fillRect/>
-          </a:stretch>
-        </p:blipFill>
-        <p:spPr>
-          <a:xfrm>
-            <a:off x="5483993" y="3653870"/>
-            <a:ext cx="5458587" cy="1086002"/>
-          </a:xfrm>
-          <a:prstGeom prst="rect">
-            <a:avLst/>
-          </a:prstGeom>
-        </p:spPr>
-      </p:pic>
-      <p:pic>
-        <p:nvPicPr>
-          <p:cNvPr id="16" name="Imagem 15">
-            <a:extLst>
-              <a:ext uri="{FF2B5EF4-FFF2-40B4-BE49-F238E27FC236}">
-                <a16:creationId xmlns:a16="http://schemas.microsoft.com/office/drawing/2014/main" id="{64190FE9-6C97-BD68-0F27-A3D665D1059E}"/>
-              </a:ext>
-            </a:extLst>
-          </p:cNvPr>
-          <p:cNvPicPr>
-            <a:picLocks noChangeAspect="1"/>
-          </p:cNvPicPr>
-          <p:nvPr/>
-        </p:nvPicPr>
-        <p:blipFill>
-          <a:blip r:embed="rId4"/>
-          <a:stretch>
-            <a:fillRect/>
-          </a:stretch>
-        </p:blipFill>
-        <p:spPr>
-          <a:xfrm>
-            <a:off x="5483993" y="5072345"/>
-            <a:ext cx="5734850" cy="2067213"/>
-          </a:xfrm>
-          <a:prstGeom prst="rect">
-            <a:avLst/>
-          </a:prstGeom>
-        </p:spPr>
-      </p:pic>
-    </p:spTree>
-    <p:extLst>
-      <p:ext uri="{BB962C8B-B14F-4D97-AF65-F5344CB8AC3E}">
-        <p14:creationId xmlns:p14="http://schemas.microsoft.com/office/powerpoint/2010/main" val="1884821809"/>
-      </p:ext>
-    </p:extLst>
-  </p:cSld>
-  <p:clrMapOvr>
-    <a:masterClrMapping/>
-  </p:clrMapOvr>
-</p:sld>
-</file>
-
-<file path=ppt/slides/slide27.xml><?xml version="1.0" encoding="utf-8"?>
-<p:sld xmlns:a="http://schemas.openxmlformats.org/drawingml/2006/main" xmlns:r="http://schemas.openxmlformats.org/officeDocument/2006/relationships" xmlns:p="http://schemas.openxmlformats.org/presentationml/2006/main">
-  <p:cSld>
-    <p:spTree>
-      <p:nvGrpSpPr>
-        <p:cNvPr id="1" name=""/>
-        <p:cNvGrpSpPr/>
-        <p:nvPr/>
-      </p:nvGrpSpPr>
-      <p:grpSpPr>
-        <a:xfrm>
-          <a:off x="0" y="0"/>
-          <a:ext cx="0" cy="0"/>
-          <a:chOff x="0" y="0"/>
-          <a:chExt cx="0" cy="0"/>
-        </a:xfrm>
-      </p:grpSpPr>
-      <p:sp>
-        <p:nvSpPr>
-          <p:cNvPr id="2" name="Título 1">
-            <a:extLst>
-              <a:ext uri="{FF2B5EF4-FFF2-40B4-BE49-F238E27FC236}">
-                <a16:creationId xmlns:a16="http://schemas.microsoft.com/office/drawing/2014/main" id="{410D8CC5-AC86-3008-0B3C-A9D40B232886}"/>
-              </a:ext>
-            </a:extLst>
-          </p:cNvPr>
-          <p:cNvSpPr>
-            <a:spLocks noGrp="1"/>
-          </p:cNvSpPr>
-          <p:nvPr>
-            <p:ph type="title"/>
-          </p:nvPr>
-        </p:nvSpPr>
-        <p:spPr/>
-        <p:txBody>
-          <a:bodyPr/>
-          <a:lstStyle/>
-          <a:p>
-            <a:r>
-              <a:rPr lang="pt-BR" dirty="0"/>
-              <a:t>Ordenação por valor e ordem </a:t>
-            </a:r>
-            <a:r>
-              <a:rPr lang="pt-BR" dirty="0" err="1"/>
-              <a:t>alfabetica</a:t>
-            </a:r>
-            <a:endParaRPr lang="pt-BR" dirty="0"/>
-          </a:p>
-        </p:txBody>
-      </p:sp>
-      <p:sp>
-        <p:nvSpPr>
-          <p:cNvPr id="4" name="Espaço Reservado para Texto 3">
-            <a:extLst>
-              <a:ext uri="{FF2B5EF4-FFF2-40B4-BE49-F238E27FC236}">
-                <a16:creationId xmlns:a16="http://schemas.microsoft.com/office/drawing/2014/main" id="{2A996E0C-C844-B3E9-58A4-940C01586CEA}"/>
-              </a:ext>
-            </a:extLst>
-          </p:cNvPr>
-          <p:cNvSpPr>
-            <a:spLocks noGrp="1"/>
-          </p:cNvSpPr>
-          <p:nvPr>
-            <p:ph type="body" sz="half" idx="2"/>
-          </p:nvPr>
-        </p:nvSpPr>
-        <p:spPr/>
-        <p:txBody>
-          <a:bodyPr/>
-          <a:lstStyle/>
-          <a:p>
-            <a:r>
-              <a:rPr lang="pt-BR" dirty="0"/>
-              <a:t>Abre uma lista e passa o valor desejado e coluna para alterar</a:t>
-            </a:r>
-          </a:p>
-          <a:p>
-            <a:endParaRPr lang="pt-BR" dirty="0"/>
-          </a:p>
-        </p:txBody>
-      </p:sp>
-      <p:pic>
-        <p:nvPicPr>
-          <p:cNvPr id="6" name="Imagem 5">
-            <a:extLst>
-              <a:ext uri="{FF2B5EF4-FFF2-40B4-BE49-F238E27FC236}">
-                <a16:creationId xmlns:a16="http://schemas.microsoft.com/office/drawing/2014/main" id="{13F56108-8680-1FB9-8FBC-8C09210C70D7}"/>
-              </a:ext>
-            </a:extLst>
-          </p:cNvPr>
-          <p:cNvPicPr>
-            <a:picLocks noChangeAspect="1"/>
-          </p:cNvPicPr>
-          <p:nvPr/>
-        </p:nvPicPr>
-        <p:blipFill>
-          <a:blip r:embed="rId2"/>
-          <a:stretch>
-            <a:fillRect/>
-          </a:stretch>
-        </p:blipFill>
-        <p:spPr>
-          <a:xfrm>
-            <a:off x="5897563" y="720298"/>
-            <a:ext cx="5744377" cy="1505160"/>
-          </a:xfrm>
-          <a:prstGeom prst="rect">
-            <a:avLst/>
-          </a:prstGeom>
-        </p:spPr>
-      </p:pic>
-    </p:spTree>
-    <p:extLst>
-      <p:ext uri="{BB962C8B-B14F-4D97-AF65-F5344CB8AC3E}">
-        <p14:creationId xmlns:p14="http://schemas.microsoft.com/office/powerpoint/2010/main" val="2709555901"/>
-      </p:ext>
-    </p:extLst>
-  </p:cSld>
-  <p:clrMapOvr>
-    <a:masterClrMapping/>
-  </p:clrMapOvr>
-</p:sld>
-</file>
-
-<file path=ppt/slides/slide28.xml><?xml version="1.0" encoding="utf-8"?>
-<p:sld xmlns:a="http://schemas.openxmlformats.org/drawingml/2006/main" xmlns:r="http://schemas.openxmlformats.org/officeDocument/2006/relationships" xmlns:p="http://schemas.openxmlformats.org/presentationml/2006/main">
-  <p:cSld>
-    <p:spTree>
-      <p:nvGrpSpPr>
-        <p:cNvPr id="1" name=""/>
-        <p:cNvGrpSpPr/>
-        <p:nvPr/>
-      </p:nvGrpSpPr>
-      <p:grpSpPr>
-        <a:xfrm>
-          <a:off x="0" y="0"/>
-          <a:ext cx="0" cy="0"/>
-          <a:chOff x="0" y="0"/>
-          <a:chExt cx="0" cy="0"/>
-        </a:xfrm>
-      </p:grpSpPr>
-      <p:sp>
-        <p:nvSpPr>
-          <p:cNvPr id="2" name="Título 1">
-            <a:extLst>
-              <a:ext uri="{FF2B5EF4-FFF2-40B4-BE49-F238E27FC236}">
-                <a16:creationId xmlns:a16="http://schemas.microsoft.com/office/drawing/2014/main" id="{C0BD7DC2-505C-9BF5-08FD-E2ACBB0D46A7}"/>
-              </a:ext>
-            </a:extLst>
-          </p:cNvPr>
-          <p:cNvSpPr>
-            <a:spLocks noGrp="1"/>
-          </p:cNvSpPr>
-          <p:nvPr>
-            <p:ph type="title"/>
-          </p:nvPr>
-        </p:nvSpPr>
-        <p:spPr/>
-        <p:txBody>
-          <a:bodyPr/>
-          <a:lstStyle/>
-          <a:p>
-            <a:r>
-              <a:rPr lang="pt-BR" dirty="0"/>
-              <a:t>Como remover duplicatas</a:t>
-            </a:r>
-          </a:p>
-        </p:txBody>
-      </p:sp>
-      <p:sp>
-        <p:nvSpPr>
-          <p:cNvPr id="4" name="Espaço Reservado para Texto 3">
-            <a:extLst>
-              <a:ext uri="{FF2B5EF4-FFF2-40B4-BE49-F238E27FC236}">
-                <a16:creationId xmlns:a16="http://schemas.microsoft.com/office/drawing/2014/main" id="{76D0A663-2975-38B1-B053-6FF2F60E33BD}"/>
-              </a:ext>
-            </a:extLst>
-          </p:cNvPr>
-          <p:cNvSpPr>
-            <a:spLocks noGrp="1"/>
-          </p:cNvSpPr>
-          <p:nvPr>
-            <p:ph type="body" sz="half" idx="2"/>
-          </p:nvPr>
-        </p:nvSpPr>
-        <p:spPr/>
-        <p:txBody>
-          <a:bodyPr/>
-          <a:lstStyle/>
-          <a:p>
-            <a:r>
-              <a:rPr lang="pt-BR" dirty="0" err="1"/>
-              <a:t>Drop_duplicates</a:t>
-            </a:r>
-            <a:endParaRPr lang="pt-BR" dirty="0"/>
-          </a:p>
-          <a:p>
-            <a:r>
-              <a:rPr lang="pt-BR" dirty="0"/>
-              <a:t>O </a:t>
-            </a:r>
-            <a:r>
-              <a:rPr lang="pt-BR" dirty="0" err="1"/>
-              <a:t>keep</a:t>
-            </a:r>
-            <a:r>
-              <a:rPr lang="pt-BR" dirty="0"/>
-              <a:t> é para manter sempre o primeiro com o </a:t>
-            </a:r>
-            <a:r>
-              <a:rPr lang="pt-BR" dirty="0" err="1"/>
-              <a:t>first</a:t>
-            </a:r>
-            <a:r>
-              <a:rPr lang="pt-BR" dirty="0"/>
-              <a:t> e retiras as demais duplicadas (</a:t>
-            </a:r>
-            <a:r>
-              <a:rPr lang="pt-BR" dirty="0" err="1"/>
-              <a:t>last</a:t>
-            </a:r>
-            <a:r>
-              <a:rPr lang="pt-BR" dirty="0"/>
-              <a:t>.. Ultimo)</a:t>
-            </a:r>
-          </a:p>
-          <a:p>
-            <a:r>
-              <a:rPr lang="pt-BR" dirty="0"/>
-              <a:t>E para fazer sentido com a atualização, fazer uma </a:t>
-            </a:r>
-            <a:r>
-              <a:rPr lang="pt-BR" dirty="0" err="1"/>
-              <a:t>ascending</a:t>
-            </a:r>
-            <a:r>
-              <a:rPr lang="pt-BR" dirty="0"/>
-              <a:t> com o </a:t>
-            </a:r>
-            <a:r>
-              <a:rPr lang="pt-BR" dirty="0" err="1"/>
-              <a:t>sort</a:t>
-            </a:r>
-            <a:endParaRPr lang="pt-BR" dirty="0"/>
-          </a:p>
-        </p:txBody>
-      </p:sp>
-      <p:pic>
-        <p:nvPicPr>
-          <p:cNvPr id="6" name="Imagem 5">
-            <a:extLst>
-              <a:ext uri="{FF2B5EF4-FFF2-40B4-BE49-F238E27FC236}">
-                <a16:creationId xmlns:a16="http://schemas.microsoft.com/office/drawing/2014/main" id="{2E9C72D3-2D16-C476-31A6-D46B0B9BA723}"/>
-              </a:ext>
-            </a:extLst>
-          </p:cNvPr>
-          <p:cNvPicPr>
-            <a:picLocks noChangeAspect="1"/>
-          </p:cNvPicPr>
-          <p:nvPr/>
-        </p:nvPicPr>
-        <p:blipFill>
-          <a:blip r:embed="rId2"/>
-          <a:stretch>
-            <a:fillRect/>
-          </a:stretch>
-        </p:blipFill>
-        <p:spPr>
-          <a:xfrm>
-            <a:off x="6419885" y="1257300"/>
-            <a:ext cx="3820058" cy="1086002"/>
-          </a:xfrm>
-          <a:prstGeom prst="rect">
-            <a:avLst/>
-          </a:prstGeom>
-        </p:spPr>
-      </p:pic>
-      <p:pic>
-        <p:nvPicPr>
-          <p:cNvPr id="8" name="Imagem 7">
-            <a:extLst>
-              <a:ext uri="{FF2B5EF4-FFF2-40B4-BE49-F238E27FC236}">
-                <a16:creationId xmlns:a16="http://schemas.microsoft.com/office/drawing/2014/main" id="{F21473BF-3884-36EB-B1D7-EA6693C05ED2}"/>
-              </a:ext>
-            </a:extLst>
-          </p:cNvPr>
-          <p:cNvPicPr>
-            <a:picLocks noChangeAspect="1"/>
-          </p:cNvPicPr>
-          <p:nvPr/>
-        </p:nvPicPr>
-        <p:blipFill>
-          <a:blip r:embed="rId3"/>
-          <a:stretch>
-            <a:fillRect/>
-          </a:stretch>
-        </p:blipFill>
-        <p:spPr>
-          <a:xfrm>
-            <a:off x="6169173" y="2744329"/>
-            <a:ext cx="4321482" cy="3884478"/>
-          </a:xfrm>
-          <a:prstGeom prst="rect">
-            <a:avLst/>
-          </a:prstGeom>
-        </p:spPr>
-      </p:pic>
-      <p:pic>
-        <p:nvPicPr>
-          <p:cNvPr id="10" name="Imagem 9">
-            <a:extLst>
-              <a:ext uri="{FF2B5EF4-FFF2-40B4-BE49-F238E27FC236}">
-                <a16:creationId xmlns:a16="http://schemas.microsoft.com/office/drawing/2014/main" id="{49C3FF13-34AE-130D-D209-45768E51237F}"/>
-              </a:ext>
-            </a:extLst>
-          </p:cNvPr>
-          <p:cNvPicPr>
-            <a:picLocks noChangeAspect="1"/>
-          </p:cNvPicPr>
-          <p:nvPr/>
-        </p:nvPicPr>
-        <p:blipFill>
-          <a:blip r:embed="rId4"/>
-          <a:stretch>
-            <a:fillRect/>
-          </a:stretch>
-        </p:blipFill>
-        <p:spPr>
-          <a:xfrm>
-            <a:off x="715098" y="4143736"/>
-            <a:ext cx="5307730" cy="2686131"/>
-          </a:xfrm>
-          <a:prstGeom prst="rect">
-            <a:avLst/>
-          </a:prstGeom>
-        </p:spPr>
-      </p:pic>
-    </p:spTree>
-    <p:extLst>
-      <p:ext uri="{BB962C8B-B14F-4D97-AF65-F5344CB8AC3E}">
-        <p14:creationId xmlns:p14="http://schemas.microsoft.com/office/powerpoint/2010/main" val="3516084549"/>
-      </p:ext>
-    </p:extLst>
-  </p:cSld>
-  <p:clrMapOvr>
-    <a:masterClrMapping/>
-  </p:clrMapOvr>
-</p:sld>
-</file>
-
-<file path=ppt/slides/slide29.xml><?xml version="1.0" encoding="utf-8"?>
+<file path=ppt/slides/slide30.xml><?xml version="1.0" encoding="utf-8"?>
 <p:sld xmlns:a="http://schemas.openxmlformats.org/drawingml/2006/main" xmlns:r="http://schemas.openxmlformats.org/officeDocument/2006/relationships" xmlns:p="http://schemas.openxmlformats.org/presentationml/2006/main">
   <p:cSld>
     <p:spTree>
@@ -7086,7 +7345,1526 @@
 </p:sld>
 </file>
 
-<file path=ppt/slides/slide3.xml><?xml version="1.0" encoding="utf-8"?>
+<file path=ppt/slides/slide31.xml><?xml version="1.0" encoding="utf-8"?>
+<p:sld xmlns:a="http://schemas.openxmlformats.org/drawingml/2006/main" xmlns:r="http://schemas.openxmlformats.org/officeDocument/2006/relationships" xmlns:p="http://schemas.openxmlformats.org/presentationml/2006/main">
+  <p:cSld>
+    <p:spTree>
+      <p:nvGrpSpPr>
+        <p:cNvPr id="1" name=""/>
+        <p:cNvGrpSpPr/>
+        <p:nvPr/>
+      </p:nvGrpSpPr>
+      <p:grpSpPr>
+        <a:xfrm>
+          <a:off x="0" y="0"/>
+          <a:ext cx="0" cy="0"/>
+          <a:chOff x="0" y="0"/>
+          <a:chExt cx="0" cy="0"/>
+        </a:xfrm>
+      </p:grpSpPr>
+      <p:sp>
+        <p:nvSpPr>
+          <p:cNvPr id="2" name="Título 1">
+            <a:extLst>
+              <a:ext uri="{FF2B5EF4-FFF2-40B4-BE49-F238E27FC236}">
+                <a16:creationId xmlns:a16="http://schemas.microsoft.com/office/drawing/2014/main" id="{3AD655D4-246E-0091-63DD-99A7D06E896B}"/>
+              </a:ext>
+            </a:extLst>
+          </p:cNvPr>
+          <p:cNvSpPr>
+            <a:spLocks noGrp="1"/>
+          </p:cNvSpPr>
+          <p:nvPr>
+            <p:ph type="title"/>
+          </p:nvPr>
+        </p:nvSpPr>
+        <p:spPr/>
+        <p:txBody>
+          <a:bodyPr/>
+          <a:lstStyle/>
+          <a:p>
+            <a:r>
+              <a:rPr lang="pt-BR" dirty="0"/>
+              <a:t>Converter tipo de dados</a:t>
+            </a:r>
+          </a:p>
+        </p:txBody>
+      </p:sp>
+      <p:sp>
+        <p:nvSpPr>
+          <p:cNvPr id="3" name="Espaço Reservado para Conteúdo 2">
+            <a:extLst>
+              <a:ext uri="{FF2B5EF4-FFF2-40B4-BE49-F238E27FC236}">
+                <a16:creationId xmlns:a16="http://schemas.microsoft.com/office/drawing/2014/main" id="{CBABB097-7B17-BAC3-C624-8E85F0DE52B3}"/>
+              </a:ext>
+            </a:extLst>
+          </p:cNvPr>
+          <p:cNvSpPr>
+            <a:spLocks noGrp="1"/>
+          </p:cNvSpPr>
+          <p:nvPr>
+            <p:ph idx="1"/>
+          </p:nvPr>
+        </p:nvSpPr>
+        <p:spPr/>
+        <p:txBody>
+          <a:bodyPr/>
+          <a:lstStyle/>
+          <a:p>
+            <a:r>
+              <a:rPr lang="pt-BR" dirty="0"/>
+              <a:t>Usa </a:t>
+            </a:r>
+            <a:r>
+              <a:rPr lang="pt-BR" dirty="0" err="1"/>
+              <a:t>astype</a:t>
+            </a:r>
+            <a:endParaRPr lang="pt-BR" dirty="0"/>
+          </a:p>
+          <a:p>
+            <a:r>
+              <a:rPr lang="pt-BR" dirty="0" err="1"/>
+              <a:t>Float</a:t>
+            </a:r>
+            <a:r>
+              <a:rPr lang="pt-BR" dirty="0"/>
+              <a:t>.. </a:t>
+            </a:r>
+            <a:r>
+              <a:rPr lang="pt-BR" dirty="0" err="1"/>
+              <a:t>Str</a:t>
+            </a:r>
+            <a:r>
+              <a:rPr lang="pt-BR" dirty="0"/>
+              <a:t>.. Int..</a:t>
+            </a:r>
+          </a:p>
+          <a:p>
+            <a:endParaRPr lang="pt-BR" dirty="0"/>
+          </a:p>
+        </p:txBody>
+      </p:sp>
+      <p:pic>
+        <p:nvPicPr>
+          <p:cNvPr id="5" name="Imagem 4">
+            <a:extLst>
+              <a:ext uri="{FF2B5EF4-FFF2-40B4-BE49-F238E27FC236}">
+                <a16:creationId xmlns:a16="http://schemas.microsoft.com/office/drawing/2014/main" id="{D8CBD647-D631-72C7-B92B-99FCC371FFDC}"/>
+              </a:ext>
+            </a:extLst>
+          </p:cNvPr>
+          <p:cNvPicPr>
+            <a:picLocks noChangeAspect="1"/>
+          </p:cNvPicPr>
+          <p:nvPr/>
+        </p:nvPicPr>
+        <p:blipFill>
+          <a:blip r:embed="rId2"/>
+          <a:stretch>
+            <a:fillRect/>
+          </a:stretch>
+        </p:blipFill>
+        <p:spPr>
+          <a:xfrm>
+            <a:off x="7657514" y="681037"/>
+            <a:ext cx="3219899" cy="2581635"/>
+          </a:xfrm>
+          <a:prstGeom prst="rect">
+            <a:avLst/>
+          </a:prstGeom>
+        </p:spPr>
+      </p:pic>
+      <p:pic>
+        <p:nvPicPr>
+          <p:cNvPr id="7" name="Imagem 6">
+            <a:extLst>
+              <a:ext uri="{FF2B5EF4-FFF2-40B4-BE49-F238E27FC236}">
+                <a16:creationId xmlns:a16="http://schemas.microsoft.com/office/drawing/2014/main" id="{57D485C7-0142-80DA-4CF0-7216919A4F59}"/>
+              </a:ext>
+            </a:extLst>
+          </p:cNvPr>
+          <p:cNvPicPr>
+            <a:picLocks noChangeAspect="1"/>
+          </p:cNvPicPr>
+          <p:nvPr/>
+        </p:nvPicPr>
+        <p:blipFill>
+          <a:blip r:embed="rId3"/>
+          <a:stretch>
+            <a:fillRect/>
+          </a:stretch>
+        </p:blipFill>
+        <p:spPr>
+          <a:xfrm>
+            <a:off x="1093807" y="4342127"/>
+            <a:ext cx="10004385" cy="1834836"/>
+          </a:xfrm>
+          <a:prstGeom prst="rect">
+            <a:avLst/>
+          </a:prstGeom>
+        </p:spPr>
+      </p:pic>
+    </p:spTree>
+    <p:extLst>
+      <p:ext uri="{BB962C8B-B14F-4D97-AF65-F5344CB8AC3E}">
+        <p14:creationId xmlns:p14="http://schemas.microsoft.com/office/powerpoint/2010/main" val="921356274"/>
+      </p:ext>
+    </p:extLst>
+  </p:cSld>
+  <p:clrMapOvr>
+    <a:masterClrMapping/>
+  </p:clrMapOvr>
+</p:sld>
+</file>
+
+<file path=ppt/slides/slide32.xml><?xml version="1.0" encoding="utf-8"?>
+<p:sld xmlns:a="http://schemas.openxmlformats.org/drawingml/2006/main" xmlns:r="http://schemas.openxmlformats.org/officeDocument/2006/relationships" xmlns:p="http://schemas.openxmlformats.org/presentationml/2006/main">
+  <p:cSld>
+    <p:spTree>
+      <p:nvGrpSpPr>
+        <p:cNvPr id="1" name=""/>
+        <p:cNvGrpSpPr/>
+        <p:nvPr/>
+      </p:nvGrpSpPr>
+      <p:grpSpPr>
+        <a:xfrm>
+          <a:off x="0" y="0"/>
+          <a:ext cx="0" cy="0"/>
+          <a:chOff x="0" y="0"/>
+          <a:chExt cx="0" cy="0"/>
+        </a:xfrm>
+      </p:grpSpPr>
+      <p:sp>
+        <p:nvSpPr>
+          <p:cNvPr id="2" name="Título 1">
+            <a:extLst>
+              <a:ext uri="{FF2B5EF4-FFF2-40B4-BE49-F238E27FC236}">
+                <a16:creationId xmlns:a16="http://schemas.microsoft.com/office/drawing/2014/main" id="{524ABCAD-5694-3F94-7CAF-ACFEBA6981EB}"/>
+              </a:ext>
+            </a:extLst>
+          </p:cNvPr>
+          <p:cNvSpPr>
+            <a:spLocks noGrp="1"/>
+          </p:cNvSpPr>
+          <p:nvPr>
+            <p:ph type="title"/>
+          </p:nvPr>
+        </p:nvSpPr>
+        <p:spPr/>
+        <p:txBody>
+          <a:bodyPr/>
+          <a:lstStyle/>
+          <a:p>
+            <a:r>
+              <a:rPr lang="pt-BR" dirty="0"/>
+              <a:t>Adicionar coluna</a:t>
+            </a:r>
+          </a:p>
+        </p:txBody>
+      </p:sp>
+      <p:pic>
+        <p:nvPicPr>
+          <p:cNvPr id="4" name="Imagem 3">
+            <a:extLst>
+              <a:ext uri="{FF2B5EF4-FFF2-40B4-BE49-F238E27FC236}">
+                <a16:creationId xmlns:a16="http://schemas.microsoft.com/office/drawing/2014/main" id="{DF561EF7-1474-047B-EBE3-0895CF85E741}"/>
+              </a:ext>
+            </a:extLst>
+          </p:cNvPr>
+          <p:cNvPicPr>
+            <a:picLocks noChangeAspect="1"/>
+          </p:cNvPicPr>
+          <p:nvPr/>
+        </p:nvPicPr>
+        <p:blipFill>
+          <a:blip r:embed="rId2"/>
+          <a:stretch>
+            <a:fillRect/>
+          </a:stretch>
+        </p:blipFill>
+        <p:spPr>
+          <a:xfrm>
+            <a:off x="997601" y="2376145"/>
+            <a:ext cx="4201111" cy="1457528"/>
+          </a:xfrm>
+          <a:prstGeom prst="rect">
+            <a:avLst/>
+          </a:prstGeom>
+        </p:spPr>
+      </p:pic>
+      <p:pic>
+        <p:nvPicPr>
+          <p:cNvPr id="6" name="Imagem 5">
+            <a:extLst>
+              <a:ext uri="{FF2B5EF4-FFF2-40B4-BE49-F238E27FC236}">
+                <a16:creationId xmlns:a16="http://schemas.microsoft.com/office/drawing/2014/main" id="{3125355D-880E-9A12-3F91-A10E98559A29}"/>
+              </a:ext>
+            </a:extLst>
+          </p:cNvPr>
+          <p:cNvPicPr>
+            <a:picLocks noChangeAspect="1"/>
+          </p:cNvPicPr>
+          <p:nvPr/>
+        </p:nvPicPr>
+        <p:blipFill>
+          <a:blip r:embed="rId3"/>
+          <a:stretch>
+            <a:fillRect/>
+          </a:stretch>
+        </p:blipFill>
+        <p:spPr>
+          <a:xfrm>
+            <a:off x="5322432" y="1690688"/>
+            <a:ext cx="6801799" cy="4363059"/>
+          </a:xfrm>
+          <a:prstGeom prst="rect">
+            <a:avLst/>
+          </a:prstGeom>
+        </p:spPr>
+      </p:pic>
+    </p:spTree>
+    <p:extLst>
+      <p:ext uri="{BB962C8B-B14F-4D97-AF65-F5344CB8AC3E}">
+        <p14:creationId xmlns:p14="http://schemas.microsoft.com/office/powerpoint/2010/main" val="1344079680"/>
+      </p:ext>
+    </p:extLst>
+  </p:cSld>
+  <p:clrMapOvr>
+    <a:masterClrMapping/>
+  </p:clrMapOvr>
+</p:sld>
+</file>
+
+<file path=ppt/slides/slide33.xml><?xml version="1.0" encoding="utf-8"?>
+<p:sld xmlns:a="http://schemas.openxmlformats.org/drawingml/2006/main" xmlns:r="http://schemas.openxmlformats.org/officeDocument/2006/relationships" xmlns:p="http://schemas.openxmlformats.org/presentationml/2006/main">
+  <p:cSld>
+    <p:spTree>
+      <p:nvGrpSpPr>
+        <p:cNvPr id="1" name=""/>
+        <p:cNvGrpSpPr/>
+        <p:nvPr/>
+      </p:nvGrpSpPr>
+      <p:grpSpPr>
+        <a:xfrm>
+          <a:off x="0" y="0"/>
+          <a:ext cx="0" cy="0"/>
+          <a:chOff x="0" y="0"/>
+          <a:chExt cx="0" cy="0"/>
+        </a:xfrm>
+      </p:grpSpPr>
+      <p:sp>
+        <p:nvSpPr>
+          <p:cNvPr id="2" name="Título 1">
+            <a:extLst>
+              <a:ext uri="{FF2B5EF4-FFF2-40B4-BE49-F238E27FC236}">
+                <a16:creationId xmlns:a16="http://schemas.microsoft.com/office/drawing/2014/main" id="{649FA90D-0197-2D72-E5F9-E42AEA7BD790}"/>
+              </a:ext>
+            </a:extLst>
+          </p:cNvPr>
+          <p:cNvSpPr>
+            <a:spLocks noGrp="1"/>
+          </p:cNvSpPr>
+          <p:nvPr>
+            <p:ph type="title"/>
+          </p:nvPr>
+        </p:nvSpPr>
+        <p:spPr/>
+        <p:txBody>
+          <a:bodyPr/>
+          <a:lstStyle/>
+          <a:p>
+            <a:r>
+              <a:rPr lang="pt-BR" dirty="0"/>
+              <a:t>Deixar </a:t>
+            </a:r>
+            <a:r>
+              <a:rPr lang="pt-BR" dirty="0" err="1"/>
+              <a:t>maiscula</a:t>
+            </a:r>
+            <a:r>
+              <a:rPr lang="pt-BR" dirty="0"/>
+              <a:t> (tem que ser </a:t>
+            </a:r>
+            <a:r>
+              <a:rPr lang="pt-BR" dirty="0" err="1"/>
+              <a:t>str</a:t>
+            </a:r>
+            <a:r>
+              <a:rPr lang="pt-BR" dirty="0"/>
+              <a:t>)</a:t>
+            </a:r>
+          </a:p>
+        </p:txBody>
+      </p:sp>
+      <p:pic>
+        <p:nvPicPr>
+          <p:cNvPr id="4" name="Imagem 3">
+            <a:extLst>
+              <a:ext uri="{FF2B5EF4-FFF2-40B4-BE49-F238E27FC236}">
+                <a16:creationId xmlns:a16="http://schemas.microsoft.com/office/drawing/2014/main" id="{52B8052A-0E5E-7587-AB25-C165267D6CB0}"/>
+              </a:ext>
+            </a:extLst>
+          </p:cNvPr>
+          <p:cNvPicPr>
+            <a:picLocks noChangeAspect="1"/>
+          </p:cNvPicPr>
+          <p:nvPr/>
+        </p:nvPicPr>
+        <p:blipFill>
+          <a:blip r:embed="rId2"/>
+          <a:stretch>
+            <a:fillRect/>
+          </a:stretch>
+        </p:blipFill>
+        <p:spPr>
+          <a:xfrm>
+            <a:off x="3109495" y="1896319"/>
+            <a:ext cx="5973009" cy="4315427"/>
+          </a:xfrm>
+          <a:prstGeom prst="rect">
+            <a:avLst/>
+          </a:prstGeom>
+        </p:spPr>
+      </p:pic>
+    </p:spTree>
+    <p:extLst>
+      <p:ext uri="{BB962C8B-B14F-4D97-AF65-F5344CB8AC3E}">
+        <p14:creationId xmlns:p14="http://schemas.microsoft.com/office/powerpoint/2010/main" val="2322274520"/>
+      </p:ext>
+    </p:extLst>
+  </p:cSld>
+  <p:clrMapOvr>
+    <a:masterClrMapping/>
+  </p:clrMapOvr>
+</p:sld>
+</file>
+
+<file path=ppt/slides/slide34.xml><?xml version="1.0" encoding="utf-8"?>
+<p:sld xmlns:a="http://schemas.openxmlformats.org/drawingml/2006/main" xmlns:r="http://schemas.openxmlformats.org/officeDocument/2006/relationships" xmlns:p="http://schemas.openxmlformats.org/presentationml/2006/main">
+  <p:cSld>
+    <p:spTree>
+      <p:nvGrpSpPr>
+        <p:cNvPr id="1" name=""/>
+        <p:cNvGrpSpPr/>
+        <p:nvPr/>
+      </p:nvGrpSpPr>
+      <p:grpSpPr>
+        <a:xfrm>
+          <a:off x="0" y="0"/>
+          <a:ext cx="0" cy="0"/>
+          <a:chOff x="0" y="0"/>
+          <a:chExt cx="0" cy="0"/>
+        </a:xfrm>
+      </p:grpSpPr>
+      <p:sp>
+        <p:nvSpPr>
+          <p:cNvPr id="2" name="Título 1">
+            <a:extLst>
+              <a:ext uri="{FF2B5EF4-FFF2-40B4-BE49-F238E27FC236}">
+                <a16:creationId xmlns:a16="http://schemas.microsoft.com/office/drawing/2014/main" id="{6B6FF922-50E5-0C50-8D09-8735311B59F2}"/>
+              </a:ext>
+            </a:extLst>
+          </p:cNvPr>
+          <p:cNvSpPr>
+            <a:spLocks noGrp="1"/>
+          </p:cNvSpPr>
+          <p:nvPr>
+            <p:ph type="title"/>
+          </p:nvPr>
+        </p:nvSpPr>
+        <p:spPr/>
+        <p:txBody>
+          <a:bodyPr/>
+          <a:lstStyle/>
+          <a:p>
+            <a:r>
+              <a:rPr lang="pt-BR" dirty="0"/>
+              <a:t>Pegar texto antes de algo</a:t>
+            </a:r>
+          </a:p>
+        </p:txBody>
+      </p:sp>
+      <p:pic>
+        <p:nvPicPr>
+          <p:cNvPr id="6" name="Espaço Reservado para Conteúdo 5">
+            <a:extLst>
+              <a:ext uri="{FF2B5EF4-FFF2-40B4-BE49-F238E27FC236}">
+                <a16:creationId xmlns:a16="http://schemas.microsoft.com/office/drawing/2014/main" id="{FBC3B3F4-B4B6-5A41-09E9-08FA1F8D501B}"/>
+              </a:ext>
+            </a:extLst>
+          </p:cNvPr>
+          <p:cNvPicPr>
+            <a:picLocks noGrp="1" noChangeAspect="1"/>
+          </p:cNvPicPr>
+          <p:nvPr>
+            <p:ph idx="1"/>
+          </p:nvPr>
+        </p:nvPicPr>
+        <p:blipFill>
+          <a:blip r:embed="rId2"/>
+          <a:stretch>
+            <a:fillRect/>
+          </a:stretch>
+        </p:blipFill>
+        <p:spPr>
+          <a:xfrm>
+            <a:off x="5258968" y="1480866"/>
+            <a:ext cx="6020640" cy="3886742"/>
+          </a:xfrm>
+        </p:spPr>
+      </p:pic>
+      <p:sp>
+        <p:nvSpPr>
+          <p:cNvPr id="4" name="Espaço Reservado para Texto 3">
+            <a:extLst>
+              <a:ext uri="{FF2B5EF4-FFF2-40B4-BE49-F238E27FC236}">
+                <a16:creationId xmlns:a16="http://schemas.microsoft.com/office/drawing/2014/main" id="{EFC790EA-AC35-FDC3-BE78-7D984ACC3BDE}"/>
+              </a:ext>
+            </a:extLst>
+          </p:cNvPr>
+          <p:cNvSpPr>
+            <a:spLocks noGrp="1"/>
+          </p:cNvSpPr>
+          <p:nvPr>
+            <p:ph type="body" sz="half" idx="2"/>
+          </p:nvPr>
+        </p:nvSpPr>
+        <p:spPr/>
+        <p:txBody>
+          <a:bodyPr/>
+          <a:lstStyle/>
+          <a:p>
+            <a:r>
+              <a:rPr lang="pt-BR" dirty="0" err="1"/>
+              <a:t>Apply</a:t>
+            </a:r>
+            <a:r>
+              <a:rPr lang="pt-BR" dirty="0"/>
+              <a:t> ele aplica uma função em todas a </a:t>
+            </a:r>
+            <a:r>
+              <a:rPr lang="pt-BR" dirty="0" err="1"/>
+              <a:t>slinhas</a:t>
+            </a:r>
+            <a:r>
+              <a:rPr lang="pt-BR" dirty="0"/>
+              <a:t> da serie</a:t>
+            </a:r>
+          </a:p>
+          <a:p>
+            <a:endParaRPr lang="pt-BR" dirty="0"/>
+          </a:p>
+          <a:p>
+            <a:endParaRPr lang="pt-BR" dirty="0"/>
+          </a:p>
+          <a:p>
+            <a:endParaRPr lang="pt-BR" dirty="0"/>
+          </a:p>
+        </p:txBody>
+      </p:sp>
+    </p:spTree>
+    <p:extLst>
+      <p:ext uri="{BB962C8B-B14F-4D97-AF65-F5344CB8AC3E}">
+        <p14:creationId xmlns:p14="http://schemas.microsoft.com/office/powerpoint/2010/main" val="825580828"/>
+      </p:ext>
+    </p:extLst>
+  </p:cSld>
+  <p:clrMapOvr>
+    <a:masterClrMapping/>
+  </p:clrMapOvr>
+</p:sld>
+</file>
+
+<file path=ppt/slides/slide35.xml><?xml version="1.0" encoding="utf-8"?>
+<p:sld xmlns:a="http://schemas.openxmlformats.org/drawingml/2006/main" xmlns:r="http://schemas.openxmlformats.org/officeDocument/2006/relationships" xmlns:p="http://schemas.openxmlformats.org/presentationml/2006/main">
+  <p:cSld>
+    <p:spTree>
+      <p:nvGrpSpPr>
+        <p:cNvPr id="1" name=""/>
+        <p:cNvGrpSpPr/>
+        <p:nvPr/>
+      </p:nvGrpSpPr>
+      <p:grpSpPr>
+        <a:xfrm>
+          <a:off x="0" y="0"/>
+          <a:ext cx="0" cy="0"/>
+          <a:chOff x="0" y="0"/>
+          <a:chExt cx="0" cy="0"/>
+        </a:xfrm>
+      </p:grpSpPr>
+      <p:sp>
+        <p:nvSpPr>
+          <p:cNvPr id="2" name="Título 1">
+            <a:extLst>
+              <a:ext uri="{FF2B5EF4-FFF2-40B4-BE49-F238E27FC236}">
+                <a16:creationId xmlns:a16="http://schemas.microsoft.com/office/drawing/2014/main" id="{719CC449-9ABF-6617-2532-87120D56561F}"/>
+              </a:ext>
+            </a:extLst>
+          </p:cNvPr>
+          <p:cNvSpPr>
+            <a:spLocks noGrp="1"/>
+          </p:cNvSpPr>
+          <p:nvPr>
+            <p:ph type="title"/>
+          </p:nvPr>
+        </p:nvSpPr>
+        <p:spPr/>
+        <p:txBody>
+          <a:bodyPr/>
+          <a:lstStyle/>
+          <a:p>
+            <a:r>
+              <a:rPr lang="pt-BR" dirty="0"/>
+              <a:t>lambda</a:t>
+            </a:r>
+          </a:p>
+        </p:txBody>
+      </p:sp>
+      <p:sp>
+        <p:nvSpPr>
+          <p:cNvPr id="3" name="Espaço Reservado para Conteúdo 2">
+            <a:extLst>
+              <a:ext uri="{FF2B5EF4-FFF2-40B4-BE49-F238E27FC236}">
+                <a16:creationId xmlns:a16="http://schemas.microsoft.com/office/drawing/2014/main" id="{69409093-DB08-684A-AF2F-01E4FEF672DE}"/>
+              </a:ext>
+            </a:extLst>
+          </p:cNvPr>
+          <p:cNvSpPr>
+            <a:spLocks noGrp="1"/>
+          </p:cNvSpPr>
+          <p:nvPr>
+            <p:ph idx="1"/>
+          </p:nvPr>
+        </p:nvSpPr>
+        <p:spPr/>
+        <p:txBody>
+          <a:bodyPr/>
+          <a:lstStyle/>
+          <a:p>
+            <a:r>
+              <a:rPr lang="pt-BR" dirty="0"/>
+              <a:t>É como um </a:t>
+            </a:r>
+            <a:r>
+              <a:rPr lang="pt-BR" dirty="0" err="1"/>
+              <a:t>def</a:t>
+            </a:r>
+            <a:r>
+              <a:rPr lang="pt-BR" dirty="0"/>
+              <a:t>, mas usada em apenas uma linha</a:t>
+            </a:r>
+          </a:p>
+          <a:p>
+            <a:r>
+              <a:rPr lang="pt-BR" dirty="0"/>
+              <a:t>Exemplo:</a:t>
+            </a:r>
+          </a:p>
+          <a:p>
+            <a:r>
+              <a:rPr lang="pt-BR" dirty="0" err="1"/>
+              <a:t>Df</a:t>
+            </a:r>
+            <a:r>
+              <a:rPr lang="pt-BR" dirty="0"/>
+              <a:t> = lambda nome: </a:t>
+            </a:r>
+            <a:r>
+              <a:rPr lang="pt-BR" dirty="0" err="1"/>
+              <a:t>nome.split</a:t>
+            </a:r>
+            <a:r>
+              <a:rPr lang="pt-BR" dirty="0"/>
+              <a:t>(“_”)[0]</a:t>
+            </a:r>
+          </a:p>
+          <a:p>
+            <a:r>
+              <a:rPr lang="pt-BR" dirty="0" err="1"/>
+              <a:t>Df</a:t>
+            </a:r>
+            <a:endParaRPr lang="pt-BR" dirty="0"/>
+          </a:p>
+          <a:p>
+            <a:endParaRPr lang="pt-BR" dirty="0"/>
+          </a:p>
+        </p:txBody>
+      </p:sp>
+      <p:sp>
+        <p:nvSpPr>
+          <p:cNvPr id="4" name="Espaço Reservado para Texto 3">
+            <a:extLst>
+              <a:ext uri="{FF2B5EF4-FFF2-40B4-BE49-F238E27FC236}">
+                <a16:creationId xmlns:a16="http://schemas.microsoft.com/office/drawing/2014/main" id="{5A513FCF-9B90-AD95-7F40-9AA767887CF7}"/>
+              </a:ext>
+            </a:extLst>
+          </p:cNvPr>
+          <p:cNvSpPr>
+            <a:spLocks noGrp="1"/>
+          </p:cNvSpPr>
+          <p:nvPr>
+            <p:ph type="body" sz="half" idx="2"/>
+          </p:nvPr>
+        </p:nvSpPr>
+        <p:spPr/>
+        <p:txBody>
+          <a:bodyPr/>
+          <a:lstStyle/>
+          <a:p>
+            <a:r>
+              <a:rPr lang="pt-BR" dirty="0"/>
+              <a:t>É a função mais simples</a:t>
+            </a:r>
+          </a:p>
+          <a:p>
+            <a:r>
+              <a:rPr lang="pt-BR" dirty="0"/>
+              <a:t>Usar apenas uma linha e não há reincidência</a:t>
+            </a:r>
+          </a:p>
+          <a:p>
+            <a:r>
+              <a:rPr lang="pt-BR" dirty="0"/>
+              <a:t>Usada pra não poluir o projeto</a:t>
+            </a:r>
+          </a:p>
+          <a:p>
+            <a:r>
+              <a:rPr lang="pt-BR" dirty="0"/>
+              <a:t>“função </a:t>
+            </a:r>
+            <a:r>
+              <a:rPr lang="pt-BR" dirty="0" err="1"/>
+              <a:t>anonima</a:t>
+            </a:r>
+            <a:r>
+              <a:rPr lang="pt-BR" dirty="0"/>
+              <a:t>”</a:t>
+            </a:r>
+          </a:p>
+        </p:txBody>
+      </p:sp>
+    </p:spTree>
+    <p:extLst>
+      <p:ext uri="{BB962C8B-B14F-4D97-AF65-F5344CB8AC3E}">
+        <p14:creationId xmlns:p14="http://schemas.microsoft.com/office/powerpoint/2010/main" val="2926101122"/>
+      </p:ext>
+    </p:extLst>
+  </p:cSld>
+  <p:clrMapOvr>
+    <a:masterClrMapping/>
+  </p:clrMapOvr>
+</p:sld>
+</file>
+
+<file path=ppt/slides/slide36.xml><?xml version="1.0" encoding="utf-8"?>
+<p:sld xmlns:a="http://schemas.openxmlformats.org/drawingml/2006/main" xmlns:r="http://schemas.openxmlformats.org/officeDocument/2006/relationships" xmlns:p="http://schemas.openxmlformats.org/presentationml/2006/main">
+  <p:cSld>
+    <p:spTree>
+      <p:nvGrpSpPr>
+        <p:cNvPr id="1" name=""/>
+        <p:cNvGrpSpPr/>
+        <p:nvPr/>
+      </p:nvGrpSpPr>
+      <p:grpSpPr>
+        <a:xfrm>
+          <a:off x="0" y="0"/>
+          <a:ext cx="0" cy="0"/>
+          <a:chOff x="0" y="0"/>
+          <a:chExt cx="0" cy="0"/>
+        </a:xfrm>
+      </p:grpSpPr>
+      <p:sp>
+        <p:nvSpPr>
+          <p:cNvPr id="2" name="Título 1">
+            <a:extLst>
+              <a:ext uri="{FF2B5EF4-FFF2-40B4-BE49-F238E27FC236}">
+                <a16:creationId xmlns:a16="http://schemas.microsoft.com/office/drawing/2014/main" id="{49FCA779-0757-7E12-1EAF-786AADE532FF}"/>
+              </a:ext>
+            </a:extLst>
+          </p:cNvPr>
+          <p:cNvSpPr>
+            <a:spLocks noGrp="1"/>
+          </p:cNvSpPr>
+          <p:nvPr>
+            <p:ph type="title"/>
+          </p:nvPr>
+        </p:nvSpPr>
+        <p:spPr/>
+        <p:txBody>
+          <a:bodyPr/>
+          <a:lstStyle/>
+          <a:p>
+            <a:r>
+              <a:rPr lang="pt-BR" dirty="0"/>
+              <a:t>Estilo pegar últimos valores de algo</a:t>
+            </a:r>
+          </a:p>
+        </p:txBody>
+      </p:sp>
+      <p:pic>
+        <p:nvPicPr>
+          <p:cNvPr id="6" name="Espaço Reservado para Conteúdo 5">
+            <a:extLst>
+              <a:ext uri="{FF2B5EF4-FFF2-40B4-BE49-F238E27FC236}">
+                <a16:creationId xmlns:a16="http://schemas.microsoft.com/office/drawing/2014/main" id="{6FDEFBC9-793A-5A7B-ABC3-0E598CC74B3D}"/>
+              </a:ext>
+            </a:extLst>
+          </p:cNvPr>
+          <p:cNvPicPr>
+            <a:picLocks noGrp="1" noChangeAspect="1"/>
+          </p:cNvPicPr>
+          <p:nvPr>
+            <p:ph idx="1"/>
+          </p:nvPr>
+        </p:nvPicPr>
+        <p:blipFill>
+          <a:blip r:embed="rId2"/>
+          <a:stretch>
+            <a:fillRect/>
+          </a:stretch>
+        </p:blipFill>
+        <p:spPr>
+          <a:xfrm>
+            <a:off x="5183188" y="2452688"/>
+            <a:ext cx="6172200" cy="1943099"/>
+          </a:xfrm>
+        </p:spPr>
+      </p:pic>
+      <p:sp>
+        <p:nvSpPr>
+          <p:cNvPr id="4" name="Espaço Reservado para Texto 3">
+            <a:extLst>
+              <a:ext uri="{FF2B5EF4-FFF2-40B4-BE49-F238E27FC236}">
+                <a16:creationId xmlns:a16="http://schemas.microsoft.com/office/drawing/2014/main" id="{BB996151-6310-9264-4C8C-8FDCF972D490}"/>
+              </a:ext>
+            </a:extLst>
+          </p:cNvPr>
+          <p:cNvSpPr>
+            <a:spLocks noGrp="1"/>
+          </p:cNvSpPr>
+          <p:nvPr>
+            <p:ph type="body" sz="half" idx="2"/>
+          </p:nvPr>
+        </p:nvSpPr>
+        <p:spPr/>
+        <p:txBody>
+          <a:bodyPr/>
+          <a:lstStyle/>
+          <a:p>
+            <a:r>
+              <a:rPr lang="pt-BR" dirty="0"/>
+              <a:t>Igual quando mostra últimos valores do numero do </a:t>
+            </a:r>
+            <a:r>
+              <a:rPr lang="pt-BR"/>
+              <a:t>cartao</a:t>
+            </a:r>
+            <a:endParaRPr lang="pt-BR" dirty="0"/>
+          </a:p>
+        </p:txBody>
+      </p:sp>
+    </p:spTree>
+    <p:extLst>
+      <p:ext uri="{BB962C8B-B14F-4D97-AF65-F5344CB8AC3E}">
+        <p14:creationId xmlns:p14="http://schemas.microsoft.com/office/powerpoint/2010/main" val="1603404132"/>
+      </p:ext>
+    </p:extLst>
+  </p:cSld>
+  <p:clrMapOvr>
+    <a:masterClrMapping/>
+  </p:clrMapOvr>
+</p:sld>
+</file>
+
+<file path=ppt/slides/slide37.xml><?xml version="1.0" encoding="utf-8"?>
+<p:sld xmlns:a="http://schemas.openxmlformats.org/drawingml/2006/main" xmlns:r="http://schemas.openxmlformats.org/officeDocument/2006/relationships" xmlns:p="http://schemas.openxmlformats.org/presentationml/2006/main">
+  <p:cSld>
+    <p:spTree>
+      <p:nvGrpSpPr>
+        <p:cNvPr id="1" name=""/>
+        <p:cNvGrpSpPr/>
+        <p:nvPr/>
+      </p:nvGrpSpPr>
+      <p:grpSpPr>
+        <a:xfrm>
+          <a:off x="0" y="0"/>
+          <a:ext cx="0" cy="0"/>
+          <a:chOff x="0" y="0"/>
+          <a:chExt cx="0" cy="0"/>
+        </a:xfrm>
+      </p:grpSpPr>
+      <p:sp>
+        <p:nvSpPr>
+          <p:cNvPr id="2" name="Título 1">
+            <a:extLst>
+              <a:ext uri="{FF2B5EF4-FFF2-40B4-BE49-F238E27FC236}">
+                <a16:creationId xmlns:a16="http://schemas.microsoft.com/office/drawing/2014/main" id="{D7C6AA3A-08EA-14CB-1975-AFC80EDC40E7}"/>
+              </a:ext>
+            </a:extLst>
+          </p:cNvPr>
+          <p:cNvSpPr>
+            <a:spLocks noGrp="1"/>
+          </p:cNvSpPr>
+          <p:nvPr>
+            <p:ph type="title"/>
+          </p:nvPr>
+        </p:nvSpPr>
+        <p:spPr/>
+        <p:txBody>
+          <a:bodyPr/>
+          <a:lstStyle/>
+          <a:p>
+            <a:r>
+              <a:rPr lang="pt-BR" dirty="0"/>
+              <a:t>Sobre </a:t>
+            </a:r>
+            <a:r>
+              <a:rPr lang="pt-BR" dirty="0" err="1"/>
+              <a:t>NaN</a:t>
+            </a:r>
+            <a:r>
+              <a:rPr lang="pt-BR" dirty="0"/>
+              <a:t>(</a:t>
+            </a:r>
+            <a:r>
+              <a:rPr lang="pt-BR" dirty="0" err="1"/>
+              <a:t>not</a:t>
+            </a:r>
+            <a:r>
+              <a:rPr lang="pt-BR" dirty="0"/>
+              <a:t> a </a:t>
+            </a:r>
+            <a:r>
+              <a:rPr lang="pt-BR" dirty="0" err="1"/>
+              <a:t>number</a:t>
+            </a:r>
+            <a:r>
+              <a:rPr lang="pt-BR" dirty="0"/>
+              <a:t>)</a:t>
+            </a:r>
+          </a:p>
+        </p:txBody>
+      </p:sp>
+      <p:sp>
+        <p:nvSpPr>
+          <p:cNvPr id="3" name="Espaço Reservado para Texto 2">
+            <a:extLst>
+              <a:ext uri="{FF2B5EF4-FFF2-40B4-BE49-F238E27FC236}">
+                <a16:creationId xmlns:a16="http://schemas.microsoft.com/office/drawing/2014/main" id="{A69D8EB1-FD5C-E4B6-F2F5-03C7C22F7EDB}"/>
+              </a:ext>
+            </a:extLst>
+          </p:cNvPr>
+          <p:cNvSpPr>
+            <a:spLocks noGrp="1"/>
+          </p:cNvSpPr>
+          <p:nvPr>
+            <p:ph type="body" idx="1"/>
+          </p:nvPr>
+        </p:nvSpPr>
+        <p:spPr/>
+        <p:txBody>
+          <a:bodyPr/>
+          <a:lstStyle/>
+          <a:p>
+            <a:endParaRPr lang="pt-BR"/>
+          </a:p>
+        </p:txBody>
+      </p:sp>
+      <p:sp>
+        <p:nvSpPr>
+          <p:cNvPr id="4" name="Espaço Reservado para Conteúdo 3">
+            <a:extLst>
+              <a:ext uri="{FF2B5EF4-FFF2-40B4-BE49-F238E27FC236}">
+                <a16:creationId xmlns:a16="http://schemas.microsoft.com/office/drawing/2014/main" id="{222CD9AC-384C-3E40-1259-D158AD845D93}"/>
+              </a:ext>
+            </a:extLst>
+          </p:cNvPr>
+          <p:cNvSpPr>
+            <a:spLocks noGrp="1"/>
+          </p:cNvSpPr>
+          <p:nvPr>
+            <p:ph sz="half" idx="2"/>
+          </p:nvPr>
+        </p:nvSpPr>
+        <p:spPr/>
+        <p:txBody>
+          <a:bodyPr/>
+          <a:lstStyle/>
+          <a:p>
+            <a:endParaRPr lang="pt-BR"/>
+          </a:p>
+        </p:txBody>
+      </p:sp>
+      <p:sp>
+        <p:nvSpPr>
+          <p:cNvPr id="5" name="Espaço Reservado para Texto 4">
+            <a:extLst>
+              <a:ext uri="{FF2B5EF4-FFF2-40B4-BE49-F238E27FC236}">
+                <a16:creationId xmlns:a16="http://schemas.microsoft.com/office/drawing/2014/main" id="{FCE8EDE3-B545-65A6-A433-A332913F9610}"/>
+              </a:ext>
+            </a:extLst>
+          </p:cNvPr>
+          <p:cNvSpPr>
+            <a:spLocks noGrp="1"/>
+          </p:cNvSpPr>
+          <p:nvPr>
+            <p:ph type="body" sz="quarter" idx="3"/>
+          </p:nvPr>
+        </p:nvSpPr>
+        <p:spPr/>
+        <p:txBody>
+          <a:bodyPr/>
+          <a:lstStyle/>
+          <a:p>
+            <a:endParaRPr lang="pt-BR"/>
+          </a:p>
+        </p:txBody>
+      </p:sp>
+      <p:sp>
+        <p:nvSpPr>
+          <p:cNvPr id="6" name="Espaço Reservado para Conteúdo 5">
+            <a:extLst>
+              <a:ext uri="{FF2B5EF4-FFF2-40B4-BE49-F238E27FC236}">
+                <a16:creationId xmlns:a16="http://schemas.microsoft.com/office/drawing/2014/main" id="{0104A74F-8280-7DDC-8EFF-DA5112E21F95}"/>
+              </a:ext>
+            </a:extLst>
+          </p:cNvPr>
+          <p:cNvSpPr>
+            <a:spLocks noGrp="1"/>
+          </p:cNvSpPr>
+          <p:nvPr>
+            <p:ph sz="quarter" idx="4"/>
+          </p:nvPr>
+        </p:nvSpPr>
+        <p:spPr/>
+        <p:txBody>
+          <a:bodyPr/>
+          <a:lstStyle/>
+          <a:p>
+            <a:endParaRPr lang="pt-BR"/>
+          </a:p>
+        </p:txBody>
+      </p:sp>
+      <p:pic>
+        <p:nvPicPr>
+          <p:cNvPr id="8" name="Imagem 7">
+            <a:extLst>
+              <a:ext uri="{FF2B5EF4-FFF2-40B4-BE49-F238E27FC236}">
+                <a16:creationId xmlns:a16="http://schemas.microsoft.com/office/drawing/2014/main" id="{585C0927-3AB5-EF44-4D41-2219782FD3D4}"/>
+              </a:ext>
+            </a:extLst>
+          </p:cNvPr>
+          <p:cNvPicPr>
+            <a:picLocks noChangeAspect="1"/>
+          </p:cNvPicPr>
+          <p:nvPr/>
+        </p:nvPicPr>
+        <p:blipFill>
+          <a:blip r:embed="rId2"/>
+          <a:stretch>
+            <a:fillRect/>
+          </a:stretch>
+        </p:blipFill>
+        <p:spPr>
+          <a:xfrm>
+            <a:off x="-181852" y="1887954"/>
+            <a:ext cx="4448796" cy="2591162"/>
+          </a:xfrm>
+          <a:prstGeom prst="rect">
+            <a:avLst/>
+          </a:prstGeom>
+        </p:spPr>
+      </p:pic>
+      <p:pic>
+        <p:nvPicPr>
+          <p:cNvPr id="10" name="Imagem 9">
+            <a:extLst>
+              <a:ext uri="{FF2B5EF4-FFF2-40B4-BE49-F238E27FC236}">
+                <a16:creationId xmlns:a16="http://schemas.microsoft.com/office/drawing/2014/main" id="{7891D12C-285A-794C-523D-C3BB4775BE75}"/>
+              </a:ext>
+            </a:extLst>
+          </p:cNvPr>
+          <p:cNvPicPr>
+            <a:picLocks noChangeAspect="1"/>
+          </p:cNvPicPr>
+          <p:nvPr/>
+        </p:nvPicPr>
+        <p:blipFill>
+          <a:blip r:embed="rId3"/>
+          <a:stretch>
+            <a:fillRect/>
+          </a:stretch>
+        </p:blipFill>
+        <p:spPr>
+          <a:xfrm>
+            <a:off x="7973438" y="741643"/>
+            <a:ext cx="4056287" cy="5968658"/>
+          </a:xfrm>
+          <a:prstGeom prst="rect">
+            <a:avLst/>
+          </a:prstGeom>
+        </p:spPr>
+      </p:pic>
+      <p:pic>
+        <p:nvPicPr>
+          <p:cNvPr id="12" name="Imagem 11">
+            <a:extLst>
+              <a:ext uri="{FF2B5EF4-FFF2-40B4-BE49-F238E27FC236}">
+                <a16:creationId xmlns:a16="http://schemas.microsoft.com/office/drawing/2014/main" id="{B3B04568-0FBC-6515-2DFF-3F8CD7584AC0}"/>
+              </a:ext>
+            </a:extLst>
+          </p:cNvPr>
+          <p:cNvPicPr>
+            <a:picLocks noChangeAspect="1"/>
+          </p:cNvPicPr>
+          <p:nvPr/>
+        </p:nvPicPr>
+        <p:blipFill>
+          <a:blip r:embed="rId4"/>
+          <a:stretch>
+            <a:fillRect/>
+          </a:stretch>
+        </p:blipFill>
+        <p:spPr>
+          <a:xfrm>
+            <a:off x="1142859" y="4886309"/>
+            <a:ext cx="5544324" cy="1771897"/>
+          </a:xfrm>
+          <a:prstGeom prst="rect">
+            <a:avLst/>
+          </a:prstGeom>
+        </p:spPr>
+      </p:pic>
+      <p:pic>
+        <p:nvPicPr>
+          <p:cNvPr id="14" name="Imagem 13">
+            <a:extLst>
+              <a:ext uri="{FF2B5EF4-FFF2-40B4-BE49-F238E27FC236}">
+                <a16:creationId xmlns:a16="http://schemas.microsoft.com/office/drawing/2014/main" id="{3FBE869F-B93C-516B-2E49-1DD6BEF46A88}"/>
+              </a:ext>
+            </a:extLst>
+          </p:cNvPr>
+          <p:cNvPicPr>
+            <a:picLocks noChangeAspect="1"/>
+          </p:cNvPicPr>
+          <p:nvPr/>
+        </p:nvPicPr>
+        <p:blipFill>
+          <a:blip r:embed="rId5"/>
+          <a:stretch>
+            <a:fillRect/>
+          </a:stretch>
+        </p:blipFill>
+        <p:spPr>
+          <a:xfrm>
+            <a:off x="4383539" y="1320137"/>
+            <a:ext cx="3228072" cy="3362575"/>
+          </a:xfrm>
+          <a:prstGeom prst="rect">
+            <a:avLst/>
+          </a:prstGeom>
+        </p:spPr>
+      </p:pic>
+    </p:spTree>
+    <p:extLst>
+      <p:ext uri="{BB962C8B-B14F-4D97-AF65-F5344CB8AC3E}">
+        <p14:creationId xmlns:p14="http://schemas.microsoft.com/office/powerpoint/2010/main" val="3820561750"/>
+      </p:ext>
+    </p:extLst>
+  </p:cSld>
+  <p:clrMapOvr>
+    <a:masterClrMapping/>
+  </p:clrMapOvr>
+</p:sld>
+</file>
+
+<file path=ppt/slides/slide38.xml><?xml version="1.0" encoding="utf-8"?>
+<p:sld xmlns:a="http://schemas.openxmlformats.org/drawingml/2006/main" xmlns:r="http://schemas.openxmlformats.org/officeDocument/2006/relationships" xmlns:p="http://schemas.openxmlformats.org/presentationml/2006/main">
+  <p:cSld>
+    <p:spTree>
+      <p:nvGrpSpPr>
+        <p:cNvPr id="1" name=""/>
+        <p:cNvGrpSpPr/>
+        <p:nvPr/>
+      </p:nvGrpSpPr>
+      <p:grpSpPr>
+        <a:xfrm>
+          <a:off x="0" y="0"/>
+          <a:ext cx="0" cy="0"/>
+          <a:chOff x="0" y="0"/>
+          <a:chExt cx="0" cy="0"/>
+        </a:xfrm>
+      </p:grpSpPr>
+      <p:sp>
+        <p:nvSpPr>
+          <p:cNvPr id="2" name="Título 1">
+            <a:extLst>
+              <a:ext uri="{FF2B5EF4-FFF2-40B4-BE49-F238E27FC236}">
+                <a16:creationId xmlns:a16="http://schemas.microsoft.com/office/drawing/2014/main" id="{652AD52B-D903-8B38-542C-7F37FA7A8E8E}"/>
+              </a:ext>
+            </a:extLst>
+          </p:cNvPr>
+          <p:cNvSpPr>
+            <a:spLocks noGrp="1"/>
+          </p:cNvSpPr>
+          <p:nvPr>
+            <p:ph type="title"/>
+          </p:nvPr>
+        </p:nvSpPr>
+        <p:spPr/>
+        <p:txBody>
+          <a:bodyPr/>
+          <a:lstStyle/>
+          <a:p>
+            <a:r>
+              <a:rPr lang="pt-BR" dirty="0" err="1"/>
+              <a:t>NaN</a:t>
+            </a:r>
+            <a:endParaRPr lang="pt-BR" dirty="0"/>
+          </a:p>
+        </p:txBody>
+      </p:sp>
+      <p:sp>
+        <p:nvSpPr>
+          <p:cNvPr id="3" name="Espaço Reservado para Conteúdo 2">
+            <a:extLst>
+              <a:ext uri="{FF2B5EF4-FFF2-40B4-BE49-F238E27FC236}">
+                <a16:creationId xmlns:a16="http://schemas.microsoft.com/office/drawing/2014/main" id="{F81F0AA8-6332-9EF3-E025-E5BE1D869A44}"/>
+              </a:ext>
+            </a:extLst>
+          </p:cNvPr>
+          <p:cNvSpPr>
+            <a:spLocks noGrp="1"/>
+          </p:cNvSpPr>
+          <p:nvPr>
+            <p:ph idx="1"/>
+          </p:nvPr>
+        </p:nvSpPr>
+        <p:spPr/>
+        <p:txBody>
+          <a:bodyPr/>
+          <a:lstStyle/>
+          <a:p>
+            <a:r>
+              <a:rPr lang="pt-BR" dirty="0" err="1"/>
+              <a:t>Mean</a:t>
+            </a:r>
+            <a:r>
+              <a:rPr lang="pt-BR" dirty="0"/>
+              <a:t> consegue a taxa neste caso</a:t>
+            </a:r>
+          </a:p>
+        </p:txBody>
+      </p:sp>
+      <p:sp>
+        <p:nvSpPr>
+          <p:cNvPr id="4" name="Espaço Reservado para Texto 3">
+            <a:extLst>
+              <a:ext uri="{FF2B5EF4-FFF2-40B4-BE49-F238E27FC236}">
+                <a16:creationId xmlns:a16="http://schemas.microsoft.com/office/drawing/2014/main" id="{41DBAD2D-AE95-CC29-ED65-4813D837C659}"/>
+              </a:ext>
+            </a:extLst>
+          </p:cNvPr>
+          <p:cNvSpPr>
+            <a:spLocks noGrp="1"/>
+          </p:cNvSpPr>
+          <p:nvPr>
+            <p:ph type="body" sz="half" idx="2"/>
+          </p:nvPr>
+        </p:nvSpPr>
+        <p:spPr/>
+        <p:txBody>
+          <a:bodyPr/>
+          <a:lstStyle/>
+          <a:p>
+            <a:endParaRPr lang="pt-BR"/>
+          </a:p>
+        </p:txBody>
+      </p:sp>
+      <p:pic>
+        <p:nvPicPr>
+          <p:cNvPr id="6" name="Imagem 5">
+            <a:extLst>
+              <a:ext uri="{FF2B5EF4-FFF2-40B4-BE49-F238E27FC236}">
+                <a16:creationId xmlns:a16="http://schemas.microsoft.com/office/drawing/2014/main" id="{2F3AC89B-110A-5B1C-98BE-61A62C6B72EE}"/>
+              </a:ext>
+            </a:extLst>
+          </p:cNvPr>
+          <p:cNvPicPr>
+            <a:picLocks noChangeAspect="1"/>
+          </p:cNvPicPr>
+          <p:nvPr/>
+        </p:nvPicPr>
+        <p:blipFill>
+          <a:blip r:embed="rId2"/>
+          <a:stretch>
+            <a:fillRect/>
+          </a:stretch>
+        </p:blipFill>
+        <p:spPr>
+          <a:xfrm>
+            <a:off x="520941" y="2635619"/>
+            <a:ext cx="4020111" cy="3924848"/>
+          </a:xfrm>
+          <a:prstGeom prst="rect">
+            <a:avLst/>
+          </a:prstGeom>
+        </p:spPr>
+      </p:pic>
+      <p:pic>
+        <p:nvPicPr>
+          <p:cNvPr id="8" name="Imagem 7">
+            <a:extLst>
+              <a:ext uri="{FF2B5EF4-FFF2-40B4-BE49-F238E27FC236}">
+                <a16:creationId xmlns:a16="http://schemas.microsoft.com/office/drawing/2014/main" id="{F7747638-7B42-D905-5DD4-79F31526AB8A}"/>
+              </a:ext>
+            </a:extLst>
+          </p:cNvPr>
+          <p:cNvPicPr>
+            <a:picLocks noChangeAspect="1"/>
+          </p:cNvPicPr>
+          <p:nvPr/>
+        </p:nvPicPr>
+        <p:blipFill>
+          <a:blip r:embed="rId3"/>
+          <a:stretch>
+            <a:fillRect/>
+          </a:stretch>
+        </p:blipFill>
+        <p:spPr>
+          <a:xfrm>
+            <a:off x="4772025" y="3685816"/>
+            <a:ext cx="3553321" cy="2676899"/>
+          </a:xfrm>
+          <a:prstGeom prst="rect">
+            <a:avLst/>
+          </a:prstGeom>
+        </p:spPr>
+      </p:pic>
+      <p:pic>
+        <p:nvPicPr>
+          <p:cNvPr id="10" name="Imagem 9">
+            <a:extLst>
+              <a:ext uri="{FF2B5EF4-FFF2-40B4-BE49-F238E27FC236}">
+                <a16:creationId xmlns:a16="http://schemas.microsoft.com/office/drawing/2014/main" id="{635BAF90-B122-68BC-1A2E-85E287C45FDB}"/>
+              </a:ext>
+            </a:extLst>
+          </p:cNvPr>
+          <p:cNvPicPr>
+            <a:picLocks noChangeAspect="1"/>
+          </p:cNvPicPr>
+          <p:nvPr/>
+        </p:nvPicPr>
+        <p:blipFill>
+          <a:blip r:embed="rId4"/>
+          <a:stretch>
+            <a:fillRect/>
+          </a:stretch>
+        </p:blipFill>
+        <p:spPr>
+          <a:xfrm>
+            <a:off x="8325346" y="1506749"/>
+            <a:ext cx="3801005" cy="2257740"/>
+          </a:xfrm>
+          <a:prstGeom prst="rect">
+            <a:avLst/>
+          </a:prstGeom>
+        </p:spPr>
+      </p:pic>
+    </p:spTree>
+    <p:extLst>
+      <p:ext uri="{BB962C8B-B14F-4D97-AF65-F5344CB8AC3E}">
+        <p14:creationId xmlns:p14="http://schemas.microsoft.com/office/powerpoint/2010/main" val="3039715833"/>
+      </p:ext>
+    </p:extLst>
+  </p:cSld>
+  <p:clrMapOvr>
+    <a:masterClrMapping/>
+  </p:clrMapOvr>
+</p:sld>
+</file>
+
+<file path=ppt/slides/slide39.xml><?xml version="1.0" encoding="utf-8"?>
+<p:sld xmlns:a="http://schemas.openxmlformats.org/drawingml/2006/main" xmlns:r="http://schemas.openxmlformats.org/officeDocument/2006/relationships" xmlns:p="http://schemas.openxmlformats.org/presentationml/2006/main">
+  <p:cSld>
+    <p:spTree>
+      <p:nvGrpSpPr>
+        <p:cNvPr id="1" name=""/>
+        <p:cNvGrpSpPr/>
+        <p:nvPr/>
+      </p:nvGrpSpPr>
+      <p:grpSpPr>
+        <a:xfrm>
+          <a:off x="0" y="0"/>
+          <a:ext cx="0" cy="0"/>
+          <a:chOff x="0" y="0"/>
+          <a:chExt cx="0" cy="0"/>
+        </a:xfrm>
+      </p:grpSpPr>
+      <p:sp>
+        <p:nvSpPr>
+          <p:cNvPr id="2" name="Título 1">
+            <a:extLst>
+              <a:ext uri="{FF2B5EF4-FFF2-40B4-BE49-F238E27FC236}">
+                <a16:creationId xmlns:a16="http://schemas.microsoft.com/office/drawing/2014/main" id="{00846238-89F4-6ABA-16C2-98CD34D7FBC2}"/>
+              </a:ext>
+            </a:extLst>
+          </p:cNvPr>
+          <p:cNvSpPr>
+            <a:spLocks noGrp="1"/>
+          </p:cNvSpPr>
+          <p:nvPr>
+            <p:ph type="title"/>
+          </p:nvPr>
+        </p:nvSpPr>
+        <p:spPr/>
+        <p:txBody>
+          <a:bodyPr/>
+          <a:lstStyle/>
+          <a:p>
+            <a:r>
+              <a:rPr lang="pt-BR" dirty="0"/>
+              <a:t>Completar um </a:t>
+            </a:r>
+            <a:r>
+              <a:rPr lang="pt-BR" dirty="0" err="1"/>
+              <a:t>NaN</a:t>
+            </a:r>
+            <a:r>
+              <a:rPr lang="pt-BR" dirty="0"/>
+              <a:t> ou substituir</a:t>
+            </a:r>
+          </a:p>
+        </p:txBody>
+      </p:sp>
+      <p:sp>
+        <p:nvSpPr>
+          <p:cNvPr id="3" name="Espaço Reservado para Conteúdo 2">
+            <a:extLst>
+              <a:ext uri="{FF2B5EF4-FFF2-40B4-BE49-F238E27FC236}">
+                <a16:creationId xmlns:a16="http://schemas.microsoft.com/office/drawing/2014/main" id="{5929F654-E5B5-EC99-AF82-EB7E50566628}"/>
+              </a:ext>
+            </a:extLst>
+          </p:cNvPr>
+          <p:cNvSpPr>
+            <a:spLocks noGrp="1"/>
+          </p:cNvSpPr>
+          <p:nvPr>
+            <p:ph idx="1"/>
+          </p:nvPr>
+        </p:nvSpPr>
+        <p:spPr/>
+        <p:txBody>
+          <a:bodyPr/>
+          <a:lstStyle/>
+          <a:p>
+            <a:endParaRPr lang="pt-BR"/>
+          </a:p>
+        </p:txBody>
+      </p:sp>
+      <p:sp>
+        <p:nvSpPr>
+          <p:cNvPr id="4" name="Espaço Reservado para Texto 3">
+            <a:extLst>
+              <a:ext uri="{FF2B5EF4-FFF2-40B4-BE49-F238E27FC236}">
+                <a16:creationId xmlns:a16="http://schemas.microsoft.com/office/drawing/2014/main" id="{B394294B-29F1-D0C4-6861-7CD483848560}"/>
+              </a:ext>
+            </a:extLst>
+          </p:cNvPr>
+          <p:cNvSpPr>
+            <a:spLocks noGrp="1"/>
+          </p:cNvSpPr>
+          <p:nvPr>
+            <p:ph type="body" sz="half" idx="2"/>
+          </p:nvPr>
+        </p:nvSpPr>
+        <p:spPr/>
+        <p:txBody>
+          <a:bodyPr/>
+          <a:lstStyle/>
+          <a:p>
+            <a:r>
+              <a:rPr lang="pt-BR" dirty="0"/>
+              <a:t>Coloquei a média</a:t>
+            </a:r>
+          </a:p>
+        </p:txBody>
+      </p:sp>
+      <p:pic>
+        <p:nvPicPr>
+          <p:cNvPr id="6" name="Imagem 5">
+            <a:extLst>
+              <a:ext uri="{FF2B5EF4-FFF2-40B4-BE49-F238E27FC236}">
+                <a16:creationId xmlns:a16="http://schemas.microsoft.com/office/drawing/2014/main" id="{A8617505-2E3D-3DE3-4487-88EC68768D98}"/>
+              </a:ext>
+            </a:extLst>
+          </p:cNvPr>
+          <p:cNvPicPr>
+            <a:picLocks noChangeAspect="1"/>
+          </p:cNvPicPr>
+          <p:nvPr/>
+        </p:nvPicPr>
+        <p:blipFill>
+          <a:blip r:embed="rId2"/>
+          <a:stretch>
+            <a:fillRect/>
+          </a:stretch>
+        </p:blipFill>
+        <p:spPr>
+          <a:xfrm>
+            <a:off x="836612" y="3736679"/>
+            <a:ext cx="5696745" cy="2124371"/>
+          </a:xfrm>
+          <a:prstGeom prst="rect">
+            <a:avLst/>
+          </a:prstGeom>
+        </p:spPr>
+      </p:pic>
+      <p:pic>
+        <p:nvPicPr>
+          <p:cNvPr id="8" name="Imagem 7">
+            <a:extLst>
+              <a:ext uri="{FF2B5EF4-FFF2-40B4-BE49-F238E27FC236}">
+                <a16:creationId xmlns:a16="http://schemas.microsoft.com/office/drawing/2014/main" id="{53701643-CC6A-9599-11FE-C9C87E1EF8DB}"/>
+              </a:ext>
+            </a:extLst>
+          </p:cNvPr>
+          <p:cNvPicPr>
+            <a:picLocks noChangeAspect="1"/>
+          </p:cNvPicPr>
+          <p:nvPr/>
+        </p:nvPicPr>
+        <p:blipFill>
+          <a:blip r:embed="rId3"/>
+          <a:stretch>
+            <a:fillRect/>
+          </a:stretch>
+        </p:blipFill>
+        <p:spPr>
+          <a:xfrm>
+            <a:off x="6552293" y="1257300"/>
+            <a:ext cx="4163006" cy="3915321"/>
+          </a:xfrm>
+          <a:prstGeom prst="rect">
+            <a:avLst/>
+          </a:prstGeom>
+        </p:spPr>
+      </p:pic>
+    </p:spTree>
+    <p:extLst>
+      <p:ext uri="{BB962C8B-B14F-4D97-AF65-F5344CB8AC3E}">
+        <p14:creationId xmlns:p14="http://schemas.microsoft.com/office/powerpoint/2010/main" val="513743161"/>
+      </p:ext>
+    </p:extLst>
+  </p:cSld>
+  <p:clrMapOvr>
+    <a:masterClrMapping/>
+  </p:clrMapOvr>
+</p:sld>
+</file>
+
+<file path=ppt/slides/slide4.xml><?xml version="1.0" encoding="utf-8"?>
 <p:sld xmlns:a="http://schemas.openxmlformats.org/drawingml/2006/main" xmlns:r="http://schemas.openxmlformats.org/officeDocument/2006/relationships" xmlns:p="http://schemas.openxmlformats.org/presentationml/2006/main">
   <p:cSld>
     <p:spTree>
@@ -7241,1526 +9019,7 @@
 </p:sld>
 </file>
 
-<file path=ppt/slides/slide30.xml><?xml version="1.0" encoding="utf-8"?>
-<p:sld xmlns:a="http://schemas.openxmlformats.org/drawingml/2006/main" xmlns:r="http://schemas.openxmlformats.org/officeDocument/2006/relationships" xmlns:p="http://schemas.openxmlformats.org/presentationml/2006/main">
-  <p:cSld>
-    <p:spTree>
-      <p:nvGrpSpPr>
-        <p:cNvPr id="1" name=""/>
-        <p:cNvGrpSpPr/>
-        <p:nvPr/>
-      </p:nvGrpSpPr>
-      <p:grpSpPr>
-        <a:xfrm>
-          <a:off x="0" y="0"/>
-          <a:ext cx="0" cy="0"/>
-          <a:chOff x="0" y="0"/>
-          <a:chExt cx="0" cy="0"/>
-        </a:xfrm>
-      </p:grpSpPr>
-      <p:sp>
-        <p:nvSpPr>
-          <p:cNvPr id="2" name="Título 1">
-            <a:extLst>
-              <a:ext uri="{FF2B5EF4-FFF2-40B4-BE49-F238E27FC236}">
-                <a16:creationId xmlns:a16="http://schemas.microsoft.com/office/drawing/2014/main" id="{3AD655D4-246E-0091-63DD-99A7D06E896B}"/>
-              </a:ext>
-            </a:extLst>
-          </p:cNvPr>
-          <p:cNvSpPr>
-            <a:spLocks noGrp="1"/>
-          </p:cNvSpPr>
-          <p:nvPr>
-            <p:ph type="title"/>
-          </p:nvPr>
-        </p:nvSpPr>
-        <p:spPr/>
-        <p:txBody>
-          <a:bodyPr/>
-          <a:lstStyle/>
-          <a:p>
-            <a:r>
-              <a:rPr lang="pt-BR" dirty="0"/>
-              <a:t>Converter tipo de dados</a:t>
-            </a:r>
-          </a:p>
-        </p:txBody>
-      </p:sp>
-      <p:sp>
-        <p:nvSpPr>
-          <p:cNvPr id="3" name="Espaço Reservado para Conteúdo 2">
-            <a:extLst>
-              <a:ext uri="{FF2B5EF4-FFF2-40B4-BE49-F238E27FC236}">
-                <a16:creationId xmlns:a16="http://schemas.microsoft.com/office/drawing/2014/main" id="{CBABB097-7B17-BAC3-C624-8E85F0DE52B3}"/>
-              </a:ext>
-            </a:extLst>
-          </p:cNvPr>
-          <p:cNvSpPr>
-            <a:spLocks noGrp="1"/>
-          </p:cNvSpPr>
-          <p:nvPr>
-            <p:ph idx="1"/>
-          </p:nvPr>
-        </p:nvSpPr>
-        <p:spPr/>
-        <p:txBody>
-          <a:bodyPr/>
-          <a:lstStyle/>
-          <a:p>
-            <a:r>
-              <a:rPr lang="pt-BR" dirty="0"/>
-              <a:t>Usa </a:t>
-            </a:r>
-            <a:r>
-              <a:rPr lang="pt-BR" dirty="0" err="1"/>
-              <a:t>astype</a:t>
-            </a:r>
-            <a:endParaRPr lang="pt-BR" dirty="0"/>
-          </a:p>
-          <a:p>
-            <a:r>
-              <a:rPr lang="pt-BR" dirty="0" err="1"/>
-              <a:t>Float</a:t>
-            </a:r>
-            <a:r>
-              <a:rPr lang="pt-BR" dirty="0"/>
-              <a:t>.. </a:t>
-            </a:r>
-            <a:r>
-              <a:rPr lang="pt-BR" dirty="0" err="1"/>
-              <a:t>Str</a:t>
-            </a:r>
-            <a:r>
-              <a:rPr lang="pt-BR" dirty="0"/>
-              <a:t>.. Int..</a:t>
-            </a:r>
-          </a:p>
-          <a:p>
-            <a:endParaRPr lang="pt-BR" dirty="0"/>
-          </a:p>
-        </p:txBody>
-      </p:sp>
-      <p:pic>
-        <p:nvPicPr>
-          <p:cNvPr id="5" name="Imagem 4">
-            <a:extLst>
-              <a:ext uri="{FF2B5EF4-FFF2-40B4-BE49-F238E27FC236}">
-                <a16:creationId xmlns:a16="http://schemas.microsoft.com/office/drawing/2014/main" id="{D8CBD647-D631-72C7-B92B-99FCC371FFDC}"/>
-              </a:ext>
-            </a:extLst>
-          </p:cNvPr>
-          <p:cNvPicPr>
-            <a:picLocks noChangeAspect="1"/>
-          </p:cNvPicPr>
-          <p:nvPr/>
-        </p:nvPicPr>
-        <p:blipFill>
-          <a:blip r:embed="rId2"/>
-          <a:stretch>
-            <a:fillRect/>
-          </a:stretch>
-        </p:blipFill>
-        <p:spPr>
-          <a:xfrm>
-            <a:off x="7657514" y="681037"/>
-            <a:ext cx="3219899" cy="2581635"/>
-          </a:xfrm>
-          <a:prstGeom prst="rect">
-            <a:avLst/>
-          </a:prstGeom>
-        </p:spPr>
-      </p:pic>
-      <p:pic>
-        <p:nvPicPr>
-          <p:cNvPr id="7" name="Imagem 6">
-            <a:extLst>
-              <a:ext uri="{FF2B5EF4-FFF2-40B4-BE49-F238E27FC236}">
-                <a16:creationId xmlns:a16="http://schemas.microsoft.com/office/drawing/2014/main" id="{57D485C7-0142-80DA-4CF0-7216919A4F59}"/>
-              </a:ext>
-            </a:extLst>
-          </p:cNvPr>
-          <p:cNvPicPr>
-            <a:picLocks noChangeAspect="1"/>
-          </p:cNvPicPr>
-          <p:nvPr/>
-        </p:nvPicPr>
-        <p:blipFill>
-          <a:blip r:embed="rId3"/>
-          <a:stretch>
-            <a:fillRect/>
-          </a:stretch>
-        </p:blipFill>
-        <p:spPr>
-          <a:xfrm>
-            <a:off x="1093807" y="4342127"/>
-            <a:ext cx="10004385" cy="1834836"/>
-          </a:xfrm>
-          <a:prstGeom prst="rect">
-            <a:avLst/>
-          </a:prstGeom>
-        </p:spPr>
-      </p:pic>
-    </p:spTree>
-    <p:extLst>
-      <p:ext uri="{BB962C8B-B14F-4D97-AF65-F5344CB8AC3E}">
-        <p14:creationId xmlns:p14="http://schemas.microsoft.com/office/powerpoint/2010/main" val="921356274"/>
-      </p:ext>
-    </p:extLst>
-  </p:cSld>
-  <p:clrMapOvr>
-    <a:masterClrMapping/>
-  </p:clrMapOvr>
-</p:sld>
-</file>
-
-<file path=ppt/slides/slide31.xml><?xml version="1.0" encoding="utf-8"?>
-<p:sld xmlns:a="http://schemas.openxmlformats.org/drawingml/2006/main" xmlns:r="http://schemas.openxmlformats.org/officeDocument/2006/relationships" xmlns:p="http://schemas.openxmlformats.org/presentationml/2006/main">
-  <p:cSld>
-    <p:spTree>
-      <p:nvGrpSpPr>
-        <p:cNvPr id="1" name=""/>
-        <p:cNvGrpSpPr/>
-        <p:nvPr/>
-      </p:nvGrpSpPr>
-      <p:grpSpPr>
-        <a:xfrm>
-          <a:off x="0" y="0"/>
-          <a:ext cx="0" cy="0"/>
-          <a:chOff x="0" y="0"/>
-          <a:chExt cx="0" cy="0"/>
-        </a:xfrm>
-      </p:grpSpPr>
-      <p:sp>
-        <p:nvSpPr>
-          <p:cNvPr id="2" name="Título 1">
-            <a:extLst>
-              <a:ext uri="{FF2B5EF4-FFF2-40B4-BE49-F238E27FC236}">
-                <a16:creationId xmlns:a16="http://schemas.microsoft.com/office/drawing/2014/main" id="{524ABCAD-5694-3F94-7CAF-ACFEBA6981EB}"/>
-              </a:ext>
-            </a:extLst>
-          </p:cNvPr>
-          <p:cNvSpPr>
-            <a:spLocks noGrp="1"/>
-          </p:cNvSpPr>
-          <p:nvPr>
-            <p:ph type="title"/>
-          </p:nvPr>
-        </p:nvSpPr>
-        <p:spPr/>
-        <p:txBody>
-          <a:bodyPr/>
-          <a:lstStyle/>
-          <a:p>
-            <a:r>
-              <a:rPr lang="pt-BR" dirty="0"/>
-              <a:t>Adicionar coluna</a:t>
-            </a:r>
-          </a:p>
-        </p:txBody>
-      </p:sp>
-      <p:pic>
-        <p:nvPicPr>
-          <p:cNvPr id="4" name="Imagem 3">
-            <a:extLst>
-              <a:ext uri="{FF2B5EF4-FFF2-40B4-BE49-F238E27FC236}">
-                <a16:creationId xmlns:a16="http://schemas.microsoft.com/office/drawing/2014/main" id="{DF561EF7-1474-047B-EBE3-0895CF85E741}"/>
-              </a:ext>
-            </a:extLst>
-          </p:cNvPr>
-          <p:cNvPicPr>
-            <a:picLocks noChangeAspect="1"/>
-          </p:cNvPicPr>
-          <p:nvPr/>
-        </p:nvPicPr>
-        <p:blipFill>
-          <a:blip r:embed="rId2"/>
-          <a:stretch>
-            <a:fillRect/>
-          </a:stretch>
-        </p:blipFill>
-        <p:spPr>
-          <a:xfrm>
-            <a:off x="997601" y="2376145"/>
-            <a:ext cx="4201111" cy="1457528"/>
-          </a:xfrm>
-          <a:prstGeom prst="rect">
-            <a:avLst/>
-          </a:prstGeom>
-        </p:spPr>
-      </p:pic>
-      <p:pic>
-        <p:nvPicPr>
-          <p:cNvPr id="6" name="Imagem 5">
-            <a:extLst>
-              <a:ext uri="{FF2B5EF4-FFF2-40B4-BE49-F238E27FC236}">
-                <a16:creationId xmlns:a16="http://schemas.microsoft.com/office/drawing/2014/main" id="{3125355D-880E-9A12-3F91-A10E98559A29}"/>
-              </a:ext>
-            </a:extLst>
-          </p:cNvPr>
-          <p:cNvPicPr>
-            <a:picLocks noChangeAspect="1"/>
-          </p:cNvPicPr>
-          <p:nvPr/>
-        </p:nvPicPr>
-        <p:blipFill>
-          <a:blip r:embed="rId3"/>
-          <a:stretch>
-            <a:fillRect/>
-          </a:stretch>
-        </p:blipFill>
-        <p:spPr>
-          <a:xfrm>
-            <a:off x="5322432" y="1690688"/>
-            <a:ext cx="6801799" cy="4363059"/>
-          </a:xfrm>
-          <a:prstGeom prst="rect">
-            <a:avLst/>
-          </a:prstGeom>
-        </p:spPr>
-      </p:pic>
-    </p:spTree>
-    <p:extLst>
-      <p:ext uri="{BB962C8B-B14F-4D97-AF65-F5344CB8AC3E}">
-        <p14:creationId xmlns:p14="http://schemas.microsoft.com/office/powerpoint/2010/main" val="1344079680"/>
-      </p:ext>
-    </p:extLst>
-  </p:cSld>
-  <p:clrMapOvr>
-    <a:masterClrMapping/>
-  </p:clrMapOvr>
-</p:sld>
-</file>
-
-<file path=ppt/slides/slide32.xml><?xml version="1.0" encoding="utf-8"?>
-<p:sld xmlns:a="http://schemas.openxmlformats.org/drawingml/2006/main" xmlns:r="http://schemas.openxmlformats.org/officeDocument/2006/relationships" xmlns:p="http://schemas.openxmlformats.org/presentationml/2006/main">
-  <p:cSld>
-    <p:spTree>
-      <p:nvGrpSpPr>
-        <p:cNvPr id="1" name=""/>
-        <p:cNvGrpSpPr/>
-        <p:nvPr/>
-      </p:nvGrpSpPr>
-      <p:grpSpPr>
-        <a:xfrm>
-          <a:off x="0" y="0"/>
-          <a:ext cx="0" cy="0"/>
-          <a:chOff x="0" y="0"/>
-          <a:chExt cx="0" cy="0"/>
-        </a:xfrm>
-      </p:grpSpPr>
-      <p:sp>
-        <p:nvSpPr>
-          <p:cNvPr id="2" name="Título 1">
-            <a:extLst>
-              <a:ext uri="{FF2B5EF4-FFF2-40B4-BE49-F238E27FC236}">
-                <a16:creationId xmlns:a16="http://schemas.microsoft.com/office/drawing/2014/main" id="{649FA90D-0197-2D72-E5F9-E42AEA7BD790}"/>
-              </a:ext>
-            </a:extLst>
-          </p:cNvPr>
-          <p:cNvSpPr>
-            <a:spLocks noGrp="1"/>
-          </p:cNvSpPr>
-          <p:nvPr>
-            <p:ph type="title"/>
-          </p:nvPr>
-        </p:nvSpPr>
-        <p:spPr/>
-        <p:txBody>
-          <a:bodyPr/>
-          <a:lstStyle/>
-          <a:p>
-            <a:r>
-              <a:rPr lang="pt-BR" dirty="0"/>
-              <a:t>Deixar </a:t>
-            </a:r>
-            <a:r>
-              <a:rPr lang="pt-BR" dirty="0" err="1"/>
-              <a:t>maiscula</a:t>
-            </a:r>
-            <a:r>
-              <a:rPr lang="pt-BR" dirty="0"/>
-              <a:t> (tem que ser </a:t>
-            </a:r>
-            <a:r>
-              <a:rPr lang="pt-BR" dirty="0" err="1"/>
-              <a:t>str</a:t>
-            </a:r>
-            <a:r>
-              <a:rPr lang="pt-BR" dirty="0"/>
-              <a:t>)</a:t>
-            </a:r>
-          </a:p>
-        </p:txBody>
-      </p:sp>
-      <p:pic>
-        <p:nvPicPr>
-          <p:cNvPr id="4" name="Imagem 3">
-            <a:extLst>
-              <a:ext uri="{FF2B5EF4-FFF2-40B4-BE49-F238E27FC236}">
-                <a16:creationId xmlns:a16="http://schemas.microsoft.com/office/drawing/2014/main" id="{52B8052A-0E5E-7587-AB25-C165267D6CB0}"/>
-              </a:ext>
-            </a:extLst>
-          </p:cNvPr>
-          <p:cNvPicPr>
-            <a:picLocks noChangeAspect="1"/>
-          </p:cNvPicPr>
-          <p:nvPr/>
-        </p:nvPicPr>
-        <p:blipFill>
-          <a:blip r:embed="rId2"/>
-          <a:stretch>
-            <a:fillRect/>
-          </a:stretch>
-        </p:blipFill>
-        <p:spPr>
-          <a:xfrm>
-            <a:off x="3109495" y="1896319"/>
-            <a:ext cx="5973009" cy="4315427"/>
-          </a:xfrm>
-          <a:prstGeom prst="rect">
-            <a:avLst/>
-          </a:prstGeom>
-        </p:spPr>
-      </p:pic>
-    </p:spTree>
-    <p:extLst>
-      <p:ext uri="{BB962C8B-B14F-4D97-AF65-F5344CB8AC3E}">
-        <p14:creationId xmlns:p14="http://schemas.microsoft.com/office/powerpoint/2010/main" val="2322274520"/>
-      </p:ext>
-    </p:extLst>
-  </p:cSld>
-  <p:clrMapOvr>
-    <a:masterClrMapping/>
-  </p:clrMapOvr>
-</p:sld>
-</file>
-
-<file path=ppt/slides/slide33.xml><?xml version="1.0" encoding="utf-8"?>
-<p:sld xmlns:a="http://schemas.openxmlformats.org/drawingml/2006/main" xmlns:r="http://schemas.openxmlformats.org/officeDocument/2006/relationships" xmlns:p="http://schemas.openxmlformats.org/presentationml/2006/main">
-  <p:cSld>
-    <p:spTree>
-      <p:nvGrpSpPr>
-        <p:cNvPr id="1" name=""/>
-        <p:cNvGrpSpPr/>
-        <p:nvPr/>
-      </p:nvGrpSpPr>
-      <p:grpSpPr>
-        <a:xfrm>
-          <a:off x="0" y="0"/>
-          <a:ext cx="0" cy="0"/>
-          <a:chOff x="0" y="0"/>
-          <a:chExt cx="0" cy="0"/>
-        </a:xfrm>
-      </p:grpSpPr>
-      <p:sp>
-        <p:nvSpPr>
-          <p:cNvPr id="2" name="Título 1">
-            <a:extLst>
-              <a:ext uri="{FF2B5EF4-FFF2-40B4-BE49-F238E27FC236}">
-                <a16:creationId xmlns:a16="http://schemas.microsoft.com/office/drawing/2014/main" id="{6B6FF922-50E5-0C50-8D09-8735311B59F2}"/>
-              </a:ext>
-            </a:extLst>
-          </p:cNvPr>
-          <p:cNvSpPr>
-            <a:spLocks noGrp="1"/>
-          </p:cNvSpPr>
-          <p:nvPr>
-            <p:ph type="title"/>
-          </p:nvPr>
-        </p:nvSpPr>
-        <p:spPr/>
-        <p:txBody>
-          <a:bodyPr/>
-          <a:lstStyle/>
-          <a:p>
-            <a:r>
-              <a:rPr lang="pt-BR" dirty="0"/>
-              <a:t>Pegar texto antes de algo</a:t>
-            </a:r>
-          </a:p>
-        </p:txBody>
-      </p:sp>
-      <p:pic>
-        <p:nvPicPr>
-          <p:cNvPr id="6" name="Espaço Reservado para Conteúdo 5">
-            <a:extLst>
-              <a:ext uri="{FF2B5EF4-FFF2-40B4-BE49-F238E27FC236}">
-                <a16:creationId xmlns:a16="http://schemas.microsoft.com/office/drawing/2014/main" id="{FBC3B3F4-B4B6-5A41-09E9-08FA1F8D501B}"/>
-              </a:ext>
-            </a:extLst>
-          </p:cNvPr>
-          <p:cNvPicPr>
-            <a:picLocks noGrp="1" noChangeAspect="1"/>
-          </p:cNvPicPr>
-          <p:nvPr>
-            <p:ph idx="1"/>
-          </p:nvPr>
-        </p:nvPicPr>
-        <p:blipFill>
-          <a:blip r:embed="rId2"/>
-          <a:stretch>
-            <a:fillRect/>
-          </a:stretch>
-        </p:blipFill>
-        <p:spPr>
-          <a:xfrm>
-            <a:off x="5258968" y="1480866"/>
-            <a:ext cx="6020640" cy="3886742"/>
-          </a:xfrm>
-        </p:spPr>
-      </p:pic>
-      <p:sp>
-        <p:nvSpPr>
-          <p:cNvPr id="4" name="Espaço Reservado para Texto 3">
-            <a:extLst>
-              <a:ext uri="{FF2B5EF4-FFF2-40B4-BE49-F238E27FC236}">
-                <a16:creationId xmlns:a16="http://schemas.microsoft.com/office/drawing/2014/main" id="{EFC790EA-AC35-FDC3-BE78-7D984ACC3BDE}"/>
-              </a:ext>
-            </a:extLst>
-          </p:cNvPr>
-          <p:cNvSpPr>
-            <a:spLocks noGrp="1"/>
-          </p:cNvSpPr>
-          <p:nvPr>
-            <p:ph type="body" sz="half" idx="2"/>
-          </p:nvPr>
-        </p:nvSpPr>
-        <p:spPr/>
-        <p:txBody>
-          <a:bodyPr/>
-          <a:lstStyle/>
-          <a:p>
-            <a:r>
-              <a:rPr lang="pt-BR" dirty="0" err="1"/>
-              <a:t>Apply</a:t>
-            </a:r>
-            <a:r>
-              <a:rPr lang="pt-BR" dirty="0"/>
-              <a:t> ele aplica uma função em todas a </a:t>
-            </a:r>
-            <a:r>
-              <a:rPr lang="pt-BR" dirty="0" err="1"/>
-              <a:t>slinhas</a:t>
-            </a:r>
-            <a:r>
-              <a:rPr lang="pt-BR" dirty="0"/>
-              <a:t> da serie</a:t>
-            </a:r>
-          </a:p>
-          <a:p>
-            <a:endParaRPr lang="pt-BR" dirty="0"/>
-          </a:p>
-          <a:p>
-            <a:endParaRPr lang="pt-BR" dirty="0"/>
-          </a:p>
-          <a:p>
-            <a:endParaRPr lang="pt-BR" dirty="0"/>
-          </a:p>
-        </p:txBody>
-      </p:sp>
-    </p:spTree>
-    <p:extLst>
-      <p:ext uri="{BB962C8B-B14F-4D97-AF65-F5344CB8AC3E}">
-        <p14:creationId xmlns:p14="http://schemas.microsoft.com/office/powerpoint/2010/main" val="825580828"/>
-      </p:ext>
-    </p:extLst>
-  </p:cSld>
-  <p:clrMapOvr>
-    <a:masterClrMapping/>
-  </p:clrMapOvr>
-</p:sld>
-</file>
-
-<file path=ppt/slides/slide34.xml><?xml version="1.0" encoding="utf-8"?>
-<p:sld xmlns:a="http://schemas.openxmlformats.org/drawingml/2006/main" xmlns:r="http://schemas.openxmlformats.org/officeDocument/2006/relationships" xmlns:p="http://schemas.openxmlformats.org/presentationml/2006/main">
-  <p:cSld>
-    <p:spTree>
-      <p:nvGrpSpPr>
-        <p:cNvPr id="1" name=""/>
-        <p:cNvGrpSpPr/>
-        <p:nvPr/>
-      </p:nvGrpSpPr>
-      <p:grpSpPr>
-        <a:xfrm>
-          <a:off x="0" y="0"/>
-          <a:ext cx="0" cy="0"/>
-          <a:chOff x="0" y="0"/>
-          <a:chExt cx="0" cy="0"/>
-        </a:xfrm>
-      </p:grpSpPr>
-      <p:sp>
-        <p:nvSpPr>
-          <p:cNvPr id="2" name="Título 1">
-            <a:extLst>
-              <a:ext uri="{FF2B5EF4-FFF2-40B4-BE49-F238E27FC236}">
-                <a16:creationId xmlns:a16="http://schemas.microsoft.com/office/drawing/2014/main" id="{719CC449-9ABF-6617-2532-87120D56561F}"/>
-              </a:ext>
-            </a:extLst>
-          </p:cNvPr>
-          <p:cNvSpPr>
-            <a:spLocks noGrp="1"/>
-          </p:cNvSpPr>
-          <p:nvPr>
-            <p:ph type="title"/>
-          </p:nvPr>
-        </p:nvSpPr>
-        <p:spPr/>
-        <p:txBody>
-          <a:bodyPr/>
-          <a:lstStyle/>
-          <a:p>
-            <a:r>
-              <a:rPr lang="pt-BR" dirty="0"/>
-              <a:t>lambda</a:t>
-            </a:r>
-          </a:p>
-        </p:txBody>
-      </p:sp>
-      <p:sp>
-        <p:nvSpPr>
-          <p:cNvPr id="3" name="Espaço Reservado para Conteúdo 2">
-            <a:extLst>
-              <a:ext uri="{FF2B5EF4-FFF2-40B4-BE49-F238E27FC236}">
-                <a16:creationId xmlns:a16="http://schemas.microsoft.com/office/drawing/2014/main" id="{69409093-DB08-684A-AF2F-01E4FEF672DE}"/>
-              </a:ext>
-            </a:extLst>
-          </p:cNvPr>
-          <p:cNvSpPr>
-            <a:spLocks noGrp="1"/>
-          </p:cNvSpPr>
-          <p:nvPr>
-            <p:ph idx="1"/>
-          </p:nvPr>
-        </p:nvSpPr>
-        <p:spPr/>
-        <p:txBody>
-          <a:bodyPr/>
-          <a:lstStyle/>
-          <a:p>
-            <a:r>
-              <a:rPr lang="pt-BR" dirty="0"/>
-              <a:t>É como um </a:t>
-            </a:r>
-            <a:r>
-              <a:rPr lang="pt-BR" dirty="0" err="1"/>
-              <a:t>def</a:t>
-            </a:r>
-            <a:r>
-              <a:rPr lang="pt-BR" dirty="0"/>
-              <a:t>, mas usada em apenas uma linha</a:t>
-            </a:r>
-          </a:p>
-          <a:p>
-            <a:r>
-              <a:rPr lang="pt-BR" dirty="0"/>
-              <a:t>Exemplo:</a:t>
-            </a:r>
-          </a:p>
-          <a:p>
-            <a:r>
-              <a:rPr lang="pt-BR" dirty="0" err="1"/>
-              <a:t>Df</a:t>
-            </a:r>
-            <a:r>
-              <a:rPr lang="pt-BR" dirty="0"/>
-              <a:t> = lambda nome: </a:t>
-            </a:r>
-            <a:r>
-              <a:rPr lang="pt-BR" dirty="0" err="1"/>
-              <a:t>nome.split</a:t>
-            </a:r>
-            <a:r>
-              <a:rPr lang="pt-BR" dirty="0"/>
-              <a:t>(“_”)[0]</a:t>
-            </a:r>
-          </a:p>
-          <a:p>
-            <a:r>
-              <a:rPr lang="pt-BR" dirty="0" err="1"/>
-              <a:t>Df</a:t>
-            </a:r>
-            <a:endParaRPr lang="pt-BR" dirty="0"/>
-          </a:p>
-          <a:p>
-            <a:endParaRPr lang="pt-BR" dirty="0"/>
-          </a:p>
-        </p:txBody>
-      </p:sp>
-      <p:sp>
-        <p:nvSpPr>
-          <p:cNvPr id="4" name="Espaço Reservado para Texto 3">
-            <a:extLst>
-              <a:ext uri="{FF2B5EF4-FFF2-40B4-BE49-F238E27FC236}">
-                <a16:creationId xmlns:a16="http://schemas.microsoft.com/office/drawing/2014/main" id="{5A513FCF-9B90-AD95-7F40-9AA767887CF7}"/>
-              </a:ext>
-            </a:extLst>
-          </p:cNvPr>
-          <p:cNvSpPr>
-            <a:spLocks noGrp="1"/>
-          </p:cNvSpPr>
-          <p:nvPr>
-            <p:ph type="body" sz="half" idx="2"/>
-          </p:nvPr>
-        </p:nvSpPr>
-        <p:spPr/>
-        <p:txBody>
-          <a:bodyPr/>
-          <a:lstStyle/>
-          <a:p>
-            <a:r>
-              <a:rPr lang="pt-BR" dirty="0"/>
-              <a:t>É a função mais simples</a:t>
-            </a:r>
-          </a:p>
-          <a:p>
-            <a:r>
-              <a:rPr lang="pt-BR" dirty="0"/>
-              <a:t>Usar apenas uma linha e não há reincidência</a:t>
-            </a:r>
-          </a:p>
-          <a:p>
-            <a:r>
-              <a:rPr lang="pt-BR" dirty="0"/>
-              <a:t>Usada pra não poluir o projeto</a:t>
-            </a:r>
-          </a:p>
-          <a:p>
-            <a:r>
-              <a:rPr lang="pt-BR" dirty="0"/>
-              <a:t>“função </a:t>
-            </a:r>
-            <a:r>
-              <a:rPr lang="pt-BR" dirty="0" err="1"/>
-              <a:t>anonima</a:t>
-            </a:r>
-            <a:r>
-              <a:rPr lang="pt-BR" dirty="0"/>
-              <a:t>”</a:t>
-            </a:r>
-          </a:p>
-        </p:txBody>
-      </p:sp>
-    </p:spTree>
-    <p:extLst>
-      <p:ext uri="{BB962C8B-B14F-4D97-AF65-F5344CB8AC3E}">
-        <p14:creationId xmlns:p14="http://schemas.microsoft.com/office/powerpoint/2010/main" val="2926101122"/>
-      </p:ext>
-    </p:extLst>
-  </p:cSld>
-  <p:clrMapOvr>
-    <a:masterClrMapping/>
-  </p:clrMapOvr>
-</p:sld>
-</file>
-
-<file path=ppt/slides/slide35.xml><?xml version="1.0" encoding="utf-8"?>
-<p:sld xmlns:a="http://schemas.openxmlformats.org/drawingml/2006/main" xmlns:r="http://schemas.openxmlformats.org/officeDocument/2006/relationships" xmlns:p="http://schemas.openxmlformats.org/presentationml/2006/main">
-  <p:cSld>
-    <p:spTree>
-      <p:nvGrpSpPr>
-        <p:cNvPr id="1" name=""/>
-        <p:cNvGrpSpPr/>
-        <p:nvPr/>
-      </p:nvGrpSpPr>
-      <p:grpSpPr>
-        <a:xfrm>
-          <a:off x="0" y="0"/>
-          <a:ext cx="0" cy="0"/>
-          <a:chOff x="0" y="0"/>
-          <a:chExt cx="0" cy="0"/>
-        </a:xfrm>
-      </p:grpSpPr>
-      <p:sp>
-        <p:nvSpPr>
-          <p:cNvPr id="2" name="Título 1">
-            <a:extLst>
-              <a:ext uri="{FF2B5EF4-FFF2-40B4-BE49-F238E27FC236}">
-                <a16:creationId xmlns:a16="http://schemas.microsoft.com/office/drawing/2014/main" id="{49FCA779-0757-7E12-1EAF-786AADE532FF}"/>
-              </a:ext>
-            </a:extLst>
-          </p:cNvPr>
-          <p:cNvSpPr>
-            <a:spLocks noGrp="1"/>
-          </p:cNvSpPr>
-          <p:nvPr>
-            <p:ph type="title"/>
-          </p:nvPr>
-        </p:nvSpPr>
-        <p:spPr/>
-        <p:txBody>
-          <a:bodyPr/>
-          <a:lstStyle/>
-          <a:p>
-            <a:r>
-              <a:rPr lang="pt-BR" dirty="0"/>
-              <a:t>Estilo pegar últimos valores de algo</a:t>
-            </a:r>
-          </a:p>
-        </p:txBody>
-      </p:sp>
-      <p:pic>
-        <p:nvPicPr>
-          <p:cNvPr id="6" name="Espaço Reservado para Conteúdo 5">
-            <a:extLst>
-              <a:ext uri="{FF2B5EF4-FFF2-40B4-BE49-F238E27FC236}">
-                <a16:creationId xmlns:a16="http://schemas.microsoft.com/office/drawing/2014/main" id="{6FDEFBC9-793A-5A7B-ABC3-0E598CC74B3D}"/>
-              </a:ext>
-            </a:extLst>
-          </p:cNvPr>
-          <p:cNvPicPr>
-            <a:picLocks noGrp="1" noChangeAspect="1"/>
-          </p:cNvPicPr>
-          <p:nvPr>
-            <p:ph idx="1"/>
-          </p:nvPr>
-        </p:nvPicPr>
-        <p:blipFill>
-          <a:blip r:embed="rId2"/>
-          <a:stretch>
-            <a:fillRect/>
-          </a:stretch>
-        </p:blipFill>
-        <p:spPr>
-          <a:xfrm>
-            <a:off x="5183188" y="2452688"/>
-            <a:ext cx="6172200" cy="1943099"/>
-          </a:xfrm>
-        </p:spPr>
-      </p:pic>
-      <p:sp>
-        <p:nvSpPr>
-          <p:cNvPr id="4" name="Espaço Reservado para Texto 3">
-            <a:extLst>
-              <a:ext uri="{FF2B5EF4-FFF2-40B4-BE49-F238E27FC236}">
-                <a16:creationId xmlns:a16="http://schemas.microsoft.com/office/drawing/2014/main" id="{BB996151-6310-9264-4C8C-8FDCF972D490}"/>
-              </a:ext>
-            </a:extLst>
-          </p:cNvPr>
-          <p:cNvSpPr>
-            <a:spLocks noGrp="1"/>
-          </p:cNvSpPr>
-          <p:nvPr>
-            <p:ph type="body" sz="half" idx="2"/>
-          </p:nvPr>
-        </p:nvSpPr>
-        <p:spPr/>
-        <p:txBody>
-          <a:bodyPr/>
-          <a:lstStyle/>
-          <a:p>
-            <a:r>
-              <a:rPr lang="pt-BR" dirty="0"/>
-              <a:t>Igual quando mostra últimos valores do numero do </a:t>
-            </a:r>
-            <a:r>
-              <a:rPr lang="pt-BR"/>
-              <a:t>cartao</a:t>
-            </a:r>
-            <a:endParaRPr lang="pt-BR" dirty="0"/>
-          </a:p>
-        </p:txBody>
-      </p:sp>
-    </p:spTree>
-    <p:extLst>
-      <p:ext uri="{BB962C8B-B14F-4D97-AF65-F5344CB8AC3E}">
-        <p14:creationId xmlns:p14="http://schemas.microsoft.com/office/powerpoint/2010/main" val="1603404132"/>
-      </p:ext>
-    </p:extLst>
-  </p:cSld>
-  <p:clrMapOvr>
-    <a:masterClrMapping/>
-  </p:clrMapOvr>
-</p:sld>
-</file>
-
-<file path=ppt/slides/slide36.xml><?xml version="1.0" encoding="utf-8"?>
-<p:sld xmlns:a="http://schemas.openxmlformats.org/drawingml/2006/main" xmlns:r="http://schemas.openxmlformats.org/officeDocument/2006/relationships" xmlns:p="http://schemas.openxmlformats.org/presentationml/2006/main">
-  <p:cSld>
-    <p:spTree>
-      <p:nvGrpSpPr>
-        <p:cNvPr id="1" name=""/>
-        <p:cNvGrpSpPr/>
-        <p:nvPr/>
-      </p:nvGrpSpPr>
-      <p:grpSpPr>
-        <a:xfrm>
-          <a:off x="0" y="0"/>
-          <a:ext cx="0" cy="0"/>
-          <a:chOff x="0" y="0"/>
-          <a:chExt cx="0" cy="0"/>
-        </a:xfrm>
-      </p:grpSpPr>
-      <p:sp>
-        <p:nvSpPr>
-          <p:cNvPr id="2" name="Título 1">
-            <a:extLst>
-              <a:ext uri="{FF2B5EF4-FFF2-40B4-BE49-F238E27FC236}">
-                <a16:creationId xmlns:a16="http://schemas.microsoft.com/office/drawing/2014/main" id="{D7C6AA3A-08EA-14CB-1975-AFC80EDC40E7}"/>
-              </a:ext>
-            </a:extLst>
-          </p:cNvPr>
-          <p:cNvSpPr>
-            <a:spLocks noGrp="1"/>
-          </p:cNvSpPr>
-          <p:nvPr>
-            <p:ph type="title"/>
-          </p:nvPr>
-        </p:nvSpPr>
-        <p:spPr/>
-        <p:txBody>
-          <a:bodyPr/>
-          <a:lstStyle/>
-          <a:p>
-            <a:r>
-              <a:rPr lang="pt-BR" dirty="0"/>
-              <a:t>Sobre </a:t>
-            </a:r>
-            <a:r>
-              <a:rPr lang="pt-BR" dirty="0" err="1"/>
-              <a:t>NaN</a:t>
-            </a:r>
-            <a:r>
-              <a:rPr lang="pt-BR" dirty="0"/>
-              <a:t>(</a:t>
-            </a:r>
-            <a:r>
-              <a:rPr lang="pt-BR" dirty="0" err="1"/>
-              <a:t>not</a:t>
-            </a:r>
-            <a:r>
-              <a:rPr lang="pt-BR" dirty="0"/>
-              <a:t> a </a:t>
-            </a:r>
-            <a:r>
-              <a:rPr lang="pt-BR" dirty="0" err="1"/>
-              <a:t>number</a:t>
-            </a:r>
-            <a:r>
-              <a:rPr lang="pt-BR" dirty="0"/>
-              <a:t>)</a:t>
-            </a:r>
-          </a:p>
-        </p:txBody>
-      </p:sp>
-      <p:sp>
-        <p:nvSpPr>
-          <p:cNvPr id="3" name="Espaço Reservado para Texto 2">
-            <a:extLst>
-              <a:ext uri="{FF2B5EF4-FFF2-40B4-BE49-F238E27FC236}">
-                <a16:creationId xmlns:a16="http://schemas.microsoft.com/office/drawing/2014/main" id="{A69D8EB1-FD5C-E4B6-F2F5-03C7C22F7EDB}"/>
-              </a:ext>
-            </a:extLst>
-          </p:cNvPr>
-          <p:cNvSpPr>
-            <a:spLocks noGrp="1"/>
-          </p:cNvSpPr>
-          <p:nvPr>
-            <p:ph type="body" idx="1"/>
-          </p:nvPr>
-        </p:nvSpPr>
-        <p:spPr/>
-        <p:txBody>
-          <a:bodyPr/>
-          <a:lstStyle/>
-          <a:p>
-            <a:endParaRPr lang="pt-BR"/>
-          </a:p>
-        </p:txBody>
-      </p:sp>
-      <p:sp>
-        <p:nvSpPr>
-          <p:cNvPr id="4" name="Espaço Reservado para Conteúdo 3">
-            <a:extLst>
-              <a:ext uri="{FF2B5EF4-FFF2-40B4-BE49-F238E27FC236}">
-                <a16:creationId xmlns:a16="http://schemas.microsoft.com/office/drawing/2014/main" id="{222CD9AC-384C-3E40-1259-D158AD845D93}"/>
-              </a:ext>
-            </a:extLst>
-          </p:cNvPr>
-          <p:cNvSpPr>
-            <a:spLocks noGrp="1"/>
-          </p:cNvSpPr>
-          <p:nvPr>
-            <p:ph sz="half" idx="2"/>
-          </p:nvPr>
-        </p:nvSpPr>
-        <p:spPr/>
-        <p:txBody>
-          <a:bodyPr/>
-          <a:lstStyle/>
-          <a:p>
-            <a:endParaRPr lang="pt-BR"/>
-          </a:p>
-        </p:txBody>
-      </p:sp>
-      <p:sp>
-        <p:nvSpPr>
-          <p:cNvPr id="5" name="Espaço Reservado para Texto 4">
-            <a:extLst>
-              <a:ext uri="{FF2B5EF4-FFF2-40B4-BE49-F238E27FC236}">
-                <a16:creationId xmlns:a16="http://schemas.microsoft.com/office/drawing/2014/main" id="{FCE8EDE3-B545-65A6-A433-A332913F9610}"/>
-              </a:ext>
-            </a:extLst>
-          </p:cNvPr>
-          <p:cNvSpPr>
-            <a:spLocks noGrp="1"/>
-          </p:cNvSpPr>
-          <p:nvPr>
-            <p:ph type="body" sz="quarter" idx="3"/>
-          </p:nvPr>
-        </p:nvSpPr>
-        <p:spPr/>
-        <p:txBody>
-          <a:bodyPr/>
-          <a:lstStyle/>
-          <a:p>
-            <a:endParaRPr lang="pt-BR"/>
-          </a:p>
-        </p:txBody>
-      </p:sp>
-      <p:sp>
-        <p:nvSpPr>
-          <p:cNvPr id="6" name="Espaço Reservado para Conteúdo 5">
-            <a:extLst>
-              <a:ext uri="{FF2B5EF4-FFF2-40B4-BE49-F238E27FC236}">
-                <a16:creationId xmlns:a16="http://schemas.microsoft.com/office/drawing/2014/main" id="{0104A74F-8280-7DDC-8EFF-DA5112E21F95}"/>
-              </a:ext>
-            </a:extLst>
-          </p:cNvPr>
-          <p:cNvSpPr>
-            <a:spLocks noGrp="1"/>
-          </p:cNvSpPr>
-          <p:nvPr>
-            <p:ph sz="quarter" idx="4"/>
-          </p:nvPr>
-        </p:nvSpPr>
-        <p:spPr/>
-        <p:txBody>
-          <a:bodyPr/>
-          <a:lstStyle/>
-          <a:p>
-            <a:endParaRPr lang="pt-BR"/>
-          </a:p>
-        </p:txBody>
-      </p:sp>
-      <p:pic>
-        <p:nvPicPr>
-          <p:cNvPr id="8" name="Imagem 7">
-            <a:extLst>
-              <a:ext uri="{FF2B5EF4-FFF2-40B4-BE49-F238E27FC236}">
-                <a16:creationId xmlns:a16="http://schemas.microsoft.com/office/drawing/2014/main" id="{585C0927-3AB5-EF44-4D41-2219782FD3D4}"/>
-              </a:ext>
-            </a:extLst>
-          </p:cNvPr>
-          <p:cNvPicPr>
-            <a:picLocks noChangeAspect="1"/>
-          </p:cNvPicPr>
-          <p:nvPr/>
-        </p:nvPicPr>
-        <p:blipFill>
-          <a:blip r:embed="rId2"/>
-          <a:stretch>
-            <a:fillRect/>
-          </a:stretch>
-        </p:blipFill>
-        <p:spPr>
-          <a:xfrm>
-            <a:off x="-181852" y="1887954"/>
-            <a:ext cx="4448796" cy="2591162"/>
-          </a:xfrm>
-          <a:prstGeom prst="rect">
-            <a:avLst/>
-          </a:prstGeom>
-        </p:spPr>
-      </p:pic>
-      <p:pic>
-        <p:nvPicPr>
-          <p:cNvPr id="10" name="Imagem 9">
-            <a:extLst>
-              <a:ext uri="{FF2B5EF4-FFF2-40B4-BE49-F238E27FC236}">
-                <a16:creationId xmlns:a16="http://schemas.microsoft.com/office/drawing/2014/main" id="{7891D12C-285A-794C-523D-C3BB4775BE75}"/>
-              </a:ext>
-            </a:extLst>
-          </p:cNvPr>
-          <p:cNvPicPr>
-            <a:picLocks noChangeAspect="1"/>
-          </p:cNvPicPr>
-          <p:nvPr/>
-        </p:nvPicPr>
-        <p:blipFill>
-          <a:blip r:embed="rId3"/>
-          <a:stretch>
-            <a:fillRect/>
-          </a:stretch>
-        </p:blipFill>
-        <p:spPr>
-          <a:xfrm>
-            <a:off x="7973438" y="741643"/>
-            <a:ext cx="4056287" cy="5968658"/>
-          </a:xfrm>
-          <a:prstGeom prst="rect">
-            <a:avLst/>
-          </a:prstGeom>
-        </p:spPr>
-      </p:pic>
-      <p:pic>
-        <p:nvPicPr>
-          <p:cNvPr id="12" name="Imagem 11">
-            <a:extLst>
-              <a:ext uri="{FF2B5EF4-FFF2-40B4-BE49-F238E27FC236}">
-                <a16:creationId xmlns:a16="http://schemas.microsoft.com/office/drawing/2014/main" id="{B3B04568-0FBC-6515-2DFF-3F8CD7584AC0}"/>
-              </a:ext>
-            </a:extLst>
-          </p:cNvPr>
-          <p:cNvPicPr>
-            <a:picLocks noChangeAspect="1"/>
-          </p:cNvPicPr>
-          <p:nvPr/>
-        </p:nvPicPr>
-        <p:blipFill>
-          <a:blip r:embed="rId4"/>
-          <a:stretch>
-            <a:fillRect/>
-          </a:stretch>
-        </p:blipFill>
-        <p:spPr>
-          <a:xfrm>
-            <a:off x="1142859" y="4886309"/>
-            <a:ext cx="5544324" cy="1771897"/>
-          </a:xfrm>
-          <a:prstGeom prst="rect">
-            <a:avLst/>
-          </a:prstGeom>
-        </p:spPr>
-      </p:pic>
-      <p:pic>
-        <p:nvPicPr>
-          <p:cNvPr id="14" name="Imagem 13">
-            <a:extLst>
-              <a:ext uri="{FF2B5EF4-FFF2-40B4-BE49-F238E27FC236}">
-                <a16:creationId xmlns:a16="http://schemas.microsoft.com/office/drawing/2014/main" id="{3FBE869F-B93C-516B-2E49-1DD6BEF46A88}"/>
-              </a:ext>
-            </a:extLst>
-          </p:cNvPr>
-          <p:cNvPicPr>
-            <a:picLocks noChangeAspect="1"/>
-          </p:cNvPicPr>
-          <p:nvPr/>
-        </p:nvPicPr>
-        <p:blipFill>
-          <a:blip r:embed="rId5"/>
-          <a:stretch>
-            <a:fillRect/>
-          </a:stretch>
-        </p:blipFill>
-        <p:spPr>
-          <a:xfrm>
-            <a:off x="4383539" y="1320137"/>
-            <a:ext cx="3228072" cy="3362575"/>
-          </a:xfrm>
-          <a:prstGeom prst="rect">
-            <a:avLst/>
-          </a:prstGeom>
-        </p:spPr>
-      </p:pic>
-    </p:spTree>
-    <p:extLst>
-      <p:ext uri="{BB962C8B-B14F-4D97-AF65-F5344CB8AC3E}">
-        <p14:creationId xmlns:p14="http://schemas.microsoft.com/office/powerpoint/2010/main" val="3820561750"/>
-      </p:ext>
-    </p:extLst>
-  </p:cSld>
-  <p:clrMapOvr>
-    <a:masterClrMapping/>
-  </p:clrMapOvr>
-</p:sld>
-</file>
-
-<file path=ppt/slides/slide37.xml><?xml version="1.0" encoding="utf-8"?>
-<p:sld xmlns:a="http://schemas.openxmlformats.org/drawingml/2006/main" xmlns:r="http://schemas.openxmlformats.org/officeDocument/2006/relationships" xmlns:p="http://schemas.openxmlformats.org/presentationml/2006/main">
-  <p:cSld>
-    <p:spTree>
-      <p:nvGrpSpPr>
-        <p:cNvPr id="1" name=""/>
-        <p:cNvGrpSpPr/>
-        <p:nvPr/>
-      </p:nvGrpSpPr>
-      <p:grpSpPr>
-        <a:xfrm>
-          <a:off x="0" y="0"/>
-          <a:ext cx="0" cy="0"/>
-          <a:chOff x="0" y="0"/>
-          <a:chExt cx="0" cy="0"/>
-        </a:xfrm>
-      </p:grpSpPr>
-      <p:sp>
-        <p:nvSpPr>
-          <p:cNvPr id="2" name="Título 1">
-            <a:extLst>
-              <a:ext uri="{FF2B5EF4-FFF2-40B4-BE49-F238E27FC236}">
-                <a16:creationId xmlns:a16="http://schemas.microsoft.com/office/drawing/2014/main" id="{652AD52B-D903-8B38-542C-7F37FA7A8E8E}"/>
-              </a:ext>
-            </a:extLst>
-          </p:cNvPr>
-          <p:cNvSpPr>
-            <a:spLocks noGrp="1"/>
-          </p:cNvSpPr>
-          <p:nvPr>
-            <p:ph type="title"/>
-          </p:nvPr>
-        </p:nvSpPr>
-        <p:spPr/>
-        <p:txBody>
-          <a:bodyPr/>
-          <a:lstStyle/>
-          <a:p>
-            <a:r>
-              <a:rPr lang="pt-BR" dirty="0" err="1"/>
-              <a:t>NaN</a:t>
-            </a:r>
-            <a:endParaRPr lang="pt-BR" dirty="0"/>
-          </a:p>
-        </p:txBody>
-      </p:sp>
-      <p:sp>
-        <p:nvSpPr>
-          <p:cNvPr id="3" name="Espaço Reservado para Conteúdo 2">
-            <a:extLst>
-              <a:ext uri="{FF2B5EF4-FFF2-40B4-BE49-F238E27FC236}">
-                <a16:creationId xmlns:a16="http://schemas.microsoft.com/office/drawing/2014/main" id="{F81F0AA8-6332-9EF3-E025-E5BE1D869A44}"/>
-              </a:ext>
-            </a:extLst>
-          </p:cNvPr>
-          <p:cNvSpPr>
-            <a:spLocks noGrp="1"/>
-          </p:cNvSpPr>
-          <p:nvPr>
-            <p:ph idx="1"/>
-          </p:nvPr>
-        </p:nvSpPr>
-        <p:spPr/>
-        <p:txBody>
-          <a:bodyPr/>
-          <a:lstStyle/>
-          <a:p>
-            <a:r>
-              <a:rPr lang="pt-BR" dirty="0" err="1"/>
-              <a:t>Mean</a:t>
-            </a:r>
-            <a:r>
-              <a:rPr lang="pt-BR" dirty="0"/>
-              <a:t> consegue a taxa neste caso</a:t>
-            </a:r>
-          </a:p>
-        </p:txBody>
-      </p:sp>
-      <p:sp>
-        <p:nvSpPr>
-          <p:cNvPr id="4" name="Espaço Reservado para Texto 3">
-            <a:extLst>
-              <a:ext uri="{FF2B5EF4-FFF2-40B4-BE49-F238E27FC236}">
-                <a16:creationId xmlns:a16="http://schemas.microsoft.com/office/drawing/2014/main" id="{41DBAD2D-AE95-CC29-ED65-4813D837C659}"/>
-              </a:ext>
-            </a:extLst>
-          </p:cNvPr>
-          <p:cNvSpPr>
-            <a:spLocks noGrp="1"/>
-          </p:cNvSpPr>
-          <p:nvPr>
-            <p:ph type="body" sz="half" idx="2"/>
-          </p:nvPr>
-        </p:nvSpPr>
-        <p:spPr/>
-        <p:txBody>
-          <a:bodyPr/>
-          <a:lstStyle/>
-          <a:p>
-            <a:endParaRPr lang="pt-BR"/>
-          </a:p>
-        </p:txBody>
-      </p:sp>
-      <p:pic>
-        <p:nvPicPr>
-          <p:cNvPr id="6" name="Imagem 5">
-            <a:extLst>
-              <a:ext uri="{FF2B5EF4-FFF2-40B4-BE49-F238E27FC236}">
-                <a16:creationId xmlns:a16="http://schemas.microsoft.com/office/drawing/2014/main" id="{2F3AC89B-110A-5B1C-98BE-61A62C6B72EE}"/>
-              </a:ext>
-            </a:extLst>
-          </p:cNvPr>
-          <p:cNvPicPr>
-            <a:picLocks noChangeAspect="1"/>
-          </p:cNvPicPr>
-          <p:nvPr/>
-        </p:nvPicPr>
-        <p:blipFill>
-          <a:blip r:embed="rId2"/>
-          <a:stretch>
-            <a:fillRect/>
-          </a:stretch>
-        </p:blipFill>
-        <p:spPr>
-          <a:xfrm>
-            <a:off x="520941" y="2635619"/>
-            <a:ext cx="4020111" cy="3924848"/>
-          </a:xfrm>
-          <a:prstGeom prst="rect">
-            <a:avLst/>
-          </a:prstGeom>
-        </p:spPr>
-      </p:pic>
-      <p:pic>
-        <p:nvPicPr>
-          <p:cNvPr id="8" name="Imagem 7">
-            <a:extLst>
-              <a:ext uri="{FF2B5EF4-FFF2-40B4-BE49-F238E27FC236}">
-                <a16:creationId xmlns:a16="http://schemas.microsoft.com/office/drawing/2014/main" id="{F7747638-7B42-D905-5DD4-79F31526AB8A}"/>
-              </a:ext>
-            </a:extLst>
-          </p:cNvPr>
-          <p:cNvPicPr>
-            <a:picLocks noChangeAspect="1"/>
-          </p:cNvPicPr>
-          <p:nvPr/>
-        </p:nvPicPr>
-        <p:blipFill>
-          <a:blip r:embed="rId3"/>
-          <a:stretch>
-            <a:fillRect/>
-          </a:stretch>
-        </p:blipFill>
-        <p:spPr>
-          <a:xfrm>
-            <a:off x="4772025" y="3685816"/>
-            <a:ext cx="3553321" cy="2676899"/>
-          </a:xfrm>
-          <a:prstGeom prst="rect">
-            <a:avLst/>
-          </a:prstGeom>
-        </p:spPr>
-      </p:pic>
-      <p:pic>
-        <p:nvPicPr>
-          <p:cNvPr id="10" name="Imagem 9">
-            <a:extLst>
-              <a:ext uri="{FF2B5EF4-FFF2-40B4-BE49-F238E27FC236}">
-                <a16:creationId xmlns:a16="http://schemas.microsoft.com/office/drawing/2014/main" id="{635BAF90-B122-68BC-1A2E-85E287C45FDB}"/>
-              </a:ext>
-            </a:extLst>
-          </p:cNvPr>
-          <p:cNvPicPr>
-            <a:picLocks noChangeAspect="1"/>
-          </p:cNvPicPr>
-          <p:nvPr/>
-        </p:nvPicPr>
-        <p:blipFill>
-          <a:blip r:embed="rId4"/>
-          <a:stretch>
-            <a:fillRect/>
-          </a:stretch>
-        </p:blipFill>
-        <p:spPr>
-          <a:xfrm>
-            <a:off x="8325346" y="1506749"/>
-            <a:ext cx="3801005" cy="2257740"/>
-          </a:xfrm>
-          <a:prstGeom prst="rect">
-            <a:avLst/>
-          </a:prstGeom>
-        </p:spPr>
-      </p:pic>
-    </p:spTree>
-    <p:extLst>
-      <p:ext uri="{BB962C8B-B14F-4D97-AF65-F5344CB8AC3E}">
-        <p14:creationId xmlns:p14="http://schemas.microsoft.com/office/powerpoint/2010/main" val="3039715833"/>
-      </p:ext>
-    </p:extLst>
-  </p:cSld>
-  <p:clrMapOvr>
-    <a:masterClrMapping/>
-  </p:clrMapOvr>
-</p:sld>
-</file>
-
-<file path=ppt/slides/slide38.xml><?xml version="1.0" encoding="utf-8"?>
-<p:sld xmlns:a="http://schemas.openxmlformats.org/drawingml/2006/main" xmlns:r="http://schemas.openxmlformats.org/officeDocument/2006/relationships" xmlns:p="http://schemas.openxmlformats.org/presentationml/2006/main">
-  <p:cSld>
-    <p:spTree>
-      <p:nvGrpSpPr>
-        <p:cNvPr id="1" name=""/>
-        <p:cNvGrpSpPr/>
-        <p:nvPr/>
-      </p:nvGrpSpPr>
-      <p:grpSpPr>
-        <a:xfrm>
-          <a:off x="0" y="0"/>
-          <a:ext cx="0" cy="0"/>
-          <a:chOff x="0" y="0"/>
-          <a:chExt cx="0" cy="0"/>
-        </a:xfrm>
-      </p:grpSpPr>
-      <p:sp>
-        <p:nvSpPr>
-          <p:cNvPr id="2" name="Título 1">
-            <a:extLst>
-              <a:ext uri="{FF2B5EF4-FFF2-40B4-BE49-F238E27FC236}">
-                <a16:creationId xmlns:a16="http://schemas.microsoft.com/office/drawing/2014/main" id="{00846238-89F4-6ABA-16C2-98CD34D7FBC2}"/>
-              </a:ext>
-            </a:extLst>
-          </p:cNvPr>
-          <p:cNvSpPr>
-            <a:spLocks noGrp="1"/>
-          </p:cNvSpPr>
-          <p:nvPr>
-            <p:ph type="title"/>
-          </p:nvPr>
-        </p:nvSpPr>
-        <p:spPr/>
-        <p:txBody>
-          <a:bodyPr/>
-          <a:lstStyle/>
-          <a:p>
-            <a:r>
-              <a:rPr lang="pt-BR" dirty="0"/>
-              <a:t>Completar um </a:t>
-            </a:r>
-            <a:r>
-              <a:rPr lang="pt-BR" dirty="0" err="1"/>
-              <a:t>NaN</a:t>
-            </a:r>
-            <a:r>
-              <a:rPr lang="pt-BR" dirty="0"/>
-              <a:t> ou substituir</a:t>
-            </a:r>
-          </a:p>
-        </p:txBody>
-      </p:sp>
-      <p:sp>
-        <p:nvSpPr>
-          <p:cNvPr id="3" name="Espaço Reservado para Conteúdo 2">
-            <a:extLst>
-              <a:ext uri="{FF2B5EF4-FFF2-40B4-BE49-F238E27FC236}">
-                <a16:creationId xmlns:a16="http://schemas.microsoft.com/office/drawing/2014/main" id="{5929F654-E5B5-EC99-AF82-EB7E50566628}"/>
-              </a:ext>
-            </a:extLst>
-          </p:cNvPr>
-          <p:cNvSpPr>
-            <a:spLocks noGrp="1"/>
-          </p:cNvSpPr>
-          <p:nvPr>
-            <p:ph idx="1"/>
-          </p:nvPr>
-        </p:nvSpPr>
-        <p:spPr/>
-        <p:txBody>
-          <a:bodyPr/>
-          <a:lstStyle/>
-          <a:p>
-            <a:endParaRPr lang="pt-BR"/>
-          </a:p>
-        </p:txBody>
-      </p:sp>
-      <p:sp>
-        <p:nvSpPr>
-          <p:cNvPr id="4" name="Espaço Reservado para Texto 3">
-            <a:extLst>
-              <a:ext uri="{FF2B5EF4-FFF2-40B4-BE49-F238E27FC236}">
-                <a16:creationId xmlns:a16="http://schemas.microsoft.com/office/drawing/2014/main" id="{B394294B-29F1-D0C4-6861-7CD483848560}"/>
-              </a:ext>
-            </a:extLst>
-          </p:cNvPr>
-          <p:cNvSpPr>
-            <a:spLocks noGrp="1"/>
-          </p:cNvSpPr>
-          <p:nvPr>
-            <p:ph type="body" sz="half" idx="2"/>
-          </p:nvPr>
-        </p:nvSpPr>
-        <p:spPr/>
-        <p:txBody>
-          <a:bodyPr/>
-          <a:lstStyle/>
-          <a:p>
-            <a:r>
-              <a:rPr lang="pt-BR" dirty="0"/>
-              <a:t>Coloquei a média</a:t>
-            </a:r>
-          </a:p>
-        </p:txBody>
-      </p:sp>
-      <p:pic>
-        <p:nvPicPr>
-          <p:cNvPr id="6" name="Imagem 5">
-            <a:extLst>
-              <a:ext uri="{FF2B5EF4-FFF2-40B4-BE49-F238E27FC236}">
-                <a16:creationId xmlns:a16="http://schemas.microsoft.com/office/drawing/2014/main" id="{A8617505-2E3D-3DE3-4487-88EC68768D98}"/>
-              </a:ext>
-            </a:extLst>
-          </p:cNvPr>
-          <p:cNvPicPr>
-            <a:picLocks noChangeAspect="1"/>
-          </p:cNvPicPr>
-          <p:nvPr/>
-        </p:nvPicPr>
-        <p:blipFill>
-          <a:blip r:embed="rId2"/>
-          <a:stretch>
-            <a:fillRect/>
-          </a:stretch>
-        </p:blipFill>
-        <p:spPr>
-          <a:xfrm>
-            <a:off x="836612" y="3736679"/>
-            <a:ext cx="5696745" cy="2124371"/>
-          </a:xfrm>
-          <a:prstGeom prst="rect">
-            <a:avLst/>
-          </a:prstGeom>
-        </p:spPr>
-      </p:pic>
-      <p:pic>
-        <p:nvPicPr>
-          <p:cNvPr id="8" name="Imagem 7">
-            <a:extLst>
-              <a:ext uri="{FF2B5EF4-FFF2-40B4-BE49-F238E27FC236}">
-                <a16:creationId xmlns:a16="http://schemas.microsoft.com/office/drawing/2014/main" id="{53701643-CC6A-9599-11FE-C9C87E1EF8DB}"/>
-              </a:ext>
-            </a:extLst>
-          </p:cNvPr>
-          <p:cNvPicPr>
-            <a:picLocks noChangeAspect="1"/>
-          </p:cNvPicPr>
-          <p:nvPr/>
-        </p:nvPicPr>
-        <p:blipFill>
-          <a:blip r:embed="rId3"/>
-          <a:stretch>
-            <a:fillRect/>
-          </a:stretch>
-        </p:blipFill>
-        <p:spPr>
-          <a:xfrm>
-            <a:off x="6552293" y="1257300"/>
-            <a:ext cx="4163006" cy="3915321"/>
-          </a:xfrm>
-          <a:prstGeom prst="rect">
-            <a:avLst/>
-          </a:prstGeom>
-        </p:spPr>
-      </p:pic>
-    </p:spTree>
-    <p:extLst>
-      <p:ext uri="{BB962C8B-B14F-4D97-AF65-F5344CB8AC3E}">
-        <p14:creationId xmlns:p14="http://schemas.microsoft.com/office/powerpoint/2010/main" val="513743161"/>
-      </p:ext>
-    </p:extLst>
-  </p:cSld>
-  <p:clrMapOvr>
-    <a:masterClrMapping/>
-  </p:clrMapOvr>
-</p:sld>
-</file>
-
-<file path=ppt/slides/slide39.xml><?xml version="1.0" encoding="utf-8"?>
+<file path=ppt/slides/slide40.xml><?xml version="1.0" encoding="utf-8"?>
 <p:sld xmlns:a="http://schemas.openxmlformats.org/drawingml/2006/main" xmlns:r="http://schemas.openxmlformats.org/officeDocument/2006/relationships" xmlns:p="http://schemas.openxmlformats.org/presentationml/2006/main">
   <p:cSld>
     <p:spTree>
@@ -8920,7 +9179,1398 @@
 </p:sld>
 </file>
 
-<file path=ppt/slides/slide4.xml><?xml version="1.0" encoding="utf-8"?>
+<file path=ppt/slides/slide41.xml><?xml version="1.0" encoding="utf-8"?>
+<p:sld xmlns:a="http://schemas.openxmlformats.org/drawingml/2006/main" xmlns:r="http://schemas.openxmlformats.org/officeDocument/2006/relationships" xmlns:p="http://schemas.openxmlformats.org/presentationml/2006/main">
+  <p:cSld>
+    <p:spTree>
+      <p:nvGrpSpPr>
+        <p:cNvPr id="1" name=""/>
+        <p:cNvGrpSpPr/>
+        <p:nvPr/>
+      </p:nvGrpSpPr>
+      <p:grpSpPr>
+        <a:xfrm>
+          <a:off x="0" y="0"/>
+          <a:ext cx="0" cy="0"/>
+          <a:chOff x="0" y="0"/>
+          <a:chExt cx="0" cy="0"/>
+        </a:xfrm>
+      </p:grpSpPr>
+      <p:sp>
+        <p:nvSpPr>
+          <p:cNvPr id="2" name="Título 1">
+            <a:extLst>
+              <a:ext uri="{FF2B5EF4-FFF2-40B4-BE49-F238E27FC236}">
+                <a16:creationId xmlns:a16="http://schemas.microsoft.com/office/drawing/2014/main" id="{42FFCAFA-90DF-F937-CDCA-E2C7C7D68B81}"/>
+              </a:ext>
+            </a:extLst>
+          </p:cNvPr>
+          <p:cNvSpPr>
+            <a:spLocks noGrp="1"/>
+          </p:cNvSpPr>
+          <p:nvPr>
+            <p:ph type="title"/>
+          </p:nvPr>
+        </p:nvSpPr>
+        <p:spPr/>
+        <p:txBody>
+          <a:bodyPr/>
+          <a:lstStyle/>
+          <a:p>
+            <a:r>
+              <a:rPr lang="pt-BR" dirty="0" err="1"/>
+              <a:t>Dropna</a:t>
+            </a:r>
+            <a:r>
+              <a:rPr lang="pt-BR" dirty="0"/>
+              <a:t> com </a:t>
+            </a:r>
+            <a:r>
+              <a:rPr lang="pt-BR" dirty="0" err="1"/>
+              <a:t>subset</a:t>
+            </a:r>
+            <a:endParaRPr lang="pt-BR" dirty="0"/>
+          </a:p>
+        </p:txBody>
+      </p:sp>
+      <p:sp>
+        <p:nvSpPr>
+          <p:cNvPr id="3" name="Espaço Reservado para Conteúdo 2">
+            <a:extLst>
+              <a:ext uri="{FF2B5EF4-FFF2-40B4-BE49-F238E27FC236}">
+                <a16:creationId xmlns:a16="http://schemas.microsoft.com/office/drawing/2014/main" id="{FC614CB5-805B-5420-B90E-DF616DB4F2E0}"/>
+              </a:ext>
+            </a:extLst>
+          </p:cNvPr>
+          <p:cNvSpPr>
+            <a:spLocks noGrp="1"/>
+          </p:cNvSpPr>
+          <p:nvPr>
+            <p:ph idx="1"/>
+          </p:nvPr>
+        </p:nvSpPr>
+        <p:spPr/>
+        <p:txBody>
+          <a:bodyPr/>
+          <a:lstStyle/>
+          <a:p>
+            <a:endParaRPr lang="pt-BR"/>
+          </a:p>
+        </p:txBody>
+      </p:sp>
+      <p:sp>
+        <p:nvSpPr>
+          <p:cNvPr id="4" name="Espaço Reservado para Texto 3">
+            <a:extLst>
+              <a:ext uri="{FF2B5EF4-FFF2-40B4-BE49-F238E27FC236}">
+                <a16:creationId xmlns:a16="http://schemas.microsoft.com/office/drawing/2014/main" id="{9AF7B12D-2609-5123-3F55-78FCC018090D}"/>
+              </a:ext>
+            </a:extLst>
+          </p:cNvPr>
+          <p:cNvSpPr>
+            <a:spLocks noGrp="1"/>
+          </p:cNvSpPr>
+          <p:nvPr>
+            <p:ph type="body" sz="half" idx="2"/>
+          </p:nvPr>
+        </p:nvSpPr>
+        <p:spPr/>
+        <p:txBody>
+          <a:bodyPr/>
+          <a:lstStyle/>
+          <a:p>
+            <a:r>
+              <a:rPr lang="pt-BR" dirty="0"/>
+              <a:t>Da pra usar </a:t>
+            </a:r>
+            <a:r>
+              <a:rPr lang="pt-BR" dirty="0" err="1"/>
+              <a:t>all</a:t>
+            </a:r>
+            <a:r>
+              <a:rPr lang="pt-BR" dirty="0"/>
+              <a:t> ou </a:t>
+            </a:r>
+            <a:r>
+              <a:rPr lang="pt-BR" dirty="0" err="1"/>
+              <a:t>any</a:t>
+            </a:r>
+            <a:endParaRPr lang="pt-BR" dirty="0"/>
+          </a:p>
+          <a:p>
+            <a:r>
+              <a:rPr lang="pt-BR" dirty="0"/>
+              <a:t>Primeira pra ambas</a:t>
+            </a:r>
+          </a:p>
+          <a:p>
+            <a:r>
+              <a:rPr lang="pt-BR" dirty="0"/>
+              <a:t>Segunda pra alguma</a:t>
+            </a:r>
+          </a:p>
+        </p:txBody>
+      </p:sp>
+      <p:pic>
+        <p:nvPicPr>
+          <p:cNvPr id="6" name="Imagem 5">
+            <a:extLst>
+              <a:ext uri="{FF2B5EF4-FFF2-40B4-BE49-F238E27FC236}">
+                <a16:creationId xmlns:a16="http://schemas.microsoft.com/office/drawing/2014/main" id="{1139E98D-8B0F-60C3-FA5C-E7AE3AE877A4}"/>
+              </a:ext>
+            </a:extLst>
+          </p:cNvPr>
+          <p:cNvPicPr>
+            <a:picLocks noChangeAspect="1"/>
+          </p:cNvPicPr>
+          <p:nvPr/>
+        </p:nvPicPr>
+        <p:blipFill>
+          <a:blip r:embed="rId2"/>
+          <a:stretch>
+            <a:fillRect/>
+          </a:stretch>
+        </p:blipFill>
+        <p:spPr>
+          <a:xfrm>
+            <a:off x="3912243" y="2114880"/>
+            <a:ext cx="7881948" cy="4743119"/>
+          </a:xfrm>
+          <a:prstGeom prst="rect">
+            <a:avLst/>
+          </a:prstGeom>
+        </p:spPr>
+      </p:pic>
+    </p:spTree>
+    <p:extLst>
+      <p:ext uri="{BB962C8B-B14F-4D97-AF65-F5344CB8AC3E}">
+        <p14:creationId xmlns:p14="http://schemas.microsoft.com/office/powerpoint/2010/main" val="3797206122"/>
+      </p:ext>
+    </p:extLst>
+  </p:cSld>
+  <p:clrMapOvr>
+    <a:masterClrMapping/>
+  </p:clrMapOvr>
+</p:sld>
+</file>
+
+<file path=ppt/slides/slide42.xml><?xml version="1.0" encoding="utf-8"?>
+<p:sld xmlns:a="http://schemas.openxmlformats.org/drawingml/2006/main" xmlns:r="http://schemas.openxmlformats.org/officeDocument/2006/relationships" xmlns:p="http://schemas.openxmlformats.org/presentationml/2006/main">
+  <p:cSld>
+    <p:spTree>
+      <p:nvGrpSpPr>
+        <p:cNvPr id="1" name=""/>
+        <p:cNvGrpSpPr/>
+        <p:nvPr/>
+      </p:nvGrpSpPr>
+      <p:grpSpPr>
+        <a:xfrm>
+          <a:off x="0" y="0"/>
+          <a:ext cx="0" cy="0"/>
+          <a:chOff x="0" y="0"/>
+          <a:chExt cx="0" cy="0"/>
+        </a:xfrm>
+      </p:grpSpPr>
+      <p:sp>
+        <p:nvSpPr>
+          <p:cNvPr id="2" name="Título 1">
+            <a:extLst>
+              <a:ext uri="{FF2B5EF4-FFF2-40B4-BE49-F238E27FC236}">
+                <a16:creationId xmlns:a16="http://schemas.microsoft.com/office/drawing/2014/main" id="{30A658AA-E3A5-855F-B497-9C0705DE4FFA}"/>
+              </a:ext>
+            </a:extLst>
+          </p:cNvPr>
+          <p:cNvSpPr>
+            <a:spLocks noGrp="1"/>
+          </p:cNvSpPr>
+          <p:nvPr>
+            <p:ph type="title"/>
+          </p:nvPr>
+        </p:nvSpPr>
+        <p:spPr/>
+        <p:txBody>
+          <a:bodyPr/>
+          <a:lstStyle/>
+          <a:p>
+            <a:r>
+              <a:rPr lang="pt-BR" dirty="0"/>
+              <a:t>Pra tirar colunas vazias</a:t>
+            </a:r>
+          </a:p>
+        </p:txBody>
+      </p:sp>
+      <p:pic>
+        <p:nvPicPr>
+          <p:cNvPr id="6" name="Espaço Reservado para Conteúdo 5">
+            <a:extLst>
+              <a:ext uri="{FF2B5EF4-FFF2-40B4-BE49-F238E27FC236}">
+                <a16:creationId xmlns:a16="http://schemas.microsoft.com/office/drawing/2014/main" id="{2C4E05AA-E487-8CB0-C012-EC43F92434A9}"/>
+              </a:ext>
+            </a:extLst>
+          </p:cNvPr>
+          <p:cNvPicPr>
+            <a:picLocks noGrp="1" noChangeAspect="1"/>
+          </p:cNvPicPr>
+          <p:nvPr>
+            <p:ph idx="1"/>
+          </p:nvPr>
+        </p:nvPicPr>
+        <p:blipFill>
+          <a:blip r:embed="rId2"/>
+          <a:stretch>
+            <a:fillRect/>
+          </a:stretch>
+        </p:blipFill>
+        <p:spPr>
+          <a:xfrm>
+            <a:off x="5183188" y="2390140"/>
+            <a:ext cx="6172200" cy="2068195"/>
+          </a:xfrm>
+        </p:spPr>
+      </p:pic>
+      <p:sp>
+        <p:nvSpPr>
+          <p:cNvPr id="4" name="Espaço Reservado para Texto 3">
+            <a:extLst>
+              <a:ext uri="{FF2B5EF4-FFF2-40B4-BE49-F238E27FC236}">
+                <a16:creationId xmlns:a16="http://schemas.microsoft.com/office/drawing/2014/main" id="{E33056D4-591F-7283-953B-935653361989}"/>
+              </a:ext>
+            </a:extLst>
+          </p:cNvPr>
+          <p:cNvSpPr>
+            <a:spLocks noGrp="1"/>
+          </p:cNvSpPr>
+          <p:nvPr>
+            <p:ph type="body" sz="half" idx="2"/>
+          </p:nvPr>
+        </p:nvSpPr>
+        <p:spPr/>
+        <p:txBody>
+          <a:bodyPr/>
+          <a:lstStyle/>
+          <a:p>
+            <a:r>
+              <a:rPr lang="pt-BR" dirty="0"/>
+              <a:t>Usar </a:t>
+            </a:r>
+            <a:r>
+              <a:rPr lang="pt-BR" dirty="0" err="1"/>
+              <a:t>axis</a:t>
+            </a:r>
+            <a:r>
+              <a:rPr lang="pt-BR" dirty="0"/>
+              <a:t> no </a:t>
+            </a:r>
+            <a:r>
+              <a:rPr lang="pt-BR" dirty="0" err="1"/>
+              <a:t>dropna</a:t>
+            </a:r>
+            <a:endParaRPr lang="pt-BR" dirty="0"/>
+          </a:p>
+        </p:txBody>
+      </p:sp>
+    </p:spTree>
+    <p:extLst>
+      <p:ext uri="{BB962C8B-B14F-4D97-AF65-F5344CB8AC3E}">
+        <p14:creationId xmlns:p14="http://schemas.microsoft.com/office/powerpoint/2010/main" val="3419703134"/>
+      </p:ext>
+    </p:extLst>
+  </p:cSld>
+  <p:clrMapOvr>
+    <a:masterClrMapping/>
+  </p:clrMapOvr>
+</p:sld>
+</file>
+
+<file path=ppt/slides/slide43.xml><?xml version="1.0" encoding="utf-8"?>
+<p:sld xmlns:a="http://schemas.openxmlformats.org/drawingml/2006/main" xmlns:r="http://schemas.openxmlformats.org/officeDocument/2006/relationships" xmlns:p="http://schemas.openxmlformats.org/presentationml/2006/main">
+  <p:cSld>
+    <p:spTree>
+      <p:nvGrpSpPr>
+        <p:cNvPr id="1" name=""/>
+        <p:cNvGrpSpPr/>
+        <p:nvPr/>
+      </p:nvGrpSpPr>
+      <p:grpSpPr>
+        <a:xfrm>
+          <a:off x="0" y="0"/>
+          <a:ext cx="0" cy="0"/>
+          <a:chOff x="0" y="0"/>
+          <a:chExt cx="0" cy="0"/>
+        </a:xfrm>
+      </p:grpSpPr>
+      <p:sp>
+        <p:nvSpPr>
+          <p:cNvPr id="2" name="Título 1">
+            <a:extLst>
+              <a:ext uri="{FF2B5EF4-FFF2-40B4-BE49-F238E27FC236}">
+                <a16:creationId xmlns:a16="http://schemas.microsoft.com/office/drawing/2014/main" id="{EBAE82AD-635A-6FA2-A256-81EFF42ADED0}"/>
+              </a:ext>
+            </a:extLst>
+          </p:cNvPr>
+          <p:cNvSpPr>
+            <a:spLocks noGrp="1"/>
+          </p:cNvSpPr>
+          <p:nvPr>
+            <p:ph type="title"/>
+          </p:nvPr>
+        </p:nvSpPr>
+        <p:spPr/>
+        <p:txBody>
+          <a:bodyPr>
+            <a:normAutofit fontScale="90000"/>
+          </a:bodyPr>
+          <a:lstStyle/>
+          <a:p>
+            <a:r>
+              <a:rPr lang="pt-BR" dirty="0"/>
+              <a:t>Remove a coluna com base da quantidade de não nulos que eu tenho</a:t>
+            </a:r>
+          </a:p>
+        </p:txBody>
+      </p:sp>
+      <p:pic>
+        <p:nvPicPr>
+          <p:cNvPr id="6" name="Espaço Reservado para Conteúdo 5">
+            <a:extLst>
+              <a:ext uri="{FF2B5EF4-FFF2-40B4-BE49-F238E27FC236}">
+                <a16:creationId xmlns:a16="http://schemas.microsoft.com/office/drawing/2014/main" id="{AA307D73-EBE3-3497-0977-65CA2699F962}"/>
+              </a:ext>
+            </a:extLst>
+          </p:cNvPr>
+          <p:cNvPicPr>
+            <a:picLocks noGrp="1" noChangeAspect="1"/>
+          </p:cNvPicPr>
+          <p:nvPr>
+            <p:ph idx="1"/>
+          </p:nvPr>
+        </p:nvPicPr>
+        <p:blipFill>
+          <a:blip r:embed="rId2"/>
+          <a:stretch>
+            <a:fillRect/>
+          </a:stretch>
+        </p:blipFill>
+        <p:spPr>
+          <a:xfrm>
+            <a:off x="5282783" y="2290604"/>
+            <a:ext cx="5973009" cy="2267266"/>
+          </a:xfrm>
+        </p:spPr>
+      </p:pic>
+      <p:sp>
+        <p:nvSpPr>
+          <p:cNvPr id="4" name="Espaço Reservado para Texto 3">
+            <a:extLst>
+              <a:ext uri="{FF2B5EF4-FFF2-40B4-BE49-F238E27FC236}">
+                <a16:creationId xmlns:a16="http://schemas.microsoft.com/office/drawing/2014/main" id="{DF78FCB2-00C5-1CD8-33F2-047DFD7D982D}"/>
+              </a:ext>
+            </a:extLst>
+          </p:cNvPr>
+          <p:cNvSpPr>
+            <a:spLocks noGrp="1"/>
+          </p:cNvSpPr>
+          <p:nvPr>
+            <p:ph type="body" sz="half" idx="2"/>
+          </p:nvPr>
+        </p:nvSpPr>
+        <p:spPr/>
+        <p:txBody>
+          <a:bodyPr/>
+          <a:lstStyle/>
+          <a:p>
+            <a:r>
+              <a:rPr lang="pt-BR" dirty="0" err="1"/>
+              <a:t>Thresh</a:t>
+            </a:r>
+            <a:r>
+              <a:rPr lang="pt-BR" dirty="0"/>
+              <a:t> é a quantidade solicitada</a:t>
+            </a:r>
+          </a:p>
+        </p:txBody>
+      </p:sp>
+      <p:pic>
+        <p:nvPicPr>
+          <p:cNvPr id="8" name="Imagem 7">
+            <a:extLst>
+              <a:ext uri="{FF2B5EF4-FFF2-40B4-BE49-F238E27FC236}">
+                <a16:creationId xmlns:a16="http://schemas.microsoft.com/office/drawing/2014/main" id="{7F7761E8-44A7-1BFD-5148-140A4D8B8A18}"/>
+              </a:ext>
+            </a:extLst>
+          </p:cNvPr>
+          <p:cNvPicPr>
+            <a:picLocks noChangeAspect="1"/>
+          </p:cNvPicPr>
+          <p:nvPr/>
+        </p:nvPicPr>
+        <p:blipFill>
+          <a:blip r:embed="rId3"/>
+          <a:stretch>
+            <a:fillRect/>
+          </a:stretch>
+        </p:blipFill>
+        <p:spPr>
+          <a:xfrm>
+            <a:off x="329030" y="3530278"/>
+            <a:ext cx="3612432" cy="2787120"/>
+          </a:xfrm>
+          <a:prstGeom prst="rect">
+            <a:avLst/>
+          </a:prstGeom>
+        </p:spPr>
+      </p:pic>
+      <p:pic>
+        <p:nvPicPr>
+          <p:cNvPr id="10" name="Imagem 9">
+            <a:extLst>
+              <a:ext uri="{FF2B5EF4-FFF2-40B4-BE49-F238E27FC236}">
+                <a16:creationId xmlns:a16="http://schemas.microsoft.com/office/drawing/2014/main" id="{3BBA27CD-7A84-D393-9E2C-C3EA5D7F7EA3}"/>
+              </a:ext>
+            </a:extLst>
+          </p:cNvPr>
+          <p:cNvPicPr>
+            <a:picLocks noChangeAspect="1"/>
+          </p:cNvPicPr>
+          <p:nvPr/>
+        </p:nvPicPr>
+        <p:blipFill>
+          <a:blip r:embed="rId4"/>
+          <a:stretch>
+            <a:fillRect/>
+          </a:stretch>
+        </p:blipFill>
+        <p:spPr>
+          <a:xfrm>
+            <a:off x="4356962" y="3865944"/>
+            <a:ext cx="3478076" cy="2851756"/>
+          </a:xfrm>
+          <a:prstGeom prst="rect">
+            <a:avLst/>
+          </a:prstGeom>
+        </p:spPr>
+      </p:pic>
+      <p:pic>
+        <p:nvPicPr>
+          <p:cNvPr id="12" name="Imagem 11">
+            <a:extLst>
+              <a:ext uri="{FF2B5EF4-FFF2-40B4-BE49-F238E27FC236}">
+                <a16:creationId xmlns:a16="http://schemas.microsoft.com/office/drawing/2014/main" id="{2148856A-1DF9-F636-B77A-221657414C91}"/>
+              </a:ext>
+            </a:extLst>
+          </p:cNvPr>
+          <p:cNvPicPr>
+            <a:picLocks noChangeAspect="1"/>
+          </p:cNvPicPr>
+          <p:nvPr/>
+        </p:nvPicPr>
+        <p:blipFill>
+          <a:blip r:embed="rId5"/>
+          <a:stretch>
+            <a:fillRect/>
+          </a:stretch>
+        </p:blipFill>
+        <p:spPr>
+          <a:xfrm>
+            <a:off x="8044646" y="4166886"/>
+            <a:ext cx="3211146" cy="2435831"/>
+          </a:xfrm>
+          <a:prstGeom prst="rect">
+            <a:avLst/>
+          </a:prstGeom>
+        </p:spPr>
+      </p:pic>
+    </p:spTree>
+    <p:extLst>
+      <p:ext uri="{BB962C8B-B14F-4D97-AF65-F5344CB8AC3E}">
+        <p14:creationId xmlns:p14="http://schemas.microsoft.com/office/powerpoint/2010/main" val="753415532"/>
+      </p:ext>
+    </p:extLst>
+  </p:cSld>
+  <p:clrMapOvr>
+    <a:masterClrMapping/>
+  </p:clrMapOvr>
+</p:sld>
+</file>
+
+<file path=ppt/slides/slide44.xml><?xml version="1.0" encoding="utf-8"?>
+<p:sld xmlns:a="http://schemas.openxmlformats.org/drawingml/2006/main" xmlns:r="http://schemas.openxmlformats.org/officeDocument/2006/relationships" xmlns:p="http://schemas.openxmlformats.org/presentationml/2006/main">
+  <p:cSld>
+    <p:spTree>
+      <p:nvGrpSpPr>
+        <p:cNvPr id="1" name=""/>
+        <p:cNvGrpSpPr/>
+        <p:nvPr/>
+      </p:nvGrpSpPr>
+      <p:grpSpPr>
+        <a:xfrm>
+          <a:off x="0" y="0"/>
+          <a:ext cx="0" cy="0"/>
+          <a:chOff x="0" y="0"/>
+          <a:chExt cx="0" cy="0"/>
+        </a:xfrm>
+      </p:grpSpPr>
+      <p:sp>
+        <p:nvSpPr>
+          <p:cNvPr id="2" name="Título 1">
+            <a:extLst>
+              <a:ext uri="{FF2B5EF4-FFF2-40B4-BE49-F238E27FC236}">
+                <a16:creationId xmlns:a16="http://schemas.microsoft.com/office/drawing/2014/main" id="{1B5631D7-1542-F288-5FD3-7959C0E3F59E}"/>
+              </a:ext>
+            </a:extLst>
+          </p:cNvPr>
+          <p:cNvSpPr>
+            <a:spLocks noGrp="1"/>
+          </p:cNvSpPr>
+          <p:nvPr>
+            <p:ph type="title"/>
+          </p:nvPr>
+        </p:nvSpPr>
+        <p:spPr/>
+        <p:txBody>
+          <a:bodyPr/>
+          <a:lstStyle/>
+          <a:p>
+            <a:r>
+              <a:rPr lang="pt-BR" dirty="0"/>
+              <a:t>somando</a:t>
+            </a:r>
+          </a:p>
+        </p:txBody>
+      </p:sp>
+      <p:pic>
+        <p:nvPicPr>
+          <p:cNvPr id="6" name="Espaço Reservado para Conteúdo 5">
+            <a:extLst>
+              <a:ext uri="{FF2B5EF4-FFF2-40B4-BE49-F238E27FC236}">
+                <a16:creationId xmlns:a16="http://schemas.microsoft.com/office/drawing/2014/main" id="{2F0384E3-DD29-184A-D8A0-2B8690066B34}"/>
+              </a:ext>
+            </a:extLst>
+          </p:cNvPr>
+          <p:cNvPicPr>
+            <a:picLocks noGrp="1" noChangeAspect="1"/>
+          </p:cNvPicPr>
+          <p:nvPr>
+            <p:ph idx="1"/>
+          </p:nvPr>
+        </p:nvPicPr>
+        <p:blipFill>
+          <a:blip r:embed="rId2"/>
+          <a:stretch>
+            <a:fillRect/>
+          </a:stretch>
+        </p:blipFill>
+        <p:spPr>
+          <a:xfrm>
+            <a:off x="5183188" y="1701549"/>
+            <a:ext cx="6172200" cy="3445376"/>
+          </a:xfrm>
+        </p:spPr>
+      </p:pic>
+      <p:sp>
+        <p:nvSpPr>
+          <p:cNvPr id="4" name="Espaço Reservado para Texto 3">
+            <a:extLst>
+              <a:ext uri="{FF2B5EF4-FFF2-40B4-BE49-F238E27FC236}">
+                <a16:creationId xmlns:a16="http://schemas.microsoft.com/office/drawing/2014/main" id="{18E38E7B-FD68-5B6D-3452-26E5AAA243FE}"/>
+              </a:ext>
+            </a:extLst>
+          </p:cNvPr>
+          <p:cNvSpPr>
+            <a:spLocks noGrp="1"/>
+          </p:cNvSpPr>
+          <p:nvPr>
+            <p:ph type="body" sz="half" idx="2"/>
+          </p:nvPr>
+        </p:nvSpPr>
+        <p:spPr/>
+        <p:txBody>
+          <a:bodyPr/>
+          <a:lstStyle/>
+          <a:p>
+            <a:r>
+              <a:rPr lang="pt-BR" dirty="0"/>
+              <a:t>Para um específico</a:t>
+            </a:r>
+          </a:p>
+        </p:txBody>
+      </p:sp>
+    </p:spTree>
+    <p:extLst>
+      <p:ext uri="{BB962C8B-B14F-4D97-AF65-F5344CB8AC3E}">
+        <p14:creationId xmlns:p14="http://schemas.microsoft.com/office/powerpoint/2010/main" val="1270444303"/>
+      </p:ext>
+    </p:extLst>
+  </p:cSld>
+  <p:clrMapOvr>
+    <a:masterClrMapping/>
+  </p:clrMapOvr>
+</p:sld>
+</file>
+
+<file path=ppt/slides/slide45.xml><?xml version="1.0" encoding="utf-8"?>
+<p:sld xmlns:a="http://schemas.openxmlformats.org/drawingml/2006/main" xmlns:r="http://schemas.openxmlformats.org/officeDocument/2006/relationships" xmlns:p="http://schemas.openxmlformats.org/presentationml/2006/main">
+  <p:cSld>
+    <p:spTree>
+      <p:nvGrpSpPr>
+        <p:cNvPr id="1" name=""/>
+        <p:cNvGrpSpPr/>
+        <p:nvPr/>
+      </p:nvGrpSpPr>
+      <p:grpSpPr>
+        <a:xfrm>
+          <a:off x="0" y="0"/>
+          <a:ext cx="0" cy="0"/>
+          <a:chOff x="0" y="0"/>
+          <a:chExt cx="0" cy="0"/>
+        </a:xfrm>
+      </p:grpSpPr>
+      <p:sp>
+        <p:nvSpPr>
+          <p:cNvPr id="2" name="Título 1">
+            <a:extLst>
+              <a:ext uri="{FF2B5EF4-FFF2-40B4-BE49-F238E27FC236}">
+                <a16:creationId xmlns:a16="http://schemas.microsoft.com/office/drawing/2014/main" id="{5E909780-6363-24BA-07F6-E983DF63E007}"/>
+              </a:ext>
+            </a:extLst>
+          </p:cNvPr>
+          <p:cNvSpPr>
+            <a:spLocks noGrp="1"/>
+          </p:cNvSpPr>
+          <p:nvPr>
+            <p:ph type="title"/>
+          </p:nvPr>
+        </p:nvSpPr>
+        <p:spPr/>
+        <p:txBody>
+          <a:bodyPr/>
+          <a:lstStyle/>
+          <a:p>
+            <a:r>
+              <a:rPr lang="pt-BR" dirty="0"/>
+              <a:t>Soma para todos </a:t>
+            </a:r>
+            <a:r>
+              <a:rPr lang="pt-BR" dirty="0" err="1"/>
+              <a:t>usuarios</a:t>
+            </a:r>
+            <a:endParaRPr lang="pt-BR" dirty="0"/>
+          </a:p>
+        </p:txBody>
+      </p:sp>
+      <p:pic>
+        <p:nvPicPr>
+          <p:cNvPr id="6" name="Espaço Reservado para Conteúdo 5">
+            <a:extLst>
+              <a:ext uri="{FF2B5EF4-FFF2-40B4-BE49-F238E27FC236}">
+                <a16:creationId xmlns:a16="http://schemas.microsoft.com/office/drawing/2014/main" id="{6F730486-0CC6-9DAD-E93F-360D11FC9C87}"/>
+              </a:ext>
+            </a:extLst>
+          </p:cNvPr>
+          <p:cNvPicPr>
+            <a:picLocks noGrp="1" noChangeAspect="1"/>
+          </p:cNvPicPr>
+          <p:nvPr>
+            <p:ph idx="1"/>
+          </p:nvPr>
+        </p:nvPicPr>
+        <p:blipFill>
+          <a:blip r:embed="rId2"/>
+          <a:stretch>
+            <a:fillRect/>
+          </a:stretch>
+        </p:blipFill>
+        <p:spPr>
+          <a:xfrm>
+            <a:off x="5183188" y="2098493"/>
+            <a:ext cx="6172200" cy="2651489"/>
+          </a:xfrm>
+        </p:spPr>
+      </p:pic>
+      <p:sp>
+        <p:nvSpPr>
+          <p:cNvPr id="4" name="Espaço Reservado para Texto 3">
+            <a:extLst>
+              <a:ext uri="{FF2B5EF4-FFF2-40B4-BE49-F238E27FC236}">
+                <a16:creationId xmlns:a16="http://schemas.microsoft.com/office/drawing/2014/main" id="{DE1DD1CA-B3DB-2736-E378-06DC2C5431E0}"/>
+              </a:ext>
+            </a:extLst>
+          </p:cNvPr>
+          <p:cNvSpPr>
+            <a:spLocks noGrp="1"/>
+          </p:cNvSpPr>
+          <p:nvPr>
+            <p:ph type="body" sz="half" idx="2"/>
+          </p:nvPr>
+        </p:nvSpPr>
+        <p:spPr/>
+        <p:txBody>
+          <a:bodyPr/>
+          <a:lstStyle/>
+          <a:p>
+            <a:r>
+              <a:rPr lang="pt-BR" dirty="0" err="1"/>
+              <a:t>Groupby</a:t>
+            </a:r>
+            <a:r>
+              <a:rPr lang="pt-BR" dirty="0"/>
+              <a:t> é melhor</a:t>
+            </a:r>
+          </a:p>
+        </p:txBody>
+      </p:sp>
+      <p:pic>
+        <p:nvPicPr>
+          <p:cNvPr id="8" name="Imagem 7">
+            <a:extLst>
+              <a:ext uri="{FF2B5EF4-FFF2-40B4-BE49-F238E27FC236}">
+                <a16:creationId xmlns:a16="http://schemas.microsoft.com/office/drawing/2014/main" id="{3C59D1A2-2E77-716A-03BF-16E5612E1FB3}"/>
+              </a:ext>
+            </a:extLst>
+          </p:cNvPr>
+          <p:cNvPicPr>
+            <a:picLocks noChangeAspect="1"/>
+          </p:cNvPicPr>
+          <p:nvPr/>
+        </p:nvPicPr>
+        <p:blipFill>
+          <a:blip r:embed="rId3"/>
+          <a:stretch>
+            <a:fillRect/>
+          </a:stretch>
+        </p:blipFill>
+        <p:spPr>
+          <a:xfrm>
+            <a:off x="468860" y="4685997"/>
+            <a:ext cx="7411484" cy="2172003"/>
+          </a:xfrm>
+          <a:prstGeom prst="rect">
+            <a:avLst/>
+          </a:prstGeom>
+        </p:spPr>
+      </p:pic>
+    </p:spTree>
+    <p:extLst>
+      <p:ext uri="{BB962C8B-B14F-4D97-AF65-F5344CB8AC3E}">
+        <p14:creationId xmlns:p14="http://schemas.microsoft.com/office/powerpoint/2010/main" val="3210623773"/>
+      </p:ext>
+    </p:extLst>
+  </p:cSld>
+  <p:clrMapOvr>
+    <a:masterClrMapping/>
+  </p:clrMapOvr>
+</p:sld>
+</file>
+
+<file path=ppt/slides/slide46.xml><?xml version="1.0" encoding="utf-8"?>
+<p:sld xmlns:a="http://schemas.openxmlformats.org/drawingml/2006/main" xmlns:r="http://schemas.openxmlformats.org/officeDocument/2006/relationships" xmlns:p="http://schemas.openxmlformats.org/presentationml/2006/main">
+  <p:cSld>
+    <p:spTree>
+      <p:nvGrpSpPr>
+        <p:cNvPr id="1" name=""/>
+        <p:cNvGrpSpPr/>
+        <p:nvPr/>
+      </p:nvGrpSpPr>
+      <p:grpSpPr>
+        <a:xfrm>
+          <a:off x="0" y="0"/>
+          <a:ext cx="0" cy="0"/>
+          <a:chOff x="0" y="0"/>
+          <a:chExt cx="0" cy="0"/>
+        </a:xfrm>
+      </p:grpSpPr>
+      <p:sp>
+        <p:nvSpPr>
+          <p:cNvPr id="2" name="Título 1">
+            <a:extLst>
+              <a:ext uri="{FF2B5EF4-FFF2-40B4-BE49-F238E27FC236}">
+                <a16:creationId xmlns:a16="http://schemas.microsoft.com/office/drawing/2014/main" id="{7DC13CC5-8196-5C35-2E76-CFA6773164A4}"/>
+              </a:ext>
+            </a:extLst>
+          </p:cNvPr>
+          <p:cNvSpPr>
+            <a:spLocks noGrp="1"/>
+          </p:cNvSpPr>
+          <p:nvPr>
+            <p:ph type="title"/>
+          </p:nvPr>
+        </p:nvSpPr>
+        <p:spPr/>
+        <p:txBody>
+          <a:bodyPr/>
+          <a:lstStyle/>
+          <a:p>
+            <a:r>
+              <a:rPr lang="pt-BR" dirty="0"/>
+              <a:t>Reset index</a:t>
+            </a:r>
+          </a:p>
+        </p:txBody>
+      </p:sp>
+      <p:pic>
+        <p:nvPicPr>
+          <p:cNvPr id="6" name="Espaço Reservado para Conteúdo 5">
+            <a:extLst>
+              <a:ext uri="{FF2B5EF4-FFF2-40B4-BE49-F238E27FC236}">
+                <a16:creationId xmlns:a16="http://schemas.microsoft.com/office/drawing/2014/main" id="{5C563C90-2F3F-559D-3743-769672A88029}"/>
+              </a:ext>
+            </a:extLst>
+          </p:cNvPr>
+          <p:cNvPicPr>
+            <a:picLocks noGrp="1" noChangeAspect="1"/>
+          </p:cNvPicPr>
+          <p:nvPr>
+            <p:ph idx="1"/>
+          </p:nvPr>
+        </p:nvPicPr>
+        <p:blipFill>
+          <a:blip r:embed="rId2"/>
+          <a:stretch>
+            <a:fillRect/>
+          </a:stretch>
+        </p:blipFill>
+        <p:spPr>
+          <a:xfrm>
+            <a:off x="6298337" y="987425"/>
+            <a:ext cx="3941902" cy="4873625"/>
+          </a:xfrm>
+        </p:spPr>
+      </p:pic>
+      <p:sp>
+        <p:nvSpPr>
+          <p:cNvPr id="4" name="Espaço Reservado para Texto 3">
+            <a:extLst>
+              <a:ext uri="{FF2B5EF4-FFF2-40B4-BE49-F238E27FC236}">
+                <a16:creationId xmlns:a16="http://schemas.microsoft.com/office/drawing/2014/main" id="{7F0DCF79-88B1-9E01-319B-8BE2BDE7C4BC}"/>
+              </a:ext>
+            </a:extLst>
+          </p:cNvPr>
+          <p:cNvSpPr>
+            <a:spLocks noGrp="1"/>
+          </p:cNvSpPr>
+          <p:nvPr>
+            <p:ph type="body" sz="half" idx="2"/>
+          </p:nvPr>
+        </p:nvSpPr>
+        <p:spPr/>
+        <p:txBody>
+          <a:bodyPr/>
+          <a:lstStyle/>
+          <a:p>
+            <a:r>
+              <a:rPr lang="pt-BR" dirty="0"/>
+              <a:t>Vai transformar num </a:t>
+            </a:r>
+            <a:r>
+              <a:rPr lang="pt-BR"/>
+              <a:t>dataframe</a:t>
+            </a:r>
+          </a:p>
+        </p:txBody>
+      </p:sp>
+    </p:spTree>
+    <p:extLst>
+      <p:ext uri="{BB962C8B-B14F-4D97-AF65-F5344CB8AC3E}">
+        <p14:creationId xmlns:p14="http://schemas.microsoft.com/office/powerpoint/2010/main" val="551643093"/>
+      </p:ext>
+    </p:extLst>
+  </p:cSld>
+  <p:clrMapOvr>
+    <a:masterClrMapping/>
+  </p:clrMapOvr>
+</p:sld>
+</file>
+
+<file path=ppt/slides/slide47.xml><?xml version="1.0" encoding="utf-8"?>
+<p:sld xmlns:a="http://schemas.openxmlformats.org/drawingml/2006/main" xmlns:r="http://schemas.openxmlformats.org/officeDocument/2006/relationships" xmlns:p="http://schemas.openxmlformats.org/presentationml/2006/main">
+  <p:cSld>
+    <p:spTree>
+      <p:nvGrpSpPr>
+        <p:cNvPr id="1" name=""/>
+        <p:cNvGrpSpPr/>
+        <p:nvPr/>
+      </p:nvGrpSpPr>
+      <p:grpSpPr>
+        <a:xfrm>
+          <a:off x="0" y="0"/>
+          <a:ext cx="0" cy="0"/>
+          <a:chOff x="0" y="0"/>
+          <a:chExt cx="0" cy="0"/>
+        </a:xfrm>
+      </p:grpSpPr>
+      <p:sp>
+        <p:nvSpPr>
+          <p:cNvPr id="2" name="Título 1">
+            <a:extLst>
+              <a:ext uri="{FF2B5EF4-FFF2-40B4-BE49-F238E27FC236}">
+                <a16:creationId xmlns:a16="http://schemas.microsoft.com/office/drawing/2014/main" id="{0FC904B6-4040-EAA3-A3BC-EF56FFE5A70E}"/>
+              </a:ext>
+            </a:extLst>
+          </p:cNvPr>
+          <p:cNvSpPr>
+            <a:spLocks noGrp="1"/>
+          </p:cNvSpPr>
+          <p:nvPr>
+            <p:ph type="title"/>
+          </p:nvPr>
+        </p:nvSpPr>
+        <p:spPr/>
+        <p:txBody>
+          <a:bodyPr/>
+          <a:lstStyle/>
+          <a:p>
+            <a:r>
+              <a:rPr lang="pt-BR" dirty="0"/>
+              <a:t>agregar</a:t>
+            </a:r>
+          </a:p>
+        </p:txBody>
+      </p:sp>
+      <p:pic>
+        <p:nvPicPr>
+          <p:cNvPr id="6" name="Espaço Reservado para Conteúdo 5">
+            <a:extLst>
+              <a:ext uri="{FF2B5EF4-FFF2-40B4-BE49-F238E27FC236}">
+                <a16:creationId xmlns:a16="http://schemas.microsoft.com/office/drawing/2014/main" id="{037F2383-E8E2-00B1-774E-976D701B68FF}"/>
+              </a:ext>
+            </a:extLst>
+          </p:cNvPr>
+          <p:cNvPicPr>
+            <a:picLocks noGrp="1" noChangeAspect="1"/>
+          </p:cNvPicPr>
+          <p:nvPr>
+            <p:ph idx="1"/>
+          </p:nvPr>
+        </p:nvPicPr>
+        <p:blipFill>
+          <a:blip r:embed="rId2"/>
+          <a:stretch>
+            <a:fillRect/>
+          </a:stretch>
+        </p:blipFill>
+        <p:spPr>
+          <a:xfrm>
+            <a:off x="5180012" y="563666"/>
+            <a:ext cx="6172200" cy="1994095"/>
+          </a:xfrm>
+        </p:spPr>
+      </p:pic>
+      <p:sp>
+        <p:nvSpPr>
+          <p:cNvPr id="4" name="Espaço Reservado para Texto 3">
+            <a:extLst>
+              <a:ext uri="{FF2B5EF4-FFF2-40B4-BE49-F238E27FC236}">
+                <a16:creationId xmlns:a16="http://schemas.microsoft.com/office/drawing/2014/main" id="{9D1D1F66-F285-535C-0907-D3FA9C7A6C3C}"/>
+              </a:ext>
+            </a:extLst>
+          </p:cNvPr>
+          <p:cNvSpPr>
+            <a:spLocks noGrp="1"/>
+          </p:cNvSpPr>
+          <p:nvPr>
+            <p:ph type="body" sz="half" idx="2"/>
+          </p:nvPr>
+        </p:nvSpPr>
+        <p:spPr/>
+        <p:txBody>
+          <a:bodyPr/>
+          <a:lstStyle/>
+          <a:p>
+            <a:r>
+              <a:rPr lang="pt-BR" dirty="0"/>
+              <a:t>Usar </a:t>
+            </a:r>
+            <a:r>
+              <a:rPr lang="pt-BR" dirty="0" err="1"/>
+              <a:t>agg</a:t>
+            </a:r>
+            <a:endParaRPr lang="pt-BR" dirty="0"/>
+          </a:p>
+          <a:p>
+            <a:r>
+              <a:rPr lang="pt-BR" dirty="0"/>
+              <a:t>Vai poder criar uma coluna estilo sumarize, pode somar, contar, fazer média..</a:t>
+            </a:r>
+          </a:p>
+          <a:p>
+            <a:r>
+              <a:rPr lang="pt-BR" dirty="0"/>
+              <a:t>Usar o </a:t>
+            </a:r>
+            <a:r>
+              <a:rPr lang="pt-BR" dirty="0" err="1"/>
+              <a:t>reset.index</a:t>
+            </a:r>
+            <a:r>
+              <a:rPr lang="pt-BR" dirty="0"/>
+              <a:t> pra deixar num </a:t>
+            </a:r>
+            <a:r>
+              <a:rPr lang="pt-BR" dirty="0" err="1"/>
+              <a:t>dataframe</a:t>
+            </a:r>
+            <a:endParaRPr lang="pt-BR" dirty="0"/>
+          </a:p>
+        </p:txBody>
+      </p:sp>
+      <p:pic>
+        <p:nvPicPr>
+          <p:cNvPr id="8" name="Imagem 7">
+            <a:extLst>
+              <a:ext uri="{FF2B5EF4-FFF2-40B4-BE49-F238E27FC236}">
+                <a16:creationId xmlns:a16="http://schemas.microsoft.com/office/drawing/2014/main" id="{8DB97016-71CC-8CB5-8D4A-846805FA93CE}"/>
+              </a:ext>
+            </a:extLst>
+          </p:cNvPr>
+          <p:cNvPicPr>
+            <a:picLocks noChangeAspect="1"/>
+          </p:cNvPicPr>
+          <p:nvPr/>
+        </p:nvPicPr>
+        <p:blipFill>
+          <a:blip r:embed="rId3"/>
+          <a:stretch>
+            <a:fillRect/>
+          </a:stretch>
+        </p:blipFill>
+        <p:spPr>
+          <a:xfrm>
+            <a:off x="4772025" y="3111238"/>
+            <a:ext cx="3360092" cy="3378725"/>
+          </a:xfrm>
+          <a:prstGeom prst="rect">
+            <a:avLst/>
+          </a:prstGeom>
+        </p:spPr>
+      </p:pic>
+      <p:pic>
+        <p:nvPicPr>
+          <p:cNvPr id="10" name="Imagem 9">
+            <a:extLst>
+              <a:ext uri="{FF2B5EF4-FFF2-40B4-BE49-F238E27FC236}">
+                <a16:creationId xmlns:a16="http://schemas.microsoft.com/office/drawing/2014/main" id="{EBC0B518-F827-191A-118D-5517DDEE2EDA}"/>
+              </a:ext>
+            </a:extLst>
+          </p:cNvPr>
+          <p:cNvPicPr>
+            <a:picLocks noChangeAspect="1"/>
+          </p:cNvPicPr>
+          <p:nvPr/>
+        </p:nvPicPr>
+        <p:blipFill>
+          <a:blip r:embed="rId4"/>
+          <a:stretch>
+            <a:fillRect/>
+          </a:stretch>
+        </p:blipFill>
+        <p:spPr>
+          <a:xfrm>
+            <a:off x="8464505" y="2997107"/>
+            <a:ext cx="3295819" cy="3606985"/>
+          </a:xfrm>
+          <a:prstGeom prst="rect">
+            <a:avLst/>
+          </a:prstGeom>
+        </p:spPr>
+      </p:pic>
+      <p:pic>
+        <p:nvPicPr>
+          <p:cNvPr id="12" name="Imagem 11">
+            <a:extLst>
+              <a:ext uri="{FF2B5EF4-FFF2-40B4-BE49-F238E27FC236}">
+                <a16:creationId xmlns:a16="http://schemas.microsoft.com/office/drawing/2014/main" id="{E0B052CE-1116-B2F9-6B09-10BE08EDD1C5}"/>
+              </a:ext>
+            </a:extLst>
+          </p:cNvPr>
+          <p:cNvPicPr>
+            <a:picLocks noChangeAspect="1"/>
+          </p:cNvPicPr>
+          <p:nvPr/>
+        </p:nvPicPr>
+        <p:blipFill>
+          <a:blip r:embed="rId5"/>
+          <a:stretch>
+            <a:fillRect/>
+          </a:stretch>
+        </p:blipFill>
+        <p:spPr>
+          <a:xfrm>
+            <a:off x="262172" y="4452884"/>
+            <a:ext cx="3892816" cy="2037079"/>
+          </a:xfrm>
+          <a:prstGeom prst="rect">
+            <a:avLst/>
+          </a:prstGeom>
+        </p:spPr>
+      </p:pic>
+    </p:spTree>
+    <p:extLst>
+      <p:ext uri="{BB962C8B-B14F-4D97-AF65-F5344CB8AC3E}">
+        <p14:creationId xmlns:p14="http://schemas.microsoft.com/office/powerpoint/2010/main" val="1333045686"/>
+      </p:ext>
+    </p:extLst>
+  </p:cSld>
+  <p:clrMapOvr>
+    <a:masterClrMapping/>
+  </p:clrMapOvr>
+</p:sld>
+</file>
+
+<file path=ppt/slides/slide48.xml><?xml version="1.0" encoding="utf-8"?>
+<p:sld xmlns:a="http://schemas.openxmlformats.org/drawingml/2006/main" xmlns:r="http://schemas.openxmlformats.org/officeDocument/2006/relationships" xmlns:p="http://schemas.openxmlformats.org/presentationml/2006/main">
+  <p:cSld>
+    <p:spTree>
+      <p:nvGrpSpPr>
+        <p:cNvPr id="1" name=""/>
+        <p:cNvGrpSpPr/>
+        <p:nvPr/>
+      </p:nvGrpSpPr>
+      <p:grpSpPr>
+        <a:xfrm>
+          <a:off x="0" y="0"/>
+          <a:ext cx="0" cy="0"/>
+          <a:chOff x="0" y="0"/>
+          <a:chExt cx="0" cy="0"/>
+        </a:xfrm>
+      </p:grpSpPr>
+      <p:sp>
+        <p:nvSpPr>
+          <p:cNvPr id="2" name="Título 1">
+            <a:extLst>
+              <a:ext uri="{FF2B5EF4-FFF2-40B4-BE49-F238E27FC236}">
+                <a16:creationId xmlns:a16="http://schemas.microsoft.com/office/drawing/2014/main" id="{34C82BE6-15E9-27AC-04E3-924BBE12767D}"/>
+              </a:ext>
+            </a:extLst>
+          </p:cNvPr>
+          <p:cNvSpPr>
+            <a:spLocks noGrp="1"/>
+          </p:cNvSpPr>
+          <p:nvPr>
+            <p:ph type="title"/>
+          </p:nvPr>
+        </p:nvSpPr>
+        <p:spPr/>
+        <p:txBody>
+          <a:bodyPr/>
+          <a:lstStyle/>
+          <a:p>
+            <a:r>
+              <a:rPr lang="pt-BR" dirty="0"/>
+              <a:t>Tipo sumarize</a:t>
+            </a:r>
+          </a:p>
+        </p:txBody>
+      </p:sp>
+      <p:pic>
+        <p:nvPicPr>
+          <p:cNvPr id="8" name="Espaço Reservado para Conteúdo 7">
+            <a:extLst>
+              <a:ext uri="{FF2B5EF4-FFF2-40B4-BE49-F238E27FC236}">
+                <a16:creationId xmlns:a16="http://schemas.microsoft.com/office/drawing/2014/main" id="{37C0C7C6-D1D4-96DE-8036-AE70ED9016C5}"/>
+              </a:ext>
+            </a:extLst>
+          </p:cNvPr>
+          <p:cNvPicPr>
+            <a:picLocks noGrp="1" noChangeAspect="1"/>
+          </p:cNvPicPr>
+          <p:nvPr>
+            <p:ph idx="1"/>
+          </p:nvPr>
+        </p:nvPicPr>
+        <p:blipFill>
+          <a:blip r:embed="rId2"/>
+          <a:stretch>
+            <a:fillRect/>
+          </a:stretch>
+        </p:blipFill>
+        <p:spPr>
+          <a:xfrm>
+            <a:off x="5183188" y="2047756"/>
+            <a:ext cx="6172200" cy="2752962"/>
+          </a:xfrm>
+        </p:spPr>
+      </p:pic>
+      <p:sp>
+        <p:nvSpPr>
+          <p:cNvPr id="4" name="Espaço Reservado para Texto 3">
+            <a:extLst>
+              <a:ext uri="{FF2B5EF4-FFF2-40B4-BE49-F238E27FC236}">
+                <a16:creationId xmlns:a16="http://schemas.microsoft.com/office/drawing/2014/main" id="{E43D3876-6A94-AF28-C708-97F4D33433E9}"/>
+              </a:ext>
+            </a:extLst>
+          </p:cNvPr>
+          <p:cNvSpPr>
+            <a:spLocks noGrp="1"/>
+          </p:cNvSpPr>
+          <p:nvPr>
+            <p:ph type="body" sz="half" idx="2"/>
+          </p:nvPr>
+        </p:nvSpPr>
+        <p:spPr/>
+        <p:txBody>
+          <a:bodyPr/>
+          <a:lstStyle/>
+          <a:p>
+            <a:endParaRPr lang="pt-BR" dirty="0"/>
+          </a:p>
+        </p:txBody>
+      </p:sp>
+      <p:pic>
+        <p:nvPicPr>
+          <p:cNvPr id="6" name="Imagem 5">
+            <a:extLst>
+              <a:ext uri="{FF2B5EF4-FFF2-40B4-BE49-F238E27FC236}">
+                <a16:creationId xmlns:a16="http://schemas.microsoft.com/office/drawing/2014/main" id="{7E6F648E-714B-B3F6-DD0B-6E8FF89D8015}"/>
+              </a:ext>
+            </a:extLst>
+          </p:cNvPr>
+          <p:cNvPicPr>
+            <a:picLocks noChangeAspect="1"/>
+          </p:cNvPicPr>
+          <p:nvPr/>
+        </p:nvPicPr>
+        <p:blipFill>
+          <a:blip r:embed="rId3"/>
+          <a:stretch>
+            <a:fillRect/>
+          </a:stretch>
+        </p:blipFill>
+        <p:spPr>
+          <a:xfrm>
+            <a:off x="420609" y="2824221"/>
+            <a:ext cx="4762579" cy="2920391"/>
+          </a:xfrm>
+          <a:prstGeom prst="rect">
+            <a:avLst/>
+          </a:prstGeom>
+        </p:spPr>
+      </p:pic>
+    </p:spTree>
+    <p:extLst>
+      <p:ext uri="{BB962C8B-B14F-4D97-AF65-F5344CB8AC3E}">
+        <p14:creationId xmlns:p14="http://schemas.microsoft.com/office/powerpoint/2010/main" val="1331784589"/>
+      </p:ext>
+    </p:extLst>
+  </p:cSld>
+  <p:clrMapOvr>
+    <a:masterClrMapping/>
+  </p:clrMapOvr>
+</p:sld>
+</file>
+
+<file path=ppt/slides/slide49.xml><?xml version="1.0" encoding="utf-8"?>
+<p:sld xmlns:a="http://schemas.openxmlformats.org/drawingml/2006/main" xmlns:r="http://schemas.openxmlformats.org/officeDocument/2006/relationships" xmlns:p="http://schemas.openxmlformats.org/presentationml/2006/main">
+  <p:cSld>
+    <p:spTree>
+      <p:nvGrpSpPr>
+        <p:cNvPr id="1" name=""/>
+        <p:cNvGrpSpPr/>
+        <p:nvPr/>
+      </p:nvGrpSpPr>
+      <p:grpSpPr>
+        <a:xfrm>
+          <a:off x="0" y="0"/>
+          <a:ext cx="0" cy="0"/>
+          <a:chOff x="0" y="0"/>
+          <a:chExt cx="0" cy="0"/>
+        </a:xfrm>
+      </p:grpSpPr>
+      <p:sp>
+        <p:nvSpPr>
+          <p:cNvPr id="2" name="Título 1">
+            <a:extLst>
+              <a:ext uri="{FF2B5EF4-FFF2-40B4-BE49-F238E27FC236}">
+                <a16:creationId xmlns:a16="http://schemas.microsoft.com/office/drawing/2014/main" id="{2B320DD8-85F8-9DAA-1C0C-6E4399906899}"/>
+              </a:ext>
+            </a:extLst>
+          </p:cNvPr>
+          <p:cNvSpPr>
+            <a:spLocks noGrp="1"/>
+          </p:cNvSpPr>
+          <p:nvPr>
+            <p:ph type="title"/>
+          </p:nvPr>
+        </p:nvSpPr>
+        <p:spPr/>
+        <p:txBody>
+          <a:bodyPr/>
+          <a:lstStyle/>
+          <a:p>
+            <a:r>
+              <a:rPr lang="pt-BR" dirty="0"/>
+              <a:t>Transformar pra data</a:t>
+            </a:r>
+          </a:p>
+        </p:txBody>
+      </p:sp>
+      <p:pic>
+        <p:nvPicPr>
+          <p:cNvPr id="6" name="Espaço Reservado para Conteúdo 5">
+            <a:extLst>
+              <a:ext uri="{FF2B5EF4-FFF2-40B4-BE49-F238E27FC236}">
+                <a16:creationId xmlns:a16="http://schemas.microsoft.com/office/drawing/2014/main" id="{4253FAF0-1121-C21F-1C09-4C2CE836BF71}"/>
+              </a:ext>
+            </a:extLst>
+          </p:cNvPr>
+          <p:cNvPicPr>
+            <a:picLocks noGrp="1" noChangeAspect="1"/>
+          </p:cNvPicPr>
+          <p:nvPr>
+            <p:ph idx="1"/>
+          </p:nvPr>
+        </p:nvPicPr>
+        <p:blipFill>
+          <a:blip r:embed="rId2"/>
+          <a:stretch>
+            <a:fillRect/>
+          </a:stretch>
+        </p:blipFill>
+        <p:spPr>
+          <a:xfrm>
+            <a:off x="5844837" y="2004814"/>
+            <a:ext cx="4848902" cy="2838846"/>
+          </a:xfrm>
+        </p:spPr>
+      </p:pic>
+      <p:sp>
+        <p:nvSpPr>
+          <p:cNvPr id="4" name="Espaço Reservado para Texto 3">
+            <a:extLst>
+              <a:ext uri="{FF2B5EF4-FFF2-40B4-BE49-F238E27FC236}">
+                <a16:creationId xmlns:a16="http://schemas.microsoft.com/office/drawing/2014/main" id="{072F26FC-F9E9-33CE-954D-BB0AF236448B}"/>
+              </a:ext>
+            </a:extLst>
+          </p:cNvPr>
+          <p:cNvSpPr>
+            <a:spLocks noGrp="1"/>
+          </p:cNvSpPr>
+          <p:nvPr>
+            <p:ph type="body" sz="half" idx="2"/>
+          </p:nvPr>
+        </p:nvSpPr>
+        <p:spPr/>
+        <p:txBody>
+          <a:bodyPr/>
+          <a:lstStyle/>
+          <a:p>
+            <a:endParaRPr lang="pt-BR"/>
+          </a:p>
+        </p:txBody>
+      </p:sp>
+    </p:spTree>
+    <p:extLst>
+      <p:ext uri="{BB962C8B-B14F-4D97-AF65-F5344CB8AC3E}">
+        <p14:creationId xmlns:p14="http://schemas.microsoft.com/office/powerpoint/2010/main" val="182206077"/>
+      </p:ext>
+    </p:extLst>
+  </p:cSld>
+  <p:clrMapOvr>
+    <a:masterClrMapping/>
+  </p:clrMapOvr>
+</p:sld>
+</file>
+
+<file path=ppt/slides/slide5.xml><?xml version="1.0" encoding="utf-8"?>
 <p:sld xmlns:a="http://schemas.openxmlformats.org/drawingml/2006/main" xmlns:r="http://schemas.openxmlformats.org/officeDocument/2006/relationships" xmlns:p="http://schemas.openxmlformats.org/presentationml/2006/main">
   <p:cSld>
     <p:spTree>
@@ -9042,7 +10692,7 @@
 </p:sld>
 </file>
 
-<file path=ppt/slides/slide40.xml><?xml version="1.0" encoding="utf-8"?>
+<file path=ppt/slides/slide50.xml><?xml version="1.0" encoding="utf-8"?>
 <p:sld xmlns:a="http://schemas.openxmlformats.org/drawingml/2006/main" xmlns:r="http://schemas.openxmlformats.org/officeDocument/2006/relationships" xmlns:p="http://schemas.openxmlformats.org/presentationml/2006/main">
   <p:cSld>
     <p:spTree>
@@ -9064,7 +10714,7 @@
           <p:cNvPr id="2" name="Título 1">
             <a:extLst>
               <a:ext uri="{FF2B5EF4-FFF2-40B4-BE49-F238E27FC236}">
-                <a16:creationId xmlns:a16="http://schemas.microsoft.com/office/drawing/2014/main" id="{42FFCAFA-90DF-F937-CDCA-E2C7C7D68B81}"/>
+                <a16:creationId xmlns:a16="http://schemas.microsoft.com/office/drawing/2014/main" id="{F0AEEC1A-CECE-F104-7343-4A193610B086}"/>
               </a:ext>
             </a:extLst>
           </p:cNvPr>
@@ -9081,112 +10731,27 @@
           <a:lstStyle/>
           <a:p>
             <a:r>
-              <a:rPr lang="pt-BR" dirty="0" err="1"/>
-              <a:t>Dropna</a:t>
-            </a:r>
-            <a:r>
-              <a:rPr lang="pt-BR" dirty="0"/>
-              <a:t> com </a:t>
-            </a:r>
-            <a:r>
-              <a:rPr lang="pt-BR" dirty="0" err="1"/>
-              <a:t>subset</a:t>
-            </a:r>
-            <a:endParaRPr lang="pt-BR" dirty="0"/>
-          </a:p>
-        </p:txBody>
-      </p:sp>
-      <p:sp>
-        <p:nvSpPr>
-          <p:cNvPr id="3" name="Espaço Reservado para Conteúdo 2">
-            <a:extLst>
-              <a:ext uri="{FF2B5EF4-FFF2-40B4-BE49-F238E27FC236}">
-                <a16:creationId xmlns:a16="http://schemas.microsoft.com/office/drawing/2014/main" id="{FC614CB5-805B-5420-B90E-DF616DB4F2E0}"/>
-              </a:ext>
-            </a:extLst>
-          </p:cNvPr>
-          <p:cNvSpPr>
-            <a:spLocks noGrp="1"/>
-          </p:cNvSpPr>
-          <p:nvPr>
-            <p:ph idx="1"/>
-          </p:nvPr>
-        </p:nvSpPr>
-        <p:spPr/>
-        <p:txBody>
-          <a:bodyPr/>
-          <a:lstStyle/>
-          <a:p>
-            <a:endParaRPr lang="pt-BR"/>
-          </a:p>
-        </p:txBody>
-      </p:sp>
-      <p:sp>
-        <p:nvSpPr>
-          <p:cNvPr id="4" name="Espaço Reservado para Texto 3">
-            <a:extLst>
-              <a:ext uri="{FF2B5EF4-FFF2-40B4-BE49-F238E27FC236}">
-                <a16:creationId xmlns:a16="http://schemas.microsoft.com/office/drawing/2014/main" id="{9AF7B12D-2609-5123-3F55-78FCC018090D}"/>
-              </a:ext>
-            </a:extLst>
-          </p:cNvPr>
-          <p:cNvSpPr>
-            <a:spLocks noGrp="1"/>
-          </p:cNvSpPr>
-          <p:nvPr>
-            <p:ph type="body" sz="half" idx="2"/>
-          </p:nvPr>
-        </p:nvSpPr>
-        <p:spPr/>
-        <p:txBody>
-          <a:bodyPr/>
-          <a:lstStyle/>
-          <a:p>
-            <a:r>
-              <a:rPr lang="pt-BR" dirty="0"/>
-              <a:t>Da pra usar </a:t>
-            </a:r>
-            <a:r>
-              <a:rPr lang="pt-BR" dirty="0" err="1"/>
-              <a:t>all</a:t>
-            </a:r>
-            <a:r>
-              <a:rPr lang="pt-BR" dirty="0"/>
-              <a:t> ou </a:t>
-            </a:r>
-            <a:r>
-              <a:rPr lang="pt-BR" dirty="0" err="1"/>
-              <a:t>any</a:t>
-            </a:r>
-            <a:endParaRPr lang="pt-BR" dirty="0"/>
-          </a:p>
-          <a:p>
-            <a:r>
-              <a:rPr lang="pt-BR" dirty="0"/>
-              <a:t>Primeira pra ambas</a:t>
-            </a:r>
-          </a:p>
-          <a:p>
-            <a:r>
-              <a:rPr lang="pt-BR" dirty="0"/>
-              <a:t>Segunda pra alguma</a:t>
+              <a:rPr lang="pt-BR" dirty="0"/>
+              <a:t>Diferença de datas</a:t>
             </a:r>
           </a:p>
         </p:txBody>
       </p:sp>
       <p:pic>
         <p:nvPicPr>
-          <p:cNvPr id="6" name="Imagem 5">
-            <a:extLst>
-              <a:ext uri="{FF2B5EF4-FFF2-40B4-BE49-F238E27FC236}">
-                <a16:creationId xmlns:a16="http://schemas.microsoft.com/office/drawing/2014/main" id="{1139E98D-8B0F-60C3-FA5C-E7AE3AE877A4}"/>
+          <p:cNvPr id="6" name="Espaço Reservado para Conteúdo 5">
+            <a:extLst>
+              <a:ext uri="{FF2B5EF4-FFF2-40B4-BE49-F238E27FC236}">
+                <a16:creationId xmlns:a16="http://schemas.microsoft.com/office/drawing/2014/main" id="{AC16B19D-E4AC-0E13-C114-67BA60BF9981}"/>
               </a:ext>
             </a:extLst>
           </p:cNvPr>
           <p:cNvPicPr>
-            <a:picLocks noChangeAspect="1"/>
+            <a:picLocks noGrp="1" noChangeAspect="1"/>
           </p:cNvPicPr>
-          <p:nvPr/>
+          <p:nvPr>
+            <p:ph idx="1"/>
+          </p:nvPr>
         </p:nvPicPr>
         <p:blipFill>
           <a:blip r:embed="rId2"/>
@@ -9196,8 +10761,60 @@
         </p:blipFill>
         <p:spPr>
           <a:xfrm>
-            <a:off x="3912243" y="2114880"/>
-            <a:ext cx="7881948" cy="4743119"/>
+            <a:off x="5602147" y="724133"/>
+            <a:ext cx="4723094" cy="3239061"/>
+          </a:xfrm>
+        </p:spPr>
+      </p:pic>
+      <p:sp>
+        <p:nvSpPr>
+          <p:cNvPr id="4" name="Espaço Reservado para Texto 3">
+            <a:extLst>
+              <a:ext uri="{FF2B5EF4-FFF2-40B4-BE49-F238E27FC236}">
+                <a16:creationId xmlns:a16="http://schemas.microsoft.com/office/drawing/2014/main" id="{6874E99B-E911-22C7-086E-00217AE54D0F}"/>
+              </a:ext>
+            </a:extLst>
+          </p:cNvPr>
+          <p:cNvSpPr>
+            <a:spLocks noGrp="1"/>
+          </p:cNvSpPr>
+          <p:nvPr>
+            <p:ph type="body" sz="half" idx="2"/>
+          </p:nvPr>
+        </p:nvSpPr>
+        <p:spPr/>
+        <p:txBody>
+          <a:bodyPr/>
+          <a:lstStyle/>
+          <a:p>
+            <a:endParaRPr lang="pt-BR" dirty="0"/>
+          </a:p>
+        </p:txBody>
+      </p:sp>
+      <p:pic>
+        <p:nvPicPr>
+          <p:cNvPr id="8" name="Imagem 7">
+            <a:extLst>
+              <a:ext uri="{FF2B5EF4-FFF2-40B4-BE49-F238E27FC236}">
+                <a16:creationId xmlns:a16="http://schemas.microsoft.com/office/drawing/2014/main" id="{471B9CAC-4D14-DAA6-5FA7-7E99A85D355F}"/>
+              </a:ext>
+            </a:extLst>
+          </p:cNvPr>
+          <p:cNvPicPr>
+            <a:picLocks noChangeAspect="1"/>
+          </p:cNvPicPr>
+          <p:nvPr/>
+        </p:nvPicPr>
+        <p:blipFill>
+          <a:blip r:embed="rId3"/>
+          <a:stretch>
+            <a:fillRect/>
+          </a:stretch>
+        </p:blipFill>
+        <p:spPr>
+          <a:xfrm>
+            <a:off x="182581" y="3428999"/>
+            <a:ext cx="4554466" cy="2481775"/>
           </a:xfrm>
           <a:prstGeom prst="rect">
             <a:avLst/>
@@ -9207,7 +10824,7 @@
     </p:spTree>
     <p:extLst>
       <p:ext uri="{BB962C8B-B14F-4D97-AF65-F5344CB8AC3E}">
-        <p14:creationId xmlns:p14="http://schemas.microsoft.com/office/powerpoint/2010/main" val="3797206122"/>
+        <p14:creationId xmlns:p14="http://schemas.microsoft.com/office/powerpoint/2010/main" val="2478442279"/>
       </p:ext>
     </p:extLst>
   </p:cSld>
@@ -9217,7 +10834,7 @@
 </p:sld>
 </file>
 
-<file path=ppt/slides/slide41.xml><?xml version="1.0" encoding="utf-8"?>
+<file path=ppt/slides/slide51.xml><?xml version="1.0" encoding="utf-8"?>
 <p:sld xmlns:a="http://schemas.openxmlformats.org/drawingml/2006/main" xmlns:r="http://schemas.openxmlformats.org/officeDocument/2006/relationships" xmlns:p="http://schemas.openxmlformats.org/presentationml/2006/main">
   <p:cSld>
     <p:spTree>
@@ -9239,7 +10856,7 @@
           <p:cNvPr id="2" name="Título 1">
             <a:extLst>
               <a:ext uri="{FF2B5EF4-FFF2-40B4-BE49-F238E27FC236}">
-                <a16:creationId xmlns:a16="http://schemas.microsoft.com/office/drawing/2014/main" id="{30A658AA-E3A5-855F-B497-9C0705DE4FFA}"/>
+                <a16:creationId xmlns:a16="http://schemas.microsoft.com/office/drawing/2014/main" id="{1F255166-E68F-7AE6-C3B1-AD79A64DAC86}"/>
               </a:ext>
             </a:extLst>
           </p:cNvPr>
@@ -9257,7 +10874,7 @@
           <a:p>
             <a:r>
               <a:rPr lang="pt-BR" dirty="0"/>
-              <a:t>Pra tirar colunas vazias</a:t>
+              <a:t>Adicionando coluna personalizada, foi feita com uma lista</a:t>
             </a:r>
           </a:p>
         </p:txBody>
@@ -9267,7 +10884,7 @@
           <p:cNvPr id="6" name="Espaço Reservado para Conteúdo 5">
             <a:extLst>
               <a:ext uri="{FF2B5EF4-FFF2-40B4-BE49-F238E27FC236}">
-                <a16:creationId xmlns:a16="http://schemas.microsoft.com/office/drawing/2014/main" id="{2C4E05AA-E487-8CB0-C012-EC43F92434A9}"/>
+                <a16:creationId xmlns:a16="http://schemas.microsoft.com/office/drawing/2014/main" id="{F3F0B86A-1871-FD25-E641-ADB29D709861}"/>
               </a:ext>
             </a:extLst>
           </p:cNvPr>
@@ -9286,8 +10903,8 @@
         </p:blipFill>
         <p:spPr>
           <a:xfrm>
-            <a:off x="5183188" y="2390140"/>
-            <a:ext cx="6172200" cy="2068195"/>
+            <a:off x="6096000" y="1257300"/>
+            <a:ext cx="6172200" cy="3594797"/>
           </a:xfrm>
         </p:spPr>
       </p:pic>
@@ -9296,7 +10913,7 @@
           <p:cNvPr id="4" name="Espaço Reservado para Texto 3">
             <a:extLst>
               <a:ext uri="{FF2B5EF4-FFF2-40B4-BE49-F238E27FC236}">
-                <a16:creationId xmlns:a16="http://schemas.microsoft.com/office/drawing/2014/main" id="{E33056D4-591F-7283-953B-935653361989}"/>
+                <a16:creationId xmlns:a16="http://schemas.microsoft.com/office/drawing/2014/main" id="{0FFD667D-6621-47F9-760C-1F11D494111F}"/>
               </a:ext>
             </a:extLst>
           </p:cNvPr>
@@ -9312,30 +10929,44 @@
           <a:bodyPr/>
           <a:lstStyle/>
           <a:p>
-            <a:r>
-              <a:rPr lang="pt-BR" dirty="0"/>
-              <a:t>Usar </a:t>
-            </a:r>
-            <a:r>
-              <a:rPr lang="pt-BR" dirty="0" err="1"/>
-              <a:t>axis</a:t>
-            </a:r>
-            <a:r>
-              <a:rPr lang="pt-BR" dirty="0"/>
-              <a:t> no </a:t>
-            </a:r>
-            <a:r>
-              <a:rPr lang="pt-BR" dirty="0" err="1"/>
-              <a:t>dropna</a:t>
-            </a:r>
             <a:endParaRPr lang="pt-BR" dirty="0"/>
           </a:p>
         </p:txBody>
       </p:sp>
+      <p:pic>
+        <p:nvPicPr>
+          <p:cNvPr id="8" name="Imagem 7">
+            <a:extLst>
+              <a:ext uri="{FF2B5EF4-FFF2-40B4-BE49-F238E27FC236}">
+                <a16:creationId xmlns:a16="http://schemas.microsoft.com/office/drawing/2014/main" id="{410FD393-BAF5-442D-474A-7BF1EC99CEA2}"/>
+              </a:ext>
+            </a:extLst>
+          </p:cNvPr>
+          <p:cNvPicPr>
+            <a:picLocks noChangeAspect="1"/>
+          </p:cNvPicPr>
+          <p:nvPr/>
+        </p:nvPicPr>
+        <p:blipFill>
+          <a:blip r:embed="rId3"/>
+          <a:stretch>
+            <a:fillRect/>
+          </a:stretch>
+        </p:blipFill>
+        <p:spPr>
+          <a:xfrm>
+            <a:off x="204838" y="2303362"/>
+            <a:ext cx="5618810" cy="4239463"/>
+          </a:xfrm>
+          <a:prstGeom prst="rect">
+            <a:avLst/>
+          </a:prstGeom>
+        </p:spPr>
+      </p:pic>
     </p:spTree>
     <p:extLst>
       <p:ext uri="{BB962C8B-B14F-4D97-AF65-F5344CB8AC3E}">
-        <p14:creationId xmlns:p14="http://schemas.microsoft.com/office/powerpoint/2010/main" val="3419703134"/>
+        <p14:creationId xmlns:p14="http://schemas.microsoft.com/office/powerpoint/2010/main" val="2525502939"/>
       </p:ext>
     </p:extLst>
   </p:cSld>
@@ -9345,7 +10976,7 @@
 </p:sld>
 </file>
 
-<file path=ppt/slides/slide42.xml><?xml version="1.0" encoding="utf-8"?>
+<file path=ppt/slides/slide52.xml><?xml version="1.0" encoding="utf-8"?>
 <p:sld xmlns:a="http://schemas.openxmlformats.org/drawingml/2006/main" xmlns:r="http://schemas.openxmlformats.org/officeDocument/2006/relationships" xmlns:p="http://schemas.openxmlformats.org/presentationml/2006/main">
   <p:cSld>
     <p:spTree>
@@ -9367,7 +10998,7 @@
           <p:cNvPr id="2" name="Título 1">
             <a:extLst>
               <a:ext uri="{FF2B5EF4-FFF2-40B4-BE49-F238E27FC236}">
-                <a16:creationId xmlns:a16="http://schemas.microsoft.com/office/drawing/2014/main" id="{EBAE82AD-635A-6FA2-A256-81EFF42ADED0}"/>
+                <a16:creationId xmlns:a16="http://schemas.microsoft.com/office/drawing/2014/main" id="{C787FCB2-AAF9-D344-AF9D-B72E610A79BE}"/>
               </a:ext>
             </a:extLst>
           </p:cNvPr>
@@ -9380,24 +11011,22 @@
         </p:nvSpPr>
         <p:spPr/>
         <p:txBody>
-          <a:bodyPr>
-            <a:normAutofit fontScale="90000"/>
-          </a:bodyPr>
-          <a:lstStyle/>
-          <a:p>
-            <a:r>
-              <a:rPr lang="pt-BR" dirty="0"/>
-              <a:t>Remove a coluna com base da quantidade de não nulos que eu tenho</a:t>
+          <a:bodyPr/>
+          <a:lstStyle/>
+          <a:p>
+            <a:r>
+              <a:rPr lang="pt-BR" dirty="0"/>
+              <a:t>Cruzando informações</a:t>
             </a:r>
           </a:p>
         </p:txBody>
       </p:sp>
       <p:pic>
         <p:nvPicPr>
-          <p:cNvPr id="6" name="Espaço Reservado para Conteúdo 5">
-            <a:extLst>
-              <a:ext uri="{FF2B5EF4-FFF2-40B4-BE49-F238E27FC236}">
-                <a16:creationId xmlns:a16="http://schemas.microsoft.com/office/drawing/2014/main" id="{AA307D73-EBE3-3497-0977-65CA2699F962}"/>
+          <p:cNvPr id="12" name="Espaço Reservado para Conteúdo 11">
+            <a:extLst>
+              <a:ext uri="{FF2B5EF4-FFF2-40B4-BE49-F238E27FC236}">
+                <a16:creationId xmlns:a16="http://schemas.microsoft.com/office/drawing/2014/main" id="{01EF732C-593B-BD5F-DE14-499A2DA31A48}"/>
               </a:ext>
             </a:extLst>
           </p:cNvPr>
@@ -9416,8 +11045,8 @@
         </p:blipFill>
         <p:spPr>
           <a:xfrm>
-            <a:off x="5282783" y="2290604"/>
-            <a:ext cx="5973009" cy="2267266"/>
+            <a:off x="5688303" y="2707900"/>
+            <a:ext cx="6172200" cy="3607984"/>
           </a:xfrm>
         </p:spPr>
       </p:pic>
@@ -9426,7 +11055,7 @@
           <p:cNvPr id="4" name="Espaço Reservado para Texto 3">
             <a:extLst>
               <a:ext uri="{FF2B5EF4-FFF2-40B4-BE49-F238E27FC236}">
-                <a16:creationId xmlns:a16="http://schemas.microsoft.com/office/drawing/2014/main" id="{DF78FCB2-00C5-1CD8-33F2-047DFD7D982D}"/>
+                <a16:creationId xmlns:a16="http://schemas.microsoft.com/office/drawing/2014/main" id="{97BFDC9B-59AF-2148-0227-354E058DD744}"/>
               </a:ext>
             </a:extLst>
           </p:cNvPr>
@@ -9444,21 +11073,41 @@
           <a:p>
             <a:r>
               <a:rPr lang="pt-BR" dirty="0" err="1"/>
-              <a:t>Thresh</a:t>
-            </a:r>
-            <a:r>
-              <a:rPr lang="pt-BR" dirty="0"/>
-              <a:t> é a quantidade solicitada</a:t>
+              <a:t>How</a:t>
+            </a:r>
+            <a:r>
+              <a:rPr lang="pt-BR" dirty="0"/>
+              <a:t> </a:t>
+            </a:r>
+            <a:r>
+              <a:rPr lang="pt-BR" dirty="0" err="1"/>
+              <a:t>inner</a:t>
+            </a:r>
+            <a:r>
+              <a:rPr lang="pt-BR" dirty="0"/>
+              <a:t> vai pegar apenas que há nas 2 colunas (tem compra e o cliente </a:t>
+            </a:r>
+            <a:r>
+              <a:rPr lang="pt-BR" dirty="0" err="1"/>
+              <a:t>ta</a:t>
+            </a:r>
+            <a:r>
+              <a:rPr lang="pt-BR" dirty="0"/>
+              <a:t> </a:t>
+            </a:r>
+            <a:r>
+              <a:rPr lang="pt-BR"/>
+              <a:t>na base)</a:t>
             </a:r>
           </a:p>
         </p:txBody>
       </p:sp>
       <p:pic>
         <p:nvPicPr>
-          <p:cNvPr id="8" name="Imagem 7">
-            <a:extLst>
-              <a:ext uri="{FF2B5EF4-FFF2-40B4-BE49-F238E27FC236}">
-                <a16:creationId xmlns:a16="http://schemas.microsoft.com/office/drawing/2014/main" id="{7F7761E8-44A7-1BFD-5148-140A4D8B8A18}"/>
+          <p:cNvPr id="6" name="Imagem 5">
+            <a:extLst>
+              <a:ext uri="{FF2B5EF4-FFF2-40B4-BE49-F238E27FC236}">
+                <a16:creationId xmlns:a16="http://schemas.microsoft.com/office/drawing/2014/main" id="{34775724-43D4-7280-5399-34395EBB9A6C}"/>
               </a:ext>
             </a:extLst>
           </p:cNvPr>
@@ -9475,8 +11124,8 @@
         </p:blipFill>
         <p:spPr>
           <a:xfrm>
-            <a:off x="329030" y="3530278"/>
-            <a:ext cx="3612432" cy="2787120"/>
+            <a:off x="147936" y="3225954"/>
+            <a:ext cx="2511016" cy="2976019"/>
           </a:xfrm>
           <a:prstGeom prst="rect">
             <a:avLst/>
@@ -9485,10 +11134,10 @@
       </p:pic>
       <p:pic>
         <p:nvPicPr>
-          <p:cNvPr id="10" name="Imagem 9">
-            <a:extLst>
-              <a:ext uri="{FF2B5EF4-FFF2-40B4-BE49-F238E27FC236}">
-                <a16:creationId xmlns:a16="http://schemas.microsoft.com/office/drawing/2014/main" id="{3BBA27CD-7A84-D393-9E2C-C3EA5D7F7EA3}"/>
+          <p:cNvPr id="8" name="Imagem 7">
+            <a:extLst>
+              <a:ext uri="{FF2B5EF4-FFF2-40B4-BE49-F238E27FC236}">
+                <a16:creationId xmlns:a16="http://schemas.microsoft.com/office/drawing/2014/main" id="{29F7049A-3842-EF04-EFAC-31165DD299B6}"/>
               </a:ext>
             </a:extLst>
           </p:cNvPr>
@@ -9505,8 +11154,8 @@
         </p:blipFill>
         <p:spPr>
           <a:xfrm>
-            <a:off x="4356962" y="3865944"/>
-            <a:ext cx="3478076" cy="2851756"/>
+            <a:off x="2658952" y="3042966"/>
+            <a:ext cx="2912709" cy="2826021"/>
           </a:xfrm>
           <a:prstGeom prst="rect">
             <a:avLst/>
@@ -9515,10 +11164,10 @@
       </p:pic>
       <p:pic>
         <p:nvPicPr>
-          <p:cNvPr id="12" name="Imagem 11">
-            <a:extLst>
-              <a:ext uri="{FF2B5EF4-FFF2-40B4-BE49-F238E27FC236}">
-                <a16:creationId xmlns:a16="http://schemas.microsoft.com/office/drawing/2014/main" id="{2148856A-1DF9-F636-B77A-221657414C91}"/>
+          <p:cNvPr id="10" name="Imagem 9">
+            <a:extLst>
+              <a:ext uri="{FF2B5EF4-FFF2-40B4-BE49-F238E27FC236}">
+                <a16:creationId xmlns:a16="http://schemas.microsoft.com/office/drawing/2014/main" id="{F314C2C9-EA80-B6AA-B8B6-D6D893523B01}"/>
               </a:ext>
             </a:extLst>
           </p:cNvPr>
@@ -9535,8 +11184,8 @@
         </p:blipFill>
         <p:spPr>
           <a:xfrm>
-            <a:off x="8044646" y="4166886"/>
-            <a:ext cx="3211146" cy="2435831"/>
+            <a:off x="5688303" y="795513"/>
+            <a:ext cx="5161970" cy="1682077"/>
           </a:xfrm>
           <a:prstGeom prst="rect">
             <a:avLst/>
@@ -9546,7 +11195,7 @@
     </p:spTree>
     <p:extLst>
       <p:ext uri="{BB962C8B-B14F-4D97-AF65-F5344CB8AC3E}">
-        <p14:creationId xmlns:p14="http://schemas.microsoft.com/office/powerpoint/2010/main" val="753415532"/>
+        <p14:creationId xmlns:p14="http://schemas.microsoft.com/office/powerpoint/2010/main" val="2363142683"/>
       </p:ext>
     </p:extLst>
   </p:cSld>
@@ -9556,7 +11205,112 @@
 </p:sld>
 </file>
 
-<file path=ppt/slides/slide5.xml><?xml version="1.0" encoding="utf-8"?>
+<file path=ppt/slides/slide53.xml><?xml version="1.0" encoding="utf-8"?>
+<p:sld xmlns:a="http://schemas.openxmlformats.org/drawingml/2006/main" xmlns:r="http://schemas.openxmlformats.org/officeDocument/2006/relationships" xmlns:p="http://schemas.openxmlformats.org/presentationml/2006/main">
+  <p:cSld>
+    <p:spTree>
+      <p:nvGrpSpPr>
+        <p:cNvPr id="1" name=""/>
+        <p:cNvGrpSpPr/>
+        <p:nvPr/>
+      </p:nvGrpSpPr>
+      <p:grpSpPr>
+        <a:xfrm>
+          <a:off x="0" y="0"/>
+          <a:ext cx="0" cy="0"/>
+          <a:chOff x="0" y="0"/>
+          <a:chExt cx="0" cy="0"/>
+        </a:xfrm>
+      </p:grpSpPr>
+      <p:sp>
+        <p:nvSpPr>
+          <p:cNvPr id="2" name="Título 1">
+            <a:extLst>
+              <a:ext uri="{FF2B5EF4-FFF2-40B4-BE49-F238E27FC236}">
+                <a16:creationId xmlns:a16="http://schemas.microsoft.com/office/drawing/2014/main" id="{3C0FB13F-8261-50A0-EEA8-31D1B9E02D71}"/>
+              </a:ext>
+            </a:extLst>
+          </p:cNvPr>
+          <p:cNvSpPr>
+            <a:spLocks noGrp="1"/>
+          </p:cNvSpPr>
+          <p:nvPr>
+            <p:ph type="title"/>
+          </p:nvPr>
+        </p:nvSpPr>
+        <p:spPr/>
+        <p:txBody>
+          <a:bodyPr/>
+          <a:lstStyle/>
+          <a:p>
+            <a:endParaRPr lang="pt-BR"/>
+          </a:p>
+        </p:txBody>
+      </p:sp>
+      <p:sp>
+        <p:nvSpPr>
+          <p:cNvPr id="3" name="Espaço Reservado para Conteúdo 2">
+            <a:extLst>
+              <a:ext uri="{FF2B5EF4-FFF2-40B4-BE49-F238E27FC236}">
+                <a16:creationId xmlns:a16="http://schemas.microsoft.com/office/drawing/2014/main" id="{A43E66BF-EEED-8996-7DB0-1B34F240BF92}"/>
+              </a:ext>
+            </a:extLst>
+          </p:cNvPr>
+          <p:cNvSpPr>
+            <a:spLocks noGrp="1"/>
+          </p:cNvSpPr>
+          <p:nvPr>
+            <p:ph idx="1"/>
+          </p:nvPr>
+        </p:nvSpPr>
+        <p:spPr/>
+        <p:txBody>
+          <a:bodyPr/>
+          <a:lstStyle/>
+          <a:p>
+            <a:endParaRPr lang="pt-BR"/>
+          </a:p>
+        </p:txBody>
+      </p:sp>
+      <p:sp>
+        <p:nvSpPr>
+          <p:cNvPr id="4" name="Espaço Reservado para Texto 3">
+            <a:extLst>
+              <a:ext uri="{FF2B5EF4-FFF2-40B4-BE49-F238E27FC236}">
+                <a16:creationId xmlns:a16="http://schemas.microsoft.com/office/drawing/2014/main" id="{7D89819D-52E9-F46E-C6D2-5B7AB9E55CAA}"/>
+              </a:ext>
+            </a:extLst>
+          </p:cNvPr>
+          <p:cNvSpPr>
+            <a:spLocks noGrp="1"/>
+          </p:cNvSpPr>
+          <p:nvPr>
+            <p:ph type="body" sz="half" idx="2"/>
+          </p:nvPr>
+        </p:nvSpPr>
+        <p:spPr/>
+        <p:txBody>
+          <a:bodyPr/>
+          <a:lstStyle/>
+          <a:p>
+            <a:endParaRPr lang="pt-BR"/>
+          </a:p>
+        </p:txBody>
+      </p:sp>
+    </p:spTree>
+    <p:extLst>
+      <p:ext uri="{BB962C8B-B14F-4D97-AF65-F5344CB8AC3E}">
+        <p14:creationId xmlns:p14="http://schemas.microsoft.com/office/powerpoint/2010/main" val="3533453595"/>
+      </p:ext>
+    </p:extLst>
+  </p:cSld>
+  <p:clrMapOvr>
+    <a:masterClrMapping/>
+  </p:clrMapOvr>
+</p:sld>
+</file>
+
+<file path=ppt/slides/slide6.xml><?xml version="1.0" encoding="utf-8"?>
 <p:sld xmlns:a="http://schemas.openxmlformats.org/drawingml/2006/main" xmlns:r="http://schemas.openxmlformats.org/officeDocument/2006/relationships" xmlns:p="http://schemas.openxmlformats.org/presentationml/2006/main">
   <p:cSld>
     <p:spTree>
@@ -9708,7 +11462,7 @@
 </p:sld>
 </file>
 
-<file path=ppt/slides/slide6.xml><?xml version="1.0" encoding="utf-8"?>
+<file path=ppt/slides/slide7.xml><?xml version="1.0" encoding="utf-8"?>
 <p:sld xmlns:a="http://schemas.openxmlformats.org/drawingml/2006/main" xmlns:r="http://schemas.openxmlformats.org/officeDocument/2006/relationships" xmlns:p="http://schemas.openxmlformats.org/presentationml/2006/main">
   <p:cSld>
     <p:spTree>
@@ -9835,7 +11589,7 @@
 </p:sld>
 </file>
 
-<file path=ppt/slides/slide7.xml><?xml version="1.0" encoding="utf-8"?>
+<file path=ppt/slides/slide8.xml><?xml version="1.0" encoding="utf-8"?>
 <p:sld xmlns:a="http://schemas.openxmlformats.org/drawingml/2006/main" xmlns:r="http://schemas.openxmlformats.org/officeDocument/2006/relationships" xmlns:p="http://schemas.openxmlformats.org/presentationml/2006/main">
   <p:cSld>
     <p:spTree>
@@ -10073,7 +11827,7 @@
 </p:sld>
 </file>
 
-<file path=ppt/slides/slide8.xml><?xml version="1.0" encoding="utf-8"?>
+<file path=ppt/slides/slide9.xml><?xml version="1.0" encoding="utf-8"?>
 <p:sld xmlns:a="http://schemas.openxmlformats.org/drawingml/2006/main" xmlns:r="http://schemas.openxmlformats.org/officeDocument/2006/relationships" xmlns:p="http://schemas.openxmlformats.org/presentationml/2006/main">
   <p:cSld>
     <p:spTree>
@@ -10233,174 +11987,6 @@
     <p:extLst>
       <p:ext uri="{BB962C8B-B14F-4D97-AF65-F5344CB8AC3E}">
         <p14:creationId xmlns:p14="http://schemas.microsoft.com/office/powerpoint/2010/main" val="3224756020"/>
-      </p:ext>
-    </p:extLst>
-  </p:cSld>
-  <p:clrMapOvr>
-    <a:masterClrMapping/>
-  </p:clrMapOvr>
-</p:sld>
-</file>
-
-<file path=ppt/slides/slide9.xml><?xml version="1.0" encoding="utf-8"?>
-<p:sld xmlns:a="http://schemas.openxmlformats.org/drawingml/2006/main" xmlns:r="http://schemas.openxmlformats.org/officeDocument/2006/relationships" xmlns:p="http://schemas.openxmlformats.org/presentationml/2006/main">
-  <p:cSld>
-    <p:spTree>
-      <p:nvGrpSpPr>
-        <p:cNvPr id="1" name=""/>
-        <p:cNvGrpSpPr/>
-        <p:nvPr/>
-      </p:nvGrpSpPr>
-      <p:grpSpPr>
-        <a:xfrm>
-          <a:off x="0" y="0"/>
-          <a:ext cx="0" cy="0"/>
-          <a:chOff x="0" y="0"/>
-          <a:chExt cx="0" cy="0"/>
-        </a:xfrm>
-      </p:grpSpPr>
-      <p:sp>
-        <p:nvSpPr>
-          <p:cNvPr id="2" name="Título 1">
-            <a:extLst>
-              <a:ext uri="{FF2B5EF4-FFF2-40B4-BE49-F238E27FC236}">
-                <a16:creationId xmlns:a16="http://schemas.microsoft.com/office/drawing/2014/main" id="{7315AA8B-0426-3C0C-DEEB-BAE90623813F}"/>
-              </a:ext>
-            </a:extLst>
-          </p:cNvPr>
-          <p:cNvSpPr>
-            <a:spLocks noGrp="1"/>
-          </p:cNvSpPr>
-          <p:nvPr>
-            <p:ph type="title"/>
-          </p:nvPr>
-        </p:nvSpPr>
-        <p:spPr/>
-        <p:txBody>
-          <a:bodyPr/>
-          <a:lstStyle/>
-          <a:p>
-            <a:r>
-              <a:rPr lang="pt-BR" dirty="0"/>
-              <a:t>Sobre posição</a:t>
-            </a:r>
-          </a:p>
-        </p:txBody>
-      </p:sp>
-      <p:sp>
-        <p:nvSpPr>
-          <p:cNvPr id="3" name="Espaço Reservado para Conteúdo 2">
-            <a:extLst>
-              <a:ext uri="{FF2B5EF4-FFF2-40B4-BE49-F238E27FC236}">
-                <a16:creationId xmlns:a16="http://schemas.microsoft.com/office/drawing/2014/main" id="{8BC2FCDB-CE2C-01FA-E8F0-212698FF5005}"/>
-              </a:ext>
-            </a:extLst>
-          </p:cNvPr>
-          <p:cNvSpPr>
-            <a:spLocks noGrp="1"/>
-          </p:cNvSpPr>
-          <p:nvPr>
-            <p:ph idx="1"/>
-          </p:nvPr>
-        </p:nvSpPr>
-        <p:spPr/>
-        <p:txBody>
-          <a:bodyPr/>
-          <a:lstStyle/>
-          <a:p>
-            <a:r>
-              <a:rPr lang="pt-BR" dirty="0"/>
-              <a:t>O </a:t>
-            </a:r>
-            <a:r>
-              <a:rPr lang="pt-BR" dirty="0" err="1"/>
-              <a:t>iloc</a:t>
-            </a:r>
-            <a:r>
-              <a:rPr lang="pt-BR" dirty="0"/>
-              <a:t> serve para pegar a posição, abaixo fiz uma inversão da ordem dos números para mostrar, a posição zero ainda pega o primeiro</a:t>
-            </a:r>
-          </a:p>
-          <a:p>
-            <a:r>
-              <a:rPr lang="pt-BR" dirty="0"/>
-              <a:t>O </a:t>
-            </a:r>
-            <a:r>
-              <a:rPr lang="pt-BR" dirty="0" err="1"/>
-              <a:t>loc</a:t>
-            </a:r>
-            <a:r>
-              <a:rPr lang="pt-BR" dirty="0"/>
-              <a:t> traz o índice</a:t>
-            </a:r>
-          </a:p>
-        </p:txBody>
-      </p:sp>
-      <p:pic>
-        <p:nvPicPr>
-          <p:cNvPr id="5" name="Imagem 4">
-            <a:extLst>
-              <a:ext uri="{FF2B5EF4-FFF2-40B4-BE49-F238E27FC236}">
-                <a16:creationId xmlns:a16="http://schemas.microsoft.com/office/drawing/2014/main" id="{A1E03FF3-E80E-E64B-67A4-B5502A47EE90}"/>
-              </a:ext>
-            </a:extLst>
-          </p:cNvPr>
-          <p:cNvPicPr>
-            <a:picLocks noChangeAspect="1"/>
-          </p:cNvPicPr>
-          <p:nvPr/>
-        </p:nvPicPr>
-        <p:blipFill>
-          <a:blip r:embed="rId2"/>
-          <a:stretch>
-            <a:fillRect/>
-          </a:stretch>
-        </p:blipFill>
-        <p:spPr>
-          <a:xfrm>
-            <a:off x="3946232" y="3575825"/>
-            <a:ext cx="8175172" cy="1803253"/>
-          </a:xfrm>
-          <a:prstGeom prst="rect">
-            <a:avLst/>
-          </a:prstGeom>
-        </p:spPr>
-      </p:pic>
-      <p:pic>
-        <p:nvPicPr>
-          <p:cNvPr id="7" name="Imagem 6">
-            <a:extLst>
-              <a:ext uri="{FF2B5EF4-FFF2-40B4-BE49-F238E27FC236}">
-                <a16:creationId xmlns:a16="http://schemas.microsoft.com/office/drawing/2014/main" id="{2A005CC4-D260-C1E7-4B29-DB31C9833F16}"/>
-              </a:ext>
-            </a:extLst>
-          </p:cNvPr>
-          <p:cNvPicPr>
-            <a:picLocks noChangeAspect="1"/>
-          </p:cNvPicPr>
-          <p:nvPr/>
-        </p:nvPicPr>
-        <p:blipFill>
-          <a:blip r:embed="rId3"/>
-          <a:stretch>
-            <a:fillRect/>
-          </a:stretch>
-        </p:blipFill>
-        <p:spPr>
-          <a:xfrm>
-            <a:off x="70596" y="4351161"/>
-            <a:ext cx="3637245" cy="2055834"/>
-          </a:xfrm>
-          <a:prstGeom prst="rect">
-            <a:avLst/>
-          </a:prstGeom>
-        </p:spPr>
-      </p:pic>
-    </p:spTree>
-    <p:extLst>
-      <p:ext uri="{BB962C8B-B14F-4D97-AF65-F5344CB8AC3E}">
-        <p14:creationId xmlns:p14="http://schemas.microsoft.com/office/powerpoint/2010/main" val="2342781615"/>
       </p:ext>
     </p:extLst>
   </p:cSld>
